--- a/slides_workshop_as.pptx
+++ b/slides_workshop_as.pptx
@@ -5,7 +5,7 @@
     <p:sldMasterId id="2147483660" r:id="rId1"/>
   </p:sldMasterIdLst>
   <p:notesMasterIdLst>
-    <p:notesMasterId r:id="rId37"/>
+    <p:notesMasterId r:id="rId40"/>
   </p:notesMasterIdLst>
   <p:sldIdLst>
     <p:sldId id="256" r:id="rId2"/>
@@ -33,16 +33,19 @@
     <p:sldId id="287" r:id="rId24"/>
     <p:sldId id="289" r:id="rId25"/>
     <p:sldId id="290" r:id="rId26"/>
-    <p:sldId id="284" r:id="rId27"/>
-    <p:sldId id="267" r:id="rId28"/>
-    <p:sldId id="259" r:id="rId29"/>
-    <p:sldId id="260" r:id="rId30"/>
-    <p:sldId id="261" r:id="rId31"/>
-    <p:sldId id="262" r:id="rId32"/>
-    <p:sldId id="263" r:id="rId33"/>
-    <p:sldId id="264" r:id="rId34"/>
-    <p:sldId id="265" r:id="rId35"/>
-    <p:sldId id="266" r:id="rId36"/>
+    <p:sldId id="291" r:id="rId27"/>
+    <p:sldId id="292" r:id="rId28"/>
+    <p:sldId id="293" r:id="rId29"/>
+    <p:sldId id="294" r:id="rId30"/>
+    <p:sldId id="297" r:id="rId31"/>
+    <p:sldId id="296" r:id="rId32"/>
+    <p:sldId id="295" r:id="rId33"/>
+    <p:sldId id="298" r:id="rId34"/>
+    <p:sldId id="284" r:id="rId35"/>
+    <p:sldId id="259" r:id="rId36"/>
+    <p:sldId id="264" r:id="rId37"/>
+    <p:sldId id="265" r:id="rId38"/>
+    <p:sldId id="266" r:id="rId39"/>
   </p:sldIdLst>
   <p:sldSz cx="9144000" cy="6858000" type="screen4x3"/>
   <p:notesSz cx="6858000" cy="9144000"/>
@@ -999,6 +1002,642 @@
     <p:extLst>
       <p:ext uri="{BB962C8B-B14F-4D97-AF65-F5344CB8AC3E}">
         <p14:creationId xmlns:p14="http://schemas.microsoft.com/office/powerpoint/2010/main" val="1696181494"/>
+      </p:ext>
+    </p:extLst>
+  </p:cSld>
+  <p:clrMapOvr>
+    <a:masterClrMapping/>
+  </p:clrMapOvr>
+</p:notes>
+</file>
+
+<file path=ppt/notesSlides/notesSlide14.xml><?xml version="1.0" encoding="utf-8"?>
+<p:notes xmlns:a="http://schemas.openxmlformats.org/drawingml/2006/main" xmlns:r="http://schemas.openxmlformats.org/officeDocument/2006/relationships" xmlns:p="http://schemas.openxmlformats.org/presentationml/2006/main">
+  <p:cSld>
+    <p:spTree>
+      <p:nvGrpSpPr>
+        <p:cNvPr id="1" name=""/>
+        <p:cNvGrpSpPr/>
+        <p:nvPr/>
+      </p:nvGrpSpPr>
+      <p:grpSpPr>
+        <a:xfrm>
+          <a:off x="0" y="0"/>
+          <a:ext cx="0" cy="0"/>
+          <a:chOff x="0" y="0"/>
+          <a:chExt cx="0" cy="0"/>
+        </a:xfrm>
+      </p:grpSpPr>
+      <p:sp>
+        <p:nvSpPr>
+          <p:cNvPr id="2" name="Slide Image Placeholder 1"/>
+          <p:cNvSpPr>
+            <a:spLocks noGrp="1" noRot="1" noChangeAspect="1"/>
+          </p:cNvSpPr>
+          <p:nvPr>
+            <p:ph type="sldImg"/>
+          </p:nvPr>
+        </p:nvSpPr>
+        <p:spPr/>
+      </p:sp>
+      <p:sp>
+        <p:nvSpPr>
+          <p:cNvPr id="3" name="Notes Placeholder 2"/>
+          <p:cNvSpPr>
+            <a:spLocks noGrp="1"/>
+          </p:cNvSpPr>
+          <p:nvPr>
+            <p:ph type="body" idx="1"/>
+          </p:nvPr>
+        </p:nvSpPr>
+        <p:spPr/>
+        <p:txBody>
+          <a:bodyPr/>
+          <a:lstStyle/>
+          <a:p>
+            <a:r>
+              <a:rPr lang="en-US" dirty="0" smtClean="0"/>
+              <a:t>Introduce yourself</a:t>
+            </a:r>
+            <a:r>
+              <a:rPr lang="en-US" baseline="0" dirty="0" smtClean="0"/>
+              <a:t> what is your background</a:t>
+            </a:r>
+          </a:p>
+          <a:p>
+            <a:endParaRPr lang="en-US" baseline="0" dirty="0" smtClean="0"/>
+          </a:p>
+          <a:p>
+            <a:endParaRPr lang="en-US" baseline="0" dirty="0" smtClean="0"/>
+          </a:p>
+          <a:p>
+            <a:r>
+              <a:rPr lang="en-US" baseline="0" dirty="0" smtClean="0"/>
+              <a:t>Last half hour exercise designed to work independently :</a:t>
+            </a:r>
+          </a:p>
+          <a:p>
+            <a:endParaRPr lang="en-US" dirty="0"/>
+          </a:p>
+        </p:txBody>
+      </p:sp>
+      <p:sp>
+        <p:nvSpPr>
+          <p:cNvPr id="4" name="Slide Number Placeholder 3"/>
+          <p:cNvSpPr>
+            <a:spLocks noGrp="1"/>
+          </p:cNvSpPr>
+          <p:nvPr>
+            <p:ph type="sldNum" sz="quarter" idx="10"/>
+          </p:nvPr>
+        </p:nvSpPr>
+        <p:spPr/>
+        <p:txBody>
+          <a:bodyPr/>
+          <a:lstStyle/>
+          <a:p>
+            <a:fld id="{6B909522-87ED-4F2A-BA5B-D52B564314C4}" type="slidenum">
+              <a:rPr lang="en-US" smtClean="0"/>
+              <a:t>26</a:t>
+            </a:fld>
+            <a:endParaRPr lang="en-US"/>
+          </a:p>
+        </p:txBody>
+      </p:sp>
+    </p:spTree>
+    <p:extLst>
+      <p:ext uri="{BB962C8B-B14F-4D97-AF65-F5344CB8AC3E}">
+        <p14:creationId xmlns:p14="http://schemas.microsoft.com/office/powerpoint/2010/main" val="1540456255"/>
+      </p:ext>
+    </p:extLst>
+  </p:cSld>
+  <p:clrMapOvr>
+    <a:masterClrMapping/>
+  </p:clrMapOvr>
+</p:notes>
+</file>
+
+<file path=ppt/notesSlides/notesSlide15.xml><?xml version="1.0" encoding="utf-8"?>
+<p:notes xmlns:a="http://schemas.openxmlformats.org/drawingml/2006/main" xmlns:r="http://schemas.openxmlformats.org/officeDocument/2006/relationships" xmlns:p="http://schemas.openxmlformats.org/presentationml/2006/main">
+  <p:cSld>
+    <p:spTree>
+      <p:nvGrpSpPr>
+        <p:cNvPr id="1" name=""/>
+        <p:cNvGrpSpPr/>
+        <p:nvPr/>
+      </p:nvGrpSpPr>
+      <p:grpSpPr>
+        <a:xfrm>
+          <a:off x="0" y="0"/>
+          <a:ext cx="0" cy="0"/>
+          <a:chOff x="0" y="0"/>
+          <a:chExt cx="0" cy="0"/>
+        </a:xfrm>
+      </p:grpSpPr>
+      <p:sp>
+        <p:nvSpPr>
+          <p:cNvPr id="2" name="Slide Image Placeholder 1"/>
+          <p:cNvSpPr>
+            <a:spLocks noGrp="1" noRot="1" noChangeAspect="1"/>
+          </p:cNvSpPr>
+          <p:nvPr>
+            <p:ph type="sldImg"/>
+          </p:nvPr>
+        </p:nvSpPr>
+        <p:spPr/>
+      </p:sp>
+      <p:sp>
+        <p:nvSpPr>
+          <p:cNvPr id="3" name="Notes Placeholder 2"/>
+          <p:cNvSpPr>
+            <a:spLocks noGrp="1"/>
+          </p:cNvSpPr>
+          <p:nvPr>
+            <p:ph type="body" idx="1"/>
+          </p:nvPr>
+        </p:nvSpPr>
+        <p:spPr/>
+        <p:txBody>
+          <a:bodyPr/>
+          <a:lstStyle/>
+          <a:p>
+            <a:r>
+              <a:rPr lang="en-US" dirty="0" smtClean="0"/>
+              <a:t>Introduce yourself</a:t>
+            </a:r>
+            <a:r>
+              <a:rPr lang="en-US" baseline="0" dirty="0" smtClean="0"/>
+              <a:t> what is your background</a:t>
+            </a:r>
+          </a:p>
+          <a:p>
+            <a:endParaRPr lang="en-US" baseline="0" dirty="0" smtClean="0"/>
+          </a:p>
+          <a:p>
+            <a:endParaRPr lang="en-US" baseline="0" dirty="0" smtClean="0"/>
+          </a:p>
+          <a:p>
+            <a:r>
+              <a:rPr lang="en-US" baseline="0" dirty="0" smtClean="0"/>
+              <a:t>Last half hour exercise designed to work independently :</a:t>
+            </a:r>
+          </a:p>
+          <a:p>
+            <a:endParaRPr lang="en-US" dirty="0"/>
+          </a:p>
+        </p:txBody>
+      </p:sp>
+      <p:sp>
+        <p:nvSpPr>
+          <p:cNvPr id="4" name="Slide Number Placeholder 3"/>
+          <p:cNvSpPr>
+            <a:spLocks noGrp="1"/>
+          </p:cNvSpPr>
+          <p:nvPr>
+            <p:ph type="sldNum" sz="quarter" idx="10"/>
+          </p:nvPr>
+        </p:nvSpPr>
+        <p:spPr/>
+        <p:txBody>
+          <a:bodyPr/>
+          <a:lstStyle/>
+          <a:p>
+            <a:fld id="{6B909522-87ED-4F2A-BA5B-D52B564314C4}" type="slidenum">
+              <a:rPr lang="en-US" smtClean="0"/>
+              <a:t>28</a:t>
+            </a:fld>
+            <a:endParaRPr lang="en-US"/>
+          </a:p>
+        </p:txBody>
+      </p:sp>
+    </p:spTree>
+    <p:extLst>
+      <p:ext uri="{BB962C8B-B14F-4D97-AF65-F5344CB8AC3E}">
+        <p14:creationId xmlns:p14="http://schemas.microsoft.com/office/powerpoint/2010/main" val="689291990"/>
+      </p:ext>
+    </p:extLst>
+  </p:cSld>
+  <p:clrMapOvr>
+    <a:masterClrMapping/>
+  </p:clrMapOvr>
+</p:notes>
+</file>
+
+<file path=ppt/notesSlides/notesSlide16.xml><?xml version="1.0" encoding="utf-8"?>
+<p:notes xmlns:a="http://schemas.openxmlformats.org/drawingml/2006/main" xmlns:r="http://schemas.openxmlformats.org/officeDocument/2006/relationships" xmlns:p="http://schemas.openxmlformats.org/presentationml/2006/main">
+  <p:cSld>
+    <p:spTree>
+      <p:nvGrpSpPr>
+        <p:cNvPr id="1" name=""/>
+        <p:cNvGrpSpPr/>
+        <p:nvPr/>
+      </p:nvGrpSpPr>
+      <p:grpSpPr>
+        <a:xfrm>
+          <a:off x="0" y="0"/>
+          <a:ext cx="0" cy="0"/>
+          <a:chOff x="0" y="0"/>
+          <a:chExt cx="0" cy="0"/>
+        </a:xfrm>
+      </p:grpSpPr>
+      <p:sp>
+        <p:nvSpPr>
+          <p:cNvPr id="2" name="Slide Image Placeholder 1"/>
+          <p:cNvSpPr>
+            <a:spLocks noGrp="1" noRot="1" noChangeAspect="1"/>
+          </p:cNvSpPr>
+          <p:nvPr>
+            <p:ph type="sldImg"/>
+          </p:nvPr>
+        </p:nvSpPr>
+        <p:spPr/>
+      </p:sp>
+      <p:sp>
+        <p:nvSpPr>
+          <p:cNvPr id="3" name="Notes Placeholder 2"/>
+          <p:cNvSpPr>
+            <a:spLocks noGrp="1"/>
+          </p:cNvSpPr>
+          <p:nvPr>
+            <p:ph type="body" idx="1"/>
+          </p:nvPr>
+        </p:nvSpPr>
+        <p:spPr/>
+        <p:txBody>
+          <a:bodyPr/>
+          <a:lstStyle/>
+          <a:p>
+            <a:r>
+              <a:rPr lang="en-US" dirty="0" smtClean="0"/>
+              <a:t>Introduce yourself</a:t>
+            </a:r>
+            <a:r>
+              <a:rPr lang="en-US" baseline="0" dirty="0" smtClean="0"/>
+              <a:t> what is your background</a:t>
+            </a:r>
+          </a:p>
+          <a:p>
+            <a:endParaRPr lang="en-US" baseline="0" dirty="0" smtClean="0"/>
+          </a:p>
+          <a:p>
+            <a:endParaRPr lang="en-US" baseline="0" dirty="0" smtClean="0"/>
+          </a:p>
+          <a:p>
+            <a:r>
+              <a:rPr lang="en-US" baseline="0" dirty="0" smtClean="0"/>
+              <a:t>Last half hour exercise designed to work independently :</a:t>
+            </a:r>
+          </a:p>
+          <a:p>
+            <a:endParaRPr lang="en-US" dirty="0"/>
+          </a:p>
+        </p:txBody>
+      </p:sp>
+      <p:sp>
+        <p:nvSpPr>
+          <p:cNvPr id="4" name="Slide Number Placeholder 3"/>
+          <p:cNvSpPr>
+            <a:spLocks noGrp="1"/>
+          </p:cNvSpPr>
+          <p:nvPr>
+            <p:ph type="sldNum" sz="quarter" idx="10"/>
+          </p:nvPr>
+        </p:nvSpPr>
+        <p:spPr/>
+        <p:txBody>
+          <a:bodyPr/>
+          <a:lstStyle/>
+          <a:p>
+            <a:fld id="{6B909522-87ED-4F2A-BA5B-D52B564314C4}" type="slidenum">
+              <a:rPr lang="en-US" smtClean="0"/>
+              <a:t>29</a:t>
+            </a:fld>
+            <a:endParaRPr lang="en-US"/>
+          </a:p>
+        </p:txBody>
+      </p:sp>
+    </p:spTree>
+    <p:extLst>
+      <p:ext uri="{BB962C8B-B14F-4D97-AF65-F5344CB8AC3E}">
+        <p14:creationId xmlns:p14="http://schemas.microsoft.com/office/powerpoint/2010/main" val="2853386761"/>
+      </p:ext>
+    </p:extLst>
+  </p:cSld>
+  <p:clrMapOvr>
+    <a:masterClrMapping/>
+  </p:clrMapOvr>
+</p:notes>
+</file>
+
+<file path=ppt/notesSlides/notesSlide17.xml><?xml version="1.0" encoding="utf-8"?>
+<p:notes xmlns:a="http://schemas.openxmlformats.org/drawingml/2006/main" xmlns:r="http://schemas.openxmlformats.org/officeDocument/2006/relationships" xmlns:p="http://schemas.openxmlformats.org/presentationml/2006/main">
+  <p:cSld>
+    <p:spTree>
+      <p:nvGrpSpPr>
+        <p:cNvPr id="1" name=""/>
+        <p:cNvGrpSpPr/>
+        <p:nvPr/>
+      </p:nvGrpSpPr>
+      <p:grpSpPr>
+        <a:xfrm>
+          <a:off x="0" y="0"/>
+          <a:ext cx="0" cy="0"/>
+          <a:chOff x="0" y="0"/>
+          <a:chExt cx="0" cy="0"/>
+        </a:xfrm>
+      </p:grpSpPr>
+      <p:sp>
+        <p:nvSpPr>
+          <p:cNvPr id="2" name="Slide Image Placeholder 1"/>
+          <p:cNvSpPr>
+            <a:spLocks noGrp="1" noRot="1" noChangeAspect="1"/>
+          </p:cNvSpPr>
+          <p:nvPr>
+            <p:ph type="sldImg"/>
+          </p:nvPr>
+        </p:nvSpPr>
+        <p:spPr/>
+      </p:sp>
+      <p:sp>
+        <p:nvSpPr>
+          <p:cNvPr id="3" name="Notes Placeholder 2"/>
+          <p:cNvSpPr>
+            <a:spLocks noGrp="1"/>
+          </p:cNvSpPr>
+          <p:nvPr>
+            <p:ph type="body" idx="1"/>
+          </p:nvPr>
+        </p:nvSpPr>
+        <p:spPr/>
+        <p:txBody>
+          <a:bodyPr/>
+          <a:lstStyle/>
+          <a:p>
+            <a:r>
+              <a:rPr lang="en-US" dirty="0" smtClean="0"/>
+              <a:t>Introduce yourself</a:t>
+            </a:r>
+            <a:r>
+              <a:rPr lang="en-US" baseline="0" dirty="0" smtClean="0"/>
+              <a:t> what is your background</a:t>
+            </a:r>
+          </a:p>
+          <a:p>
+            <a:endParaRPr lang="en-US" baseline="0" dirty="0" smtClean="0"/>
+          </a:p>
+          <a:p>
+            <a:endParaRPr lang="en-US" baseline="0" dirty="0" smtClean="0"/>
+          </a:p>
+          <a:p>
+            <a:r>
+              <a:rPr lang="en-US" baseline="0" dirty="0" smtClean="0"/>
+              <a:t>Last half hour exercise designed to work independently :</a:t>
+            </a:r>
+          </a:p>
+          <a:p>
+            <a:endParaRPr lang="en-US" dirty="0"/>
+          </a:p>
+        </p:txBody>
+      </p:sp>
+      <p:sp>
+        <p:nvSpPr>
+          <p:cNvPr id="4" name="Slide Number Placeholder 3"/>
+          <p:cNvSpPr>
+            <a:spLocks noGrp="1"/>
+          </p:cNvSpPr>
+          <p:nvPr>
+            <p:ph type="sldNum" sz="quarter" idx="10"/>
+          </p:nvPr>
+        </p:nvSpPr>
+        <p:spPr/>
+        <p:txBody>
+          <a:bodyPr/>
+          <a:lstStyle/>
+          <a:p>
+            <a:fld id="{6B909522-87ED-4F2A-BA5B-D52B564314C4}" type="slidenum">
+              <a:rPr lang="en-US" smtClean="0"/>
+              <a:t>30</a:t>
+            </a:fld>
+            <a:endParaRPr lang="en-US"/>
+          </a:p>
+        </p:txBody>
+      </p:sp>
+    </p:spTree>
+    <p:extLst>
+      <p:ext uri="{BB962C8B-B14F-4D97-AF65-F5344CB8AC3E}">
+        <p14:creationId xmlns:p14="http://schemas.microsoft.com/office/powerpoint/2010/main" val="3008448139"/>
+      </p:ext>
+    </p:extLst>
+  </p:cSld>
+  <p:clrMapOvr>
+    <a:masterClrMapping/>
+  </p:clrMapOvr>
+</p:notes>
+</file>
+
+<file path=ppt/notesSlides/notesSlide18.xml><?xml version="1.0" encoding="utf-8"?>
+<p:notes xmlns:a="http://schemas.openxmlformats.org/drawingml/2006/main" xmlns:r="http://schemas.openxmlformats.org/officeDocument/2006/relationships" xmlns:p="http://schemas.openxmlformats.org/presentationml/2006/main">
+  <p:cSld>
+    <p:spTree>
+      <p:nvGrpSpPr>
+        <p:cNvPr id="1" name=""/>
+        <p:cNvGrpSpPr/>
+        <p:nvPr/>
+      </p:nvGrpSpPr>
+      <p:grpSpPr>
+        <a:xfrm>
+          <a:off x="0" y="0"/>
+          <a:ext cx="0" cy="0"/>
+          <a:chOff x="0" y="0"/>
+          <a:chExt cx="0" cy="0"/>
+        </a:xfrm>
+      </p:grpSpPr>
+      <p:sp>
+        <p:nvSpPr>
+          <p:cNvPr id="2" name="Slide Image Placeholder 1"/>
+          <p:cNvSpPr>
+            <a:spLocks noGrp="1" noRot="1" noChangeAspect="1"/>
+          </p:cNvSpPr>
+          <p:nvPr>
+            <p:ph type="sldImg"/>
+          </p:nvPr>
+        </p:nvSpPr>
+        <p:spPr/>
+      </p:sp>
+      <p:sp>
+        <p:nvSpPr>
+          <p:cNvPr id="3" name="Notes Placeholder 2"/>
+          <p:cNvSpPr>
+            <a:spLocks noGrp="1"/>
+          </p:cNvSpPr>
+          <p:nvPr>
+            <p:ph type="body" idx="1"/>
+          </p:nvPr>
+        </p:nvSpPr>
+        <p:spPr/>
+        <p:txBody>
+          <a:bodyPr/>
+          <a:lstStyle/>
+          <a:p>
+            <a:r>
+              <a:rPr lang="en-US" dirty="0" smtClean="0"/>
+              <a:t>Introduce yourself</a:t>
+            </a:r>
+            <a:r>
+              <a:rPr lang="en-US" baseline="0" dirty="0" smtClean="0"/>
+              <a:t> what is your background</a:t>
+            </a:r>
+          </a:p>
+          <a:p>
+            <a:endParaRPr lang="en-US" baseline="0" dirty="0" smtClean="0"/>
+          </a:p>
+          <a:p>
+            <a:endParaRPr lang="en-US" baseline="0" dirty="0" smtClean="0"/>
+          </a:p>
+          <a:p>
+            <a:r>
+              <a:rPr lang="en-US" baseline="0" dirty="0" smtClean="0"/>
+              <a:t>Last half hour exercise designed to work independently :</a:t>
+            </a:r>
+          </a:p>
+          <a:p>
+            <a:endParaRPr lang="en-US" dirty="0"/>
+          </a:p>
+        </p:txBody>
+      </p:sp>
+      <p:sp>
+        <p:nvSpPr>
+          <p:cNvPr id="4" name="Slide Number Placeholder 3"/>
+          <p:cNvSpPr>
+            <a:spLocks noGrp="1"/>
+          </p:cNvSpPr>
+          <p:nvPr>
+            <p:ph type="sldNum" sz="quarter" idx="10"/>
+          </p:nvPr>
+        </p:nvSpPr>
+        <p:spPr/>
+        <p:txBody>
+          <a:bodyPr/>
+          <a:lstStyle/>
+          <a:p>
+            <a:fld id="{6B909522-87ED-4F2A-BA5B-D52B564314C4}" type="slidenum">
+              <a:rPr lang="en-US" smtClean="0"/>
+              <a:t>32</a:t>
+            </a:fld>
+            <a:endParaRPr lang="en-US"/>
+          </a:p>
+        </p:txBody>
+      </p:sp>
+    </p:spTree>
+    <p:extLst>
+      <p:ext uri="{BB962C8B-B14F-4D97-AF65-F5344CB8AC3E}">
+        <p14:creationId xmlns:p14="http://schemas.microsoft.com/office/powerpoint/2010/main" val="2856400231"/>
+      </p:ext>
+    </p:extLst>
+  </p:cSld>
+  <p:clrMapOvr>
+    <a:masterClrMapping/>
+  </p:clrMapOvr>
+</p:notes>
+</file>
+
+<file path=ppt/notesSlides/notesSlide19.xml><?xml version="1.0" encoding="utf-8"?>
+<p:notes xmlns:a="http://schemas.openxmlformats.org/drawingml/2006/main" xmlns:r="http://schemas.openxmlformats.org/officeDocument/2006/relationships" xmlns:p="http://schemas.openxmlformats.org/presentationml/2006/main">
+  <p:cSld>
+    <p:spTree>
+      <p:nvGrpSpPr>
+        <p:cNvPr id="1" name=""/>
+        <p:cNvGrpSpPr/>
+        <p:nvPr/>
+      </p:nvGrpSpPr>
+      <p:grpSpPr>
+        <a:xfrm>
+          <a:off x="0" y="0"/>
+          <a:ext cx="0" cy="0"/>
+          <a:chOff x="0" y="0"/>
+          <a:chExt cx="0" cy="0"/>
+        </a:xfrm>
+      </p:grpSpPr>
+      <p:sp>
+        <p:nvSpPr>
+          <p:cNvPr id="2" name="Slide Image Placeholder 1"/>
+          <p:cNvSpPr>
+            <a:spLocks noGrp="1" noRot="1" noChangeAspect="1"/>
+          </p:cNvSpPr>
+          <p:nvPr>
+            <p:ph type="sldImg"/>
+          </p:nvPr>
+        </p:nvSpPr>
+        <p:spPr/>
+      </p:sp>
+      <p:sp>
+        <p:nvSpPr>
+          <p:cNvPr id="3" name="Notes Placeholder 2"/>
+          <p:cNvSpPr>
+            <a:spLocks noGrp="1"/>
+          </p:cNvSpPr>
+          <p:nvPr>
+            <p:ph type="body" idx="1"/>
+          </p:nvPr>
+        </p:nvSpPr>
+        <p:spPr/>
+        <p:txBody>
+          <a:bodyPr/>
+          <a:lstStyle/>
+          <a:p>
+            <a:r>
+              <a:rPr lang="en-US" dirty="0" smtClean="0"/>
+              <a:t>Introduce yourself</a:t>
+            </a:r>
+            <a:r>
+              <a:rPr lang="en-US" baseline="0" dirty="0" smtClean="0"/>
+              <a:t> what is your background</a:t>
+            </a:r>
+          </a:p>
+          <a:p>
+            <a:endParaRPr lang="en-US" baseline="0" dirty="0" smtClean="0"/>
+          </a:p>
+          <a:p>
+            <a:endParaRPr lang="en-US" baseline="0" dirty="0" smtClean="0"/>
+          </a:p>
+          <a:p>
+            <a:r>
+              <a:rPr lang="en-US" baseline="0" dirty="0" smtClean="0"/>
+              <a:t>Last half hour exercise designed to work independently :</a:t>
+            </a:r>
+          </a:p>
+          <a:p>
+            <a:endParaRPr lang="en-US" dirty="0"/>
+          </a:p>
+        </p:txBody>
+      </p:sp>
+      <p:sp>
+        <p:nvSpPr>
+          <p:cNvPr id="4" name="Slide Number Placeholder 3"/>
+          <p:cNvSpPr>
+            <a:spLocks noGrp="1"/>
+          </p:cNvSpPr>
+          <p:nvPr>
+            <p:ph type="sldNum" sz="quarter" idx="10"/>
+          </p:nvPr>
+        </p:nvSpPr>
+        <p:spPr/>
+        <p:txBody>
+          <a:bodyPr/>
+          <a:lstStyle/>
+          <a:p>
+            <a:fld id="{6B909522-87ED-4F2A-BA5B-D52B564314C4}" type="slidenum">
+              <a:rPr lang="en-US" smtClean="0"/>
+              <a:t>33</a:t>
+            </a:fld>
+            <a:endParaRPr lang="en-US"/>
+          </a:p>
+        </p:txBody>
+      </p:sp>
+    </p:spTree>
+    <p:extLst>
+      <p:ext uri="{BB962C8B-B14F-4D97-AF65-F5344CB8AC3E}">
+        <p14:creationId xmlns:p14="http://schemas.microsoft.com/office/powerpoint/2010/main" val="1819780564"/>
       </p:ext>
     </p:extLst>
   </p:cSld>
@@ -5914,7 +6553,6 @@
               <a:rPr lang="en-US" dirty="0" smtClean="0"/>
               <a:t> for the commands</a:t>
             </a:r>
-            <a:endParaRPr lang="en-US" dirty="0" smtClean="0"/>
           </a:p>
         </p:txBody>
       </p:sp>
@@ -6654,14 +7292,40 @@
                 <a:latin typeface="Consolas" panose="020B0609020204030204" pitchFamily="49" charset="0"/>
                 <a:cs typeface="Consolas" panose="020B0609020204030204" pitchFamily="49" charset="0"/>
               </a:rPr>
-              <a:t>What files do you see</a:t>
+              <a:t>What files do you see?</a:t>
+            </a:r>
+          </a:p>
+          <a:p>
+            <a:pPr marL="0" indent="0">
+              <a:buNone/>
+            </a:pPr>
+            <a:r>
+              <a:rPr lang="en-US" sz="1400" i="1" dirty="0">
+                <a:latin typeface="Consolas" panose="020B0609020204030204" pitchFamily="49" charset="0"/>
+                <a:cs typeface="Consolas" panose="020B0609020204030204" pitchFamily="49" charset="0"/>
+              </a:rPr>
+              <a:t># </a:t>
             </a:r>
             <a:r>
               <a:rPr lang="en-US" sz="1400" i="1" dirty="0" smtClean="0">
                 <a:latin typeface="Consolas" panose="020B0609020204030204" pitchFamily="49" charset="0"/>
                 <a:cs typeface="Consolas" panose="020B0609020204030204" pitchFamily="49" charset="0"/>
               </a:rPr>
-              <a:t>?</a:t>
+              <a:t>Note: you </a:t>
+            </a:r>
+            <a:r>
+              <a:rPr lang="en-US" sz="1400" i="1" dirty="0">
+                <a:latin typeface="Consolas" panose="020B0609020204030204" pitchFamily="49" charset="0"/>
+                <a:cs typeface="Consolas" panose="020B0609020204030204" pitchFamily="49" charset="0"/>
+              </a:rPr>
+              <a:t>can also use “./</a:t>
+            </a:r>
+            <a:r>
+              <a:rPr lang="en-US" sz="1400" i="1" dirty="0" smtClean="0">
+                <a:latin typeface="Consolas" panose="020B0609020204030204" pitchFamily="49" charset="0"/>
+                <a:cs typeface="Consolas" panose="020B0609020204030204" pitchFamily="49" charset="0"/>
+              </a:rPr>
+              <a:t>WORKSHOP_FILES”, they both mean same</a:t>
             </a:r>
           </a:p>
           <a:p>
@@ -6669,55 +7333,11 @@
               <a:buNone/>
             </a:pPr>
             <a:r>
-              <a:rPr lang="en-US" sz="1400" i="1" dirty="0">
-                <a:latin typeface="Consolas" panose="020B0609020204030204" pitchFamily="49" charset="0"/>
-                <a:cs typeface="Consolas" panose="020B0609020204030204" pitchFamily="49" charset="0"/>
-              </a:rPr>
-              <a:t># </a:t>
-            </a:r>
-            <a:r>
               <a:rPr lang="en-US" sz="1400" i="1" dirty="0" smtClean="0">
                 <a:latin typeface="Consolas" panose="020B0609020204030204" pitchFamily="49" charset="0"/>
                 <a:cs typeface="Consolas" panose="020B0609020204030204" pitchFamily="49" charset="0"/>
               </a:rPr>
-              <a:t>Note: you </a:t>
-            </a:r>
-            <a:r>
-              <a:rPr lang="en-US" sz="1400" i="1" dirty="0">
-                <a:latin typeface="Consolas" panose="020B0609020204030204" pitchFamily="49" charset="0"/>
-                <a:cs typeface="Consolas" panose="020B0609020204030204" pitchFamily="49" charset="0"/>
-              </a:rPr>
-              <a:t>can also use “./</a:t>
-            </a:r>
-            <a:r>
-              <a:rPr lang="en-US" sz="1400" i="1" dirty="0" smtClean="0">
-                <a:latin typeface="Consolas" panose="020B0609020204030204" pitchFamily="49" charset="0"/>
-                <a:cs typeface="Consolas" panose="020B0609020204030204" pitchFamily="49" charset="0"/>
-              </a:rPr>
-              <a:t>WORKSHOP_FILES”, they both mean same</a:t>
-            </a:r>
-            <a:endParaRPr lang="en-US" sz="1400" i="1" dirty="0" smtClean="0">
-              <a:latin typeface="Consolas" panose="020B0609020204030204" pitchFamily="49" charset="0"/>
-              <a:cs typeface="Consolas" panose="020B0609020204030204" pitchFamily="49" charset="0"/>
-            </a:endParaRPr>
-          </a:p>
-          <a:p>
-            <a:pPr marL="0" indent="0">
-              <a:buNone/>
-            </a:pPr>
-            <a:r>
-              <a:rPr lang="en-US" sz="1400" i="1" dirty="0" smtClean="0">
-                <a:latin typeface="Consolas" panose="020B0609020204030204" pitchFamily="49" charset="0"/>
-                <a:cs typeface="Consolas" panose="020B0609020204030204" pitchFamily="49" charset="0"/>
-              </a:rPr>
-              <a:t># </a:t>
-            </a:r>
-            <a:r>
-              <a:rPr lang="en-US" sz="1400" i="1" dirty="0" smtClean="0">
-                <a:latin typeface="Consolas" panose="020B0609020204030204" pitchFamily="49" charset="0"/>
-                <a:cs typeface="Consolas" panose="020B0609020204030204" pitchFamily="49" charset="0"/>
-              </a:rPr>
-              <a:t>Now type:</a:t>
+              <a:t># Now type:</a:t>
             </a:r>
           </a:p>
           <a:p>
@@ -10246,7 +10866,6 @@
               <a:rPr lang="en-US" dirty="0"/>
               <a:t>Getting help</a:t>
             </a:r>
-            <a:endParaRPr lang="en-US" dirty="0"/>
           </a:p>
         </p:txBody>
       </p:sp>
@@ -10283,10 +10902,6 @@
               </a:rPr>
               <a:t># Let’s look at an example, open man page for the ls command</a:t>
             </a:r>
-            <a:endParaRPr lang="en-US" sz="1400" i="1" dirty="0" smtClean="0">
-              <a:latin typeface="Consolas" panose="020B0609020204030204" pitchFamily="49" charset="0"/>
-              <a:cs typeface="Consolas" panose="020B0609020204030204" pitchFamily="49" charset="0"/>
-            </a:endParaRPr>
           </a:p>
           <a:p>
             <a:pPr marL="0" indent="0">
@@ -10322,13 +10937,6 @@
               </a:rPr>
               <a:t>man ls</a:t>
             </a:r>
-            <a:endParaRPr lang="en-US" sz="1400" dirty="0" smtClean="0">
-              <a:solidFill>
-                <a:srgbClr val="00B050"/>
-              </a:solidFill>
-              <a:latin typeface="Consolas" panose="020B0609020204030204" pitchFamily="49" charset="0"/>
-              <a:cs typeface="Consolas" panose="020B0609020204030204" pitchFamily="49" charset="0"/>
-            </a:endParaRPr>
           </a:p>
           <a:p>
             <a:pPr marL="0" indent="0">
@@ -11446,10 +12054,6 @@
               </a:rPr>
               <a:t># this will allow us to restore all the files if anything wrong happens</a:t>
             </a:r>
-            <a:endParaRPr lang="en-US" sz="1400" i="1" dirty="0" smtClean="0">
-              <a:latin typeface="Consolas" panose="020B0609020204030204" pitchFamily="49" charset="0"/>
-              <a:cs typeface="Consolas" panose="020B0609020204030204" pitchFamily="49" charset="0"/>
-            </a:endParaRPr>
           </a:p>
           <a:p>
             <a:pPr marL="0" indent="0">
@@ -12094,14 +12698,7 @@
                 <a:latin typeface="Consolas" panose="020B0609020204030204" pitchFamily="49" charset="0"/>
                 <a:cs typeface="Consolas" panose="020B0609020204030204" pitchFamily="49" charset="0"/>
               </a:rPr>
-              <a:t># Let’s rename th</a:t>
-            </a:r>
-            <a:r>
-              <a:rPr lang="en-US" sz="1400" i="1" dirty="0" smtClean="0">
-                <a:latin typeface="Consolas" panose="020B0609020204030204" pitchFamily="49" charset="0"/>
-                <a:cs typeface="Consolas" panose="020B0609020204030204" pitchFamily="49" charset="0"/>
-              </a:rPr>
-              <a:t>e copied files to something else</a:t>
+              <a:t># Let’s rename the copied files to something else</a:t>
             </a:r>
           </a:p>
           <a:p>
@@ -12902,14 +13499,7 @@
                 <a:latin typeface="Consolas" panose="020B0609020204030204" pitchFamily="49" charset="0"/>
                 <a:cs typeface="Consolas" panose="020B0609020204030204" pitchFamily="49" charset="0"/>
               </a:rPr>
-              <a:t># Let’s rename th</a:t>
-            </a:r>
-            <a:r>
-              <a:rPr lang="en-US" sz="1400" i="1" dirty="0" smtClean="0">
-                <a:latin typeface="Consolas" panose="020B0609020204030204" pitchFamily="49" charset="0"/>
-                <a:cs typeface="Consolas" panose="020B0609020204030204" pitchFamily="49" charset="0"/>
-              </a:rPr>
-              <a:t>e copied files to something else</a:t>
+              <a:t># Let’s rename the copied files to something else</a:t>
             </a:r>
           </a:p>
           <a:p>
@@ -13516,14 +14106,7 @@
                 <a:latin typeface="Consolas" panose="020B0609020204030204" pitchFamily="49" charset="0"/>
                 <a:cs typeface="Consolas" panose="020B0609020204030204" pitchFamily="49" charset="0"/>
               </a:rPr>
-              <a:t># Let’s rename th</a:t>
-            </a:r>
-            <a:r>
-              <a:rPr lang="en-US" sz="1400" i="1" dirty="0" smtClean="0">
-                <a:latin typeface="Consolas" panose="020B0609020204030204" pitchFamily="49" charset="0"/>
-                <a:cs typeface="Consolas" panose="020B0609020204030204" pitchFamily="49" charset="0"/>
-              </a:rPr>
-              <a:t>e copied files to something else</a:t>
+              <a:t># Let’s rename the copied files to something else</a:t>
             </a:r>
           </a:p>
           <a:p>
@@ -14185,7 +14768,12 @@
             <p:ph type="title"/>
           </p:nvPr>
         </p:nvSpPr>
-        <p:spPr/>
+        <p:spPr>
+          <a:xfrm>
+            <a:off x="212725" y="41476"/>
+            <a:ext cx="7772400" cy="1143000"/>
+          </a:xfrm>
+        </p:spPr>
         <p:txBody>
           <a:bodyPr/>
           <a:lstStyle/>
@@ -14211,7 +14799,7 @@
         <p:spPr>
           <a:xfrm>
             <a:off x="97654" y="1295399"/>
-            <a:ext cx="8939814" cy="5034379"/>
+            <a:ext cx="8939814" cy="3010383"/>
           </a:xfrm>
           <a:solidFill>
             <a:schemeClr val="tx1"/>
@@ -14229,15 +14817,19 @@
                 <a:latin typeface="Consolas" panose="020B0609020204030204" pitchFamily="49" charset="0"/>
                 <a:cs typeface="Consolas" panose="020B0609020204030204" pitchFamily="49" charset="0"/>
               </a:rPr>
-              <a:t># Let’s rename th</a:t>
+              <a:t># Let’s </a:t>
             </a:r>
             <a:r>
               <a:rPr lang="en-US" sz="1400" i="1" dirty="0" smtClean="0">
                 <a:latin typeface="Consolas" panose="020B0609020204030204" pitchFamily="49" charset="0"/>
                 <a:cs typeface="Consolas" panose="020B0609020204030204" pitchFamily="49" charset="0"/>
               </a:rPr>
-              <a:t>e copied files to something else</a:t>
-            </a:r>
+              <a:t>create and edit our first file, make sure you are in WORKSHOP_FILES</a:t>
+            </a:r>
+            <a:endParaRPr lang="en-US" sz="1400" i="1" dirty="0" smtClean="0">
+              <a:latin typeface="Consolas" panose="020B0609020204030204" pitchFamily="49" charset="0"/>
+              <a:cs typeface="Consolas" panose="020B0609020204030204" pitchFamily="49" charset="0"/>
+            </a:endParaRPr>
           </a:p>
           <a:p>
             <a:pPr marL="0" indent="0">
@@ -14258,60 +14850,6 @@
             </a:r>
             <a:r>
               <a:rPr lang="en-US" sz="1400" dirty="0" smtClean="0">
-                <a:latin typeface="Consolas" panose="020B0609020204030204" pitchFamily="49" charset="0"/>
-                <a:cs typeface="Consolas" panose="020B0609020204030204" pitchFamily="49" charset="0"/>
-              </a:rPr>
-              <a:t> </a:t>
-            </a:r>
-            <a:r>
-              <a:rPr lang="en-US" sz="1400" dirty="0" smtClean="0">
-                <a:solidFill>
-                  <a:srgbClr val="00B050"/>
-                </a:solidFill>
-                <a:latin typeface="Consolas" panose="020B0609020204030204" pitchFamily="49" charset="0"/>
-                <a:cs typeface="Consolas" panose="020B0609020204030204" pitchFamily="49" charset="0"/>
-              </a:rPr>
-              <a:t>cd ~ </a:t>
-            </a:r>
-          </a:p>
-          <a:p>
-            <a:pPr marL="0" indent="0">
-              <a:buNone/>
-            </a:pPr>
-            <a:r>
-              <a:rPr lang="en-US" sz="1400" i="1" dirty="0">
-                <a:latin typeface="Consolas" panose="020B0609020204030204" pitchFamily="49" charset="0"/>
-                <a:cs typeface="Consolas" panose="020B0609020204030204" pitchFamily="49" charset="0"/>
-              </a:rPr>
-              <a:t># </a:t>
-            </a:r>
-            <a:r>
-              <a:rPr lang="en-US" sz="1400" i="1" dirty="0" smtClean="0">
-                <a:latin typeface="Consolas" panose="020B0609020204030204" pitchFamily="49" charset="0"/>
-                <a:cs typeface="Consolas" panose="020B0609020204030204" pitchFamily="49" charset="0"/>
-              </a:rPr>
-              <a:t>change to home</a:t>
-            </a:r>
-          </a:p>
-          <a:p>
-            <a:pPr marL="0" indent="0">
-              <a:buNone/>
-            </a:pPr>
-            <a:r>
-              <a:rPr lang="en-US" sz="1400" dirty="0">
-                <a:solidFill>
-                  <a:schemeClr val="accent6">
-                    <a:lumMod val="40000"/>
-                    <a:lumOff val="60000"/>
-                  </a:schemeClr>
-                </a:solidFill>
-                <a:latin typeface="Consolas" panose="020B0609020204030204" pitchFamily="49" charset="0"/>
-                <a:cs typeface="Consolas" panose="020B0609020204030204" pitchFamily="49" charset="0"/>
-              </a:rPr>
-              <a:t>~$</a:t>
-            </a:r>
-            <a:r>
-              <a:rPr lang="en-US" sz="1400" dirty="0">
                 <a:latin typeface="Consolas" panose="020B0609020204030204" pitchFamily="49" charset="0"/>
                 <a:cs typeface="Consolas" panose="020B0609020204030204" pitchFamily="49" charset="0"/>
               </a:rPr>
@@ -14350,11 +14888,44 @@
               <a:buNone/>
             </a:pPr>
             <a:r>
-              <a:rPr lang="en-US" sz="1400" i="1" dirty="0" smtClean="0">
-                <a:latin typeface="Consolas" panose="020B0609020204030204" pitchFamily="49" charset="0"/>
-                <a:cs typeface="Consolas" panose="020B0609020204030204" pitchFamily="49" charset="0"/>
-              </a:rPr>
-              <a:t># check location</a:t>
+              <a:rPr lang="en-US" sz="1400" dirty="0">
+                <a:solidFill>
+                  <a:srgbClr val="00B050"/>
+                </a:solidFill>
+                <a:latin typeface="Consolas" panose="020B0609020204030204" pitchFamily="49" charset="0"/>
+                <a:cs typeface="Consolas" panose="020B0609020204030204" pitchFamily="49" charset="0"/>
+              </a:rPr>
+              <a:t>/</a:t>
+            </a:r>
+            <a:r>
+              <a:rPr lang="en-US" sz="1400" dirty="0" smtClean="0">
+                <a:solidFill>
+                  <a:srgbClr val="00B050"/>
+                </a:solidFill>
+                <a:latin typeface="Consolas" panose="020B0609020204030204" pitchFamily="49" charset="0"/>
+                <a:cs typeface="Consolas" panose="020B0609020204030204" pitchFamily="49" charset="0"/>
+              </a:rPr>
+              <a:t>home/</a:t>
+            </a:r>
+            <a:r>
+              <a:rPr lang="en-US" sz="1400" dirty="0" err="1" smtClean="0">
+                <a:solidFill>
+                  <a:srgbClr val="00B050"/>
+                </a:solidFill>
+                <a:latin typeface="Consolas" panose="020B0609020204030204" pitchFamily="49" charset="0"/>
+                <a:cs typeface="Consolas" panose="020B0609020204030204" pitchFamily="49" charset="0"/>
+              </a:rPr>
+              <a:t>arnstrm</a:t>
+            </a:r>
+            <a:r>
+              <a:rPr lang="en-US" sz="1400" dirty="0" smtClean="0">
+                <a:solidFill>
+                  <a:srgbClr val="00B050"/>
+                </a:solidFill>
+                <a:latin typeface="Consolas" panose="020B0609020204030204" pitchFamily="49" charset="0"/>
+                <a:cs typeface="Consolas" panose="020B0609020204030204" pitchFamily="49" charset="0"/>
+              </a:rPr>
+              <a:t>/WORKSHOP_FILES</a:t>
             </a:r>
           </a:p>
           <a:p>
@@ -14362,7 +14933,7 @@
               <a:buNone/>
             </a:pPr>
             <a:r>
-              <a:rPr lang="en-US" sz="1400" dirty="0">
+              <a:rPr lang="en-US" sz="1400" dirty="0" smtClean="0">
                 <a:solidFill>
                   <a:schemeClr val="accent6">
                     <a:lumMod val="40000"/>
@@ -14375,302 +14946,21 @@
               <a:t>~$</a:t>
             </a:r>
             <a:r>
+              <a:rPr lang="en-US" sz="1400" dirty="0" smtClean="0">
+                <a:latin typeface="Consolas" panose="020B0609020204030204" pitchFamily="49" charset="0"/>
+                <a:cs typeface="Consolas" panose="020B0609020204030204" pitchFamily="49" charset="0"/>
+              </a:rPr>
+              <a:t> </a:t>
+            </a:r>
+            <a:r>
               <a:rPr lang="en-US" sz="1400" dirty="0">
-                <a:latin typeface="Consolas" panose="020B0609020204030204" pitchFamily="49" charset="0"/>
-                <a:cs typeface="Consolas" panose="020B0609020204030204" pitchFamily="49" charset="0"/>
-              </a:rPr>
-              <a:t> </a:t>
-            </a:r>
-            <a:r>
-              <a:rPr lang="en-US" sz="1400" dirty="0" smtClean="0">
-                <a:solidFill>
-                  <a:srgbClr val="00B050"/>
-                </a:solidFill>
-                <a:latin typeface="Consolas" panose="020B0609020204030204" pitchFamily="49" charset="0"/>
-                <a:cs typeface="Consolas" panose="020B0609020204030204" pitchFamily="49" charset="0"/>
-              </a:rPr>
-              <a:t>ls </a:t>
-            </a:r>
-            <a:endParaRPr lang="en-US" sz="1400" dirty="0">
-              <a:solidFill>
-                <a:srgbClr val="00B050"/>
-              </a:solidFill>
-              <a:latin typeface="Consolas" panose="020B0609020204030204" pitchFamily="49" charset="0"/>
-              <a:cs typeface="Consolas" panose="020B0609020204030204" pitchFamily="49" charset="0"/>
-            </a:endParaRPr>
-          </a:p>
-          <a:p>
-            <a:pPr marL="0" indent="0">
-              <a:buNone/>
-            </a:pPr>
-            <a:r>
-              <a:rPr lang="en-US" sz="1400" i="1" dirty="0">
-                <a:latin typeface="Consolas" panose="020B0609020204030204" pitchFamily="49" charset="0"/>
-                <a:cs typeface="Consolas" panose="020B0609020204030204" pitchFamily="49" charset="0"/>
-              </a:rPr>
-              <a:t># </a:t>
-            </a:r>
-            <a:r>
-              <a:rPr lang="en-US" sz="1400" i="1" dirty="0" smtClean="0">
-                <a:latin typeface="Consolas" panose="020B0609020204030204" pitchFamily="49" charset="0"/>
-                <a:cs typeface="Consolas" panose="020B0609020204030204" pitchFamily="49" charset="0"/>
-              </a:rPr>
-              <a:t>list files, do you see ‘WORKSHOP_FILES’ here?</a:t>
-            </a:r>
-          </a:p>
-          <a:p>
-            <a:pPr marL="0" indent="0">
-              <a:buNone/>
-            </a:pPr>
-            <a:r>
-              <a:rPr lang="en-US" sz="1400" dirty="0">
-                <a:solidFill>
-                  <a:schemeClr val="accent6">
-                    <a:lumMod val="40000"/>
-                    <a:lumOff val="60000"/>
-                  </a:schemeClr>
-                </a:solidFill>
-                <a:latin typeface="Consolas" panose="020B0609020204030204" pitchFamily="49" charset="0"/>
-                <a:cs typeface="Consolas" panose="020B0609020204030204" pitchFamily="49" charset="0"/>
-              </a:rPr>
-              <a:t>~$</a:t>
-            </a:r>
-            <a:r>
-              <a:rPr lang="en-US" sz="1400" dirty="0">
-                <a:latin typeface="Consolas" panose="020B0609020204030204" pitchFamily="49" charset="0"/>
-                <a:cs typeface="Consolas" panose="020B0609020204030204" pitchFamily="49" charset="0"/>
-              </a:rPr>
-              <a:t> </a:t>
-            </a:r>
-            <a:r>
-              <a:rPr lang="en-US" sz="1400" dirty="0" smtClean="0">
-                <a:solidFill>
-                  <a:srgbClr val="00B050"/>
-                </a:solidFill>
-                <a:latin typeface="Consolas" panose="020B0609020204030204" pitchFamily="49" charset="0"/>
-                <a:cs typeface="Consolas" panose="020B0609020204030204" pitchFamily="49" charset="0"/>
-              </a:rPr>
-              <a:t>cd WORKSHOP_FILES</a:t>
-            </a:r>
-          </a:p>
-          <a:p>
-            <a:pPr marL="0" indent="0">
-              <a:buNone/>
-            </a:pPr>
-            <a:r>
-              <a:rPr lang="en-US" sz="1400" dirty="0">
-                <a:solidFill>
-                  <a:schemeClr val="accent6">
-                    <a:lumMod val="40000"/>
-                    <a:lumOff val="60000"/>
-                  </a:schemeClr>
-                </a:solidFill>
-                <a:latin typeface="Consolas" panose="020B0609020204030204" pitchFamily="49" charset="0"/>
-                <a:cs typeface="Consolas" panose="020B0609020204030204" pitchFamily="49" charset="0"/>
-              </a:rPr>
-              <a:t>~$</a:t>
-            </a:r>
-            <a:r>
-              <a:rPr lang="en-US" sz="1400" dirty="0">
-                <a:latin typeface="Consolas" panose="020B0609020204030204" pitchFamily="49" charset="0"/>
-                <a:cs typeface="Consolas" panose="020B0609020204030204" pitchFamily="49" charset="0"/>
-              </a:rPr>
-              <a:t> </a:t>
-            </a:r>
-            <a:r>
-              <a:rPr lang="en-US" sz="1400" dirty="0">
-                <a:solidFill>
-                  <a:srgbClr val="00B050"/>
-                </a:solidFill>
-                <a:latin typeface="Consolas" panose="020B0609020204030204" pitchFamily="49" charset="0"/>
-                <a:cs typeface="Consolas" panose="020B0609020204030204" pitchFamily="49" charset="0"/>
-              </a:rPr>
-              <a:t>ls </a:t>
-            </a:r>
-          </a:p>
-          <a:p>
-            <a:pPr marL="0" indent="0">
-              <a:buNone/>
-            </a:pPr>
-            <a:r>
-              <a:rPr lang="en-US" sz="1400" i="1" dirty="0" smtClean="0">
-                <a:latin typeface="Consolas" panose="020B0609020204030204" pitchFamily="49" charset="0"/>
-                <a:cs typeface="Consolas" panose="020B0609020204030204" pitchFamily="49" charset="0"/>
-              </a:rPr>
-              <a:t># If you see familiar files here, let’s delete the new </a:t>
-            </a:r>
-            <a:r>
-              <a:rPr lang="en-US" sz="1400" i="1" dirty="0">
-                <a:latin typeface="Consolas" panose="020B0609020204030204" pitchFamily="49" charset="0"/>
-                <a:cs typeface="Consolas" panose="020B0609020204030204" pitchFamily="49" charset="0"/>
-              </a:rPr>
-              <a:t>directory (</a:t>
-            </a:r>
-            <a:r>
-              <a:rPr lang="en-US" sz="1400" i="1" dirty="0" err="1" smtClean="0">
-                <a:latin typeface="Consolas" panose="020B0609020204030204" pitchFamily="49" charset="0"/>
-                <a:cs typeface="Consolas" panose="020B0609020204030204" pitchFamily="49" charset="0"/>
-              </a:rPr>
-              <a:t>FirstDirectory</a:t>
-            </a:r>
-            <a:r>
-              <a:rPr lang="en-US" sz="1400" i="1" dirty="0" smtClean="0">
-                <a:latin typeface="Consolas" panose="020B0609020204030204" pitchFamily="49" charset="0"/>
-                <a:cs typeface="Consolas" panose="020B0609020204030204" pitchFamily="49" charset="0"/>
-              </a:rPr>
-              <a:t>)</a:t>
-            </a:r>
-            <a:endParaRPr lang="en-US" sz="1400" i="1" dirty="0">
-              <a:latin typeface="Consolas" panose="020B0609020204030204" pitchFamily="49" charset="0"/>
-              <a:cs typeface="Consolas" panose="020B0609020204030204" pitchFamily="49" charset="0"/>
-            </a:endParaRPr>
-          </a:p>
-          <a:p>
-            <a:pPr marL="0" indent="0">
-              <a:buNone/>
-            </a:pPr>
-            <a:r>
-              <a:rPr lang="en-US" sz="1400" dirty="0">
-                <a:solidFill>
-                  <a:schemeClr val="accent6">
-                    <a:lumMod val="40000"/>
-                    <a:lumOff val="60000"/>
-                  </a:schemeClr>
-                </a:solidFill>
-                <a:latin typeface="Consolas" panose="020B0609020204030204" pitchFamily="49" charset="0"/>
-                <a:cs typeface="Consolas" panose="020B0609020204030204" pitchFamily="49" charset="0"/>
-              </a:rPr>
-              <a:t>~$</a:t>
-            </a:r>
-            <a:r>
-              <a:rPr lang="en-US" sz="1400" dirty="0">
-                <a:latin typeface="Consolas" panose="020B0609020204030204" pitchFamily="49" charset="0"/>
-                <a:cs typeface="Consolas" panose="020B0609020204030204" pitchFamily="49" charset="0"/>
-              </a:rPr>
-              <a:t> </a:t>
-            </a:r>
-            <a:r>
-              <a:rPr lang="en-US" sz="1400" dirty="0" err="1">
-                <a:solidFill>
-                  <a:srgbClr val="00B050"/>
-                </a:solidFill>
-                <a:latin typeface="Consolas" panose="020B0609020204030204" pitchFamily="49" charset="0"/>
-                <a:cs typeface="Consolas" panose="020B0609020204030204" pitchFamily="49" charset="0"/>
-              </a:rPr>
-              <a:t>rmdir</a:t>
-            </a:r>
-            <a:r>
-              <a:rPr lang="en-US" sz="1400" dirty="0">
-                <a:solidFill>
-                  <a:srgbClr val="00B050"/>
-                </a:solidFill>
-                <a:latin typeface="Consolas" panose="020B0609020204030204" pitchFamily="49" charset="0"/>
-                <a:cs typeface="Consolas" panose="020B0609020204030204" pitchFamily="49" charset="0"/>
-              </a:rPr>
-              <a:t> </a:t>
-            </a:r>
-            <a:r>
-              <a:rPr lang="en-US" sz="1400" dirty="0" err="1">
-                <a:solidFill>
-                  <a:srgbClr val="00B050"/>
-                </a:solidFill>
-                <a:latin typeface="Consolas" panose="020B0609020204030204" pitchFamily="49" charset="0"/>
-                <a:cs typeface="Consolas" panose="020B0609020204030204" pitchFamily="49" charset="0"/>
-              </a:rPr>
-              <a:t>FirstDirectory</a:t>
-            </a:r>
-            <a:endParaRPr lang="en-US" sz="1400" dirty="0">
-              <a:solidFill>
-                <a:srgbClr val="00B050"/>
-              </a:solidFill>
-              <a:latin typeface="Consolas" panose="020B0609020204030204" pitchFamily="49" charset="0"/>
-              <a:cs typeface="Consolas" panose="020B0609020204030204" pitchFamily="49" charset="0"/>
-            </a:endParaRPr>
-          </a:p>
-          <a:p>
-            <a:pPr marL="0" indent="0">
-              <a:buNone/>
-            </a:pPr>
-            <a:r>
-              <a:rPr lang="en-US" sz="1400" dirty="0">
-                <a:solidFill>
-                  <a:schemeClr val="accent6">
-                    <a:lumMod val="40000"/>
-                    <a:lumOff val="60000"/>
-                  </a:schemeClr>
-                </a:solidFill>
-                <a:latin typeface="Consolas" panose="020B0609020204030204" pitchFamily="49" charset="0"/>
-                <a:cs typeface="Consolas" panose="020B0609020204030204" pitchFamily="49" charset="0"/>
-              </a:rPr>
-              <a:t>~$</a:t>
-            </a:r>
-            <a:r>
-              <a:rPr lang="en-US" sz="1400" dirty="0">
-                <a:latin typeface="Consolas" panose="020B0609020204030204" pitchFamily="49" charset="0"/>
-                <a:cs typeface="Consolas" panose="020B0609020204030204" pitchFamily="49" charset="0"/>
-              </a:rPr>
-              <a:t> </a:t>
-            </a:r>
-            <a:r>
-              <a:rPr lang="en-US" sz="1400" dirty="0" smtClean="0">
-                <a:solidFill>
-                  <a:srgbClr val="00B050"/>
-                </a:solidFill>
-                <a:latin typeface="Consolas" panose="020B0609020204030204" pitchFamily="49" charset="0"/>
-                <a:cs typeface="Consolas" panose="020B0609020204030204" pitchFamily="49" charset="0"/>
-              </a:rPr>
-              <a:t>ls</a:t>
-            </a:r>
-          </a:p>
-          <a:p>
-            <a:pPr marL="0" indent="0">
-              <a:buNone/>
-            </a:pPr>
-            <a:r>
-              <a:rPr lang="en-US" sz="1400" i="1" dirty="0">
-                <a:latin typeface="Consolas" panose="020B0609020204030204" pitchFamily="49" charset="0"/>
-                <a:cs typeface="Consolas" panose="020B0609020204030204" pitchFamily="49" charset="0"/>
-              </a:rPr>
-              <a:t># </a:t>
-            </a:r>
-            <a:r>
-              <a:rPr lang="en-US" sz="1400" i="1" dirty="0" smtClean="0">
-                <a:latin typeface="Consolas" panose="020B0609020204030204" pitchFamily="49" charset="0"/>
-                <a:cs typeface="Consolas" panose="020B0609020204030204" pitchFamily="49" charset="0"/>
-              </a:rPr>
-              <a:t>do you see the directory?</a:t>
-            </a:r>
-            <a:endParaRPr lang="en-US" sz="1400" dirty="0">
-              <a:solidFill>
-                <a:srgbClr val="00B050"/>
-              </a:solidFill>
-              <a:latin typeface="Consolas" panose="020B0609020204030204" pitchFamily="49" charset="0"/>
-              <a:cs typeface="Consolas" panose="020B0609020204030204" pitchFamily="49" charset="0"/>
-            </a:endParaRPr>
-          </a:p>
-          <a:p>
-            <a:pPr marL="0" indent="0">
-              <a:buNone/>
-            </a:pPr>
-            <a:r>
-              <a:rPr lang="en-US" sz="1400" dirty="0" smtClean="0">
-                <a:solidFill>
-                  <a:schemeClr val="accent6">
-                    <a:lumMod val="40000"/>
-                    <a:lumOff val="60000"/>
-                  </a:schemeClr>
-                </a:solidFill>
-                <a:latin typeface="Consolas" panose="020B0609020204030204" pitchFamily="49" charset="0"/>
-                <a:cs typeface="Consolas" panose="020B0609020204030204" pitchFamily="49" charset="0"/>
-              </a:rPr>
-              <a:t>~$</a:t>
-            </a:r>
-            <a:r>
-              <a:rPr lang="en-US" sz="1400" dirty="0" smtClean="0">
-                <a:latin typeface="Consolas" panose="020B0609020204030204" pitchFamily="49" charset="0"/>
-                <a:cs typeface="Consolas" panose="020B0609020204030204" pitchFamily="49" charset="0"/>
-              </a:rPr>
-              <a:t> </a:t>
+                <a:solidFill>
+                  <a:srgbClr val="00B050"/>
+                </a:solidFill>
+                <a:latin typeface="Consolas" panose="020B0609020204030204" pitchFamily="49" charset="0"/>
+                <a:cs typeface="Consolas" panose="020B0609020204030204" pitchFamily="49" charset="0"/>
+              </a:rPr>
+              <a:t>touch </a:t>
             </a:r>
             <a:r>
               <a:rPr lang="en-US" sz="1400" dirty="0" err="1" smtClean="0">
@@ -14680,27 +14970,7 @@
                 <a:latin typeface="Consolas" panose="020B0609020204030204" pitchFamily="49" charset="0"/>
                 <a:cs typeface="Consolas" panose="020B0609020204030204" pitchFamily="49" charset="0"/>
               </a:rPr>
-              <a:t>rmdir</a:t>
-            </a:r>
-            <a:r>
-              <a:rPr lang="en-US" sz="1400" dirty="0" smtClean="0">
-                <a:solidFill>
-                  <a:srgbClr val="00B050"/>
-                </a:solidFill>
-                <a:latin typeface="Consolas" panose="020B0609020204030204" pitchFamily="49" charset="0"/>
-                <a:cs typeface="Consolas" panose="020B0609020204030204" pitchFamily="49" charset="0"/>
-              </a:rPr>
-              <a:t> </a:t>
-            </a:r>
-            <a:r>
-              <a:rPr lang="en-US" sz="1400" dirty="0" err="1" smtClean="0">
-                <a:solidFill>
-                  <a:srgbClr val="00B050"/>
-                </a:solidFill>
-                <a:latin typeface="Consolas" panose="020B0609020204030204" pitchFamily="49" charset="0"/>
-                <a:cs typeface="Consolas" panose="020B0609020204030204" pitchFamily="49" charset="0"/>
-              </a:rPr>
-              <a:t>delete_me</a:t>
+              <a:t>firstfile</a:t>
             </a:r>
             <a:endParaRPr lang="en-US" sz="1400" dirty="0" smtClean="0">
               <a:solidFill>
@@ -14715,22 +14985,6 @@
               <a:buNone/>
             </a:pPr>
             <a:r>
-              <a:rPr lang="en-US" sz="1400" i="1" dirty="0" smtClean="0">
-                <a:latin typeface="Consolas" panose="020B0609020204030204" pitchFamily="49" charset="0"/>
-                <a:cs typeface="Consolas" panose="020B0609020204030204" pitchFamily="49" charset="0"/>
-              </a:rPr>
-              <a:t># why did this command not work?</a:t>
-            </a:r>
-            <a:endParaRPr lang="en-US" sz="1400" i="1" dirty="0">
-              <a:latin typeface="Consolas" panose="020B0609020204030204" pitchFamily="49" charset="0"/>
-              <a:cs typeface="Consolas" panose="020B0609020204030204" pitchFamily="49" charset="0"/>
-            </a:endParaRPr>
-          </a:p>
-          <a:p>
-            <a:pPr marL="0" indent="0">
-              <a:buNone/>
-            </a:pPr>
-            <a:r>
               <a:rPr lang="en-US" sz="1400" dirty="0">
                 <a:solidFill>
                   <a:schemeClr val="accent6">
@@ -14758,19 +15012,159 @@
                 <a:latin typeface="Consolas" panose="020B0609020204030204" pitchFamily="49" charset="0"/>
                 <a:cs typeface="Consolas" panose="020B0609020204030204" pitchFamily="49" charset="0"/>
               </a:rPr>
-              <a:t>man </a:t>
-            </a:r>
-            <a:r>
-              <a:rPr lang="en-US" sz="1400" dirty="0" err="1" smtClean="0">
-                <a:solidFill>
-                  <a:srgbClr val="00B050"/>
-                </a:solidFill>
-                <a:latin typeface="Consolas" panose="020B0609020204030204" pitchFamily="49" charset="0"/>
-                <a:cs typeface="Consolas" panose="020B0609020204030204" pitchFamily="49" charset="0"/>
-              </a:rPr>
-              <a:t>rmdir</a:t>
-            </a:r>
-            <a:endParaRPr lang="en-US" sz="1400" dirty="0">
+              <a:t>ls</a:t>
+            </a:r>
+          </a:p>
+          <a:p>
+            <a:pPr marL="0" indent="0">
+              <a:buNone/>
+            </a:pPr>
+            <a:r>
+              <a:rPr lang="en-US" sz="1400" dirty="0" err="1">
+                <a:solidFill>
+                  <a:srgbClr val="00B050"/>
+                </a:solidFill>
+                <a:latin typeface="Consolas" panose="020B0609020204030204" pitchFamily="49" charset="0"/>
+                <a:cs typeface="Consolas" panose="020B0609020204030204" pitchFamily="49" charset="0"/>
+              </a:rPr>
+              <a:t>AT_cDNA.fa</a:t>
+            </a:r>
+            <a:r>
+              <a:rPr lang="en-US" sz="1400" dirty="0">
+                <a:solidFill>
+                  <a:srgbClr val="00B050"/>
+                </a:solidFill>
+                <a:latin typeface="Consolas" panose="020B0609020204030204" pitchFamily="49" charset="0"/>
+                <a:cs typeface="Consolas" panose="020B0609020204030204" pitchFamily="49" charset="0"/>
+              </a:rPr>
+              <a:t>    </a:t>
+            </a:r>
+            <a:r>
+              <a:rPr lang="en-US" sz="1400" dirty="0" err="1">
+                <a:solidFill>
+                  <a:srgbClr val="00B050"/>
+                </a:solidFill>
+                <a:latin typeface="Consolas" panose="020B0609020204030204" pitchFamily="49" charset="0"/>
+                <a:cs typeface="Consolas" panose="020B0609020204030204" pitchFamily="49" charset="0"/>
+              </a:rPr>
+              <a:t>RefSeq.faa</a:t>
+            </a:r>
+            <a:r>
+              <a:rPr lang="en-US" sz="1400" dirty="0">
+                <a:solidFill>
+                  <a:srgbClr val="00B050"/>
+                </a:solidFill>
+                <a:latin typeface="Consolas" panose="020B0609020204030204" pitchFamily="49" charset="0"/>
+                <a:cs typeface="Consolas" panose="020B0609020204030204" pitchFamily="49" charset="0"/>
+              </a:rPr>
+              <a:t>  basic      </a:t>
+            </a:r>
+            <a:r>
+              <a:rPr lang="en-US" sz="1400" dirty="0" err="1">
+                <a:solidFill>
+                  <a:srgbClr val="00B050"/>
+                </a:solidFill>
+                <a:latin typeface="Consolas" panose="020B0609020204030204" pitchFamily="49" charset="0"/>
+                <a:cs typeface="Consolas" panose="020B0609020204030204" pitchFamily="49" charset="0"/>
+              </a:rPr>
+              <a:t>firstfile</a:t>
+            </a:r>
+            <a:r>
+              <a:rPr lang="en-US" sz="1400" dirty="0">
+                <a:solidFill>
+                  <a:srgbClr val="00B050"/>
+                </a:solidFill>
+                <a:latin typeface="Consolas" panose="020B0609020204030204" pitchFamily="49" charset="0"/>
+                <a:cs typeface="Consolas" panose="020B0609020204030204" pitchFamily="49" charset="0"/>
+              </a:rPr>
+              <a:t>    </a:t>
+            </a:r>
+            <a:r>
+              <a:rPr lang="en-US" sz="1400" dirty="0" err="1">
+                <a:solidFill>
+                  <a:srgbClr val="00B050"/>
+                </a:solidFill>
+                <a:latin typeface="Consolas" panose="020B0609020204030204" pitchFamily="49" charset="0"/>
+                <a:cs typeface="Consolas" panose="020B0609020204030204" pitchFamily="49" charset="0"/>
+              </a:rPr>
+              <a:t>genes_b.gff</a:t>
+            </a:r>
+            <a:r>
+              <a:rPr lang="en-US" sz="1400" dirty="0">
+                <a:solidFill>
+                  <a:srgbClr val="00B050"/>
+                </a:solidFill>
+                <a:latin typeface="Consolas" panose="020B0609020204030204" pitchFamily="49" charset="0"/>
+                <a:cs typeface="Consolas" panose="020B0609020204030204" pitchFamily="49" charset="0"/>
+              </a:rPr>
+              <a:t>  ids_a.txt</a:t>
+            </a:r>
+          </a:p>
+          <a:p>
+            <a:pPr marL="0" indent="0">
+              <a:buNone/>
+            </a:pPr>
+            <a:r>
+              <a:rPr lang="en-US" sz="1400" dirty="0" err="1">
+                <a:solidFill>
+                  <a:srgbClr val="00B050"/>
+                </a:solidFill>
+                <a:latin typeface="Consolas" panose="020B0609020204030204" pitchFamily="49" charset="0"/>
+                <a:cs typeface="Consolas" panose="020B0609020204030204" pitchFamily="49" charset="0"/>
+              </a:rPr>
+              <a:t>AT_genes.gff</a:t>
+            </a:r>
+            <a:r>
+              <a:rPr lang="en-US" sz="1400" dirty="0">
+                <a:solidFill>
+                  <a:srgbClr val="00B050"/>
+                </a:solidFill>
+                <a:latin typeface="Consolas" panose="020B0609020204030204" pitchFamily="49" charset="0"/>
+                <a:cs typeface="Consolas" panose="020B0609020204030204" pitchFamily="49" charset="0"/>
+              </a:rPr>
+              <a:t>  Sequences   </a:t>
+            </a:r>
+            <a:r>
+              <a:rPr lang="en-US" sz="1400" dirty="0" err="1">
+                <a:solidFill>
+                  <a:srgbClr val="00B050"/>
+                </a:solidFill>
+                <a:latin typeface="Consolas" panose="020B0609020204030204" pitchFamily="49" charset="0"/>
+                <a:cs typeface="Consolas" panose="020B0609020204030204" pitchFamily="49" charset="0"/>
+              </a:rPr>
+              <a:t>delete_me</a:t>
+            </a:r>
+            <a:r>
+              <a:rPr lang="en-US" sz="1400" dirty="0">
+                <a:solidFill>
+                  <a:srgbClr val="00B050"/>
+                </a:solidFill>
+                <a:latin typeface="Consolas" panose="020B0609020204030204" pitchFamily="49" charset="0"/>
+                <a:cs typeface="Consolas" panose="020B0609020204030204" pitchFamily="49" charset="0"/>
+              </a:rPr>
+              <a:t>  </a:t>
+            </a:r>
+            <a:r>
+              <a:rPr lang="en-US" sz="1400" dirty="0" err="1">
+                <a:solidFill>
+                  <a:srgbClr val="00B050"/>
+                </a:solidFill>
+                <a:latin typeface="Consolas" panose="020B0609020204030204" pitchFamily="49" charset="0"/>
+                <a:cs typeface="Consolas" panose="020B0609020204030204" pitchFamily="49" charset="0"/>
+              </a:rPr>
+              <a:t>genes_a.gff</a:t>
+            </a:r>
+            <a:r>
+              <a:rPr lang="en-US" sz="1400" dirty="0">
+                <a:solidFill>
+                  <a:srgbClr val="00B050"/>
+                </a:solidFill>
+                <a:latin typeface="Consolas" panose="020B0609020204030204" pitchFamily="49" charset="0"/>
+                <a:cs typeface="Consolas" panose="020B0609020204030204" pitchFamily="49" charset="0"/>
+              </a:rPr>
+              <a:t>  ids.txt      ids_b.txt </a:t>
+            </a:r>
+            <a:endParaRPr lang="en-US" sz="1400" dirty="0" smtClean="0">
               <a:solidFill>
                 <a:srgbClr val="00B050"/>
               </a:solidFill>
@@ -14787,23 +15181,19 @@
                 <a:latin typeface="Consolas" panose="020B0609020204030204" pitchFamily="49" charset="0"/>
                 <a:cs typeface="Consolas" panose="020B0609020204030204" pitchFamily="49" charset="0"/>
               </a:rPr>
-              <a:t># what options do you think might be useful to delete the above folder?</a:t>
-            </a:r>
-            <a:endParaRPr lang="en-US" sz="1400" i="1" dirty="0">
-              <a:latin typeface="Consolas" panose="020B0609020204030204" pitchFamily="49" charset="0"/>
-              <a:cs typeface="Consolas" panose="020B0609020204030204" pitchFamily="49" charset="0"/>
-            </a:endParaRPr>
+              <a:t># do you see your file?</a:t>
+            </a:r>
           </a:p>
           <a:p>
             <a:pPr marL="0" indent="0">
               <a:buNone/>
             </a:pPr>
             <a:r>
-              <a:rPr lang="en-US" sz="1400" i="1" dirty="0">
-                <a:latin typeface="Consolas" panose="020B0609020204030204" pitchFamily="49" charset="0"/>
-                <a:cs typeface="Consolas" panose="020B0609020204030204" pitchFamily="49" charset="0"/>
-              </a:rPr>
-              <a:t># -r : remove directories and their contents</a:t>
+              <a:rPr lang="en-US" sz="1400" i="1" dirty="0" smtClean="0">
+                <a:latin typeface="Consolas" panose="020B0609020204030204" pitchFamily="49" charset="0"/>
+                <a:cs typeface="Consolas" panose="020B0609020204030204" pitchFamily="49" charset="0"/>
+              </a:rPr>
+              <a:t># let’s add some contents to it</a:t>
             </a:r>
             <a:endParaRPr lang="en-US" sz="1400" i="1" dirty="0" smtClean="0">
               <a:latin typeface="Consolas" panose="020B0609020204030204" pitchFamily="49" charset="0"/>
@@ -14815,25 +15205,87 @@
               <a:buNone/>
             </a:pPr>
             <a:r>
+              <a:rPr lang="en-US" sz="1400" dirty="0" smtClean="0">
+                <a:solidFill>
+                  <a:schemeClr val="accent6">
+                    <a:lumMod val="40000"/>
+                    <a:lumOff val="60000"/>
+                  </a:schemeClr>
+                </a:solidFill>
+                <a:latin typeface="Consolas" panose="020B0609020204030204" pitchFamily="49" charset="0"/>
+                <a:cs typeface="Consolas" panose="020B0609020204030204" pitchFamily="49" charset="0"/>
+              </a:rPr>
+              <a:t>~$</a:t>
+            </a:r>
+            <a:r>
+              <a:rPr lang="en-US" sz="1400" dirty="0" smtClean="0">
+                <a:latin typeface="Consolas" panose="020B0609020204030204" pitchFamily="49" charset="0"/>
+                <a:cs typeface="Consolas" panose="020B0609020204030204" pitchFamily="49" charset="0"/>
+              </a:rPr>
+              <a:t> </a:t>
+            </a:r>
+            <a:r>
+              <a:rPr lang="en-US" sz="1400" dirty="0" err="1" smtClean="0">
+                <a:solidFill>
+                  <a:srgbClr val="00B050"/>
+                </a:solidFill>
+                <a:latin typeface="Consolas" panose="020B0609020204030204" pitchFamily="49" charset="0"/>
+                <a:cs typeface="Consolas" panose="020B0609020204030204" pitchFamily="49" charset="0"/>
+              </a:rPr>
+              <a:t>nano</a:t>
+            </a:r>
+            <a:r>
+              <a:rPr lang="en-US" sz="1400" dirty="0" smtClean="0">
+                <a:solidFill>
+                  <a:srgbClr val="00B050"/>
+                </a:solidFill>
+                <a:latin typeface="Consolas" panose="020B0609020204030204" pitchFamily="49" charset="0"/>
+                <a:cs typeface="Consolas" panose="020B0609020204030204" pitchFamily="49" charset="0"/>
+              </a:rPr>
+              <a:t> </a:t>
+            </a:r>
+            <a:r>
+              <a:rPr lang="en-US" sz="1400" dirty="0" err="1" smtClean="0">
+                <a:solidFill>
+                  <a:srgbClr val="00B050"/>
+                </a:solidFill>
+                <a:latin typeface="Consolas" panose="020B0609020204030204" pitchFamily="49" charset="0"/>
+                <a:cs typeface="Consolas" panose="020B0609020204030204" pitchFamily="49" charset="0"/>
+              </a:rPr>
+              <a:t>firstfile</a:t>
+            </a:r>
+            <a:endParaRPr lang="en-US" sz="1400" dirty="0" smtClean="0">
+              <a:solidFill>
+                <a:srgbClr val="00B050"/>
+              </a:solidFill>
+              <a:latin typeface="Consolas" panose="020B0609020204030204" pitchFamily="49" charset="0"/>
+              <a:cs typeface="Consolas" panose="020B0609020204030204" pitchFamily="49" charset="0"/>
+            </a:endParaRPr>
+          </a:p>
+          <a:p>
+            <a:pPr marL="0" indent="0">
+              <a:buNone/>
+            </a:pPr>
+            <a:r>
               <a:rPr lang="en-US" sz="1400" i="1" dirty="0" smtClean="0">
                 <a:latin typeface="Consolas" panose="020B0609020204030204" pitchFamily="49" charset="0"/>
                 <a:cs typeface="Consolas" panose="020B0609020204030204" pitchFamily="49" charset="0"/>
               </a:rPr>
-              <a:t># -f </a:t>
-            </a:r>
-            <a:r>
-              <a:rPr lang="en-US" sz="1400" i="1" dirty="0">
-                <a:latin typeface="Consolas" panose="020B0609020204030204" pitchFamily="49" charset="0"/>
-                <a:cs typeface="Consolas" panose="020B0609020204030204" pitchFamily="49" charset="0"/>
-              </a:rPr>
-              <a:t>: </a:t>
+              <a:t># </a:t>
             </a:r>
             <a:r>
               <a:rPr lang="en-US" sz="1400" i="1" dirty="0" smtClean="0">
                 <a:latin typeface="Consolas" panose="020B0609020204030204" pitchFamily="49" charset="0"/>
                 <a:cs typeface="Consolas" panose="020B0609020204030204" pitchFamily="49" charset="0"/>
               </a:rPr>
-              <a:t>force</a:t>
+              <a:t>what </a:t>
+            </a:r>
+            <a:r>
+              <a:rPr lang="en-US" sz="1400" i="1" dirty="0" smtClean="0">
+                <a:latin typeface="Consolas" panose="020B0609020204030204" pitchFamily="49" charset="0"/>
+                <a:cs typeface="Consolas" panose="020B0609020204030204" pitchFamily="49" charset="0"/>
+              </a:rPr>
+              <a:t>happened?</a:t>
             </a:r>
             <a:endParaRPr lang="en-US" sz="1400" i="1" dirty="0">
               <a:latin typeface="Consolas" panose="020B0609020204030204" pitchFamily="49" charset="0"/>
@@ -14898,42 +15350,706 @@
             <p:ph type="title"/>
           </p:nvPr>
         </p:nvSpPr>
-        <p:spPr/>
+        <p:spPr>
+          <a:xfrm>
+            <a:off x="212725" y="41476"/>
+            <a:ext cx="7772400" cy="1143000"/>
+          </a:xfrm>
+        </p:spPr>
         <p:txBody>
           <a:bodyPr/>
           <a:lstStyle/>
           <a:p>
             <a:r>
               <a:rPr lang="en-US" dirty="0" smtClean="0"/>
-              <a:t>File creation</a:t>
+              <a:t>File </a:t>
+            </a:r>
+            <a:r>
+              <a:rPr lang="en-US" dirty="0" smtClean="0"/>
+              <a:t>creation</a:t>
             </a:r>
             <a:endParaRPr lang="en-US" dirty="0"/>
+          </a:p>
+        </p:txBody>
+      </p:sp>
+      <p:pic>
+        <p:nvPicPr>
+          <p:cNvPr id="4" name="Picture 3"/>
+          <p:cNvPicPr>
+            <a:picLocks noChangeAspect="1"/>
+          </p:cNvPicPr>
+          <p:nvPr/>
+        </p:nvPicPr>
+        <p:blipFill rotWithShape="1">
+          <a:blip r:embed="rId3"/>
+          <a:srcRect l="1174" t="5691" r="1065" b="4091"/>
+          <a:stretch/>
+        </p:blipFill>
+        <p:spPr>
+          <a:xfrm>
+            <a:off x="1448183" y="1118400"/>
+            <a:ext cx="6377651" cy="4525702"/>
+          </a:xfrm>
+          <a:prstGeom prst="rect">
+            <a:avLst/>
+          </a:prstGeom>
+        </p:spPr>
+      </p:pic>
+      <p:sp>
+        <p:nvSpPr>
+          <p:cNvPr id="7" name="TextBox 6"/>
+          <p:cNvSpPr txBox="1"/>
+          <p:nvPr/>
+        </p:nvSpPr>
+        <p:spPr>
+          <a:xfrm>
+            <a:off x="3830058" y="5736943"/>
+            <a:ext cx="1384581" cy="318948"/>
+          </a:xfrm>
+          <a:prstGeom prst="rect">
+            <a:avLst/>
+          </a:prstGeom>
+          <a:solidFill>
+            <a:srgbClr val="FFFFFF"/>
+          </a:solidFill>
+          <a:ln>
+            <a:solidFill>
+              <a:schemeClr val="tx1"/>
+            </a:solidFill>
+          </a:ln>
+          <a:effectLst>
+            <a:glow rad="101600">
+              <a:schemeClr val="accent4">
+                <a:satMod val="175000"/>
+                <a:alpha val="40000"/>
+              </a:schemeClr>
+            </a:glow>
+          </a:effectLst>
+        </p:spPr>
+        <p:txBody>
+          <a:bodyPr wrap="square" rtlCol="0">
+            <a:spAutoFit/>
+          </a:bodyPr>
+          <a:lstStyle/>
+          <a:p>
+            <a:pPr algn="ctr"/>
+            <a:r>
+              <a:rPr lang="en-US" sz="1400" dirty="0" smtClean="0">
+                <a:latin typeface="Segoe UI Semilight" panose="020B0402040204020203" pitchFamily="34" charset="0"/>
+                <a:cs typeface="Segoe UI Semilight" panose="020B0402040204020203" pitchFamily="34" charset="0"/>
+              </a:rPr>
+              <a:t>Menu/options</a:t>
+            </a:r>
+            <a:endParaRPr lang="en-US" sz="1400" dirty="0" smtClean="0">
+              <a:latin typeface="Segoe UI Semilight" panose="020B0402040204020203" pitchFamily="34" charset="0"/>
+              <a:cs typeface="Segoe UI Semilight" panose="020B0402040204020203" pitchFamily="34" charset="0"/>
+            </a:endParaRPr>
           </a:p>
         </p:txBody>
       </p:sp>
       <p:sp>
         <p:nvSpPr>
-          <p:cNvPr id="3" name="Content Placeholder 2"/>
-          <p:cNvSpPr>
-            <a:spLocks noGrp="1"/>
-          </p:cNvSpPr>
-          <p:nvPr>
-            <p:ph idx="1"/>
-          </p:nvPr>
+          <p:cNvPr id="9" name="TextBox 8"/>
+          <p:cNvSpPr txBox="1"/>
+          <p:nvPr/>
         </p:nvSpPr>
-        <p:spPr/>
+        <p:spPr>
+          <a:xfrm>
+            <a:off x="3830057" y="3067417"/>
+            <a:ext cx="1384581" cy="318948"/>
+          </a:xfrm>
+          <a:prstGeom prst="rect">
+            <a:avLst/>
+          </a:prstGeom>
+          <a:solidFill>
+            <a:srgbClr val="FFFFFF"/>
+          </a:solidFill>
+          <a:ln>
+            <a:solidFill>
+              <a:schemeClr val="tx1"/>
+            </a:solidFill>
+          </a:ln>
+          <a:effectLst>
+            <a:glow rad="101600">
+              <a:schemeClr val="accent4">
+                <a:satMod val="175000"/>
+                <a:alpha val="40000"/>
+              </a:schemeClr>
+            </a:glow>
+          </a:effectLst>
+        </p:spPr>
         <p:txBody>
-          <a:bodyPr/>
+          <a:bodyPr wrap="square" rtlCol="0">
+            <a:spAutoFit/>
+          </a:bodyPr>
           <a:lstStyle/>
           <a:p>
-            <a:endParaRPr lang="en-US"/>
+            <a:pPr algn="ctr"/>
+            <a:r>
+              <a:rPr lang="en-US" sz="1400" dirty="0" smtClean="0">
+                <a:latin typeface="Segoe UI Semilight" panose="020B0402040204020203" pitchFamily="34" charset="0"/>
+                <a:cs typeface="Segoe UI Semilight" panose="020B0402040204020203" pitchFamily="34" charset="0"/>
+              </a:rPr>
+              <a:t>Editing area</a:t>
+            </a:r>
+            <a:endParaRPr lang="en-US" sz="1400" dirty="0" smtClean="0">
+              <a:latin typeface="Segoe UI Semilight" panose="020B0402040204020203" pitchFamily="34" charset="0"/>
+              <a:cs typeface="Segoe UI Semilight" panose="020B0402040204020203" pitchFamily="34" charset="0"/>
+            </a:endParaRPr>
+          </a:p>
+        </p:txBody>
+      </p:sp>
+      <p:pic>
+        <p:nvPicPr>
+          <p:cNvPr id="12" name="Picture 11"/>
+          <p:cNvPicPr>
+            <a:picLocks noChangeAspect="1"/>
+          </p:cNvPicPr>
+          <p:nvPr/>
+        </p:nvPicPr>
+        <p:blipFill>
+          <a:blip r:embed="rId4"/>
+          <a:stretch>
+            <a:fillRect/>
+          </a:stretch>
+        </p:blipFill>
+        <p:spPr>
+          <a:xfrm>
+            <a:off x="817661" y="1314607"/>
+            <a:ext cx="3672892" cy="3149917"/>
+          </a:xfrm>
+          <a:prstGeom prst="rect">
+            <a:avLst/>
+          </a:prstGeom>
+        </p:spPr>
+      </p:pic>
+      <p:pic>
+        <p:nvPicPr>
+          <p:cNvPr id="13" name="Picture 12"/>
+          <p:cNvPicPr>
+            <a:picLocks noChangeAspect="1"/>
+          </p:cNvPicPr>
+          <p:nvPr/>
+        </p:nvPicPr>
+        <p:blipFill>
+          <a:blip r:embed="rId5"/>
+          <a:stretch>
+            <a:fillRect/>
+          </a:stretch>
+        </p:blipFill>
+        <p:spPr>
+          <a:xfrm>
+            <a:off x="4666274" y="1333982"/>
+            <a:ext cx="3709299" cy="3149917"/>
+          </a:xfrm>
+          <a:prstGeom prst="rect">
+            <a:avLst/>
+          </a:prstGeom>
+        </p:spPr>
+      </p:pic>
+      <p:sp>
+        <p:nvSpPr>
+          <p:cNvPr id="18" name="TextBox 17"/>
+          <p:cNvSpPr txBox="1"/>
+          <p:nvPr/>
+        </p:nvSpPr>
+        <p:spPr>
+          <a:xfrm>
+            <a:off x="4161632" y="669321"/>
+            <a:ext cx="1384581" cy="318948"/>
+          </a:xfrm>
+          <a:prstGeom prst="rect">
+            <a:avLst/>
+          </a:prstGeom>
+          <a:solidFill>
+            <a:srgbClr val="FFFFFF"/>
+          </a:solidFill>
+          <a:ln>
+            <a:solidFill>
+              <a:schemeClr val="tx1"/>
+            </a:solidFill>
+          </a:ln>
+          <a:effectLst>
+            <a:glow rad="101600">
+              <a:schemeClr val="accent4">
+                <a:satMod val="175000"/>
+                <a:alpha val="40000"/>
+              </a:schemeClr>
+            </a:glow>
+          </a:effectLst>
+        </p:spPr>
+        <p:txBody>
+          <a:bodyPr wrap="square" rtlCol="0">
+            <a:spAutoFit/>
+          </a:bodyPr>
+          <a:lstStyle/>
+          <a:p>
+            <a:pPr algn="ctr"/>
+            <a:r>
+              <a:rPr lang="en-US" sz="1400" dirty="0" smtClean="0">
+                <a:latin typeface="Segoe UI Semilight" panose="020B0402040204020203" pitchFamily="34" charset="0"/>
+                <a:cs typeface="Segoe UI Semilight" panose="020B0402040204020203" pitchFamily="34" charset="0"/>
+              </a:rPr>
+              <a:t>Title bar</a:t>
+            </a:r>
+            <a:endParaRPr lang="en-US" sz="1400" dirty="0" smtClean="0">
+              <a:latin typeface="Segoe UI Semilight" panose="020B0402040204020203" pitchFamily="34" charset="0"/>
+              <a:cs typeface="Segoe UI Semilight" panose="020B0402040204020203" pitchFamily="34" charset="0"/>
+            </a:endParaRPr>
+          </a:p>
+        </p:txBody>
+      </p:sp>
+      <p:cxnSp>
+        <p:nvCxnSpPr>
+          <p:cNvPr id="20" name="Straight Arrow Connector 19"/>
+          <p:cNvCxnSpPr>
+            <a:stCxn id="18" idx="2"/>
+            <a:endCxn id="12" idx="0"/>
+          </p:cNvCxnSpPr>
+          <p:nvPr/>
+        </p:nvCxnSpPr>
+        <p:spPr bwMode="auto">
+          <a:xfrm flipH="1">
+            <a:off x="2654107" y="988269"/>
+            <a:ext cx="2199816" cy="326338"/>
+          </a:xfrm>
+          <a:prstGeom prst="straightConnector1">
+            <a:avLst/>
+          </a:prstGeom>
+          <a:solidFill>
+            <a:schemeClr val="accent1"/>
+          </a:solidFill>
+          <a:ln w="9525" cap="flat" cmpd="sng" algn="ctr">
+            <a:solidFill>
+              <a:schemeClr val="tx1"/>
+            </a:solidFill>
+            <a:prstDash val="solid"/>
+            <a:round/>
+            <a:headEnd type="none" w="med" len="med"/>
+            <a:tailEnd type="triangle"/>
+          </a:ln>
+          <a:effectLst/>
+        </p:spPr>
+      </p:cxnSp>
+      <p:cxnSp>
+        <p:nvCxnSpPr>
+          <p:cNvPr id="22" name="Straight Arrow Connector 21"/>
+          <p:cNvCxnSpPr>
+            <a:stCxn id="18" idx="2"/>
+          </p:cNvCxnSpPr>
+          <p:nvPr/>
+        </p:nvCxnSpPr>
+        <p:spPr bwMode="auto">
+          <a:xfrm>
+            <a:off x="4853923" y="988269"/>
+            <a:ext cx="296811" cy="345713"/>
+          </a:xfrm>
+          <a:prstGeom prst="straightConnector1">
+            <a:avLst/>
+          </a:prstGeom>
+          <a:solidFill>
+            <a:schemeClr val="accent1"/>
+          </a:solidFill>
+          <a:ln w="9525" cap="flat" cmpd="sng" algn="ctr">
+            <a:solidFill>
+              <a:schemeClr val="tx1"/>
+            </a:solidFill>
+            <a:prstDash val="solid"/>
+            <a:round/>
+            <a:headEnd type="none" w="med" len="med"/>
+            <a:tailEnd type="triangle"/>
+          </a:ln>
+          <a:effectLst/>
+        </p:spPr>
+      </p:cxnSp>
+      <p:sp>
+        <p:nvSpPr>
+          <p:cNvPr id="23" name="TextBox 22"/>
+          <p:cNvSpPr txBox="1"/>
+          <p:nvPr/>
+        </p:nvSpPr>
+        <p:spPr>
+          <a:xfrm>
+            <a:off x="3830059" y="2149967"/>
+            <a:ext cx="1384581" cy="318948"/>
+          </a:xfrm>
+          <a:prstGeom prst="rect">
+            <a:avLst/>
+          </a:prstGeom>
+          <a:solidFill>
+            <a:srgbClr val="FFFFFF"/>
+          </a:solidFill>
+          <a:ln>
+            <a:solidFill>
+              <a:schemeClr val="tx1"/>
+            </a:solidFill>
+          </a:ln>
+          <a:effectLst>
+            <a:glow rad="101600">
+              <a:schemeClr val="accent4">
+                <a:satMod val="175000"/>
+                <a:alpha val="40000"/>
+              </a:schemeClr>
+            </a:glow>
+          </a:effectLst>
+        </p:spPr>
+        <p:txBody>
+          <a:bodyPr wrap="square" rtlCol="0">
+            <a:spAutoFit/>
+          </a:bodyPr>
+          <a:lstStyle/>
+          <a:p>
+            <a:pPr algn="ctr"/>
+            <a:r>
+              <a:rPr lang="en-US" sz="1400" dirty="0" smtClean="0">
+                <a:latin typeface="Segoe UI Semilight" panose="020B0402040204020203" pitchFamily="34" charset="0"/>
+                <a:cs typeface="Segoe UI Semilight" panose="020B0402040204020203" pitchFamily="34" charset="0"/>
+              </a:rPr>
+              <a:t>Menu/options</a:t>
+            </a:r>
+            <a:endParaRPr lang="en-US" sz="1400" dirty="0" smtClean="0">
+              <a:latin typeface="Segoe UI Semilight" panose="020B0402040204020203" pitchFamily="34" charset="0"/>
+              <a:cs typeface="Segoe UI Semilight" panose="020B0402040204020203" pitchFamily="34" charset="0"/>
+            </a:endParaRPr>
+          </a:p>
+        </p:txBody>
+      </p:sp>
+      <p:cxnSp>
+        <p:nvCxnSpPr>
+          <p:cNvPr id="25" name="Straight Arrow Connector 24"/>
+          <p:cNvCxnSpPr>
+            <a:stCxn id="23" idx="0"/>
+          </p:cNvCxnSpPr>
+          <p:nvPr/>
+        </p:nvCxnSpPr>
+        <p:spPr bwMode="auto">
+          <a:xfrm flipH="1" flipV="1">
+            <a:off x="2659817" y="1680604"/>
+            <a:ext cx="1862533" cy="469363"/>
+          </a:xfrm>
+          <a:prstGeom prst="straightConnector1">
+            <a:avLst/>
+          </a:prstGeom>
+          <a:solidFill>
+            <a:schemeClr val="accent1"/>
+          </a:solidFill>
+          <a:ln w="9525" cap="flat" cmpd="sng" algn="ctr">
+            <a:solidFill>
+              <a:schemeClr val="tx1"/>
+            </a:solidFill>
+            <a:prstDash val="solid"/>
+            <a:round/>
+            <a:headEnd type="none" w="med" len="med"/>
+            <a:tailEnd type="triangle"/>
+          </a:ln>
+          <a:effectLst/>
+        </p:spPr>
+      </p:cxnSp>
+      <p:cxnSp>
+        <p:nvCxnSpPr>
+          <p:cNvPr id="27" name="Straight Arrow Connector 26"/>
+          <p:cNvCxnSpPr>
+            <a:stCxn id="23" idx="0"/>
+          </p:cNvCxnSpPr>
+          <p:nvPr/>
+        </p:nvCxnSpPr>
+        <p:spPr bwMode="auto">
+          <a:xfrm flipV="1">
+            <a:off x="4522350" y="1671618"/>
+            <a:ext cx="751896" cy="478349"/>
+          </a:xfrm>
+          <a:prstGeom prst="straightConnector1">
+            <a:avLst/>
+          </a:prstGeom>
+          <a:solidFill>
+            <a:schemeClr val="accent1"/>
+          </a:solidFill>
+          <a:ln w="9525" cap="flat" cmpd="sng" algn="ctr">
+            <a:solidFill>
+              <a:schemeClr val="tx1"/>
+            </a:solidFill>
+            <a:prstDash val="solid"/>
+            <a:round/>
+            <a:headEnd type="none" w="med" len="med"/>
+            <a:tailEnd type="triangle"/>
+          </a:ln>
+          <a:effectLst/>
+        </p:spPr>
+      </p:cxnSp>
+      <p:pic>
+        <p:nvPicPr>
+          <p:cNvPr id="28" name="Picture 27"/>
+          <p:cNvPicPr>
+            <a:picLocks noChangeAspect="1"/>
+          </p:cNvPicPr>
+          <p:nvPr/>
+        </p:nvPicPr>
+        <p:blipFill>
+          <a:blip r:embed="rId6"/>
+          <a:stretch>
+            <a:fillRect/>
+          </a:stretch>
+        </p:blipFill>
+        <p:spPr>
+          <a:xfrm>
+            <a:off x="2192629" y="2847525"/>
+            <a:ext cx="632529" cy="589858"/>
+          </a:xfrm>
+          <a:prstGeom prst="rect">
+            <a:avLst/>
+          </a:prstGeom>
+        </p:spPr>
+      </p:pic>
+      <p:pic>
+        <p:nvPicPr>
+          <p:cNvPr id="29" name="Picture 28"/>
+          <p:cNvPicPr>
+            <a:picLocks noChangeAspect="1"/>
+          </p:cNvPicPr>
+          <p:nvPr/>
+        </p:nvPicPr>
+        <p:blipFill>
+          <a:blip r:embed="rId7"/>
+          <a:stretch>
+            <a:fillRect/>
+          </a:stretch>
+        </p:blipFill>
+        <p:spPr>
+          <a:xfrm>
+            <a:off x="6227850" y="2847525"/>
+            <a:ext cx="586146" cy="533726"/>
+          </a:xfrm>
+          <a:prstGeom prst="rect">
+            <a:avLst/>
+          </a:prstGeom>
+        </p:spPr>
+      </p:pic>
+      <p:sp>
+        <p:nvSpPr>
+          <p:cNvPr id="31" name="TextBox 30"/>
+          <p:cNvSpPr txBox="1"/>
+          <p:nvPr/>
+        </p:nvSpPr>
+        <p:spPr>
+          <a:xfrm>
+            <a:off x="1739282" y="3793040"/>
+            <a:ext cx="1384581" cy="318948"/>
+          </a:xfrm>
+          <a:prstGeom prst="rect">
+            <a:avLst/>
+          </a:prstGeom>
+          <a:solidFill>
+            <a:srgbClr val="FFFFFF"/>
+          </a:solidFill>
+          <a:ln>
+            <a:solidFill>
+              <a:schemeClr val="tx1"/>
+            </a:solidFill>
+          </a:ln>
+          <a:effectLst>
+            <a:glow rad="101600">
+              <a:schemeClr val="accent4">
+                <a:satMod val="175000"/>
+                <a:alpha val="40000"/>
+              </a:schemeClr>
+            </a:glow>
+          </a:effectLst>
+        </p:spPr>
+        <p:txBody>
+          <a:bodyPr wrap="square" rtlCol="0">
+            <a:spAutoFit/>
+          </a:bodyPr>
+          <a:lstStyle/>
+          <a:p>
+            <a:pPr algn="ctr"/>
+            <a:r>
+              <a:rPr lang="en-US" sz="1400" dirty="0" smtClean="0">
+                <a:latin typeface="Segoe UI Semilight" panose="020B0402040204020203" pitchFamily="34" charset="0"/>
+                <a:cs typeface="Segoe UI Semilight" panose="020B0402040204020203" pitchFamily="34" charset="0"/>
+              </a:rPr>
+              <a:t>Editing area</a:t>
+            </a:r>
+            <a:endParaRPr lang="en-US" sz="1400" dirty="0" smtClean="0">
+              <a:latin typeface="Segoe UI Semilight" panose="020B0402040204020203" pitchFamily="34" charset="0"/>
+              <a:cs typeface="Segoe UI Semilight" panose="020B0402040204020203" pitchFamily="34" charset="0"/>
+            </a:endParaRPr>
+          </a:p>
+        </p:txBody>
+      </p:sp>
+      <p:sp>
+        <p:nvSpPr>
+          <p:cNvPr id="32" name="TextBox 31"/>
+          <p:cNvSpPr txBox="1"/>
+          <p:nvPr/>
+        </p:nvSpPr>
+        <p:spPr>
+          <a:xfrm>
+            <a:off x="5828632" y="3793040"/>
+            <a:ext cx="1384581" cy="318948"/>
+          </a:xfrm>
+          <a:prstGeom prst="rect">
+            <a:avLst/>
+          </a:prstGeom>
+          <a:solidFill>
+            <a:srgbClr val="FFFFFF"/>
+          </a:solidFill>
+          <a:ln>
+            <a:solidFill>
+              <a:schemeClr val="tx1"/>
+            </a:solidFill>
+          </a:ln>
+          <a:effectLst>
+            <a:glow rad="101600">
+              <a:schemeClr val="accent4">
+                <a:satMod val="175000"/>
+                <a:alpha val="40000"/>
+              </a:schemeClr>
+            </a:glow>
+          </a:effectLst>
+        </p:spPr>
+        <p:txBody>
+          <a:bodyPr wrap="square" rtlCol="0">
+            <a:spAutoFit/>
+          </a:bodyPr>
+          <a:lstStyle/>
+          <a:p>
+            <a:pPr algn="ctr"/>
+            <a:r>
+              <a:rPr lang="en-US" sz="1400" dirty="0" smtClean="0">
+                <a:latin typeface="Segoe UI Semilight" panose="020B0402040204020203" pitchFamily="34" charset="0"/>
+                <a:cs typeface="Segoe UI Semilight" panose="020B0402040204020203" pitchFamily="34" charset="0"/>
+              </a:rPr>
+              <a:t>Editing area</a:t>
+            </a:r>
+            <a:endParaRPr lang="en-US" sz="1400" dirty="0" smtClean="0">
+              <a:latin typeface="Segoe UI Semilight" panose="020B0402040204020203" pitchFamily="34" charset="0"/>
+              <a:cs typeface="Segoe UI Semilight" panose="020B0402040204020203" pitchFamily="34" charset="0"/>
+            </a:endParaRPr>
+          </a:p>
+        </p:txBody>
+      </p:sp>
+      <p:sp>
+        <p:nvSpPr>
+          <p:cNvPr id="38" name="TextBox 37"/>
+          <p:cNvSpPr txBox="1"/>
+          <p:nvPr/>
+        </p:nvSpPr>
+        <p:spPr>
+          <a:xfrm>
+            <a:off x="529523" y="1468691"/>
+            <a:ext cx="774736" cy="305574"/>
+          </a:xfrm>
+          <a:prstGeom prst="rect">
+            <a:avLst/>
+          </a:prstGeom>
+          <a:solidFill>
+            <a:srgbClr val="FFFFFF"/>
+          </a:solidFill>
+          <a:ln>
+            <a:solidFill>
+              <a:schemeClr val="tx1"/>
+            </a:solidFill>
+          </a:ln>
+          <a:effectLst>
+            <a:glow rad="101600">
+              <a:schemeClr val="accent4">
+                <a:satMod val="175000"/>
+                <a:alpha val="40000"/>
+              </a:schemeClr>
+            </a:glow>
+          </a:effectLst>
+        </p:spPr>
+        <p:txBody>
+          <a:bodyPr wrap="square" rtlCol="0">
+            <a:spAutoFit/>
+          </a:bodyPr>
+          <a:lstStyle/>
+          <a:p>
+            <a:pPr algn="ctr"/>
+            <a:r>
+              <a:rPr lang="en-US" sz="1400" dirty="0" smtClean="0">
+                <a:latin typeface="Segoe UI Semilight" panose="020B0402040204020203" pitchFamily="34" charset="0"/>
+                <a:cs typeface="Segoe UI Semilight" panose="020B0402040204020203" pitchFamily="34" charset="0"/>
+              </a:rPr>
+              <a:t>Cursor</a:t>
+            </a:r>
+            <a:endParaRPr lang="en-US" sz="1400" dirty="0" smtClean="0">
+              <a:latin typeface="Segoe UI Semilight" panose="020B0402040204020203" pitchFamily="34" charset="0"/>
+              <a:cs typeface="Segoe UI Semilight" panose="020B0402040204020203" pitchFamily="34" charset="0"/>
+            </a:endParaRPr>
+          </a:p>
+        </p:txBody>
+      </p:sp>
+      <p:sp>
+        <p:nvSpPr>
+          <p:cNvPr id="39" name="TextBox 38"/>
+          <p:cNvSpPr txBox="1"/>
+          <p:nvPr/>
+        </p:nvSpPr>
+        <p:spPr>
+          <a:xfrm>
+            <a:off x="2958631" y="3764336"/>
+            <a:ext cx="3488468" cy="954107"/>
+          </a:xfrm>
+          <a:prstGeom prst="rect">
+            <a:avLst/>
+          </a:prstGeom>
+          <a:solidFill>
+            <a:srgbClr val="FFFFFF"/>
+          </a:solidFill>
+          <a:ln>
+            <a:solidFill>
+              <a:schemeClr val="tx1"/>
+            </a:solidFill>
+          </a:ln>
+          <a:effectLst>
+            <a:glow rad="101600">
+              <a:schemeClr val="accent4">
+                <a:satMod val="175000"/>
+                <a:alpha val="40000"/>
+              </a:schemeClr>
+            </a:glow>
+          </a:effectLst>
+        </p:spPr>
+        <p:txBody>
+          <a:bodyPr wrap="square" rtlCol="0">
+            <a:spAutoFit/>
+          </a:bodyPr>
+          <a:lstStyle/>
+          <a:p>
+            <a:pPr algn="ctr"/>
+            <a:r>
+              <a:rPr lang="en-US" sz="1400" dirty="0" smtClean="0">
+                <a:latin typeface="Segoe UI Semilight" panose="020B0402040204020203" pitchFamily="34" charset="0"/>
+                <a:cs typeface="Segoe UI Semilight" panose="020B0402040204020203" pitchFamily="34" charset="0"/>
+              </a:rPr>
+              <a:t>Add whatever text you want to add here (</a:t>
+            </a:r>
+            <a:r>
+              <a:rPr lang="en-US" sz="1400" dirty="0" smtClean="0">
+                <a:latin typeface="Segoe UI Semilight" panose="020B0402040204020203" pitchFamily="34" charset="0"/>
+                <a:cs typeface="Segoe UI Semilight" panose="020B0402040204020203" pitchFamily="34" charset="0"/>
+              </a:rPr>
+              <a:t>by just typing), once done you can </a:t>
+            </a:r>
+            <a:r>
+              <a:rPr lang="en-US" sz="1400" dirty="0" smtClean="0">
+                <a:latin typeface="Segoe UI Semilight" panose="020B0402040204020203" pitchFamily="34" charset="0"/>
+                <a:cs typeface="Segoe UI Semilight" panose="020B0402040204020203" pitchFamily="34" charset="0"/>
+              </a:rPr>
+              <a:t>exit by pressing Ctrl(^) + X, then answer yes “Y” to save changes (or “N” to discard changes)</a:t>
+            </a:r>
+            <a:endParaRPr lang="en-US" sz="1400" dirty="0" smtClean="0">
+              <a:latin typeface="Segoe UI Semilight" panose="020B0402040204020203" pitchFamily="34" charset="0"/>
+              <a:cs typeface="Segoe UI Semilight" panose="020B0402040204020203" pitchFamily="34" charset="0"/>
+            </a:endParaRPr>
           </a:p>
         </p:txBody>
       </p:sp>
     </p:spTree>
     <p:extLst>
       <p:ext uri="{BB962C8B-B14F-4D97-AF65-F5344CB8AC3E}">
-        <p14:creationId xmlns:p14="http://schemas.microsoft.com/office/powerpoint/2010/main" val="4234571050"/>
+        <p14:creationId xmlns:p14="http://schemas.microsoft.com/office/powerpoint/2010/main" val="3023273565"/>
       </p:ext>
     </p:extLst>
   </p:cSld>
@@ -14943,9 +16059,1098 @@
   <p:timing>
     <p:tnLst>
       <p:par>
-        <p:cTn id="1" dur="indefinite" restart="never" nodeType="tmRoot"/>
+        <p:cTn id="1" dur="indefinite" restart="never" nodeType="tmRoot">
+          <p:childTnLst>
+            <p:seq concurrent="1" nextAc="seek">
+              <p:cTn id="2" dur="indefinite" nodeType="mainSeq">
+                <p:childTnLst>
+                  <p:par>
+                    <p:cTn id="3" fill="hold">
+                      <p:stCondLst>
+                        <p:cond delay="indefinite"/>
+                        <p:cond evt="onBegin" delay="0">
+                          <p:tn val="2"/>
+                        </p:cond>
+                      </p:stCondLst>
+                      <p:childTnLst>
+                        <p:par>
+                          <p:cTn id="4" fill="hold">
+                            <p:stCondLst>
+                              <p:cond delay="0"/>
+                            </p:stCondLst>
+                            <p:childTnLst>
+                              <p:par>
+                                <p:cTn id="5" presetID="1" presetClass="entr" presetSubtype="0" fill="hold" nodeType="withEffect">
+                                  <p:stCondLst>
+                                    <p:cond delay="0"/>
+                                  </p:stCondLst>
+                                  <p:childTnLst>
+                                    <p:set>
+                                      <p:cBhvr>
+                                        <p:cTn id="6" dur="1" fill="hold">
+                                          <p:stCondLst>
+                                            <p:cond delay="0"/>
+                                          </p:stCondLst>
+                                        </p:cTn>
+                                        <p:tgtEl>
+                                          <p:spTgt spid="12"/>
+                                        </p:tgtEl>
+                                        <p:attrNameLst>
+                                          <p:attrName>style.visibility</p:attrName>
+                                        </p:attrNameLst>
+                                      </p:cBhvr>
+                                      <p:to>
+                                        <p:strVal val="visible"/>
+                                      </p:to>
+                                    </p:set>
+                                  </p:childTnLst>
+                                </p:cTn>
+                              </p:par>
+                              <p:par>
+                                <p:cTn id="7" presetID="1" presetClass="entr" presetSubtype="0" fill="hold" nodeType="withEffect">
+                                  <p:stCondLst>
+                                    <p:cond delay="0"/>
+                                  </p:stCondLst>
+                                  <p:childTnLst>
+                                    <p:set>
+                                      <p:cBhvr>
+                                        <p:cTn id="8" dur="1" fill="hold">
+                                          <p:stCondLst>
+                                            <p:cond delay="0"/>
+                                          </p:stCondLst>
+                                        </p:cTn>
+                                        <p:tgtEl>
+                                          <p:spTgt spid="13"/>
+                                        </p:tgtEl>
+                                        <p:attrNameLst>
+                                          <p:attrName>style.visibility</p:attrName>
+                                        </p:attrNameLst>
+                                      </p:cBhvr>
+                                      <p:to>
+                                        <p:strVal val="visible"/>
+                                      </p:to>
+                                    </p:set>
+                                  </p:childTnLst>
+                                </p:cTn>
+                              </p:par>
+                            </p:childTnLst>
+                          </p:cTn>
+                        </p:par>
+                      </p:childTnLst>
+                    </p:cTn>
+                  </p:par>
+                  <p:par>
+                    <p:cTn id="9" fill="hold">
+                      <p:stCondLst>
+                        <p:cond delay="indefinite"/>
+                      </p:stCondLst>
+                      <p:childTnLst>
+                        <p:par>
+                          <p:cTn id="10" fill="hold">
+                            <p:stCondLst>
+                              <p:cond delay="0"/>
+                            </p:stCondLst>
+                            <p:childTnLst>
+                              <p:par>
+                                <p:cTn id="11" presetID="1" presetClass="entr" presetSubtype="0" fill="hold" nodeType="clickEffect">
+                                  <p:stCondLst>
+                                    <p:cond delay="0"/>
+                                  </p:stCondLst>
+                                  <p:childTnLst>
+                                    <p:set>
+                                      <p:cBhvr>
+                                        <p:cTn id="12" dur="1" fill="hold">
+                                          <p:stCondLst>
+                                            <p:cond delay="0"/>
+                                          </p:stCondLst>
+                                        </p:cTn>
+                                        <p:tgtEl>
+                                          <p:spTgt spid="29"/>
+                                        </p:tgtEl>
+                                        <p:attrNameLst>
+                                          <p:attrName>style.visibility</p:attrName>
+                                        </p:attrNameLst>
+                                      </p:cBhvr>
+                                      <p:to>
+                                        <p:strVal val="visible"/>
+                                      </p:to>
+                                    </p:set>
+                                  </p:childTnLst>
+                                </p:cTn>
+                              </p:par>
+                            </p:childTnLst>
+                          </p:cTn>
+                        </p:par>
+                        <p:par>
+                          <p:cTn id="13" fill="hold">
+                            <p:stCondLst>
+                              <p:cond delay="0"/>
+                            </p:stCondLst>
+                            <p:childTnLst>
+                              <p:par>
+                                <p:cTn id="14" presetID="1" presetClass="entr" presetSubtype="0" fill="hold" nodeType="afterEffect">
+                                  <p:stCondLst>
+                                    <p:cond delay="0"/>
+                                  </p:stCondLst>
+                                  <p:childTnLst>
+                                    <p:set>
+                                      <p:cBhvr>
+                                        <p:cTn id="15" dur="1" fill="hold">
+                                          <p:stCondLst>
+                                            <p:cond delay="0"/>
+                                          </p:stCondLst>
+                                        </p:cTn>
+                                        <p:tgtEl>
+                                          <p:spTgt spid="28"/>
+                                        </p:tgtEl>
+                                        <p:attrNameLst>
+                                          <p:attrName>style.visibility</p:attrName>
+                                        </p:attrNameLst>
+                                      </p:cBhvr>
+                                      <p:to>
+                                        <p:strVal val="visible"/>
+                                      </p:to>
+                                    </p:set>
+                                  </p:childTnLst>
+                                </p:cTn>
+                              </p:par>
+                            </p:childTnLst>
+                          </p:cTn>
+                        </p:par>
+                      </p:childTnLst>
+                    </p:cTn>
+                  </p:par>
+                  <p:par>
+                    <p:cTn id="16" fill="hold">
+                      <p:stCondLst>
+                        <p:cond delay="indefinite"/>
+                      </p:stCondLst>
+                      <p:childTnLst>
+                        <p:par>
+                          <p:cTn id="17" fill="hold">
+                            <p:stCondLst>
+                              <p:cond delay="0"/>
+                            </p:stCondLst>
+                            <p:childTnLst>
+                              <p:par>
+                                <p:cTn id="18" presetID="1" presetClass="entr" presetSubtype="0" fill="hold" grpId="0" nodeType="clickEffect">
+                                  <p:stCondLst>
+                                    <p:cond delay="0"/>
+                                  </p:stCondLst>
+                                  <p:childTnLst>
+                                    <p:set>
+                                      <p:cBhvr>
+                                        <p:cTn id="19" dur="1" fill="hold">
+                                          <p:stCondLst>
+                                            <p:cond delay="0"/>
+                                          </p:stCondLst>
+                                        </p:cTn>
+                                        <p:tgtEl>
+                                          <p:spTgt spid="18"/>
+                                        </p:tgtEl>
+                                        <p:attrNameLst>
+                                          <p:attrName>style.visibility</p:attrName>
+                                        </p:attrNameLst>
+                                      </p:cBhvr>
+                                      <p:to>
+                                        <p:strVal val="visible"/>
+                                      </p:to>
+                                    </p:set>
+                                  </p:childTnLst>
+                                </p:cTn>
+                              </p:par>
+                              <p:par>
+                                <p:cTn id="20" presetID="1" presetClass="entr" presetSubtype="0" fill="hold" nodeType="withEffect">
+                                  <p:stCondLst>
+                                    <p:cond delay="0"/>
+                                  </p:stCondLst>
+                                  <p:childTnLst>
+                                    <p:set>
+                                      <p:cBhvr>
+                                        <p:cTn id="21" dur="1" fill="hold">
+                                          <p:stCondLst>
+                                            <p:cond delay="0"/>
+                                          </p:stCondLst>
+                                        </p:cTn>
+                                        <p:tgtEl>
+                                          <p:spTgt spid="20"/>
+                                        </p:tgtEl>
+                                        <p:attrNameLst>
+                                          <p:attrName>style.visibility</p:attrName>
+                                        </p:attrNameLst>
+                                      </p:cBhvr>
+                                      <p:to>
+                                        <p:strVal val="visible"/>
+                                      </p:to>
+                                    </p:set>
+                                  </p:childTnLst>
+                                </p:cTn>
+                              </p:par>
+                              <p:par>
+                                <p:cTn id="22" presetID="1" presetClass="entr" presetSubtype="0" fill="hold" nodeType="withEffect">
+                                  <p:stCondLst>
+                                    <p:cond delay="0"/>
+                                  </p:stCondLst>
+                                  <p:childTnLst>
+                                    <p:set>
+                                      <p:cBhvr>
+                                        <p:cTn id="23" dur="1" fill="hold">
+                                          <p:stCondLst>
+                                            <p:cond delay="0"/>
+                                          </p:stCondLst>
+                                        </p:cTn>
+                                        <p:tgtEl>
+                                          <p:spTgt spid="22"/>
+                                        </p:tgtEl>
+                                        <p:attrNameLst>
+                                          <p:attrName>style.visibility</p:attrName>
+                                        </p:attrNameLst>
+                                      </p:cBhvr>
+                                      <p:to>
+                                        <p:strVal val="visible"/>
+                                      </p:to>
+                                    </p:set>
+                                  </p:childTnLst>
+                                </p:cTn>
+                              </p:par>
+                              <p:par>
+                                <p:cTn id="24" presetID="1" presetClass="entr" presetSubtype="0" fill="hold" grpId="0" nodeType="withEffect">
+                                  <p:stCondLst>
+                                    <p:cond delay="0"/>
+                                  </p:stCondLst>
+                                  <p:childTnLst>
+                                    <p:set>
+                                      <p:cBhvr>
+                                        <p:cTn id="25" dur="1" fill="hold">
+                                          <p:stCondLst>
+                                            <p:cond delay="0"/>
+                                          </p:stCondLst>
+                                        </p:cTn>
+                                        <p:tgtEl>
+                                          <p:spTgt spid="23"/>
+                                        </p:tgtEl>
+                                        <p:attrNameLst>
+                                          <p:attrName>style.visibility</p:attrName>
+                                        </p:attrNameLst>
+                                      </p:cBhvr>
+                                      <p:to>
+                                        <p:strVal val="visible"/>
+                                      </p:to>
+                                    </p:set>
+                                  </p:childTnLst>
+                                </p:cTn>
+                              </p:par>
+                              <p:par>
+                                <p:cTn id="26" presetID="1" presetClass="entr" presetSubtype="0" fill="hold" nodeType="withEffect">
+                                  <p:stCondLst>
+                                    <p:cond delay="0"/>
+                                  </p:stCondLst>
+                                  <p:childTnLst>
+                                    <p:set>
+                                      <p:cBhvr>
+                                        <p:cTn id="27" dur="1" fill="hold">
+                                          <p:stCondLst>
+                                            <p:cond delay="0"/>
+                                          </p:stCondLst>
+                                        </p:cTn>
+                                        <p:tgtEl>
+                                          <p:spTgt spid="25"/>
+                                        </p:tgtEl>
+                                        <p:attrNameLst>
+                                          <p:attrName>style.visibility</p:attrName>
+                                        </p:attrNameLst>
+                                      </p:cBhvr>
+                                      <p:to>
+                                        <p:strVal val="visible"/>
+                                      </p:to>
+                                    </p:set>
+                                  </p:childTnLst>
+                                </p:cTn>
+                              </p:par>
+                              <p:par>
+                                <p:cTn id="28" presetID="1" presetClass="entr" presetSubtype="0" fill="hold" nodeType="withEffect">
+                                  <p:stCondLst>
+                                    <p:cond delay="0"/>
+                                  </p:stCondLst>
+                                  <p:childTnLst>
+                                    <p:set>
+                                      <p:cBhvr>
+                                        <p:cTn id="29" dur="1" fill="hold">
+                                          <p:stCondLst>
+                                            <p:cond delay="0"/>
+                                          </p:stCondLst>
+                                        </p:cTn>
+                                        <p:tgtEl>
+                                          <p:spTgt spid="27"/>
+                                        </p:tgtEl>
+                                        <p:attrNameLst>
+                                          <p:attrName>style.visibility</p:attrName>
+                                        </p:attrNameLst>
+                                      </p:cBhvr>
+                                      <p:to>
+                                        <p:strVal val="visible"/>
+                                      </p:to>
+                                    </p:set>
+                                  </p:childTnLst>
+                                </p:cTn>
+                              </p:par>
+                              <p:par>
+                                <p:cTn id="30" presetID="1" presetClass="entr" presetSubtype="0" fill="hold" grpId="0" nodeType="withEffect">
+                                  <p:stCondLst>
+                                    <p:cond delay="0"/>
+                                  </p:stCondLst>
+                                  <p:childTnLst>
+                                    <p:set>
+                                      <p:cBhvr>
+                                        <p:cTn id="31" dur="1" fill="hold">
+                                          <p:stCondLst>
+                                            <p:cond delay="0"/>
+                                          </p:stCondLst>
+                                        </p:cTn>
+                                        <p:tgtEl>
+                                          <p:spTgt spid="32"/>
+                                        </p:tgtEl>
+                                        <p:attrNameLst>
+                                          <p:attrName>style.visibility</p:attrName>
+                                        </p:attrNameLst>
+                                      </p:cBhvr>
+                                      <p:to>
+                                        <p:strVal val="visible"/>
+                                      </p:to>
+                                    </p:set>
+                                  </p:childTnLst>
+                                </p:cTn>
+                              </p:par>
+                              <p:par>
+                                <p:cTn id="32" presetID="1" presetClass="entr" presetSubtype="0" fill="hold" grpId="0" nodeType="withEffect">
+                                  <p:stCondLst>
+                                    <p:cond delay="0"/>
+                                  </p:stCondLst>
+                                  <p:childTnLst>
+                                    <p:set>
+                                      <p:cBhvr>
+                                        <p:cTn id="33" dur="1" fill="hold">
+                                          <p:stCondLst>
+                                            <p:cond delay="0"/>
+                                          </p:stCondLst>
+                                        </p:cTn>
+                                        <p:tgtEl>
+                                          <p:spTgt spid="31"/>
+                                        </p:tgtEl>
+                                        <p:attrNameLst>
+                                          <p:attrName>style.visibility</p:attrName>
+                                        </p:attrNameLst>
+                                      </p:cBhvr>
+                                      <p:to>
+                                        <p:strVal val="visible"/>
+                                      </p:to>
+                                    </p:set>
+                                  </p:childTnLst>
+                                </p:cTn>
+                              </p:par>
+                            </p:childTnLst>
+                          </p:cTn>
+                        </p:par>
+                      </p:childTnLst>
+                    </p:cTn>
+                  </p:par>
+                  <p:par>
+                    <p:cTn id="34" fill="hold">
+                      <p:stCondLst>
+                        <p:cond delay="indefinite"/>
+                      </p:stCondLst>
+                      <p:childTnLst>
+                        <p:par>
+                          <p:cTn id="35" fill="hold">
+                            <p:stCondLst>
+                              <p:cond delay="0"/>
+                            </p:stCondLst>
+                            <p:childTnLst>
+                              <p:par>
+                                <p:cTn id="36" presetID="1" presetClass="exit" presetSubtype="0" fill="hold" nodeType="clickEffect">
+                                  <p:stCondLst>
+                                    <p:cond delay="0"/>
+                                  </p:stCondLst>
+                                  <p:childTnLst>
+                                    <p:set>
+                                      <p:cBhvr>
+                                        <p:cTn id="37" dur="1" fill="hold">
+                                          <p:stCondLst>
+                                            <p:cond delay="0"/>
+                                          </p:stCondLst>
+                                        </p:cTn>
+                                        <p:tgtEl>
+                                          <p:spTgt spid="12"/>
+                                        </p:tgtEl>
+                                        <p:attrNameLst>
+                                          <p:attrName>style.visibility</p:attrName>
+                                        </p:attrNameLst>
+                                      </p:cBhvr>
+                                      <p:to>
+                                        <p:strVal val="hidden"/>
+                                      </p:to>
+                                    </p:set>
+                                  </p:childTnLst>
+                                </p:cTn>
+                              </p:par>
+                              <p:par>
+                                <p:cTn id="38" presetID="1" presetClass="exit" presetSubtype="0" fill="hold" nodeType="withEffect">
+                                  <p:stCondLst>
+                                    <p:cond delay="0"/>
+                                  </p:stCondLst>
+                                  <p:childTnLst>
+                                    <p:set>
+                                      <p:cBhvr>
+                                        <p:cTn id="39" dur="1" fill="hold">
+                                          <p:stCondLst>
+                                            <p:cond delay="0"/>
+                                          </p:stCondLst>
+                                        </p:cTn>
+                                        <p:tgtEl>
+                                          <p:spTgt spid="13"/>
+                                        </p:tgtEl>
+                                        <p:attrNameLst>
+                                          <p:attrName>style.visibility</p:attrName>
+                                        </p:attrNameLst>
+                                      </p:cBhvr>
+                                      <p:to>
+                                        <p:strVal val="hidden"/>
+                                      </p:to>
+                                    </p:set>
+                                  </p:childTnLst>
+                                </p:cTn>
+                              </p:par>
+                              <p:par>
+                                <p:cTn id="40" presetID="1" presetClass="exit" presetSubtype="0" fill="hold" nodeType="withEffect">
+                                  <p:stCondLst>
+                                    <p:cond delay="0"/>
+                                  </p:stCondLst>
+                                  <p:childTnLst>
+                                    <p:set>
+                                      <p:cBhvr>
+                                        <p:cTn id="41" dur="1" fill="hold">
+                                          <p:stCondLst>
+                                            <p:cond delay="0"/>
+                                          </p:stCondLst>
+                                        </p:cTn>
+                                        <p:tgtEl>
+                                          <p:spTgt spid="29"/>
+                                        </p:tgtEl>
+                                        <p:attrNameLst>
+                                          <p:attrName>style.visibility</p:attrName>
+                                        </p:attrNameLst>
+                                      </p:cBhvr>
+                                      <p:to>
+                                        <p:strVal val="hidden"/>
+                                      </p:to>
+                                    </p:set>
+                                  </p:childTnLst>
+                                </p:cTn>
+                              </p:par>
+                              <p:par>
+                                <p:cTn id="42" presetID="1" presetClass="exit" presetSubtype="0" fill="hold" nodeType="withEffect">
+                                  <p:stCondLst>
+                                    <p:cond delay="0"/>
+                                  </p:stCondLst>
+                                  <p:childTnLst>
+                                    <p:set>
+                                      <p:cBhvr>
+                                        <p:cTn id="43" dur="1" fill="hold">
+                                          <p:stCondLst>
+                                            <p:cond delay="0"/>
+                                          </p:stCondLst>
+                                        </p:cTn>
+                                        <p:tgtEl>
+                                          <p:spTgt spid="28"/>
+                                        </p:tgtEl>
+                                        <p:attrNameLst>
+                                          <p:attrName>style.visibility</p:attrName>
+                                        </p:attrNameLst>
+                                      </p:cBhvr>
+                                      <p:to>
+                                        <p:strVal val="hidden"/>
+                                      </p:to>
+                                    </p:set>
+                                  </p:childTnLst>
+                                </p:cTn>
+                              </p:par>
+                              <p:par>
+                                <p:cTn id="44" presetID="1" presetClass="exit" presetSubtype="0" fill="hold" grpId="1" nodeType="withEffect">
+                                  <p:stCondLst>
+                                    <p:cond delay="0"/>
+                                  </p:stCondLst>
+                                  <p:childTnLst>
+                                    <p:set>
+                                      <p:cBhvr>
+                                        <p:cTn id="45" dur="1" fill="hold">
+                                          <p:stCondLst>
+                                            <p:cond delay="0"/>
+                                          </p:stCondLst>
+                                        </p:cTn>
+                                        <p:tgtEl>
+                                          <p:spTgt spid="18"/>
+                                        </p:tgtEl>
+                                        <p:attrNameLst>
+                                          <p:attrName>style.visibility</p:attrName>
+                                        </p:attrNameLst>
+                                      </p:cBhvr>
+                                      <p:to>
+                                        <p:strVal val="hidden"/>
+                                      </p:to>
+                                    </p:set>
+                                  </p:childTnLst>
+                                </p:cTn>
+                              </p:par>
+                              <p:par>
+                                <p:cTn id="46" presetID="1" presetClass="exit" presetSubtype="0" fill="hold" nodeType="withEffect">
+                                  <p:stCondLst>
+                                    <p:cond delay="0"/>
+                                  </p:stCondLst>
+                                  <p:childTnLst>
+                                    <p:set>
+                                      <p:cBhvr>
+                                        <p:cTn id="47" dur="1" fill="hold">
+                                          <p:stCondLst>
+                                            <p:cond delay="0"/>
+                                          </p:stCondLst>
+                                        </p:cTn>
+                                        <p:tgtEl>
+                                          <p:spTgt spid="20"/>
+                                        </p:tgtEl>
+                                        <p:attrNameLst>
+                                          <p:attrName>style.visibility</p:attrName>
+                                        </p:attrNameLst>
+                                      </p:cBhvr>
+                                      <p:to>
+                                        <p:strVal val="hidden"/>
+                                      </p:to>
+                                    </p:set>
+                                  </p:childTnLst>
+                                </p:cTn>
+                              </p:par>
+                              <p:par>
+                                <p:cTn id="48" presetID="1" presetClass="exit" presetSubtype="0" fill="hold" nodeType="withEffect">
+                                  <p:stCondLst>
+                                    <p:cond delay="0"/>
+                                  </p:stCondLst>
+                                  <p:childTnLst>
+                                    <p:set>
+                                      <p:cBhvr>
+                                        <p:cTn id="49" dur="1" fill="hold">
+                                          <p:stCondLst>
+                                            <p:cond delay="0"/>
+                                          </p:stCondLst>
+                                        </p:cTn>
+                                        <p:tgtEl>
+                                          <p:spTgt spid="22"/>
+                                        </p:tgtEl>
+                                        <p:attrNameLst>
+                                          <p:attrName>style.visibility</p:attrName>
+                                        </p:attrNameLst>
+                                      </p:cBhvr>
+                                      <p:to>
+                                        <p:strVal val="hidden"/>
+                                      </p:to>
+                                    </p:set>
+                                  </p:childTnLst>
+                                </p:cTn>
+                              </p:par>
+                              <p:par>
+                                <p:cTn id="50" presetID="1" presetClass="exit" presetSubtype="0" fill="hold" grpId="1" nodeType="withEffect">
+                                  <p:stCondLst>
+                                    <p:cond delay="0"/>
+                                  </p:stCondLst>
+                                  <p:childTnLst>
+                                    <p:set>
+                                      <p:cBhvr>
+                                        <p:cTn id="51" dur="1" fill="hold">
+                                          <p:stCondLst>
+                                            <p:cond delay="0"/>
+                                          </p:stCondLst>
+                                        </p:cTn>
+                                        <p:tgtEl>
+                                          <p:spTgt spid="23"/>
+                                        </p:tgtEl>
+                                        <p:attrNameLst>
+                                          <p:attrName>style.visibility</p:attrName>
+                                        </p:attrNameLst>
+                                      </p:cBhvr>
+                                      <p:to>
+                                        <p:strVal val="hidden"/>
+                                      </p:to>
+                                    </p:set>
+                                  </p:childTnLst>
+                                </p:cTn>
+                              </p:par>
+                              <p:par>
+                                <p:cTn id="52" presetID="1" presetClass="exit" presetSubtype="0" fill="hold" nodeType="withEffect">
+                                  <p:stCondLst>
+                                    <p:cond delay="0"/>
+                                  </p:stCondLst>
+                                  <p:childTnLst>
+                                    <p:set>
+                                      <p:cBhvr>
+                                        <p:cTn id="53" dur="1" fill="hold">
+                                          <p:stCondLst>
+                                            <p:cond delay="0"/>
+                                          </p:stCondLst>
+                                        </p:cTn>
+                                        <p:tgtEl>
+                                          <p:spTgt spid="25"/>
+                                        </p:tgtEl>
+                                        <p:attrNameLst>
+                                          <p:attrName>style.visibility</p:attrName>
+                                        </p:attrNameLst>
+                                      </p:cBhvr>
+                                      <p:to>
+                                        <p:strVal val="hidden"/>
+                                      </p:to>
+                                    </p:set>
+                                  </p:childTnLst>
+                                </p:cTn>
+                              </p:par>
+                              <p:par>
+                                <p:cTn id="54" presetID="1" presetClass="exit" presetSubtype="0" fill="hold" nodeType="withEffect">
+                                  <p:stCondLst>
+                                    <p:cond delay="0"/>
+                                  </p:stCondLst>
+                                  <p:childTnLst>
+                                    <p:set>
+                                      <p:cBhvr>
+                                        <p:cTn id="55" dur="1" fill="hold">
+                                          <p:stCondLst>
+                                            <p:cond delay="0"/>
+                                          </p:stCondLst>
+                                        </p:cTn>
+                                        <p:tgtEl>
+                                          <p:spTgt spid="27"/>
+                                        </p:tgtEl>
+                                        <p:attrNameLst>
+                                          <p:attrName>style.visibility</p:attrName>
+                                        </p:attrNameLst>
+                                      </p:cBhvr>
+                                      <p:to>
+                                        <p:strVal val="hidden"/>
+                                      </p:to>
+                                    </p:set>
+                                  </p:childTnLst>
+                                </p:cTn>
+                              </p:par>
+                              <p:par>
+                                <p:cTn id="56" presetID="1" presetClass="exit" presetSubtype="0" fill="hold" grpId="1" nodeType="withEffect">
+                                  <p:stCondLst>
+                                    <p:cond delay="0"/>
+                                  </p:stCondLst>
+                                  <p:childTnLst>
+                                    <p:set>
+                                      <p:cBhvr>
+                                        <p:cTn id="57" dur="1" fill="hold">
+                                          <p:stCondLst>
+                                            <p:cond delay="0"/>
+                                          </p:stCondLst>
+                                        </p:cTn>
+                                        <p:tgtEl>
+                                          <p:spTgt spid="32"/>
+                                        </p:tgtEl>
+                                        <p:attrNameLst>
+                                          <p:attrName>style.visibility</p:attrName>
+                                        </p:attrNameLst>
+                                      </p:cBhvr>
+                                      <p:to>
+                                        <p:strVal val="hidden"/>
+                                      </p:to>
+                                    </p:set>
+                                  </p:childTnLst>
+                                </p:cTn>
+                              </p:par>
+                              <p:par>
+                                <p:cTn id="58" presetID="1" presetClass="exit" presetSubtype="0" fill="hold" grpId="1" nodeType="withEffect">
+                                  <p:stCondLst>
+                                    <p:cond delay="0"/>
+                                  </p:stCondLst>
+                                  <p:childTnLst>
+                                    <p:set>
+                                      <p:cBhvr>
+                                        <p:cTn id="59" dur="1" fill="hold">
+                                          <p:stCondLst>
+                                            <p:cond delay="0"/>
+                                          </p:stCondLst>
+                                        </p:cTn>
+                                        <p:tgtEl>
+                                          <p:spTgt spid="31"/>
+                                        </p:tgtEl>
+                                        <p:attrNameLst>
+                                          <p:attrName>style.visibility</p:attrName>
+                                        </p:attrNameLst>
+                                      </p:cBhvr>
+                                      <p:to>
+                                        <p:strVal val="hidden"/>
+                                      </p:to>
+                                    </p:set>
+                                  </p:childTnLst>
+                                </p:cTn>
+                              </p:par>
+                            </p:childTnLst>
+                          </p:cTn>
+                        </p:par>
+                        <p:par>
+                          <p:cTn id="60" fill="hold">
+                            <p:stCondLst>
+                              <p:cond delay="0"/>
+                            </p:stCondLst>
+                            <p:childTnLst>
+                              <p:par>
+                                <p:cTn id="61" presetID="1" presetClass="entr" presetSubtype="0" fill="hold" nodeType="afterEffect">
+                                  <p:stCondLst>
+                                    <p:cond delay="0"/>
+                                  </p:stCondLst>
+                                  <p:childTnLst>
+                                    <p:set>
+                                      <p:cBhvr>
+                                        <p:cTn id="62" dur="1" fill="hold">
+                                          <p:stCondLst>
+                                            <p:cond delay="0"/>
+                                          </p:stCondLst>
+                                        </p:cTn>
+                                        <p:tgtEl>
+                                          <p:spTgt spid="4"/>
+                                        </p:tgtEl>
+                                        <p:attrNameLst>
+                                          <p:attrName>style.visibility</p:attrName>
+                                        </p:attrNameLst>
+                                      </p:cBhvr>
+                                      <p:to>
+                                        <p:strVal val="visible"/>
+                                      </p:to>
+                                    </p:set>
+                                  </p:childTnLst>
+                                </p:cTn>
+                              </p:par>
+                            </p:childTnLst>
+                          </p:cTn>
+                        </p:par>
+                      </p:childTnLst>
+                    </p:cTn>
+                  </p:par>
+                  <p:par>
+                    <p:cTn id="63" fill="hold">
+                      <p:stCondLst>
+                        <p:cond delay="indefinite"/>
+                      </p:stCondLst>
+                      <p:childTnLst>
+                        <p:par>
+                          <p:cTn id="64" fill="hold">
+                            <p:stCondLst>
+                              <p:cond delay="0"/>
+                            </p:stCondLst>
+                            <p:childTnLst>
+                              <p:par>
+                                <p:cTn id="65" presetID="1" presetClass="entr" presetSubtype="0" fill="hold" grpId="2" nodeType="clickEffect">
+                                  <p:stCondLst>
+                                    <p:cond delay="0"/>
+                                  </p:stCondLst>
+                                  <p:childTnLst>
+                                    <p:set>
+                                      <p:cBhvr>
+                                        <p:cTn id="66" dur="1" fill="hold">
+                                          <p:stCondLst>
+                                            <p:cond delay="0"/>
+                                          </p:stCondLst>
+                                        </p:cTn>
+                                        <p:tgtEl>
+                                          <p:spTgt spid="18"/>
+                                        </p:tgtEl>
+                                        <p:attrNameLst>
+                                          <p:attrName>style.visibility</p:attrName>
+                                        </p:attrNameLst>
+                                      </p:cBhvr>
+                                      <p:to>
+                                        <p:strVal val="visible"/>
+                                      </p:to>
+                                    </p:set>
+                                  </p:childTnLst>
+                                </p:cTn>
+                              </p:par>
+                              <p:par>
+                                <p:cTn id="67" presetID="1" presetClass="entr" presetSubtype="0" fill="hold" grpId="0" nodeType="withEffect">
+                                  <p:stCondLst>
+                                    <p:cond delay="0"/>
+                                  </p:stCondLst>
+                                  <p:childTnLst>
+                                    <p:set>
+                                      <p:cBhvr>
+                                        <p:cTn id="68" dur="1" fill="hold">
+                                          <p:stCondLst>
+                                            <p:cond delay="0"/>
+                                          </p:stCondLst>
+                                        </p:cTn>
+                                        <p:tgtEl>
+                                          <p:spTgt spid="9"/>
+                                        </p:tgtEl>
+                                        <p:attrNameLst>
+                                          <p:attrName>style.visibility</p:attrName>
+                                        </p:attrNameLst>
+                                      </p:cBhvr>
+                                      <p:to>
+                                        <p:strVal val="visible"/>
+                                      </p:to>
+                                    </p:set>
+                                  </p:childTnLst>
+                                </p:cTn>
+                              </p:par>
+                              <p:par>
+                                <p:cTn id="69" presetID="1" presetClass="entr" presetSubtype="0" fill="hold" grpId="0" nodeType="withEffect">
+                                  <p:stCondLst>
+                                    <p:cond delay="0"/>
+                                  </p:stCondLst>
+                                  <p:childTnLst>
+                                    <p:set>
+                                      <p:cBhvr>
+                                        <p:cTn id="70" dur="1" fill="hold">
+                                          <p:stCondLst>
+                                            <p:cond delay="0"/>
+                                          </p:stCondLst>
+                                        </p:cTn>
+                                        <p:tgtEl>
+                                          <p:spTgt spid="7"/>
+                                        </p:tgtEl>
+                                        <p:attrNameLst>
+                                          <p:attrName>style.visibility</p:attrName>
+                                        </p:attrNameLst>
+                                      </p:cBhvr>
+                                      <p:to>
+                                        <p:strVal val="visible"/>
+                                      </p:to>
+                                    </p:set>
+                                  </p:childTnLst>
+                                </p:cTn>
+                              </p:par>
+                              <p:par>
+                                <p:cTn id="71" presetID="1" presetClass="entr" presetSubtype="0" fill="hold" grpId="0" nodeType="withEffect">
+                                  <p:stCondLst>
+                                    <p:cond delay="0"/>
+                                  </p:stCondLst>
+                                  <p:childTnLst>
+                                    <p:set>
+                                      <p:cBhvr>
+                                        <p:cTn id="72" dur="1" fill="hold">
+                                          <p:stCondLst>
+                                            <p:cond delay="0"/>
+                                          </p:stCondLst>
+                                        </p:cTn>
+                                        <p:tgtEl>
+                                          <p:spTgt spid="38"/>
+                                        </p:tgtEl>
+                                        <p:attrNameLst>
+                                          <p:attrName>style.visibility</p:attrName>
+                                        </p:attrNameLst>
+                                      </p:cBhvr>
+                                      <p:to>
+                                        <p:strVal val="visible"/>
+                                      </p:to>
+                                    </p:set>
+                                  </p:childTnLst>
+                                </p:cTn>
+                              </p:par>
+                            </p:childTnLst>
+                          </p:cTn>
+                        </p:par>
+                      </p:childTnLst>
+                    </p:cTn>
+                  </p:par>
+                  <p:par>
+                    <p:cTn id="73" fill="hold">
+                      <p:stCondLst>
+                        <p:cond delay="indefinite"/>
+                      </p:stCondLst>
+                      <p:childTnLst>
+                        <p:par>
+                          <p:cTn id="74" fill="hold">
+                            <p:stCondLst>
+                              <p:cond delay="0"/>
+                            </p:stCondLst>
+                            <p:childTnLst>
+                              <p:par>
+                                <p:cTn id="75" presetID="1" presetClass="exit" presetSubtype="0" fill="hold" grpId="3" nodeType="clickEffect">
+                                  <p:stCondLst>
+                                    <p:cond delay="0"/>
+                                  </p:stCondLst>
+                                  <p:childTnLst>
+                                    <p:set>
+                                      <p:cBhvr>
+                                        <p:cTn id="76" dur="1" fill="hold">
+                                          <p:stCondLst>
+                                            <p:cond delay="0"/>
+                                          </p:stCondLst>
+                                        </p:cTn>
+                                        <p:tgtEl>
+                                          <p:spTgt spid="18"/>
+                                        </p:tgtEl>
+                                        <p:attrNameLst>
+                                          <p:attrName>style.visibility</p:attrName>
+                                        </p:attrNameLst>
+                                      </p:cBhvr>
+                                      <p:to>
+                                        <p:strVal val="hidden"/>
+                                      </p:to>
+                                    </p:set>
+                                  </p:childTnLst>
+                                </p:cTn>
+                              </p:par>
+                              <p:par>
+                                <p:cTn id="77" presetID="1" presetClass="exit" presetSubtype="0" fill="hold" grpId="1" nodeType="withEffect">
+                                  <p:stCondLst>
+                                    <p:cond delay="0"/>
+                                  </p:stCondLst>
+                                  <p:childTnLst>
+                                    <p:set>
+                                      <p:cBhvr>
+                                        <p:cTn id="78" dur="1" fill="hold">
+                                          <p:stCondLst>
+                                            <p:cond delay="0"/>
+                                          </p:stCondLst>
+                                        </p:cTn>
+                                        <p:tgtEl>
+                                          <p:spTgt spid="9"/>
+                                        </p:tgtEl>
+                                        <p:attrNameLst>
+                                          <p:attrName>style.visibility</p:attrName>
+                                        </p:attrNameLst>
+                                      </p:cBhvr>
+                                      <p:to>
+                                        <p:strVal val="hidden"/>
+                                      </p:to>
+                                    </p:set>
+                                  </p:childTnLst>
+                                </p:cTn>
+                              </p:par>
+                              <p:par>
+                                <p:cTn id="79" presetID="1" presetClass="exit" presetSubtype="0" fill="hold" grpId="1" nodeType="withEffect">
+                                  <p:stCondLst>
+                                    <p:cond delay="0"/>
+                                  </p:stCondLst>
+                                  <p:childTnLst>
+                                    <p:set>
+                                      <p:cBhvr>
+                                        <p:cTn id="80" dur="1" fill="hold">
+                                          <p:stCondLst>
+                                            <p:cond delay="0"/>
+                                          </p:stCondLst>
+                                        </p:cTn>
+                                        <p:tgtEl>
+                                          <p:spTgt spid="7"/>
+                                        </p:tgtEl>
+                                        <p:attrNameLst>
+                                          <p:attrName>style.visibility</p:attrName>
+                                        </p:attrNameLst>
+                                      </p:cBhvr>
+                                      <p:to>
+                                        <p:strVal val="hidden"/>
+                                      </p:to>
+                                    </p:set>
+                                  </p:childTnLst>
+                                </p:cTn>
+                              </p:par>
+                              <p:par>
+                                <p:cTn id="81" presetID="1" presetClass="exit" presetSubtype="0" fill="hold" grpId="1" nodeType="withEffect">
+                                  <p:stCondLst>
+                                    <p:cond delay="0"/>
+                                  </p:stCondLst>
+                                  <p:childTnLst>
+                                    <p:set>
+                                      <p:cBhvr>
+                                        <p:cTn id="82" dur="1" fill="hold">
+                                          <p:stCondLst>
+                                            <p:cond delay="0"/>
+                                          </p:stCondLst>
+                                        </p:cTn>
+                                        <p:tgtEl>
+                                          <p:spTgt spid="38"/>
+                                        </p:tgtEl>
+                                        <p:attrNameLst>
+                                          <p:attrName>style.visibility</p:attrName>
+                                        </p:attrNameLst>
+                                      </p:cBhvr>
+                                      <p:to>
+                                        <p:strVal val="hidden"/>
+                                      </p:to>
+                                    </p:set>
+                                  </p:childTnLst>
+                                </p:cTn>
+                              </p:par>
+                              <p:par>
+                                <p:cTn id="83" presetID="1" presetClass="entr" presetSubtype="0" fill="hold" grpId="0" nodeType="withEffect">
+                                  <p:stCondLst>
+                                    <p:cond delay="0"/>
+                                  </p:stCondLst>
+                                  <p:childTnLst>
+                                    <p:set>
+                                      <p:cBhvr>
+                                        <p:cTn id="84" dur="1" fill="hold">
+                                          <p:stCondLst>
+                                            <p:cond delay="0"/>
+                                          </p:stCondLst>
+                                        </p:cTn>
+                                        <p:tgtEl>
+                                          <p:spTgt spid="39"/>
+                                        </p:tgtEl>
+                                        <p:attrNameLst>
+                                          <p:attrName>style.visibility</p:attrName>
+                                        </p:attrNameLst>
+                                      </p:cBhvr>
+                                      <p:to>
+                                        <p:strVal val="visible"/>
+                                      </p:to>
+                                    </p:set>
+                                  </p:childTnLst>
+                                </p:cTn>
+                              </p:par>
+                            </p:childTnLst>
+                          </p:cTn>
+                        </p:par>
+                      </p:childTnLst>
+                    </p:cTn>
+                  </p:par>
+                </p:childTnLst>
+              </p:cTn>
+              <p:prevCondLst>
+                <p:cond evt="onPrev" delay="0">
+                  <p:tgtEl>
+                    <p:sldTgt/>
+                  </p:tgtEl>
+                </p:cond>
+              </p:prevCondLst>
+              <p:nextCondLst>
+                <p:cond evt="onNext" delay="0">
+                  <p:tgtEl>
+                    <p:sldTgt/>
+                  </p:tgtEl>
+                </p:cond>
+              </p:nextCondLst>
+            </p:seq>
+          </p:childTnLst>
+        </p:cTn>
       </p:par>
     </p:tnLst>
+    <p:bldLst>
+      <p:bldP spid="7" grpId="0" animBg="1"/>
+      <p:bldP spid="7" grpId="1" animBg="1"/>
+      <p:bldP spid="9" grpId="0" animBg="1"/>
+      <p:bldP spid="9" grpId="1" animBg="1"/>
+      <p:bldP spid="18" grpId="0" animBg="1"/>
+      <p:bldP spid="18" grpId="1" animBg="1"/>
+      <p:bldP spid="18" grpId="2" animBg="1"/>
+      <p:bldP spid="18" grpId="3" animBg="1"/>
+      <p:bldP spid="23" grpId="0" animBg="1"/>
+      <p:bldP spid="23" grpId="1" animBg="1"/>
+      <p:bldP spid="31" grpId="0" animBg="1"/>
+      <p:bldP spid="31" grpId="1" animBg="1"/>
+      <p:bldP spid="32" grpId="0" animBg="1"/>
+      <p:bldP spid="32" grpId="1" animBg="1"/>
+      <p:bldP spid="38" grpId="0" animBg="1"/>
+      <p:bldP spid="38" grpId="1" animBg="1"/>
+      <p:bldP spid="39" grpId="0" animBg="1"/>
+    </p:bldLst>
   </p:timing>
 </p:sld>
 </file>
@@ -14984,7 +17189,7 @@
           <a:p>
             <a:r>
               <a:rPr lang="en-US" dirty="0" smtClean="0"/>
-              <a:t>Directory creation</a:t>
+              <a:t>Reading files</a:t>
             </a:r>
             <a:endParaRPr lang="en-US" dirty="0"/>
           </a:p>
@@ -15005,14 +17210,207 @@
           <a:bodyPr/>
           <a:lstStyle/>
           <a:p>
-            <a:endParaRPr lang="en-US"/>
+            <a:pPr marL="0" indent="0">
+              <a:buNone/>
+            </a:pPr>
+            <a:r>
+              <a:rPr lang="en-US" dirty="0" smtClean="0"/>
+              <a:t>Commands</a:t>
+            </a:r>
+            <a:endParaRPr lang="en-US" dirty="0" smtClean="0"/>
+          </a:p>
+          <a:p>
+            <a:pPr lvl="1"/>
+            <a:r>
+              <a:rPr lang="en-US" dirty="0" smtClean="0">
+                <a:solidFill>
+                  <a:srgbClr val="C00000"/>
+                </a:solidFill>
+              </a:rPr>
+              <a:t>less </a:t>
+            </a:r>
+            <a:r>
+              <a:rPr lang="en-US" dirty="0" smtClean="0"/>
+              <a:t>: </a:t>
+            </a:r>
+            <a:r>
+              <a:rPr lang="en-US" dirty="0" smtClean="0">
+                <a:solidFill>
+                  <a:srgbClr val="C00000"/>
+                </a:solidFill>
+              </a:rPr>
+              <a:t>m</a:t>
+            </a:r>
+            <a:r>
+              <a:rPr lang="en-US" dirty="0" smtClean="0"/>
+              <a:t>a</a:t>
+            </a:r>
+            <a:r>
+              <a:rPr lang="en-US" dirty="0" smtClean="0">
+                <a:solidFill>
+                  <a:srgbClr val="C00000"/>
+                </a:solidFill>
+              </a:rPr>
+              <a:t>k</a:t>
+            </a:r>
+            <a:r>
+              <a:rPr lang="en-US" dirty="0" smtClean="0"/>
+              <a:t>e </a:t>
+            </a:r>
+            <a:r>
+              <a:rPr lang="en-US" dirty="0" smtClean="0">
+                <a:solidFill>
+                  <a:srgbClr val="C00000"/>
+                </a:solidFill>
+              </a:rPr>
+              <a:t>dir</a:t>
+            </a:r>
+            <a:r>
+              <a:rPr lang="en-US" dirty="0" smtClean="0"/>
+              <a:t>ectory</a:t>
+            </a:r>
+          </a:p>
+          <a:p>
+            <a:pPr lvl="1"/>
+            <a:r>
+              <a:rPr lang="en-US" dirty="0" smtClean="0">
+                <a:solidFill>
+                  <a:srgbClr val="C00000"/>
+                </a:solidFill>
+              </a:rPr>
+              <a:t>more </a:t>
+            </a:r>
+            <a:r>
+              <a:rPr lang="en-US" dirty="0"/>
+              <a:t>: </a:t>
+            </a:r>
+            <a:r>
+              <a:rPr lang="en-US" dirty="0" smtClean="0">
+                <a:solidFill>
+                  <a:srgbClr val="C00000"/>
+                </a:solidFill>
+              </a:rPr>
+              <a:t>r</a:t>
+            </a:r>
+            <a:r>
+              <a:rPr lang="en-US" dirty="0" smtClean="0"/>
+              <a:t>e</a:t>
+            </a:r>
+            <a:r>
+              <a:rPr lang="en-US" dirty="0" smtClean="0">
+                <a:solidFill>
+                  <a:srgbClr val="C00000"/>
+                </a:solidFill>
+              </a:rPr>
+              <a:t>m</a:t>
+            </a:r>
+            <a:r>
+              <a:rPr lang="en-US" dirty="0" smtClean="0"/>
+              <a:t>ove </a:t>
+            </a:r>
+            <a:r>
+              <a:rPr lang="en-US" dirty="0">
+                <a:solidFill>
+                  <a:srgbClr val="C00000"/>
+                </a:solidFill>
+              </a:rPr>
+              <a:t>dir</a:t>
+            </a:r>
+            <a:r>
+              <a:rPr lang="en-US" dirty="0"/>
+              <a:t>ectory</a:t>
+            </a:r>
+          </a:p>
+          <a:p>
+            <a:pPr lvl="1"/>
+            <a:r>
+              <a:rPr lang="en-US" dirty="0" smtClean="0">
+                <a:solidFill>
+                  <a:srgbClr val="C00000"/>
+                </a:solidFill>
+              </a:rPr>
+              <a:t>cat</a:t>
+            </a:r>
+            <a:r>
+              <a:rPr lang="en-US" dirty="0" smtClean="0"/>
+              <a:t> </a:t>
+            </a:r>
+            <a:r>
+              <a:rPr lang="en-US" dirty="0" smtClean="0"/>
+              <a:t>: creates an empty file</a:t>
+            </a:r>
+            <a:endParaRPr lang="en-US" dirty="0" smtClean="0">
+              <a:solidFill>
+                <a:srgbClr val="C00000"/>
+              </a:solidFill>
+            </a:endParaRPr>
+          </a:p>
+          <a:p>
+            <a:pPr lvl="1"/>
+            <a:r>
+              <a:rPr lang="en-US" dirty="0" smtClean="0">
+                <a:solidFill>
+                  <a:srgbClr val="C00000"/>
+                </a:solidFill>
+              </a:rPr>
+              <a:t>head </a:t>
+            </a:r>
+            <a:r>
+              <a:rPr lang="en-US" dirty="0" smtClean="0"/>
+              <a:t>: </a:t>
+            </a:r>
+            <a:r>
+              <a:rPr lang="en-US" dirty="0" smtClean="0">
+                <a:solidFill>
+                  <a:srgbClr val="C00000"/>
+                </a:solidFill>
+              </a:rPr>
+              <a:t>r</a:t>
+            </a:r>
+            <a:r>
+              <a:rPr lang="en-US" dirty="0" smtClean="0"/>
+              <a:t>e</a:t>
+            </a:r>
+            <a:r>
+              <a:rPr lang="en-US" dirty="0" smtClean="0">
+                <a:solidFill>
+                  <a:srgbClr val="C00000"/>
+                </a:solidFill>
+              </a:rPr>
+              <a:t>m</a:t>
+            </a:r>
+            <a:r>
+              <a:rPr lang="en-US" dirty="0" smtClean="0"/>
+              <a:t>oves file</a:t>
+            </a:r>
+            <a:endParaRPr lang="en-US" dirty="0" smtClean="0">
+              <a:solidFill>
+                <a:srgbClr val="C00000"/>
+              </a:solidFill>
+            </a:endParaRPr>
+          </a:p>
+          <a:p>
+            <a:pPr lvl="1"/>
+            <a:r>
+              <a:rPr lang="en-US" dirty="0" smtClean="0">
+                <a:solidFill>
+                  <a:srgbClr val="C00000"/>
+                </a:solidFill>
+              </a:rPr>
+              <a:t>tail </a:t>
+            </a:r>
+            <a:r>
+              <a:rPr lang="en-US" dirty="0" smtClean="0"/>
+              <a:t>: default command line file editor</a:t>
+            </a:r>
+            <a:endParaRPr lang="en-US" dirty="0"/>
           </a:p>
         </p:txBody>
       </p:sp>
     </p:spTree>
     <p:extLst>
       <p:ext uri="{BB962C8B-B14F-4D97-AF65-F5344CB8AC3E}">
-        <p14:creationId xmlns:p14="http://schemas.microsoft.com/office/powerpoint/2010/main" val="3124079346"/>
+        <p14:creationId xmlns:p14="http://schemas.microsoft.com/office/powerpoint/2010/main" val="1669857182"/>
       </p:ext>
     </p:extLst>
   </p:cSld>
@@ -15063,7 +17461,7 @@
           <a:p>
             <a:r>
               <a:rPr lang="en-US" dirty="0" smtClean="0"/>
-              <a:t>Deleting files and directories</a:t>
+              <a:t>Reading files</a:t>
             </a:r>
             <a:endParaRPr lang="en-US" dirty="0"/>
           </a:p>
@@ -15079,19 +17477,547 @@
             <p:ph idx="1"/>
           </p:nvPr>
         </p:nvSpPr>
-        <p:spPr/>
+        <p:spPr>
+          <a:xfrm>
+            <a:off x="97654" y="1295399"/>
+            <a:ext cx="8939814" cy="5034379"/>
+          </a:xfrm>
+          <a:solidFill>
+            <a:schemeClr val="tx1"/>
+          </a:solidFill>
+        </p:spPr>
         <p:txBody>
           <a:bodyPr/>
           <a:lstStyle/>
           <a:p>
-            <a:endParaRPr lang="en-US"/>
+            <a:pPr marL="0" indent="0">
+              <a:buNone/>
+            </a:pPr>
+            <a:r>
+              <a:rPr lang="en-US" sz="1400" i="1" dirty="0" smtClean="0">
+                <a:latin typeface="Consolas" panose="020B0609020204030204" pitchFamily="49" charset="0"/>
+                <a:cs typeface="Consolas" panose="020B0609020204030204" pitchFamily="49" charset="0"/>
+              </a:rPr>
+              <a:t># Let’s rename the copied files to something else</a:t>
+            </a:r>
+          </a:p>
+          <a:p>
+            <a:pPr marL="0" indent="0">
+              <a:buNone/>
+            </a:pPr>
+            <a:r>
+              <a:rPr lang="en-US" sz="1400" dirty="0" smtClean="0">
+                <a:solidFill>
+                  <a:schemeClr val="accent6">
+                    <a:lumMod val="40000"/>
+                    <a:lumOff val="60000"/>
+                  </a:schemeClr>
+                </a:solidFill>
+                <a:latin typeface="Consolas" panose="020B0609020204030204" pitchFamily="49" charset="0"/>
+                <a:cs typeface="Consolas" panose="020B0609020204030204" pitchFamily="49" charset="0"/>
+              </a:rPr>
+              <a:t>~$</a:t>
+            </a:r>
+            <a:r>
+              <a:rPr lang="en-US" sz="1400" dirty="0" smtClean="0">
+                <a:latin typeface="Consolas" panose="020B0609020204030204" pitchFamily="49" charset="0"/>
+                <a:cs typeface="Consolas" panose="020B0609020204030204" pitchFamily="49" charset="0"/>
+              </a:rPr>
+              <a:t> </a:t>
+            </a:r>
+            <a:r>
+              <a:rPr lang="en-US" sz="1400" dirty="0" smtClean="0">
+                <a:solidFill>
+                  <a:srgbClr val="00B050"/>
+                </a:solidFill>
+                <a:latin typeface="Consolas" panose="020B0609020204030204" pitchFamily="49" charset="0"/>
+                <a:cs typeface="Consolas" panose="020B0609020204030204" pitchFamily="49" charset="0"/>
+              </a:rPr>
+              <a:t>cd ~ </a:t>
+            </a:r>
+          </a:p>
+          <a:p>
+            <a:pPr marL="0" indent="0">
+              <a:buNone/>
+            </a:pPr>
+            <a:r>
+              <a:rPr lang="en-US" sz="1400" i="1" dirty="0">
+                <a:latin typeface="Consolas" panose="020B0609020204030204" pitchFamily="49" charset="0"/>
+                <a:cs typeface="Consolas" panose="020B0609020204030204" pitchFamily="49" charset="0"/>
+              </a:rPr>
+              <a:t># </a:t>
+            </a:r>
+            <a:r>
+              <a:rPr lang="en-US" sz="1400" i="1" dirty="0" smtClean="0">
+                <a:latin typeface="Consolas" panose="020B0609020204030204" pitchFamily="49" charset="0"/>
+                <a:cs typeface="Consolas" panose="020B0609020204030204" pitchFamily="49" charset="0"/>
+              </a:rPr>
+              <a:t>change to home</a:t>
+            </a:r>
+          </a:p>
+          <a:p>
+            <a:pPr marL="0" indent="0">
+              <a:buNone/>
+            </a:pPr>
+            <a:r>
+              <a:rPr lang="en-US" sz="1400" dirty="0">
+                <a:solidFill>
+                  <a:schemeClr val="accent6">
+                    <a:lumMod val="40000"/>
+                    <a:lumOff val="60000"/>
+                  </a:schemeClr>
+                </a:solidFill>
+                <a:latin typeface="Consolas" panose="020B0609020204030204" pitchFamily="49" charset="0"/>
+                <a:cs typeface="Consolas" panose="020B0609020204030204" pitchFamily="49" charset="0"/>
+              </a:rPr>
+              <a:t>~$</a:t>
+            </a:r>
+            <a:r>
+              <a:rPr lang="en-US" sz="1400" dirty="0">
+                <a:latin typeface="Consolas" panose="020B0609020204030204" pitchFamily="49" charset="0"/>
+                <a:cs typeface="Consolas" panose="020B0609020204030204" pitchFamily="49" charset="0"/>
+              </a:rPr>
+              <a:t> </a:t>
+            </a:r>
+            <a:r>
+              <a:rPr lang="en-US" sz="1400" dirty="0" err="1" smtClean="0">
+                <a:solidFill>
+                  <a:srgbClr val="00B050"/>
+                </a:solidFill>
+                <a:latin typeface="Consolas" panose="020B0609020204030204" pitchFamily="49" charset="0"/>
+                <a:cs typeface="Consolas" panose="020B0609020204030204" pitchFamily="49" charset="0"/>
+              </a:rPr>
+              <a:t>pwd</a:t>
+            </a:r>
+            <a:r>
+              <a:rPr lang="en-US" sz="1400" dirty="0" smtClean="0">
+                <a:solidFill>
+                  <a:srgbClr val="00B050"/>
+                </a:solidFill>
+                <a:latin typeface="Consolas" panose="020B0609020204030204" pitchFamily="49" charset="0"/>
+                <a:cs typeface="Consolas" panose="020B0609020204030204" pitchFamily="49" charset="0"/>
+              </a:rPr>
+              <a:t> </a:t>
+            </a:r>
+            <a:endParaRPr lang="en-US" sz="1400" dirty="0">
+              <a:solidFill>
+                <a:srgbClr val="00B050"/>
+              </a:solidFill>
+              <a:latin typeface="Consolas" panose="020B0609020204030204" pitchFamily="49" charset="0"/>
+              <a:cs typeface="Consolas" panose="020B0609020204030204" pitchFamily="49" charset="0"/>
+            </a:endParaRPr>
+          </a:p>
+          <a:p>
+            <a:pPr marL="0" indent="0">
+              <a:buNone/>
+            </a:pPr>
+            <a:r>
+              <a:rPr lang="en-US" sz="1400" i="1" dirty="0" smtClean="0">
+                <a:latin typeface="Consolas" panose="020B0609020204030204" pitchFamily="49" charset="0"/>
+                <a:cs typeface="Consolas" panose="020B0609020204030204" pitchFamily="49" charset="0"/>
+              </a:rPr>
+              <a:t># check location</a:t>
+            </a:r>
+          </a:p>
+          <a:p>
+            <a:pPr marL="0" indent="0">
+              <a:buNone/>
+            </a:pPr>
+            <a:r>
+              <a:rPr lang="en-US" sz="1400" dirty="0">
+                <a:solidFill>
+                  <a:schemeClr val="accent6">
+                    <a:lumMod val="40000"/>
+                    <a:lumOff val="60000"/>
+                  </a:schemeClr>
+                </a:solidFill>
+                <a:latin typeface="Consolas" panose="020B0609020204030204" pitchFamily="49" charset="0"/>
+                <a:cs typeface="Consolas" panose="020B0609020204030204" pitchFamily="49" charset="0"/>
+              </a:rPr>
+              <a:t>~$</a:t>
+            </a:r>
+            <a:r>
+              <a:rPr lang="en-US" sz="1400" dirty="0">
+                <a:latin typeface="Consolas" panose="020B0609020204030204" pitchFamily="49" charset="0"/>
+                <a:cs typeface="Consolas" panose="020B0609020204030204" pitchFamily="49" charset="0"/>
+              </a:rPr>
+              <a:t> </a:t>
+            </a:r>
+            <a:r>
+              <a:rPr lang="en-US" sz="1400" dirty="0" smtClean="0">
+                <a:solidFill>
+                  <a:srgbClr val="00B050"/>
+                </a:solidFill>
+                <a:latin typeface="Consolas" panose="020B0609020204030204" pitchFamily="49" charset="0"/>
+                <a:cs typeface="Consolas" panose="020B0609020204030204" pitchFamily="49" charset="0"/>
+              </a:rPr>
+              <a:t>ls </a:t>
+            </a:r>
+            <a:endParaRPr lang="en-US" sz="1400" dirty="0">
+              <a:solidFill>
+                <a:srgbClr val="00B050"/>
+              </a:solidFill>
+              <a:latin typeface="Consolas" panose="020B0609020204030204" pitchFamily="49" charset="0"/>
+              <a:cs typeface="Consolas" panose="020B0609020204030204" pitchFamily="49" charset="0"/>
+            </a:endParaRPr>
+          </a:p>
+          <a:p>
+            <a:pPr marL="0" indent="0">
+              <a:buNone/>
+            </a:pPr>
+            <a:r>
+              <a:rPr lang="en-US" sz="1400" i="1" dirty="0">
+                <a:latin typeface="Consolas" panose="020B0609020204030204" pitchFamily="49" charset="0"/>
+                <a:cs typeface="Consolas" panose="020B0609020204030204" pitchFamily="49" charset="0"/>
+              </a:rPr>
+              <a:t># </a:t>
+            </a:r>
+            <a:r>
+              <a:rPr lang="en-US" sz="1400" i="1" dirty="0" smtClean="0">
+                <a:latin typeface="Consolas" panose="020B0609020204030204" pitchFamily="49" charset="0"/>
+                <a:cs typeface="Consolas" panose="020B0609020204030204" pitchFamily="49" charset="0"/>
+              </a:rPr>
+              <a:t>list files, do you see ‘WORKSHOP_FILES’ here?</a:t>
+            </a:r>
+          </a:p>
+          <a:p>
+            <a:pPr marL="0" indent="0">
+              <a:buNone/>
+            </a:pPr>
+            <a:r>
+              <a:rPr lang="en-US" sz="1400" dirty="0">
+                <a:solidFill>
+                  <a:schemeClr val="accent6">
+                    <a:lumMod val="40000"/>
+                    <a:lumOff val="60000"/>
+                  </a:schemeClr>
+                </a:solidFill>
+                <a:latin typeface="Consolas" panose="020B0609020204030204" pitchFamily="49" charset="0"/>
+                <a:cs typeface="Consolas" panose="020B0609020204030204" pitchFamily="49" charset="0"/>
+              </a:rPr>
+              <a:t>~$</a:t>
+            </a:r>
+            <a:r>
+              <a:rPr lang="en-US" sz="1400" dirty="0">
+                <a:latin typeface="Consolas" panose="020B0609020204030204" pitchFamily="49" charset="0"/>
+                <a:cs typeface="Consolas" panose="020B0609020204030204" pitchFamily="49" charset="0"/>
+              </a:rPr>
+              <a:t> </a:t>
+            </a:r>
+            <a:r>
+              <a:rPr lang="en-US" sz="1400" dirty="0" smtClean="0">
+                <a:solidFill>
+                  <a:srgbClr val="00B050"/>
+                </a:solidFill>
+                <a:latin typeface="Consolas" panose="020B0609020204030204" pitchFamily="49" charset="0"/>
+                <a:cs typeface="Consolas" panose="020B0609020204030204" pitchFamily="49" charset="0"/>
+              </a:rPr>
+              <a:t>cd WORKSHOP_FILES</a:t>
+            </a:r>
+          </a:p>
+          <a:p>
+            <a:pPr marL="0" indent="0">
+              <a:buNone/>
+            </a:pPr>
+            <a:r>
+              <a:rPr lang="en-US" sz="1400" dirty="0">
+                <a:solidFill>
+                  <a:schemeClr val="accent6">
+                    <a:lumMod val="40000"/>
+                    <a:lumOff val="60000"/>
+                  </a:schemeClr>
+                </a:solidFill>
+                <a:latin typeface="Consolas" panose="020B0609020204030204" pitchFamily="49" charset="0"/>
+                <a:cs typeface="Consolas" panose="020B0609020204030204" pitchFamily="49" charset="0"/>
+              </a:rPr>
+              <a:t>~$</a:t>
+            </a:r>
+            <a:r>
+              <a:rPr lang="en-US" sz="1400" dirty="0">
+                <a:latin typeface="Consolas" panose="020B0609020204030204" pitchFamily="49" charset="0"/>
+                <a:cs typeface="Consolas" panose="020B0609020204030204" pitchFamily="49" charset="0"/>
+              </a:rPr>
+              <a:t> </a:t>
+            </a:r>
+            <a:r>
+              <a:rPr lang="en-US" sz="1400" dirty="0">
+                <a:solidFill>
+                  <a:srgbClr val="00B050"/>
+                </a:solidFill>
+                <a:latin typeface="Consolas" panose="020B0609020204030204" pitchFamily="49" charset="0"/>
+                <a:cs typeface="Consolas" panose="020B0609020204030204" pitchFamily="49" charset="0"/>
+              </a:rPr>
+              <a:t>ls </a:t>
+            </a:r>
+          </a:p>
+          <a:p>
+            <a:pPr marL="0" indent="0">
+              <a:buNone/>
+            </a:pPr>
+            <a:r>
+              <a:rPr lang="en-US" sz="1400" i="1" dirty="0" smtClean="0">
+                <a:latin typeface="Consolas" panose="020B0609020204030204" pitchFamily="49" charset="0"/>
+                <a:cs typeface="Consolas" panose="020B0609020204030204" pitchFamily="49" charset="0"/>
+              </a:rPr>
+              <a:t># If you see familiar files here, let’s create a new directory</a:t>
+            </a:r>
+            <a:endParaRPr lang="en-US" sz="1400" i="1" dirty="0">
+              <a:latin typeface="Consolas" panose="020B0609020204030204" pitchFamily="49" charset="0"/>
+              <a:cs typeface="Consolas" panose="020B0609020204030204" pitchFamily="49" charset="0"/>
+            </a:endParaRPr>
+          </a:p>
+          <a:p>
+            <a:pPr marL="0" indent="0">
+              <a:buNone/>
+            </a:pPr>
+            <a:r>
+              <a:rPr lang="en-US" sz="1400" dirty="0" smtClean="0">
+                <a:solidFill>
+                  <a:schemeClr val="accent6">
+                    <a:lumMod val="40000"/>
+                    <a:lumOff val="60000"/>
+                  </a:schemeClr>
+                </a:solidFill>
+                <a:latin typeface="Consolas" panose="020B0609020204030204" pitchFamily="49" charset="0"/>
+                <a:cs typeface="Consolas" panose="020B0609020204030204" pitchFamily="49" charset="0"/>
+              </a:rPr>
+              <a:t>~$</a:t>
+            </a:r>
+            <a:r>
+              <a:rPr lang="en-US" sz="1400" dirty="0" smtClean="0">
+                <a:latin typeface="Consolas" panose="020B0609020204030204" pitchFamily="49" charset="0"/>
+                <a:cs typeface="Consolas" panose="020B0609020204030204" pitchFamily="49" charset="0"/>
+              </a:rPr>
+              <a:t> </a:t>
+            </a:r>
+            <a:r>
+              <a:rPr lang="en-US" sz="1400" dirty="0" err="1" smtClean="0">
+                <a:solidFill>
+                  <a:srgbClr val="00B050"/>
+                </a:solidFill>
+                <a:latin typeface="Consolas" panose="020B0609020204030204" pitchFamily="49" charset="0"/>
+                <a:cs typeface="Consolas" panose="020B0609020204030204" pitchFamily="49" charset="0"/>
+              </a:rPr>
+              <a:t>mkdir</a:t>
+            </a:r>
+            <a:r>
+              <a:rPr lang="en-US" sz="1400" dirty="0">
+                <a:solidFill>
+                  <a:srgbClr val="00B050"/>
+                </a:solidFill>
+                <a:latin typeface="Consolas" panose="020B0609020204030204" pitchFamily="49" charset="0"/>
+                <a:cs typeface="Consolas" panose="020B0609020204030204" pitchFamily="49" charset="0"/>
+              </a:rPr>
+              <a:t> </a:t>
+            </a:r>
+            <a:r>
+              <a:rPr lang="en-US" sz="1400" dirty="0" err="1" smtClean="0">
+                <a:solidFill>
+                  <a:srgbClr val="00B050"/>
+                </a:solidFill>
+                <a:latin typeface="Consolas" panose="020B0609020204030204" pitchFamily="49" charset="0"/>
+                <a:cs typeface="Consolas" panose="020B0609020204030204" pitchFamily="49" charset="0"/>
+              </a:rPr>
+              <a:t>FirstDirectory</a:t>
+            </a:r>
+            <a:endParaRPr lang="en-US" sz="1400" dirty="0" smtClean="0">
+              <a:solidFill>
+                <a:srgbClr val="00B050"/>
+              </a:solidFill>
+              <a:latin typeface="Consolas" panose="020B0609020204030204" pitchFamily="49" charset="0"/>
+              <a:cs typeface="Consolas" panose="020B0609020204030204" pitchFamily="49" charset="0"/>
+            </a:endParaRPr>
+          </a:p>
+          <a:p>
+            <a:pPr marL="0" indent="0">
+              <a:buNone/>
+            </a:pPr>
+            <a:r>
+              <a:rPr lang="en-US" sz="1400" dirty="0">
+                <a:solidFill>
+                  <a:schemeClr val="accent6">
+                    <a:lumMod val="40000"/>
+                    <a:lumOff val="60000"/>
+                  </a:schemeClr>
+                </a:solidFill>
+                <a:latin typeface="Consolas" panose="020B0609020204030204" pitchFamily="49" charset="0"/>
+                <a:cs typeface="Consolas" panose="020B0609020204030204" pitchFamily="49" charset="0"/>
+              </a:rPr>
+              <a:t>~$</a:t>
+            </a:r>
+            <a:r>
+              <a:rPr lang="en-US" sz="1400" dirty="0">
+                <a:latin typeface="Consolas" panose="020B0609020204030204" pitchFamily="49" charset="0"/>
+                <a:cs typeface="Consolas" panose="020B0609020204030204" pitchFamily="49" charset="0"/>
+              </a:rPr>
+              <a:t> </a:t>
+            </a:r>
+            <a:r>
+              <a:rPr lang="en-US" sz="1400" dirty="0">
+                <a:solidFill>
+                  <a:srgbClr val="00B050"/>
+                </a:solidFill>
+                <a:latin typeface="Consolas" panose="020B0609020204030204" pitchFamily="49" charset="0"/>
+                <a:cs typeface="Consolas" panose="020B0609020204030204" pitchFamily="49" charset="0"/>
+              </a:rPr>
+              <a:t>ls </a:t>
+            </a:r>
+          </a:p>
+          <a:p>
+            <a:pPr marL="0" indent="0">
+              <a:buNone/>
+            </a:pPr>
+            <a:r>
+              <a:rPr lang="en-US" sz="1400" i="1" dirty="0">
+                <a:latin typeface="Consolas" panose="020B0609020204030204" pitchFamily="49" charset="0"/>
+                <a:cs typeface="Consolas" panose="020B0609020204030204" pitchFamily="49" charset="0"/>
+              </a:rPr>
+              <a:t># </a:t>
+            </a:r>
+            <a:r>
+              <a:rPr lang="en-US" sz="1400" i="1" dirty="0" smtClean="0">
+                <a:latin typeface="Consolas" panose="020B0609020204030204" pitchFamily="49" charset="0"/>
+                <a:cs typeface="Consolas" panose="020B0609020204030204" pitchFamily="49" charset="0"/>
+              </a:rPr>
+              <a:t>do you see the new directory here?</a:t>
+            </a:r>
+            <a:endParaRPr lang="en-US" sz="1400" i="1" dirty="0">
+              <a:latin typeface="Consolas" panose="020B0609020204030204" pitchFamily="49" charset="0"/>
+              <a:cs typeface="Consolas" panose="020B0609020204030204" pitchFamily="49" charset="0"/>
+            </a:endParaRPr>
+          </a:p>
+          <a:p>
+            <a:pPr marL="0" indent="0">
+              <a:buNone/>
+            </a:pPr>
+            <a:r>
+              <a:rPr lang="en-US" sz="1400" dirty="0">
+                <a:solidFill>
+                  <a:schemeClr val="accent6">
+                    <a:lumMod val="40000"/>
+                    <a:lumOff val="60000"/>
+                  </a:schemeClr>
+                </a:solidFill>
+                <a:latin typeface="Consolas" panose="020B0609020204030204" pitchFamily="49" charset="0"/>
+                <a:cs typeface="Consolas" panose="020B0609020204030204" pitchFamily="49" charset="0"/>
+              </a:rPr>
+              <a:t>~$</a:t>
+            </a:r>
+            <a:r>
+              <a:rPr lang="en-US" sz="1400" dirty="0">
+                <a:latin typeface="Consolas" panose="020B0609020204030204" pitchFamily="49" charset="0"/>
+                <a:cs typeface="Consolas" panose="020B0609020204030204" pitchFamily="49" charset="0"/>
+              </a:rPr>
+              <a:t> </a:t>
+            </a:r>
+            <a:r>
+              <a:rPr lang="en-US" sz="1400" dirty="0" smtClean="0">
+                <a:solidFill>
+                  <a:srgbClr val="00B050"/>
+                </a:solidFill>
+                <a:latin typeface="Consolas" panose="020B0609020204030204" pitchFamily="49" charset="0"/>
+                <a:cs typeface="Consolas" panose="020B0609020204030204" pitchFamily="49" charset="0"/>
+              </a:rPr>
+              <a:t>man </a:t>
+            </a:r>
+            <a:r>
+              <a:rPr lang="en-US" sz="1400" dirty="0" err="1" smtClean="0">
+                <a:solidFill>
+                  <a:srgbClr val="00B050"/>
+                </a:solidFill>
+                <a:latin typeface="Consolas" panose="020B0609020204030204" pitchFamily="49" charset="0"/>
+                <a:cs typeface="Consolas" panose="020B0609020204030204" pitchFamily="49" charset="0"/>
+              </a:rPr>
+              <a:t>mkdir</a:t>
+            </a:r>
+            <a:endParaRPr lang="en-US" sz="1400" dirty="0">
+              <a:solidFill>
+                <a:srgbClr val="00B050"/>
+              </a:solidFill>
+              <a:latin typeface="Consolas" panose="020B0609020204030204" pitchFamily="49" charset="0"/>
+              <a:cs typeface="Consolas" panose="020B0609020204030204" pitchFamily="49" charset="0"/>
+            </a:endParaRPr>
+          </a:p>
+          <a:p>
+            <a:pPr marL="0" indent="0">
+              <a:buNone/>
+            </a:pPr>
+            <a:r>
+              <a:rPr lang="en-US" sz="1400" i="1" dirty="0" smtClean="0">
+                <a:latin typeface="Consolas" panose="020B0609020204030204" pitchFamily="49" charset="0"/>
+                <a:cs typeface="Consolas" panose="020B0609020204030204" pitchFamily="49" charset="0"/>
+              </a:rPr>
+              <a:t># what options do you think might be useful?</a:t>
+            </a:r>
+            <a:endParaRPr lang="en-US" sz="1400" i="1" dirty="0">
+              <a:latin typeface="Consolas" panose="020B0609020204030204" pitchFamily="49" charset="0"/>
+              <a:cs typeface="Consolas" panose="020B0609020204030204" pitchFamily="49" charset="0"/>
+            </a:endParaRPr>
+          </a:p>
+          <a:p>
+            <a:pPr marL="0" indent="0">
+              <a:buNone/>
+            </a:pPr>
+            <a:r>
+              <a:rPr lang="en-US" sz="1400" i="1" dirty="0">
+                <a:latin typeface="Consolas" panose="020B0609020204030204" pitchFamily="49" charset="0"/>
+                <a:cs typeface="Consolas" panose="020B0609020204030204" pitchFamily="49" charset="0"/>
+              </a:rPr>
+              <a:t># </a:t>
+            </a:r>
+            <a:r>
+              <a:rPr lang="en-US" sz="1400" i="1" dirty="0" smtClean="0">
+                <a:latin typeface="Consolas" panose="020B0609020204030204" pitchFamily="49" charset="0"/>
+                <a:cs typeface="Consolas" panose="020B0609020204030204" pitchFamily="49" charset="0"/>
+              </a:rPr>
+              <a:t>specifically, what does this option do?</a:t>
+            </a:r>
+          </a:p>
+          <a:p>
+            <a:pPr marL="0" indent="0">
+              <a:buNone/>
+            </a:pPr>
+            <a:r>
+              <a:rPr lang="en-US" sz="1400" i="1" dirty="0" smtClean="0">
+                <a:latin typeface="Consolas" panose="020B0609020204030204" pitchFamily="49" charset="0"/>
+                <a:cs typeface="Consolas" panose="020B0609020204030204" pitchFamily="49" charset="0"/>
+              </a:rPr>
+              <a:t># -p </a:t>
+            </a:r>
+            <a:r>
+              <a:rPr lang="en-US" sz="1400" i="1" dirty="0">
+                <a:latin typeface="Consolas" panose="020B0609020204030204" pitchFamily="49" charset="0"/>
+                <a:cs typeface="Consolas" panose="020B0609020204030204" pitchFamily="49" charset="0"/>
+              </a:rPr>
+              <a:t>: make parent </a:t>
+            </a:r>
+            <a:r>
+              <a:rPr lang="en-US" sz="1400" i="1" dirty="0" smtClean="0">
+                <a:latin typeface="Consolas" panose="020B0609020204030204" pitchFamily="49" charset="0"/>
+                <a:cs typeface="Consolas" panose="020B0609020204030204" pitchFamily="49" charset="0"/>
+              </a:rPr>
+              <a:t>directories</a:t>
+            </a:r>
+            <a:endParaRPr lang="en-US" sz="1400" i="1" dirty="0">
+              <a:latin typeface="Consolas" panose="020B0609020204030204" pitchFamily="49" charset="0"/>
+              <a:cs typeface="Consolas" panose="020B0609020204030204" pitchFamily="49" charset="0"/>
+            </a:endParaRPr>
+          </a:p>
+          <a:p>
+            <a:pPr marL="0" indent="0">
+              <a:buNone/>
+            </a:pPr>
+            <a:endParaRPr lang="en-US" sz="1400" i="1" dirty="0">
+              <a:latin typeface="Consolas" panose="020B0609020204030204" pitchFamily="49" charset="0"/>
+              <a:cs typeface="Consolas" panose="020B0609020204030204" pitchFamily="49" charset="0"/>
+            </a:endParaRPr>
           </a:p>
         </p:txBody>
       </p:sp>
     </p:spTree>
     <p:extLst>
       <p:ext uri="{BB962C8B-B14F-4D97-AF65-F5344CB8AC3E}">
-        <p14:creationId xmlns:p14="http://schemas.microsoft.com/office/powerpoint/2010/main" val="966129105"/>
+        <p14:creationId xmlns:p14="http://schemas.microsoft.com/office/powerpoint/2010/main" val="1342292782"/>
       </p:ext>
     </p:extLst>
   </p:cSld>
@@ -15158,19 +18084,547 @@
             <p:ph idx="1"/>
           </p:nvPr>
         </p:nvSpPr>
-        <p:spPr/>
+        <p:spPr>
+          <a:xfrm>
+            <a:off x="97654" y="1295399"/>
+            <a:ext cx="8939814" cy="5034379"/>
+          </a:xfrm>
+          <a:solidFill>
+            <a:schemeClr val="tx1"/>
+          </a:solidFill>
+        </p:spPr>
         <p:txBody>
           <a:bodyPr/>
           <a:lstStyle/>
           <a:p>
-            <a:endParaRPr lang="en-US"/>
+            <a:pPr marL="0" indent="0">
+              <a:buNone/>
+            </a:pPr>
+            <a:r>
+              <a:rPr lang="en-US" sz="1400" i="1" dirty="0" smtClean="0">
+                <a:latin typeface="Consolas" panose="020B0609020204030204" pitchFamily="49" charset="0"/>
+                <a:cs typeface="Consolas" panose="020B0609020204030204" pitchFamily="49" charset="0"/>
+              </a:rPr>
+              <a:t># Let’s rename the copied files to something else</a:t>
+            </a:r>
+          </a:p>
+          <a:p>
+            <a:pPr marL="0" indent="0">
+              <a:buNone/>
+            </a:pPr>
+            <a:r>
+              <a:rPr lang="en-US" sz="1400" dirty="0" smtClean="0">
+                <a:solidFill>
+                  <a:schemeClr val="accent6">
+                    <a:lumMod val="40000"/>
+                    <a:lumOff val="60000"/>
+                  </a:schemeClr>
+                </a:solidFill>
+                <a:latin typeface="Consolas" panose="020B0609020204030204" pitchFamily="49" charset="0"/>
+                <a:cs typeface="Consolas" panose="020B0609020204030204" pitchFamily="49" charset="0"/>
+              </a:rPr>
+              <a:t>~$</a:t>
+            </a:r>
+            <a:r>
+              <a:rPr lang="en-US" sz="1400" dirty="0" smtClean="0">
+                <a:latin typeface="Consolas" panose="020B0609020204030204" pitchFamily="49" charset="0"/>
+                <a:cs typeface="Consolas" panose="020B0609020204030204" pitchFamily="49" charset="0"/>
+              </a:rPr>
+              <a:t> </a:t>
+            </a:r>
+            <a:r>
+              <a:rPr lang="en-US" sz="1400" dirty="0" smtClean="0">
+                <a:solidFill>
+                  <a:srgbClr val="00B050"/>
+                </a:solidFill>
+                <a:latin typeface="Consolas" panose="020B0609020204030204" pitchFamily="49" charset="0"/>
+                <a:cs typeface="Consolas" panose="020B0609020204030204" pitchFamily="49" charset="0"/>
+              </a:rPr>
+              <a:t>cd ~ </a:t>
+            </a:r>
+          </a:p>
+          <a:p>
+            <a:pPr marL="0" indent="0">
+              <a:buNone/>
+            </a:pPr>
+            <a:r>
+              <a:rPr lang="en-US" sz="1400" i="1" dirty="0">
+                <a:latin typeface="Consolas" panose="020B0609020204030204" pitchFamily="49" charset="0"/>
+                <a:cs typeface="Consolas" panose="020B0609020204030204" pitchFamily="49" charset="0"/>
+              </a:rPr>
+              <a:t># </a:t>
+            </a:r>
+            <a:r>
+              <a:rPr lang="en-US" sz="1400" i="1" dirty="0" smtClean="0">
+                <a:latin typeface="Consolas" panose="020B0609020204030204" pitchFamily="49" charset="0"/>
+                <a:cs typeface="Consolas" panose="020B0609020204030204" pitchFamily="49" charset="0"/>
+              </a:rPr>
+              <a:t>change to home</a:t>
+            </a:r>
+          </a:p>
+          <a:p>
+            <a:pPr marL="0" indent="0">
+              <a:buNone/>
+            </a:pPr>
+            <a:r>
+              <a:rPr lang="en-US" sz="1400" dirty="0">
+                <a:solidFill>
+                  <a:schemeClr val="accent6">
+                    <a:lumMod val="40000"/>
+                    <a:lumOff val="60000"/>
+                  </a:schemeClr>
+                </a:solidFill>
+                <a:latin typeface="Consolas" panose="020B0609020204030204" pitchFamily="49" charset="0"/>
+                <a:cs typeface="Consolas" panose="020B0609020204030204" pitchFamily="49" charset="0"/>
+              </a:rPr>
+              <a:t>~$</a:t>
+            </a:r>
+            <a:r>
+              <a:rPr lang="en-US" sz="1400" dirty="0">
+                <a:latin typeface="Consolas" panose="020B0609020204030204" pitchFamily="49" charset="0"/>
+                <a:cs typeface="Consolas" panose="020B0609020204030204" pitchFamily="49" charset="0"/>
+              </a:rPr>
+              <a:t> </a:t>
+            </a:r>
+            <a:r>
+              <a:rPr lang="en-US" sz="1400" dirty="0" err="1" smtClean="0">
+                <a:solidFill>
+                  <a:srgbClr val="00B050"/>
+                </a:solidFill>
+                <a:latin typeface="Consolas" panose="020B0609020204030204" pitchFamily="49" charset="0"/>
+                <a:cs typeface="Consolas" panose="020B0609020204030204" pitchFamily="49" charset="0"/>
+              </a:rPr>
+              <a:t>pwd</a:t>
+            </a:r>
+            <a:r>
+              <a:rPr lang="en-US" sz="1400" dirty="0" smtClean="0">
+                <a:solidFill>
+                  <a:srgbClr val="00B050"/>
+                </a:solidFill>
+                <a:latin typeface="Consolas" panose="020B0609020204030204" pitchFamily="49" charset="0"/>
+                <a:cs typeface="Consolas" panose="020B0609020204030204" pitchFamily="49" charset="0"/>
+              </a:rPr>
+              <a:t> </a:t>
+            </a:r>
+            <a:endParaRPr lang="en-US" sz="1400" dirty="0">
+              <a:solidFill>
+                <a:srgbClr val="00B050"/>
+              </a:solidFill>
+              <a:latin typeface="Consolas" panose="020B0609020204030204" pitchFamily="49" charset="0"/>
+              <a:cs typeface="Consolas" panose="020B0609020204030204" pitchFamily="49" charset="0"/>
+            </a:endParaRPr>
+          </a:p>
+          <a:p>
+            <a:pPr marL="0" indent="0">
+              <a:buNone/>
+            </a:pPr>
+            <a:r>
+              <a:rPr lang="en-US" sz="1400" i="1" dirty="0" smtClean="0">
+                <a:latin typeface="Consolas" panose="020B0609020204030204" pitchFamily="49" charset="0"/>
+                <a:cs typeface="Consolas" panose="020B0609020204030204" pitchFamily="49" charset="0"/>
+              </a:rPr>
+              <a:t># check location</a:t>
+            </a:r>
+          </a:p>
+          <a:p>
+            <a:pPr marL="0" indent="0">
+              <a:buNone/>
+            </a:pPr>
+            <a:r>
+              <a:rPr lang="en-US" sz="1400" dirty="0">
+                <a:solidFill>
+                  <a:schemeClr val="accent6">
+                    <a:lumMod val="40000"/>
+                    <a:lumOff val="60000"/>
+                  </a:schemeClr>
+                </a:solidFill>
+                <a:latin typeface="Consolas" panose="020B0609020204030204" pitchFamily="49" charset="0"/>
+                <a:cs typeface="Consolas" panose="020B0609020204030204" pitchFamily="49" charset="0"/>
+              </a:rPr>
+              <a:t>~$</a:t>
+            </a:r>
+            <a:r>
+              <a:rPr lang="en-US" sz="1400" dirty="0">
+                <a:latin typeface="Consolas" panose="020B0609020204030204" pitchFamily="49" charset="0"/>
+                <a:cs typeface="Consolas" panose="020B0609020204030204" pitchFamily="49" charset="0"/>
+              </a:rPr>
+              <a:t> </a:t>
+            </a:r>
+            <a:r>
+              <a:rPr lang="en-US" sz="1400" dirty="0" smtClean="0">
+                <a:solidFill>
+                  <a:srgbClr val="00B050"/>
+                </a:solidFill>
+                <a:latin typeface="Consolas" panose="020B0609020204030204" pitchFamily="49" charset="0"/>
+                <a:cs typeface="Consolas" panose="020B0609020204030204" pitchFamily="49" charset="0"/>
+              </a:rPr>
+              <a:t>ls </a:t>
+            </a:r>
+            <a:endParaRPr lang="en-US" sz="1400" dirty="0">
+              <a:solidFill>
+                <a:srgbClr val="00B050"/>
+              </a:solidFill>
+              <a:latin typeface="Consolas" panose="020B0609020204030204" pitchFamily="49" charset="0"/>
+              <a:cs typeface="Consolas" panose="020B0609020204030204" pitchFamily="49" charset="0"/>
+            </a:endParaRPr>
+          </a:p>
+          <a:p>
+            <a:pPr marL="0" indent="0">
+              <a:buNone/>
+            </a:pPr>
+            <a:r>
+              <a:rPr lang="en-US" sz="1400" i="1" dirty="0">
+                <a:latin typeface="Consolas" panose="020B0609020204030204" pitchFamily="49" charset="0"/>
+                <a:cs typeface="Consolas" panose="020B0609020204030204" pitchFamily="49" charset="0"/>
+              </a:rPr>
+              <a:t># </a:t>
+            </a:r>
+            <a:r>
+              <a:rPr lang="en-US" sz="1400" i="1" dirty="0" smtClean="0">
+                <a:latin typeface="Consolas" panose="020B0609020204030204" pitchFamily="49" charset="0"/>
+                <a:cs typeface="Consolas" panose="020B0609020204030204" pitchFamily="49" charset="0"/>
+              </a:rPr>
+              <a:t>list files, do you see ‘WORKSHOP_FILES’ here?</a:t>
+            </a:r>
+          </a:p>
+          <a:p>
+            <a:pPr marL="0" indent="0">
+              <a:buNone/>
+            </a:pPr>
+            <a:r>
+              <a:rPr lang="en-US" sz="1400" dirty="0">
+                <a:solidFill>
+                  <a:schemeClr val="accent6">
+                    <a:lumMod val="40000"/>
+                    <a:lumOff val="60000"/>
+                  </a:schemeClr>
+                </a:solidFill>
+                <a:latin typeface="Consolas" panose="020B0609020204030204" pitchFamily="49" charset="0"/>
+                <a:cs typeface="Consolas" panose="020B0609020204030204" pitchFamily="49" charset="0"/>
+              </a:rPr>
+              <a:t>~$</a:t>
+            </a:r>
+            <a:r>
+              <a:rPr lang="en-US" sz="1400" dirty="0">
+                <a:latin typeface="Consolas" panose="020B0609020204030204" pitchFamily="49" charset="0"/>
+                <a:cs typeface="Consolas" panose="020B0609020204030204" pitchFamily="49" charset="0"/>
+              </a:rPr>
+              <a:t> </a:t>
+            </a:r>
+            <a:r>
+              <a:rPr lang="en-US" sz="1400" dirty="0" smtClean="0">
+                <a:solidFill>
+                  <a:srgbClr val="00B050"/>
+                </a:solidFill>
+                <a:latin typeface="Consolas" panose="020B0609020204030204" pitchFamily="49" charset="0"/>
+                <a:cs typeface="Consolas" panose="020B0609020204030204" pitchFamily="49" charset="0"/>
+              </a:rPr>
+              <a:t>cd WORKSHOP_FILES</a:t>
+            </a:r>
+          </a:p>
+          <a:p>
+            <a:pPr marL="0" indent="0">
+              <a:buNone/>
+            </a:pPr>
+            <a:r>
+              <a:rPr lang="en-US" sz="1400" dirty="0">
+                <a:solidFill>
+                  <a:schemeClr val="accent6">
+                    <a:lumMod val="40000"/>
+                    <a:lumOff val="60000"/>
+                  </a:schemeClr>
+                </a:solidFill>
+                <a:latin typeface="Consolas" panose="020B0609020204030204" pitchFamily="49" charset="0"/>
+                <a:cs typeface="Consolas" panose="020B0609020204030204" pitchFamily="49" charset="0"/>
+              </a:rPr>
+              <a:t>~$</a:t>
+            </a:r>
+            <a:r>
+              <a:rPr lang="en-US" sz="1400" dirty="0">
+                <a:latin typeface="Consolas" panose="020B0609020204030204" pitchFamily="49" charset="0"/>
+                <a:cs typeface="Consolas" panose="020B0609020204030204" pitchFamily="49" charset="0"/>
+              </a:rPr>
+              <a:t> </a:t>
+            </a:r>
+            <a:r>
+              <a:rPr lang="en-US" sz="1400" dirty="0">
+                <a:solidFill>
+                  <a:srgbClr val="00B050"/>
+                </a:solidFill>
+                <a:latin typeface="Consolas" panose="020B0609020204030204" pitchFamily="49" charset="0"/>
+                <a:cs typeface="Consolas" panose="020B0609020204030204" pitchFamily="49" charset="0"/>
+              </a:rPr>
+              <a:t>ls </a:t>
+            </a:r>
+          </a:p>
+          <a:p>
+            <a:pPr marL="0" indent="0">
+              <a:buNone/>
+            </a:pPr>
+            <a:r>
+              <a:rPr lang="en-US" sz="1400" i="1" dirty="0" smtClean="0">
+                <a:latin typeface="Consolas" panose="020B0609020204030204" pitchFamily="49" charset="0"/>
+                <a:cs typeface="Consolas" panose="020B0609020204030204" pitchFamily="49" charset="0"/>
+              </a:rPr>
+              <a:t># If you see familiar files here, let’s create a new directory</a:t>
+            </a:r>
+            <a:endParaRPr lang="en-US" sz="1400" i="1" dirty="0">
+              <a:latin typeface="Consolas" panose="020B0609020204030204" pitchFamily="49" charset="0"/>
+              <a:cs typeface="Consolas" panose="020B0609020204030204" pitchFamily="49" charset="0"/>
+            </a:endParaRPr>
+          </a:p>
+          <a:p>
+            <a:pPr marL="0" indent="0">
+              <a:buNone/>
+            </a:pPr>
+            <a:r>
+              <a:rPr lang="en-US" sz="1400" dirty="0" smtClean="0">
+                <a:solidFill>
+                  <a:schemeClr val="accent6">
+                    <a:lumMod val="40000"/>
+                    <a:lumOff val="60000"/>
+                  </a:schemeClr>
+                </a:solidFill>
+                <a:latin typeface="Consolas" panose="020B0609020204030204" pitchFamily="49" charset="0"/>
+                <a:cs typeface="Consolas" panose="020B0609020204030204" pitchFamily="49" charset="0"/>
+              </a:rPr>
+              <a:t>~$</a:t>
+            </a:r>
+            <a:r>
+              <a:rPr lang="en-US" sz="1400" dirty="0" smtClean="0">
+                <a:latin typeface="Consolas" panose="020B0609020204030204" pitchFamily="49" charset="0"/>
+                <a:cs typeface="Consolas" panose="020B0609020204030204" pitchFamily="49" charset="0"/>
+              </a:rPr>
+              <a:t> </a:t>
+            </a:r>
+            <a:r>
+              <a:rPr lang="en-US" sz="1400" dirty="0" err="1" smtClean="0">
+                <a:solidFill>
+                  <a:srgbClr val="00B050"/>
+                </a:solidFill>
+                <a:latin typeface="Consolas" panose="020B0609020204030204" pitchFamily="49" charset="0"/>
+                <a:cs typeface="Consolas" panose="020B0609020204030204" pitchFamily="49" charset="0"/>
+              </a:rPr>
+              <a:t>mkdir</a:t>
+            </a:r>
+            <a:r>
+              <a:rPr lang="en-US" sz="1400" dirty="0">
+                <a:solidFill>
+                  <a:srgbClr val="00B050"/>
+                </a:solidFill>
+                <a:latin typeface="Consolas" panose="020B0609020204030204" pitchFamily="49" charset="0"/>
+                <a:cs typeface="Consolas" panose="020B0609020204030204" pitchFamily="49" charset="0"/>
+              </a:rPr>
+              <a:t> </a:t>
+            </a:r>
+            <a:r>
+              <a:rPr lang="en-US" sz="1400" dirty="0" err="1" smtClean="0">
+                <a:solidFill>
+                  <a:srgbClr val="00B050"/>
+                </a:solidFill>
+                <a:latin typeface="Consolas" panose="020B0609020204030204" pitchFamily="49" charset="0"/>
+                <a:cs typeface="Consolas" panose="020B0609020204030204" pitchFamily="49" charset="0"/>
+              </a:rPr>
+              <a:t>FirstDirectory</a:t>
+            </a:r>
+            <a:endParaRPr lang="en-US" sz="1400" dirty="0" smtClean="0">
+              <a:solidFill>
+                <a:srgbClr val="00B050"/>
+              </a:solidFill>
+              <a:latin typeface="Consolas" panose="020B0609020204030204" pitchFamily="49" charset="0"/>
+              <a:cs typeface="Consolas" panose="020B0609020204030204" pitchFamily="49" charset="0"/>
+            </a:endParaRPr>
+          </a:p>
+          <a:p>
+            <a:pPr marL="0" indent="0">
+              <a:buNone/>
+            </a:pPr>
+            <a:r>
+              <a:rPr lang="en-US" sz="1400" dirty="0">
+                <a:solidFill>
+                  <a:schemeClr val="accent6">
+                    <a:lumMod val="40000"/>
+                    <a:lumOff val="60000"/>
+                  </a:schemeClr>
+                </a:solidFill>
+                <a:latin typeface="Consolas" panose="020B0609020204030204" pitchFamily="49" charset="0"/>
+                <a:cs typeface="Consolas" panose="020B0609020204030204" pitchFamily="49" charset="0"/>
+              </a:rPr>
+              <a:t>~$</a:t>
+            </a:r>
+            <a:r>
+              <a:rPr lang="en-US" sz="1400" dirty="0">
+                <a:latin typeface="Consolas" panose="020B0609020204030204" pitchFamily="49" charset="0"/>
+                <a:cs typeface="Consolas" panose="020B0609020204030204" pitchFamily="49" charset="0"/>
+              </a:rPr>
+              <a:t> </a:t>
+            </a:r>
+            <a:r>
+              <a:rPr lang="en-US" sz="1400" dirty="0">
+                <a:solidFill>
+                  <a:srgbClr val="00B050"/>
+                </a:solidFill>
+                <a:latin typeface="Consolas" panose="020B0609020204030204" pitchFamily="49" charset="0"/>
+                <a:cs typeface="Consolas" panose="020B0609020204030204" pitchFamily="49" charset="0"/>
+              </a:rPr>
+              <a:t>ls </a:t>
+            </a:r>
+          </a:p>
+          <a:p>
+            <a:pPr marL="0" indent="0">
+              <a:buNone/>
+            </a:pPr>
+            <a:r>
+              <a:rPr lang="en-US" sz="1400" i="1" dirty="0">
+                <a:latin typeface="Consolas" panose="020B0609020204030204" pitchFamily="49" charset="0"/>
+                <a:cs typeface="Consolas" panose="020B0609020204030204" pitchFamily="49" charset="0"/>
+              </a:rPr>
+              <a:t># </a:t>
+            </a:r>
+            <a:r>
+              <a:rPr lang="en-US" sz="1400" i="1" dirty="0" smtClean="0">
+                <a:latin typeface="Consolas" panose="020B0609020204030204" pitchFamily="49" charset="0"/>
+                <a:cs typeface="Consolas" panose="020B0609020204030204" pitchFamily="49" charset="0"/>
+              </a:rPr>
+              <a:t>do you see the new directory here?</a:t>
+            </a:r>
+            <a:endParaRPr lang="en-US" sz="1400" i="1" dirty="0">
+              <a:latin typeface="Consolas" panose="020B0609020204030204" pitchFamily="49" charset="0"/>
+              <a:cs typeface="Consolas" panose="020B0609020204030204" pitchFamily="49" charset="0"/>
+            </a:endParaRPr>
+          </a:p>
+          <a:p>
+            <a:pPr marL="0" indent="0">
+              <a:buNone/>
+            </a:pPr>
+            <a:r>
+              <a:rPr lang="en-US" sz="1400" dirty="0">
+                <a:solidFill>
+                  <a:schemeClr val="accent6">
+                    <a:lumMod val="40000"/>
+                    <a:lumOff val="60000"/>
+                  </a:schemeClr>
+                </a:solidFill>
+                <a:latin typeface="Consolas" panose="020B0609020204030204" pitchFamily="49" charset="0"/>
+                <a:cs typeface="Consolas" panose="020B0609020204030204" pitchFamily="49" charset="0"/>
+              </a:rPr>
+              <a:t>~$</a:t>
+            </a:r>
+            <a:r>
+              <a:rPr lang="en-US" sz="1400" dirty="0">
+                <a:latin typeface="Consolas" panose="020B0609020204030204" pitchFamily="49" charset="0"/>
+                <a:cs typeface="Consolas" panose="020B0609020204030204" pitchFamily="49" charset="0"/>
+              </a:rPr>
+              <a:t> </a:t>
+            </a:r>
+            <a:r>
+              <a:rPr lang="en-US" sz="1400" dirty="0" smtClean="0">
+                <a:solidFill>
+                  <a:srgbClr val="00B050"/>
+                </a:solidFill>
+                <a:latin typeface="Consolas" panose="020B0609020204030204" pitchFamily="49" charset="0"/>
+                <a:cs typeface="Consolas" panose="020B0609020204030204" pitchFamily="49" charset="0"/>
+              </a:rPr>
+              <a:t>man </a:t>
+            </a:r>
+            <a:r>
+              <a:rPr lang="en-US" sz="1400" dirty="0" err="1" smtClean="0">
+                <a:solidFill>
+                  <a:srgbClr val="00B050"/>
+                </a:solidFill>
+                <a:latin typeface="Consolas" panose="020B0609020204030204" pitchFamily="49" charset="0"/>
+                <a:cs typeface="Consolas" panose="020B0609020204030204" pitchFamily="49" charset="0"/>
+              </a:rPr>
+              <a:t>mkdir</a:t>
+            </a:r>
+            <a:endParaRPr lang="en-US" sz="1400" dirty="0">
+              <a:solidFill>
+                <a:srgbClr val="00B050"/>
+              </a:solidFill>
+              <a:latin typeface="Consolas" panose="020B0609020204030204" pitchFamily="49" charset="0"/>
+              <a:cs typeface="Consolas" panose="020B0609020204030204" pitchFamily="49" charset="0"/>
+            </a:endParaRPr>
+          </a:p>
+          <a:p>
+            <a:pPr marL="0" indent="0">
+              <a:buNone/>
+            </a:pPr>
+            <a:r>
+              <a:rPr lang="en-US" sz="1400" i="1" dirty="0" smtClean="0">
+                <a:latin typeface="Consolas" panose="020B0609020204030204" pitchFamily="49" charset="0"/>
+                <a:cs typeface="Consolas" panose="020B0609020204030204" pitchFamily="49" charset="0"/>
+              </a:rPr>
+              <a:t># what options do you think might be useful?</a:t>
+            </a:r>
+            <a:endParaRPr lang="en-US" sz="1400" i="1" dirty="0">
+              <a:latin typeface="Consolas" panose="020B0609020204030204" pitchFamily="49" charset="0"/>
+              <a:cs typeface="Consolas" panose="020B0609020204030204" pitchFamily="49" charset="0"/>
+            </a:endParaRPr>
+          </a:p>
+          <a:p>
+            <a:pPr marL="0" indent="0">
+              <a:buNone/>
+            </a:pPr>
+            <a:r>
+              <a:rPr lang="en-US" sz="1400" i="1" dirty="0">
+                <a:latin typeface="Consolas" panose="020B0609020204030204" pitchFamily="49" charset="0"/>
+                <a:cs typeface="Consolas" panose="020B0609020204030204" pitchFamily="49" charset="0"/>
+              </a:rPr>
+              <a:t># </a:t>
+            </a:r>
+            <a:r>
+              <a:rPr lang="en-US" sz="1400" i="1" dirty="0" smtClean="0">
+                <a:latin typeface="Consolas" panose="020B0609020204030204" pitchFamily="49" charset="0"/>
+                <a:cs typeface="Consolas" panose="020B0609020204030204" pitchFamily="49" charset="0"/>
+              </a:rPr>
+              <a:t>specifically, what does this option do?</a:t>
+            </a:r>
+          </a:p>
+          <a:p>
+            <a:pPr marL="0" indent="0">
+              <a:buNone/>
+            </a:pPr>
+            <a:r>
+              <a:rPr lang="en-US" sz="1400" i="1" dirty="0" smtClean="0">
+                <a:latin typeface="Consolas" panose="020B0609020204030204" pitchFamily="49" charset="0"/>
+                <a:cs typeface="Consolas" panose="020B0609020204030204" pitchFamily="49" charset="0"/>
+              </a:rPr>
+              <a:t># -p </a:t>
+            </a:r>
+            <a:r>
+              <a:rPr lang="en-US" sz="1400" i="1" dirty="0">
+                <a:latin typeface="Consolas" panose="020B0609020204030204" pitchFamily="49" charset="0"/>
+                <a:cs typeface="Consolas" panose="020B0609020204030204" pitchFamily="49" charset="0"/>
+              </a:rPr>
+              <a:t>: make parent </a:t>
+            </a:r>
+            <a:r>
+              <a:rPr lang="en-US" sz="1400" i="1" dirty="0" smtClean="0">
+                <a:latin typeface="Consolas" panose="020B0609020204030204" pitchFamily="49" charset="0"/>
+                <a:cs typeface="Consolas" panose="020B0609020204030204" pitchFamily="49" charset="0"/>
+              </a:rPr>
+              <a:t>directories</a:t>
+            </a:r>
+            <a:endParaRPr lang="en-US" sz="1400" i="1" dirty="0">
+              <a:latin typeface="Consolas" panose="020B0609020204030204" pitchFamily="49" charset="0"/>
+              <a:cs typeface="Consolas" panose="020B0609020204030204" pitchFamily="49" charset="0"/>
+            </a:endParaRPr>
+          </a:p>
+          <a:p>
+            <a:pPr marL="0" indent="0">
+              <a:buNone/>
+            </a:pPr>
+            <a:endParaRPr lang="en-US" sz="1400" i="1" dirty="0">
+              <a:latin typeface="Consolas" panose="020B0609020204030204" pitchFamily="49" charset="0"/>
+              <a:cs typeface="Consolas" panose="020B0609020204030204" pitchFamily="49" charset="0"/>
+            </a:endParaRPr>
           </a:p>
         </p:txBody>
       </p:sp>
     </p:spTree>
     <p:extLst>
       <p:ext uri="{BB962C8B-B14F-4D97-AF65-F5344CB8AC3E}">
-        <p14:creationId xmlns:p14="http://schemas.microsoft.com/office/powerpoint/2010/main" val="4147839117"/>
+        <p14:creationId xmlns:p14="http://schemas.microsoft.com/office/powerpoint/2010/main" val="1525887736"/>
       </p:ext>
     </p:extLst>
   </p:cSld>
@@ -15371,7 +18825,7 @@
           <a:p>
             <a:r>
               <a:rPr lang="en-US" dirty="0" smtClean="0"/>
-              <a:t>Editing files</a:t>
+              <a:t>Reading files</a:t>
             </a:r>
             <a:endParaRPr lang="en-US" dirty="0"/>
           </a:p>
@@ -15387,19 +18841,547 @@
             <p:ph idx="1"/>
           </p:nvPr>
         </p:nvSpPr>
-        <p:spPr/>
+        <p:spPr>
+          <a:xfrm>
+            <a:off x="97654" y="1295399"/>
+            <a:ext cx="8939814" cy="5034379"/>
+          </a:xfrm>
+          <a:solidFill>
+            <a:schemeClr val="tx1"/>
+          </a:solidFill>
+        </p:spPr>
         <p:txBody>
           <a:bodyPr/>
           <a:lstStyle/>
           <a:p>
-            <a:endParaRPr lang="en-US"/>
+            <a:pPr marL="0" indent="0">
+              <a:buNone/>
+            </a:pPr>
+            <a:r>
+              <a:rPr lang="en-US" sz="1400" i="1" dirty="0" smtClean="0">
+                <a:latin typeface="Consolas" panose="020B0609020204030204" pitchFamily="49" charset="0"/>
+                <a:cs typeface="Consolas" panose="020B0609020204030204" pitchFamily="49" charset="0"/>
+              </a:rPr>
+              <a:t># Let’s rename the copied files to something else</a:t>
+            </a:r>
+          </a:p>
+          <a:p>
+            <a:pPr marL="0" indent="0">
+              <a:buNone/>
+            </a:pPr>
+            <a:r>
+              <a:rPr lang="en-US" sz="1400" dirty="0" smtClean="0">
+                <a:solidFill>
+                  <a:schemeClr val="accent6">
+                    <a:lumMod val="40000"/>
+                    <a:lumOff val="60000"/>
+                  </a:schemeClr>
+                </a:solidFill>
+                <a:latin typeface="Consolas" panose="020B0609020204030204" pitchFamily="49" charset="0"/>
+                <a:cs typeface="Consolas" panose="020B0609020204030204" pitchFamily="49" charset="0"/>
+              </a:rPr>
+              <a:t>~$</a:t>
+            </a:r>
+            <a:r>
+              <a:rPr lang="en-US" sz="1400" dirty="0" smtClean="0">
+                <a:latin typeface="Consolas" panose="020B0609020204030204" pitchFamily="49" charset="0"/>
+                <a:cs typeface="Consolas" panose="020B0609020204030204" pitchFamily="49" charset="0"/>
+              </a:rPr>
+              <a:t> </a:t>
+            </a:r>
+            <a:r>
+              <a:rPr lang="en-US" sz="1400" dirty="0" smtClean="0">
+                <a:solidFill>
+                  <a:srgbClr val="00B050"/>
+                </a:solidFill>
+                <a:latin typeface="Consolas" panose="020B0609020204030204" pitchFamily="49" charset="0"/>
+                <a:cs typeface="Consolas" panose="020B0609020204030204" pitchFamily="49" charset="0"/>
+              </a:rPr>
+              <a:t>cd ~ </a:t>
+            </a:r>
+          </a:p>
+          <a:p>
+            <a:pPr marL="0" indent="0">
+              <a:buNone/>
+            </a:pPr>
+            <a:r>
+              <a:rPr lang="en-US" sz="1400" i="1" dirty="0">
+                <a:latin typeface="Consolas" panose="020B0609020204030204" pitchFamily="49" charset="0"/>
+                <a:cs typeface="Consolas" panose="020B0609020204030204" pitchFamily="49" charset="0"/>
+              </a:rPr>
+              <a:t># </a:t>
+            </a:r>
+            <a:r>
+              <a:rPr lang="en-US" sz="1400" i="1" dirty="0" smtClean="0">
+                <a:latin typeface="Consolas" panose="020B0609020204030204" pitchFamily="49" charset="0"/>
+                <a:cs typeface="Consolas" panose="020B0609020204030204" pitchFamily="49" charset="0"/>
+              </a:rPr>
+              <a:t>change to home</a:t>
+            </a:r>
+          </a:p>
+          <a:p>
+            <a:pPr marL="0" indent="0">
+              <a:buNone/>
+            </a:pPr>
+            <a:r>
+              <a:rPr lang="en-US" sz="1400" dirty="0">
+                <a:solidFill>
+                  <a:schemeClr val="accent6">
+                    <a:lumMod val="40000"/>
+                    <a:lumOff val="60000"/>
+                  </a:schemeClr>
+                </a:solidFill>
+                <a:latin typeface="Consolas" panose="020B0609020204030204" pitchFamily="49" charset="0"/>
+                <a:cs typeface="Consolas" panose="020B0609020204030204" pitchFamily="49" charset="0"/>
+              </a:rPr>
+              <a:t>~$</a:t>
+            </a:r>
+            <a:r>
+              <a:rPr lang="en-US" sz="1400" dirty="0">
+                <a:latin typeface="Consolas" panose="020B0609020204030204" pitchFamily="49" charset="0"/>
+                <a:cs typeface="Consolas" panose="020B0609020204030204" pitchFamily="49" charset="0"/>
+              </a:rPr>
+              <a:t> </a:t>
+            </a:r>
+            <a:r>
+              <a:rPr lang="en-US" sz="1400" dirty="0" err="1" smtClean="0">
+                <a:solidFill>
+                  <a:srgbClr val="00B050"/>
+                </a:solidFill>
+                <a:latin typeface="Consolas" panose="020B0609020204030204" pitchFamily="49" charset="0"/>
+                <a:cs typeface="Consolas" panose="020B0609020204030204" pitchFamily="49" charset="0"/>
+              </a:rPr>
+              <a:t>pwd</a:t>
+            </a:r>
+            <a:r>
+              <a:rPr lang="en-US" sz="1400" dirty="0" smtClean="0">
+                <a:solidFill>
+                  <a:srgbClr val="00B050"/>
+                </a:solidFill>
+                <a:latin typeface="Consolas" panose="020B0609020204030204" pitchFamily="49" charset="0"/>
+                <a:cs typeface="Consolas" panose="020B0609020204030204" pitchFamily="49" charset="0"/>
+              </a:rPr>
+              <a:t> </a:t>
+            </a:r>
+            <a:endParaRPr lang="en-US" sz="1400" dirty="0">
+              <a:solidFill>
+                <a:srgbClr val="00B050"/>
+              </a:solidFill>
+              <a:latin typeface="Consolas" panose="020B0609020204030204" pitchFamily="49" charset="0"/>
+              <a:cs typeface="Consolas" panose="020B0609020204030204" pitchFamily="49" charset="0"/>
+            </a:endParaRPr>
+          </a:p>
+          <a:p>
+            <a:pPr marL="0" indent="0">
+              <a:buNone/>
+            </a:pPr>
+            <a:r>
+              <a:rPr lang="en-US" sz="1400" i="1" dirty="0" smtClean="0">
+                <a:latin typeface="Consolas" panose="020B0609020204030204" pitchFamily="49" charset="0"/>
+                <a:cs typeface="Consolas" panose="020B0609020204030204" pitchFamily="49" charset="0"/>
+              </a:rPr>
+              <a:t># check location</a:t>
+            </a:r>
+          </a:p>
+          <a:p>
+            <a:pPr marL="0" indent="0">
+              <a:buNone/>
+            </a:pPr>
+            <a:r>
+              <a:rPr lang="en-US" sz="1400" dirty="0">
+                <a:solidFill>
+                  <a:schemeClr val="accent6">
+                    <a:lumMod val="40000"/>
+                    <a:lumOff val="60000"/>
+                  </a:schemeClr>
+                </a:solidFill>
+                <a:latin typeface="Consolas" panose="020B0609020204030204" pitchFamily="49" charset="0"/>
+                <a:cs typeface="Consolas" panose="020B0609020204030204" pitchFamily="49" charset="0"/>
+              </a:rPr>
+              <a:t>~$</a:t>
+            </a:r>
+            <a:r>
+              <a:rPr lang="en-US" sz="1400" dirty="0">
+                <a:latin typeface="Consolas" panose="020B0609020204030204" pitchFamily="49" charset="0"/>
+                <a:cs typeface="Consolas" panose="020B0609020204030204" pitchFamily="49" charset="0"/>
+              </a:rPr>
+              <a:t> </a:t>
+            </a:r>
+            <a:r>
+              <a:rPr lang="en-US" sz="1400" dirty="0" smtClean="0">
+                <a:solidFill>
+                  <a:srgbClr val="00B050"/>
+                </a:solidFill>
+                <a:latin typeface="Consolas" panose="020B0609020204030204" pitchFamily="49" charset="0"/>
+                <a:cs typeface="Consolas" panose="020B0609020204030204" pitchFamily="49" charset="0"/>
+              </a:rPr>
+              <a:t>ls </a:t>
+            </a:r>
+            <a:endParaRPr lang="en-US" sz="1400" dirty="0">
+              <a:solidFill>
+                <a:srgbClr val="00B050"/>
+              </a:solidFill>
+              <a:latin typeface="Consolas" panose="020B0609020204030204" pitchFamily="49" charset="0"/>
+              <a:cs typeface="Consolas" panose="020B0609020204030204" pitchFamily="49" charset="0"/>
+            </a:endParaRPr>
+          </a:p>
+          <a:p>
+            <a:pPr marL="0" indent="0">
+              <a:buNone/>
+            </a:pPr>
+            <a:r>
+              <a:rPr lang="en-US" sz="1400" i="1" dirty="0">
+                <a:latin typeface="Consolas" panose="020B0609020204030204" pitchFamily="49" charset="0"/>
+                <a:cs typeface="Consolas" panose="020B0609020204030204" pitchFamily="49" charset="0"/>
+              </a:rPr>
+              <a:t># </a:t>
+            </a:r>
+            <a:r>
+              <a:rPr lang="en-US" sz="1400" i="1" dirty="0" smtClean="0">
+                <a:latin typeface="Consolas" panose="020B0609020204030204" pitchFamily="49" charset="0"/>
+                <a:cs typeface="Consolas" panose="020B0609020204030204" pitchFamily="49" charset="0"/>
+              </a:rPr>
+              <a:t>list files, do you see ‘WORKSHOP_FILES’ here?</a:t>
+            </a:r>
+          </a:p>
+          <a:p>
+            <a:pPr marL="0" indent="0">
+              <a:buNone/>
+            </a:pPr>
+            <a:r>
+              <a:rPr lang="en-US" sz="1400" dirty="0">
+                <a:solidFill>
+                  <a:schemeClr val="accent6">
+                    <a:lumMod val="40000"/>
+                    <a:lumOff val="60000"/>
+                  </a:schemeClr>
+                </a:solidFill>
+                <a:latin typeface="Consolas" panose="020B0609020204030204" pitchFamily="49" charset="0"/>
+                <a:cs typeface="Consolas" panose="020B0609020204030204" pitchFamily="49" charset="0"/>
+              </a:rPr>
+              <a:t>~$</a:t>
+            </a:r>
+            <a:r>
+              <a:rPr lang="en-US" sz="1400" dirty="0">
+                <a:latin typeface="Consolas" panose="020B0609020204030204" pitchFamily="49" charset="0"/>
+                <a:cs typeface="Consolas" panose="020B0609020204030204" pitchFamily="49" charset="0"/>
+              </a:rPr>
+              <a:t> </a:t>
+            </a:r>
+            <a:r>
+              <a:rPr lang="en-US" sz="1400" dirty="0" smtClean="0">
+                <a:solidFill>
+                  <a:srgbClr val="00B050"/>
+                </a:solidFill>
+                <a:latin typeface="Consolas" panose="020B0609020204030204" pitchFamily="49" charset="0"/>
+                <a:cs typeface="Consolas" panose="020B0609020204030204" pitchFamily="49" charset="0"/>
+              </a:rPr>
+              <a:t>cd WORKSHOP_FILES</a:t>
+            </a:r>
+          </a:p>
+          <a:p>
+            <a:pPr marL="0" indent="0">
+              <a:buNone/>
+            </a:pPr>
+            <a:r>
+              <a:rPr lang="en-US" sz="1400" dirty="0">
+                <a:solidFill>
+                  <a:schemeClr val="accent6">
+                    <a:lumMod val="40000"/>
+                    <a:lumOff val="60000"/>
+                  </a:schemeClr>
+                </a:solidFill>
+                <a:latin typeface="Consolas" panose="020B0609020204030204" pitchFamily="49" charset="0"/>
+                <a:cs typeface="Consolas" panose="020B0609020204030204" pitchFamily="49" charset="0"/>
+              </a:rPr>
+              <a:t>~$</a:t>
+            </a:r>
+            <a:r>
+              <a:rPr lang="en-US" sz="1400" dirty="0">
+                <a:latin typeface="Consolas" panose="020B0609020204030204" pitchFamily="49" charset="0"/>
+                <a:cs typeface="Consolas" panose="020B0609020204030204" pitchFamily="49" charset="0"/>
+              </a:rPr>
+              <a:t> </a:t>
+            </a:r>
+            <a:r>
+              <a:rPr lang="en-US" sz="1400" dirty="0">
+                <a:solidFill>
+                  <a:srgbClr val="00B050"/>
+                </a:solidFill>
+                <a:latin typeface="Consolas" panose="020B0609020204030204" pitchFamily="49" charset="0"/>
+                <a:cs typeface="Consolas" panose="020B0609020204030204" pitchFamily="49" charset="0"/>
+              </a:rPr>
+              <a:t>ls </a:t>
+            </a:r>
+          </a:p>
+          <a:p>
+            <a:pPr marL="0" indent="0">
+              <a:buNone/>
+            </a:pPr>
+            <a:r>
+              <a:rPr lang="en-US" sz="1400" i="1" dirty="0" smtClean="0">
+                <a:latin typeface="Consolas" panose="020B0609020204030204" pitchFamily="49" charset="0"/>
+                <a:cs typeface="Consolas" panose="020B0609020204030204" pitchFamily="49" charset="0"/>
+              </a:rPr>
+              <a:t># If you see familiar files here, let’s create a new directory</a:t>
+            </a:r>
+            <a:endParaRPr lang="en-US" sz="1400" i="1" dirty="0">
+              <a:latin typeface="Consolas" panose="020B0609020204030204" pitchFamily="49" charset="0"/>
+              <a:cs typeface="Consolas" panose="020B0609020204030204" pitchFamily="49" charset="0"/>
+            </a:endParaRPr>
+          </a:p>
+          <a:p>
+            <a:pPr marL="0" indent="0">
+              <a:buNone/>
+            </a:pPr>
+            <a:r>
+              <a:rPr lang="en-US" sz="1400" dirty="0" smtClean="0">
+                <a:solidFill>
+                  <a:schemeClr val="accent6">
+                    <a:lumMod val="40000"/>
+                    <a:lumOff val="60000"/>
+                  </a:schemeClr>
+                </a:solidFill>
+                <a:latin typeface="Consolas" panose="020B0609020204030204" pitchFamily="49" charset="0"/>
+                <a:cs typeface="Consolas" panose="020B0609020204030204" pitchFamily="49" charset="0"/>
+              </a:rPr>
+              <a:t>~$</a:t>
+            </a:r>
+            <a:r>
+              <a:rPr lang="en-US" sz="1400" dirty="0" smtClean="0">
+                <a:latin typeface="Consolas" panose="020B0609020204030204" pitchFamily="49" charset="0"/>
+                <a:cs typeface="Consolas" panose="020B0609020204030204" pitchFamily="49" charset="0"/>
+              </a:rPr>
+              <a:t> </a:t>
+            </a:r>
+            <a:r>
+              <a:rPr lang="en-US" sz="1400" dirty="0" err="1" smtClean="0">
+                <a:solidFill>
+                  <a:srgbClr val="00B050"/>
+                </a:solidFill>
+                <a:latin typeface="Consolas" panose="020B0609020204030204" pitchFamily="49" charset="0"/>
+                <a:cs typeface="Consolas" panose="020B0609020204030204" pitchFamily="49" charset="0"/>
+              </a:rPr>
+              <a:t>mkdir</a:t>
+            </a:r>
+            <a:r>
+              <a:rPr lang="en-US" sz="1400" dirty="0">
+                <a:solidFill>
+                  <a:srgbClr val="00B050"/>
+                </a:solidFill>
+                <a:latin typeface="Consolas" panose="020B0609020204030204" pitchFamily="49" charset="0"/>
+                <a:cs typeface="Consolas" panose="020B0609020204030204" pitchFamily="49" charset="0"/>
+              </a:rPr>
+              <a:t> </a:t>
+            </a:r>
+            <a:r>
+              <a:rPr lang="en-US" sz="1400" dirty="0" err="1" smtClean="0">
+                <a:solidFill>
+                  <a:srgbClr val="00B050"/>
+                </a:solidFill>
+                <a:latin typeface="Consolas" panose="020B0609020204030204" pitchFamily="49" charset="0"/>
+                <a:cs typeface="Consolas" panose="020B0609020204030204" pitchFamily="49" charset="0"/>
+              </a:rPr>
+              <a:t>FirstDirectory</a:t>
+            </a:r>
+            <a:endParaRPr lang="en-US" sz="1400" dirty="0" smtClean="0">
+              <a:solidFill>
+                <a:srgbClr val="00B050"/>
+              </a:solidFill>
+              <a:latin typeface="Consolas" panose="020B0609020204030204" pitchFamily="49" charset="0"/>
+              <a:cs typeface="Consolas" panose="020B0609020204030204" pitchFamily="49" charset="0"/>
+            </a:endParaRPr>
+          </a:p>
+          <a:p>
+            <a:pPr marL="0" indent="0">
+              <a:buNone/>
+            </a:pPr>
+            <a:r>
+              <a:rPr lang="en-US" sz="1400" dirty="0">
+                <a:solidFill>
+                  <a:schemeClr val="accent6">
+                    <a:lumMod val="40000"/>
+                    <a:lumOff val="60000"/>
+                  </a:schemeClr>
+                </a:solidFill>
+                <a:latin typeface="Consolas" panose="020B0609020204030204" pitchFamily="49" charset="0"/>
+                <a:cs typeface="Consolas" panose="020B0609020204030204" pitchFamily="49" charset="0"/>
+              </a:rPr>
+              <a:t>~$</a:t>
+            </a:r>
+            <a:r>
+              <a:rPr lang="en-US" sz="1400" dirty="0">
+                <a:latin typeface="Consolas" panose="020B0609020204030204" pitchFamily="49" charset="0"/>
+                <a:cs typeface="Consolas" panose="020B0609020204030204" pitchFamily="49" charset="0"/>
+              </a:rPr>
+              <a:t> </a:t>
+            </a:r>
+            <a:r>
+              <a:rPr lang="en-US" sz="1400" dirty="0">
+                <a:solidFill>
+                  <a:srgbClr val="00B050"/>
+                </a:solidFill>
+                <a:latin typeface="Consolas" panose="020B0609020204030204" pitchFamily="49" charset="0"/>
+                <a:cs typeface="Consolas" panose="020B0609020204030204" pitchFamily="49" charset="0"/>
+              </a:rPr>
+              <a:t>ls </a:t>
+            </a:r>
+          </a:p>
+          <a:p>
+            <a:pPr marL="0" indent="0">
+              <a:buNone/>
+            </a:pPr>
+            <a:r>
+              <a:rPr lang="en-US" sz="1400" i="1" dirty="0">
+                <a:latin typeface="Consolas" panose="020B0609020204030204" pitchFamily="49" charset="0"/>
+                <a:cs typeface="Consolas" panose="020B0609020204030204" pitchFamily="49" charset="0"/>
+              </a:rPr>
+              <a:t># </a:t>
+            </a:r>
+            <a:r>
+              <a:rPr lang="en-US" sz="1400" i="1" dirty="0" smtClean="0">
+                <a:latin typeface="Consolas" panose="020B0609020204030204" pitchFamily="49" charset="0"/>
+                <a:cs typeface="Consolas" panose="020B0609020204030204" pitchFamily="49" charset="0"/>
+              </a:rPr>
+              <a:t>do you see the new directory here?</a:t>
+            </a:r>
+            <a:endParaRPr lang="en-US" sz="1400" i="1" dirty="0">
+              <a:latin typeface="Consolas" panose="020B0609020204030204" pitchFamily="49" charset="0"/>
+              <a:cs typeface="Consolas" panose="020B0609020204030204" pitchFamily="49" charset="0"/>
+            </a:endParaRPr>
+          </a:p>
+          <a:p>
+            <a:pPr marL="0" indent="0">
+              <a:buNone/>
+            </a:pPr>
+            <a:r>
+              <a:rPr lang="en-US" sz="1400" dirty="0">
+                <a:solidFill>
+                  <a:schemeClr val="accent6">
+                    <a:lumMod val="40000"/>
+                    <a:lumOff val="60000"/>
+                  </a:schemeClr>
+                </a:solidFill>
+                <a:latin typeface="Consolas" panose="020B0609020204030204" pitchFamily="49" charset="0"/>
+                <a:cs typeface="Consolas" panose="020B0609020204030204" pitchFamily="49" charset="0"/>
+              </a:rPr>
+              <a:t>~$</a:t>
+            </a:r>
+            <a:r>
+              <a:rPr lang="en-US" sz="1400" dirty="0">
+                <a:latin typeface="Consolas" panose="020B0609020204030204" pitchFamily="49" charset="0"/>
+                <a:cs typeface="Consolas" panose="020B0609020204030204" pitchFamily="49" charset="0"/>
+              </a:rPr>
+              <a:t> </a:t>
+            </a:r>
+            <a:r>
+              <a:rPr lang="en-US" sz="1400" dirty="0" smtClean="0">
+                <a:solidFill>
+                  <a:srgbClr val="00B050"/>
+                </a:solidFill>
+                <a:latin typeface="Consolas" panose="020B0609020204030204" pitchFamily="49" charset="0"/>
+                <a:cs typeface="Consolas" panose="020B0609020204030204" pitchFamily="49" charset="0"/>
+              </a:rPr>
+              <a:t>man </a:t>
+            </a:r>
+            <a:r>
+              <a:rPr lang="en-US" sz="1400" dirty="0" err="1" smtClean="0">
+                <a:solidFill>
+                  <a:srgbClr val="00B050"/>
+                </a:solidFill>
+                <a:latin typeface="Consolas" panose="020B0609020204030204" pitchFamily="49" charset="0"/>
+                <a:cs typeface="Consolas" panose="020B0609020204030204" pitchFamily="49" charset="0"/>
+              </a:rPr>
+              <a:t>mkdir</a:t>
+            </a:r>
+            <a:endParaRPr lang="en-US" sz="1400" dirty="0">
+              <a:solidFill>
+                <a:srgbClr val="00B050"/>
+              </a:solidFill>
+              <a:latin typeface="Consolas" panose="020B0609020204030204" pitchFamily="49" charset="0"/>
+              <a:cs typeface="Consolas" panose="020B0609020204030204" pitchFamily="49" charset="0"/>
+            </a:endParaRPr>
+          </a:p>
+          <a:p>
+            <a:pPr marL="0" indent="0">
+              <a:buNone/>
+            </a:pPr>
+            <a:r>
+              <a:rPr lang="en-US" sz="1400" i="1" dirty="0" smtClean="0">
+                <a:latin typeface="Consolas" panose="020B0609020204030204" pitchFamily="49" charset="0"/>
+                <a:cs typeface="Consolas" panose="020B0609020204030204" pitchFamily="49" charset="0"/>
+              </a:rPr>
+              <a:t># what options do you think might be useful?</a:t>
+            </a:r>
+            <a:endParaRPr lang="en-US" sz="1400" i="1" dirty="0">
+              <a:latin typeface="Consolas" panose="020B0609020204030204" pitchFamily="49" charset="0"/>
+              <a:cs typeface="Consolas" panose="020B0609020204030204" pitchFamily="49" charset="0"/>
+            </a:endParaRPr>
+          </a:p>
+          <a:p>
+            <a:pPr marL="0" indent="0">
+              <a:buNone/>
+            </a:pPr>
+            <a:r>
+              <a:rPr lang="en-US" sz="1400" i="1" dirty="0">
+                <a:latin typeface="Consolas" panose="020B0609020204030204" pitchFamily="49" charset="0"/>
+                <a:cs typeface="Consolas" panose="020B0609020204030204" pitchFamily="49" charset="0"/>
+              </a:rPr>
+              <a:t># </a:t>
+            </a:r>
+            <a:r>
+              <a:rPr lang="en-US" sz="1400" i="1" dirty="0" smtClean="0">
+                <a:latin typeface="Consolas" panose="020B0609020204030204" pitchFamily="49" charset="0"/>
+                <a:cs typeface="Consolas" panose="020B0609020204030204" pitchFamily="49" charset="0"/>
+              </a:rPr>
+              <a:t>specifically, what does this option do?</a:t>
+            </a:r>
+          </a:p>
+          <a:p>
+            <a:pPr marL="0" indent="0">
+              <a:buNone/>
+            </a:pPr>
+            <a:r>
+              <a:rPr lang="en-US" sz="1400" i="1" dirty="0" smtClean="0">
+                <a:latin typeface="Consolas" panose="020B0609020204030204" pitchFamily="49" charset="0"/>
+                <a:cs typeface="Consolas" panose="020B0609020204030204" pitchFamily="49" charset="0"/>
+              </a:rPr>
+              <a:t># -p </a:t>
+            </a:r>
+            <a:r>
+              <a:rPr lang="en-US" sz="1400" i="1" dirty="0">
+                <a:latin typeface="Consolas" panose="020B0609020204030204" pitchFamily="49" charset="0"/>
+                <a:cs typeface="Consolas" panose="020B0609020204030204" pitchFamily="49" charset="0"/>
+              </a:rPr>
+              <a:t>: make parent </a:t>
+            </a:r>
+            <a:r>
+              <a:rPr lang="en-US" sz="1400" i="1" dirty="0" smtClean="0">
+                <a:latin typeface="Consolas" panose="020B0609020204030204" pitchFamily="49" charset="0"/>
+                <a:cs typeface="Consolas" panose="020B0609020204030204" pitchFamily="49" charset="0"/>
+              </a:rPr>
+              <a:t>directories</a:t>
+            </a:r>
+            <a:endParaRPr lang="en-US" sz="1400" i="1" dirty="0">
+              <a:latin typeface="Consolas" panose="020B0609020204030204" pitchFamily="49" charset="0"/>
+              <a:cs typeface="Consolas" panose="020B0609020204030204" pitchFamily="49" charset="0"/>
+            </a:endParaRPr>
+          </a:p>
+          <a:p>
+            <a:pPr marL="0" indent="0">
+              <a:buNone/>
+            </a:pPr>
+            <a:endParaRPr lang="en-US" sz="1400" i="1" dirty="0">
+              <a:latin typeface="Consolas" panose="020B0609020204030204" pitchFamily="49" charset="0"/>
+              <a:cs typeface="Consolas" panose="020B0609020204030204" pitchFamily="49" charset="0"/>
+            </a:endParaRPr>
           </a:p>
         </p:txBody>
       </p:sp>
     </p:spTree>
     <p:extLst>
       <p:ext uri="{BB962C8B-B14F-4D97-AF65-F5344CB8AC3E}">
-        <p14:creationId xmlns:p14="http://schemas.microsoft.com/office/powerpoint/2010/main" val="3593372356"/>
+        <p14:creationId xmlns:p14="http://schemas.microsoft.com/office/powerpoint/2010/main" val="750279230"/>
       </p:ext>
     </p:extLst>
   </p:cSld>
@@ -15450,7 +19432,7 @@
           <a:p>
             <a:r>
               <a:rPr lang="en-US" dirty="0" smtClean="0"/>
-              <a:t>Searching files</a:t>
+              <a:t>Compressing and Archiving</a:t>
             </a:r>
             <a:endParaRPr lang="en-US" dirty="0"/>
           </a:p>
@@ -15471,14 +19453,193 @@
           <a:bodyPr/>
           <a:lstStyle/>
           <a:p>
-            <a:endParaRPr lang="en-US"/>
+            <a:pPr marL="0" indent="0">
+              <a:buNone/>
+            </a:pPr>
+            <a:r>
+              <a:rPr lang="en-US" dirty="0" smtClean="0"/>
+              <a:t>Compress/Decompress</a:t>
+            </a:r>
+            <a:endParaRPr lang="en-US" dirty="0" smtClean="0"/>
+          </a:p>
+          <a:p>
+            <a:pPr lvl="1"/>
+            <a:r>
+              <a:rPr lang="en-US" dirty="0" smtClean="0">
+                <a:solidFill>
+                  <a:srgbClr val="C00000"/>
+                </a:solidFill>
+              </a:rPr>
+              <a:t>zip</a:t>
+            </a:r>
+            <a:r>
+              <a:rPr lang="en-US" dirty="0" smtClean="0"/>
+              <a:t>: </a:t>
+            </a:r>
+            <a:r>
+              <a:rPr lang="en-US" dirty="0" smtClean="0">
+                <a:solidFill>
+                  <a:srgbClr val="C00000"/>
+                </a:solidFill>
+              </a:rPr>
+              <a:t>m</a:t>
+            </a:r>
+            <a:r>
+              <a:rPr lang="en-US" dirty="0" smtClean="0"/>
+              <a:t>a</a:t>
+            </a:r>
+            <a:r>
+              <a:rPr lang="en-US" dirty="0" smtClean="0">
+                <a:solidFill>
+                  <a:srgbClr val="C00000"/>
+                </a:solidFill>
+              </a:rPr>
+              <a:t>k</a:t>
+            </a:r>
+            <a:r>
+              <a:rPr lang="en-US" dirty="0" smtClean="0"/>
+              <a:t>e </a:t>
+            </a:r>
+            <a:r>
+              <a:rPr lang="en-US" dirty="0" smtClean="0">
+                <a:solidFill>
+                  <a:srgbClr val="C00000"/>
+                </a:solidFill>
+              </a:rPr>
+              <a:t>dir</a:t>
+            </a:r>
+            <a:r>
+              <a:rPr lang="en-US" dirty="0" smtClean="0"/>
+              <a:t>ectory</a:t>
+            </a:r>
+          </a:p>
+          <a:p>
+            <a:pPr lvl="1"/>
+            <a:r>
+              <a:rPr lang="en-US" dirty="0" err="1" smtClean="0">
+                <a:solidFill>
+                  <a:srgbClr val="C00000"/>
+                </a:solidFill>
+              </a:rPr>
+              <a:t>gzip</a:t>
+            </a:r>
+            <a:r>
+              <a:rPr lang="en-US" dirty="0" smtClean="0">
+                <a:solidFill>
+                  <a:srgbClr val="C00000"/>
+                </a:solidFill>
+              </a:rPr>
+              <a:t> </a:t>
+            </a:r>
+            <a:r>
+              <a:rPr lang="en-US" dirty="0"/>
+              <a:t>: </a:t>
+            </a:r>
+            <a:r>
+              <a:rPr lang="en-US" dirty="0" smtClean="0">
+                <a:solidFill>
+                  <a:srgbClr val="C00000"/>
+                </a:solidFill>
+              </a:rPr>
+              <a:t>r</a:t>
+            </a:r>
+            <a:r>
+              <a:rPr lang="en-US" dirty="0" smtClean="0"/>
+              <a:t>e</a:t>
+            </a:r>
+            <a:r>
+              <a:rPr lang="en-US" dirty="0" smtClean="0">
+                <a:solidFill>
+                  <a:srgbClr val="C00000"/>
+                </a:solidFill>
+              </a:rPr>
+              <a:t>m</a:t>
+            </a:r>
+            <a:r>
+              <a:rPr lang="en-US" dirty="0" smtClean="0"/>
+              <a:t>ove </a:t>
+            </a:r>
+            <a:r>
+              <a:rPr lang="en-US" dirty="0" smtClean="0">
+                <a:solidFill>
+                  <a:srgbClr val="C00000"/>
+                </a:solidFill>
+              </a:rPr>
+              <a:t>dir</a:t>
+            </a:r>
+            <a:r>
+              <a:rPr lang="en-US" dirty="0" smtClean="0"/>
+              <a:t>ectory</a:t>
+            </a:r>
+          </a:p>
+          <a:p>
+            <a:pPr marL="0" indent="0">
+              <a:buNone/>
+            </a:pPr>
+            <a:r>
+              <a:rPr lang="en-US" dirty="0" smtClean="0"/>
+              <a:t>Archiving</a:t>
+            </a:r>
+            <a:endParaRPr lang="en-US" dirty="0"/>
+          </a:p>
+          <a:p>
+            <a:pPr lvl="1"/>
+            <a:r>
+              <a:rPr lang="en-US" dirty="0" smtClean="0">
+                <a:solidFill>
+                  <a:srgbClr val="C00000"/>
+                </a:solidFill>
+              </a:rPr>
+              <a:t>tar</a:t>
+            </a:r>
+            <a:r>
+              <a:rPr lang="en-US" dirty="0" smtClean="0"/>
+              <a:t>: </a:t>
+            </a:r>
+            <a:r>
+              <a:rPr lang="en-US" dirty="0">
+                <a:solidFill>
+                  <a:srgbClr val="C00000"/>
+                </a:solidFill>
+              </a:rPr>
+              <a:t>m</a:t>
+            </a:r>
+            <a:r>
+              <a:rPr lang="en-US" dirty="0"/>
+              <a:t>a</a:t>
+            </a:r>
+            <a:r>
+              <a:rPr lang="en-US" dirty="0">
+                <a:solidFill>
+                  <a:srgbClr val="C00000"/>
+                </a:solidFill>
+              </a:rPr>
+              <a:t>k</a:t>
+            </a:r>
+            <a:r>
+              <a:rPr lang="en-US" dirty="0"/>
+              <a:t>e </a:t>
+            </a:r>
+            <a:r>
+              <a:rPr lang="en-US" dirty="0" smtClean="0">
+                <a:solidFill>
+                  <a:srgbClr val="C00000"/>
+                </a:solidFill>
+              </a:rPr>
+              <a:t>dir</a:t>
+            </a:r>
+            <a:r>
+              <a:rPr lang="en-US" dirty="0" smtClean="0"/>
+              <a:t>ectory</a:t>
+            </a:r>
+            <a:endParaRPr lang="en-US" dirty="0"/>
           </a:p>
         </p:txBody>
       </p:sp>
     </p:spTree>
     <p:extLst>
       <p:ext uri="{BB962C8B-B14F-4D97-AF65-F5344CB8AC3E}">
-        <p14:creationId xmlns:p14="http://schemas.microsoft.com/office/powerpoint/2010/main" val="581489258"/>
+        <p14:creationId xmlns:p14="http://schemas.microsoft.com/office/powerpoint/2010/main" val="2641653666"/>
       </p:ext>
     </p:extLst>
   </p:cSld>
@@ -15529,7 +19690,7 @@
           <a:p>
             <a:r>
               <a:rPr lang="en-US" dirty="0" smtClean="0"/>
-              <a:t>Extracting information from files</a:t>
+              <a:t>Compressing/decompressing</a:t>
             </a:r>
             <a:endParaRPr lang="en-US" dirty="0"/>
           </a:p>
@@ -15545,23 +19706,547 @@
             <p:ph idx="1"/>
           </p:nvPr>
         </p:nvSpPr>
-        <p:spPr/>
+        <p:spPr>
+          <a:xfrm>
+            <a:off x="97654" y="1295399"/>
+            <a:ext cx="8939814" cy="5034379"/>
+          </a:xfrm>
+          <a:solidFill>
+            <a:schemeClr val="tx1"/>
+          </a:solidFill>
+        </p:spPr>
         <p:txBody>
           <a:bodyPr/>
           <a:lstStyle/>
           <a:p>
-            <a:r>
-              <a:rPr lang="en-US" dirty="0" smtClean="0"/>
-              <a:t>cut and split</a:t>
-            </a:r>
-            <a:endParaRPr lang="en-US" dirty="0"/>
+            <a:pPr marL="0" indent="0">
+              <a:buNone/>
+            </a:pPr>
+            <a:r>
+              <a:rPr lang="en-US" sz="1400" i="1" dirty="0" smtClean="0">
+                <a:latin typeface="Consolas" panose="020B0609020204030204" pitchFamily="49" charset="0"/>
+                <a:cs typeface="Consolas" panose="020B0609020204030204" pitchFamily="49" charset="0"/>
+              </a:rPr>
+              <a:t># Let’s rename the copied files to something else</a:t>
+            </a:r>
+          </a:p>
+          <a:p>
+            <a:pPr marL="0" indent="0">
+              <a:buNone/>
+            </a:pPr>
+            <a:r>
+              <a:rPr lang="en-US" sz="1400" dirty="0" smtClean="0">
+                <a:solidFill>
+                  <a:schemeClr val="accent6">
+                    <a:lumMod val="40000"/>
+                    <a:lumOff val="60000"/>
+                  </a:schemeClr>
+                </a:solidFill>
+                <a:latin typeface="Consolas" panose="020B0609020204030204" pitchFamily="49" charset="0"/>
+                <a:cs typeface="Consolas" panose="020B0609020204030204" pitchFamily="49" charset="0"/>
+              </a:rPr>
+              <a:t>~$</a:t>
+            </a:r>
+            <a:r>
+              <a:rPr lang="en-US" sz="1400" dirty="0" smtClean="0">
+                <a:latin typeface="Consolas" panose="020B0609020204030204" pitchFamily="49" charset="0"/>
+                <a:cs typeface="Consolas" panose="020B0609020204030204" pitchFamily="49" charset="0"/>
+              </a:rPr>
+              <a:t> </a:t>
+            </a:r>
+            <a:r>
+              <a:rPr lang="en-US" sz="1400" dirty="0" smtClean="0">
+                <a:solidFill>
+                  <a:srgbClr val="00B050"/>
+                </a:solidFill>
+                <a:latin typeface="Consolas" panose="020B0609020204030204" pitchFamily="49" charset="0"/>
+                <a:cs typeface="Consolas" panose="020B0609020204030204" pitchFamily="49" charset="0"/>
+              </a:rPr>
+              <a:t>cd ~ </a:t>
+            </a:r>
+          </a:p>
+          <a:p>
+            <a:pPr marL="0" indent="0">
+              <a:buNone/>
+            </a:pPr>
+            <a:r>
+              <a:rPr lang="en-US" sz="1400" i="1" dirty="0">
+                <a:latin typeface="Consolas" panose="020B0609020204030204" pitchFamily="49" charset="0"/>
+                <a:cs typeface="Consolas" panose="020B0609020204030204" pitchFamily="49" charset="0"/>
+              </a:rPr>
+              <a:t># </a:t>
+            </a:r>
+            <a:r>
+              <a:rPr lang="en-US" sz="1400" i="1" dirty="0" smtClean="0">
+                <a:latin typeface="Consolas" panose="020B0609020204030204" pitchFamily="49" charset="0"/>
+                <a:cs typeface="Consolas" panose="020B0609020204030204" pitchFamily="49" charset="0"/>
+              </a:rPr>
+              <a:t>change to home</a:t>
+            </a:r>
+          </a:p>
+          <a:p>
+            <a:pPr marL="0" indent="0">
+              <a:buNone/>
+            </a:pPr>
+            <a:r>
+              <a:rPr lang="en-US" sz="1400" dirty="0">
+                <a:solidFill>
+                  <a:schemeClr val="accent6">
+                    <a:lumMod val="40000"/>
+                    <a:lumOff val="60000"/>
+                  </a:schemeClr>
+                </a:solidFill>
+                <a:latin typeface="Consolas" panose="020B0609020204030204" pitchFamily="49" charset="0"/>
+                <a:cs typeface="Consolas" panose="020B0609020204030204" pitchFamily="49" charset="0"/>
+              </a:rPr>
+              <a:t>~$</a:t>
+            </a:r>
+            <a:r>
+              <a:rPr lang="en-US" sz="1400" dirty="0">
+                <a:latin typeface="Consolas" panose="020B0609020204030204" pitchFamily="49" charset="0"/>
+                <a:cs typeface="Consolas" panose="020B0609020204030204" pitchFamily="49" charset="0"/>
+              </a:rPr>
+              <a:t> </a:t>
+            </a:r>
+            <a:r>
+              <a:rPr lang="en-US" sz="1400" dirty="0" err="1" smtClean="0">
+                <a:solidFill>
+                  <a:srgbClr val="00B050"/>
+                </a:solidFill>
+                <a:latin typeface="Consolas" panose="020B0609020204030204" pitchFamily="49" charset="0"/>
+                <a:cs typeface="Consolas" panose="020B0609020204030204" pitchFamily="49" charset="0"/>
+              </a:rPr>
+              <a:t>pwd</a:t>
+            </a:r>
+            <a:r>
+              <a:rPr lang="en-US" sz="1400" dirty="0" smtClean="0">
+                <a:solidFill>
+                  <a:srgbClr val="00B050"/>
+                </a:solidFill>
+                <a:latin typeface="Consolas" panose="020B0609020204030204" pitchFamily="49" charset="0"/>
+                <a:cs typeface="Consolas" panose="020B0609020204030204" pitchFamily="49" charset="0"/>
+              </a:rPr>
+              <a:t> </a:t>
+            </a:r>
+            <a:endParaRPr lang="en-US" sz="1400" dirty="0">
+              <a:solidFill>
+                <a:srgbClr val="00B050"/>
+              </a:solidFill>
+              <a:latin typeface="Consolas" panose="020B0609020204030204" pitchFamily="49" charset="0"/>
+              <a:cs typeface="Consolas" panose="020B0609020204030204" pitchFamily="49" charset="0"/>
+            </a:endParaRPr>
+          </a:p>
+          <a:p>
+            <a:pPr marL="0" indent="0">
+              <a:buNone/>
+            </a:pPr>
+            <a:r>
+              <a:rPr lang="en-US" sz="1400" i="1" dirty="0" smtClean="0">
+                <a:latin typeface="Consolas" panose="020B0609020204030204" pitchFamily="49" charset="0"/>
+                <a:cs typeface="Consolas" panose="020B0609020204030204" pitchFamily="49" charset="0"/>
+              </a:rPr>
+              <a:t># check location</a:t>
+            </a:r>
+          </a:p>
+          <a:p>
+            <a:pPr marL="0" indent="0">
+              <a:buNone/>
+            </a:pPr>
+            <a:r>
+              <a:rPr lang="en-US" sz="1400" dirty="0">
+                <a:solidFill>
+                  <a:schemeClr val="accent6">
+                    <a:lumMod val="40000"/>
+                    <a:lumOff val="60000"/>
+                  </a:schemeClr>
+                </a:solidFill>
+                <a:latin typeface="Consolas" panose="020B0609020204030204" pitchFamily="49" charset="0"/>
+                <a:cs typeface="Consolas" panose="020B0609020204030204" pitchFamily="49" charset="0"/>
+              </a:rPr>
+              <a:t>~$</a:t>
+            </a:r>
+            <a:r>
+              <a:rPr lang="en-US" sz="1400" dirty="0">
+                <a:latin typeface="Consolas" panose="020B0609020204030204" pitchFamily="49" charset="0"/>
+                <a:cs typeface="Consolas" panose="020B0609020204030204" pitchFamily="49" charset="0"/>
+              </a:rPr>
+              <a:t> </a:t>
+            </a:r>
+            <a:r>
+              <a:rPr lang="en-US" sz="1400" dirty="0" smtClean="0">
+                <a:solidFill>
+                  <a:srgbClr val="00B050"/>
+                </a:solidFill>
+                <a:latin typeface="Consolas" panose="020B0609020204030204" pitchFamily="49" charset="0"/>
+                <a:cs typeface="Consolas" panose="020B0609020204030204" pitchFamily="49" charset="0"/>
+              </a:rPr>
+              <a:t>ls </a:t>
+            </a:r>
+            <a:endParaRPr lang="en-US" sz="1400" dirty="0">
+              <a:solidFill>
+                <a:srgbClr val="00B050"/>
+              </a:solidFill>
+              <a:latin typeface="Consolas" panose="020B0609020204030204" pitchFamily="49" charset="0"/>
+              <a:cs typeface="Consolas" panose="020B0609020204030204" pitchFamily="49" charset="0"/>
+            </a:endParaRPr>
+          </a:p>
+          <a:p>
+            <a:pPr marL="0" indent="0">
+              <a:buNone/>
+            </a:pPr>
+            <a:r>
+              <a:rPr lang="en-US" sz="1400" i="1" dirty="0">
+                <a:latin typeface="Consolas" panose="020B0609020204030204" pitchFamily="49" charset="0"/>
+                <a:cs typeface="Consolas" panose="020B0609020204030204" pitchFamily="49" charset="0"/>
+              </a:rPr>
+              <a:t># </a:t>
+            </a:r>
+            <a:r>
+              <a:rPr lang="en-US" sz="1400" i="1" dirty="0" smtClean="0">
+                <a:latin typeface="Consolas" panose="020B0609020204030204" pitchFamily="49" charset="0"/>
+                <a:cs typeface="Consolas" panose="020B0609020204030204" pitchFamily="49" charset="0"/>
+              </a:rPr>
+              <a:t>list files, do you see ‘WORKSHOP_FILES’ here?</a:t>
+            </a:r>
+          </a:p>
+          <a:p>
+            <a:pPr marL="0" indent="0">
+              <a:buNone/>
+            </a:pPr>
+            <a:r>
+              <a:rPr lang="en-US" sz="1400" dirty="0">
+                <a:solidFill>
+                  <a:schemeClr val="accent6">
+                    <a:lumMod val="40000"/>
+                    <a:lumOff val="60000"/>
+                  </a:schemeClr>
+                </a:solidFill>
+                <a:latin typeface="Consolas" panose="020B0609020204030204" pitchFamily="49" charset="0"/>
+                <a:cs typeface="Consolas" panose="020B0609020204030204" pitchFamily="49" charset="0"/>
+              </a:rPr>
+              <a:t>~$</a:t>
+            </a:r>
+            <a:r>
+              <a:rPr lang="en-US" sz="1400" dirty="0">
+                <a:latin typeface="Consolas" panose="020B0609020204030204" pitchFamily="49" charset="0"/>
+                <a:cs typeface="Consolas" panose="020B0609020204030204" pitchFamily="49" charset="0"/>
+              </a:rPr>
+              <a:t> </a:t>
+            </a:r>
+            <a:r>
+              <a:rPr lang="en-US" sz="1400" dirty="0" smtClean="0">
+                <a:solidFill>
+                  <a:srgbClr val="00B050"/>
+                </a:solidFill>
+                <a:latin typeface="Consolas" panose="020B0609020204030204" pitchFamily="49" charset="0"/>
+                <a:cs typeface="Consolas" panose="020B0609020204030204" pitchFamily="49" charset="0"/>
+              </a:rPr>
+              <a:t>cd WORKSHOP_FILES</a:t>
+            </a:r>
+          </a:p>
+          <a:p>
+            <a:pPr marL="0" indent="0">
+              <a:buNone/>
+            </a:pPr>
+            <a:r>
+              <a:rPr lang="en-US" sz="1400" dirty="0">
+                <a:solidFill>
+                  <a:schemeClr val="accent6">
+                    <a:lumMod val="40000"/>
+                    <a:lumOff val="60000"/>
+                  </a:schemeClr>
+                </a:solidFill>
+                <a:latin typeface="Consolas" panose="020B0609020204030204" pitchFamily="49" charset="0"/>
+                <a:cs typeface="Consolas" panose="020B0609020204030204" pitchFamily="49" charset="0"/>
+              </a:rPr>
+              <a:t>~$</a:t>
+            </a:r>
+            <a:r>
+              <a:rPr lang="en-US" sz="1400" dirty="0">
+                <a:latin typeface="Consolas" panose="020B0609020204030204" pitchFamily="49" charset="0"/>
+                <a:cs typeface="Consolas" panose="020B0609020204030204" pitchFamily="49" charset="0"/>
+              </a:rPr>
+              <a:t> </a:t>
+            </a:r>
+            <a:r>
+              <a:rPr lang="en-US" sz="1400" dirty="0">
+                <a:solidFill>
+                  <a:srgbClr val="00B050"/>
+                </a:solidFill>
+                <a:latin typeface="Consolas" panose="020B0609020204030204" pitchFamily="49" charset="0"/>
+                <a:cs typeface="Consolas" panose="020B0609020204030204" pitchFamily="49" charset="0"/>
+              </a:rPr>
+              <a:t>ls </a:t>
+            </a:r>
+          </a:p>
+          <a:p>
+            <a:pPr marL="0" indent="0">
+              <a:buNone/>
+            </a:pPr>
+            <a:r>
+              <a:rPr lang="en-US" sz="1400" i="1" dirty="0" smtClean="0">
+                <a:latin typeface="Consolas" panose="020B0609020204030204" pitchFamily="49" charset="0"/>
+                <a:cs typeface="Consolas" panose="020B0609020204030204" pitchFamily="49" charset="0"/>
+              </a:rPr>
+              <a:t># If you see familiar files here, let’s create a new directory</a:t>
+            </a:r>
+            <a:endParaRPr lang="en-US" sz="1400" i="1" dirty="0">
+              <a:latin typeface="Consolas" panose="020B0609020204030204" pitchFamily="49" charset="0"/>
+              <a:cs typeface="Consolas" panose="020B0609020204030204" pitchFamily="49" charset="0"/>
+            </a:endParaRPr>
+          </a:p>
+          <a:p>
+            <a:pPr marL="0" indent="0">
+              <a:buNone/>
+            </a:pPr>
+            <a:r>
+              <a:rPr lang="en-US" sz="1400" dirty="0" smtClean="0">
+                <a:solidFill>
+                  <a:schemeClr val="accent6">
+                    <a:lumMod val="40000"/>
+                    <a:lumOff val="60000"/>
+                  </a:schemeClr>
+                </a:solidFill>
+                <a:latin typeface="Consolas" panose="020B0609020204030204" pitchFamily="49" charset="0"/>
+                <a:cs typeface="Consolas" panose="020B0609020204030204" pitchFamily="49" charset="0"/>
+              </a:rPr>
+              <a:t>~$</a:t>
+            </a:r>
+            <a:r>
+              <a:rPr lang="en-US" sz="1400" dirty="0" smtClean="0">
+                <a:latin typeface="Consolas" panose="020B0609020204030204" pitchFamily="49" charset="0"/>
+                <a:cs typeface="Consolas" panose="020B0609020204030204" pitchFamily="49" charset="0"/>
+              </a:rPr>
+              <a:t> </a:t>
+            </a:r>
+            <a:r>
+              <a:rPr lang="en-US" sz="1400" dirty="0" err="1" smtClean="0">
+                <a:solidFill>
+                  <a:srgbClr val="00B050"/>
+                </a:solidFill>
+                <a:latin typeface="Consolas" panose="020B0609020204030204" pitchFamily="49" charset="0"/>
+                <a:cs typeface="Consolas" panose="020B0609020204030204" pitchFamily="49" charset="0"/>
+              </a:rPr>
+              <a:t>mkdir</a:t>
+            </a:r>
+            <a:r>
+              <a:rPr lang="en-US" sz="1400" dirty="0">
+                <a:solidFill>
+                  <a:srgbClr val="00B050"/>
+                </a:solidFill>
+                <a:latin typeface="Consolas" panose="020B0609020204030204" pitchFamily="49" charset="0"/>
+                <a:cs typeface="Consolas" panose="020B0609020204030204" pitchFamily="49" charset="0"/>
+              </a:rPr>
+              <a:t> </a:t>
+            </a:r>
+            <a:r>
+              <a:rPr lang="en-US" sz="1400" dirty="0" err="1" smtClean="0">
+                <a:solidFill>
+                  <a:srgbClr val="00B050"/>
+                </a:solidFill>
+                <a:latin typeface="Consolas" panose="020B0609020204030204" pitchFamily="49" charset="0"/>
+                <a:cs typeface="Consolas" panose="020B0609020204030204" pitchFamily="49" charset="0"/>
+              </a:rPr>
+              <a:t>FirstDirectory</a:t>
+            </a:r>
+            <a:endParaRPr lang="en-US" sz="1400" dirty="0" smtClean="0">
+              <a:solidFill>
+                <a:srgbClr val="00B050"/>
+              </a:solidFill>
+              <a:latin typeface="Consolas" panose="020B0609020204030204" pitchFamily="49" charset="0"/>
+              <a:cs typeface="Consolas" panose="020B0609020204030204" pitchFamily="49" charset="0"/>
+            </a:endParaRPr>
+          </a:p>
+          <a:p>
+            <a:pPr marL="0" indent="0">
+              <a:buNone/>
+            </a:pPr>
+            <a:r>
+              <a:rPr lang="en-US" sz="1400" dirty="0">
+                <a:solidFill>
+                  <a:schemeClr val="accent6">
+                    <a:lumMod val="40000"/>
+                    <a:lumOff val="60000"/>
+                  </a:schemeClr>
+                </a:solidFill>
+                <a:latin typeface="Consolas" panose="020B0609020204030204" pitchFamily="49" charset="0"/>
+                <a:cs typeface="Consolas" panose="020B0609020204030204" pitchFamily="49" charset="0"/>
+              </a:rPr>
+              <a:t>~$</a:t>
+            </a:r>
+            <a:r>
+              <a:rPr lang="en-US" sz="1400" dirty="0">
+                <a:latin typeface="Consolas" panose="020B0609020204030204" pitchFamily="49" charset="0"/>
+                <a:cs typeface="Consolas" panose="020B0609020204030204" pitchFamily="49" charset="0"/>
+              </a:rPr>
+              <a:t> </a:t>
+            </a:r>
+            <a:r>
+              <a:rPr lang="en-US" sz="1400" dirty="0">
+                <a:solidFill>
+                  <a:srgbClr val="00B050"/>
+                </a:solidFill>
+                <a:latin typeface="Consolas" panose="020B0609020204030204" pitchFamily="49" charset="0"/>
+                <a:cs typeface="Consolas" panose="020B0609020204030204" pitchFamily="49" charset="0"/>
+              </a:rPr>
+              <a:t>ls </a:t>
+            </a:r>
+          </a:p>
+          <a:p>
+            <a:pPr marL="0" indent="0">
+              <a:buNone/>
+            </a:pPr>
+            <a:r>
+              <a:rPr lang="en-US" sz="1400" i="1" dirty="0">
+                <a:latin typeface="Consolas" panose="020B0609020204030204" pitchFamily="49" charset="0"/>
+                <a:cs typeface="Consolas" panose="020B0609020204030204" pitchFamily="49" charset="0"/>
+              </a:rPr>
+              <a:t># </a:t>
+            </a:r>
+            <a:r>
+              <a:rPr lang="en-US" sz="1400" i="1" dirty="0" smtClean="0">
+                <a:latin typeface="Consolas" panose="020B0609020204030204" pitchFamily="49" charset="0"/>
+                <a:cs typeface="Consolas" panose="020B0609020204030204" pitchFamily="49" charset="0"/>
+              </a:rPr>
+              <a:t>do you see the new directory here?</a:t>
+            </a:r>
+            <a:endParaRPr lang="en-US" sz="1400" i="1" dirty="0">
+              <a:latin typeface="Consolas" panose="020B0609020204030204" pitchFamily="49" charset="0"/>
+              <a:cs typeface="Consolas" panose="020B0609020204030204" pitchFamily="49" charset="0"/>
+            </a:endParaRPr>
+          </a:p>
+          <a:p>
+            <a:pPr marL="0" indent="0">
+              <a:buNone/>
+            </a:pPr>
+            <a:r>
+              <a:rPr lang="en-US" sz="1400" dirty="0">
+                <a:solidFill>
+                  <a:schemeClr val="accent6">
+                    <a:lumMod val="40000"/>
+                    <a:lumOff val="60000"/>
+                  </a:schemeClr>
+                </a:solidFill>
+                <a:latin typeface="Consolas" panose="020B0609020204030204" pitchFamily="49" charset="0"/>
+                <a:cs typeface="Consolas" panose="020B0609020204030204" pitchFamily="49" charset="0"/>
+              </a:rPr>
+              <a:t>~$</a:t>
+            </a:r>
+            <a:r>
+              <a:rPr lang="en-US" sz="1400" dirty="0">
+                <a:latin typeface="Consolas" panose="020B0609020204030204" pitchFamily="49" charset="0"/>
+                <a:cs typeface="Consolas" panose="020B0609020204030204" pitchFamily="49" charset="0"/>
+              </a:rPr>
+              <a:t> </a:t>
+            </a:r>
+            <a:r>
+              <a:rPr lang="en-US" sz="1400" dirty="0" smtClean="0">
+                <a:solidFill>
+                  <a:srgbClr val="00B050"/>
+                </a:solidFill>
+                <a:latin typeface="Consolas" panose="020B0609020204030204" pitchFamily="49" charset="0"/>
+                <a:cs typeface="Consolas" panose="020B0609020204030204" pitchFamily="49" charset="0"/>
+              </a:rPr>
+              <a:t>man </a:t>
+            </a:r>
+            <a:r>
+              <a:rPr lang="en-US" sz="1400" dirty="0" err="1" smtClean="0">
+                <a:solidFill>
+                  <a:srgbClr val="00B050"/>
+                </a:solidFill>
+                <a:latin typeface="Consolas" panose="020B0609020204030204" pitchFamily="49" charset="0"/>
+                <a:cs typeface="Consolas" panose="020B0609020204030204" pitchFamily="49" charset="0"/>
+              </a:rPr>
+              <a:t>mkdir</a:t>
+            </a:r>
+            <a:endParaRPr lang="en-US" sz="1400" dirty="0">
+              <a:solidFill>
+                <a:srgbClr val="00B050"/>
+              </a:solidFill>
+              <a:latin typeface="Consolas" panose="020B0609020204030204" pitchFamily="49" charset="0"/>
+              <a:cs typeface="Consolas" panose="020B0609020204030204" pitchFamily="49" charset="0"/>
+            </a:endParaRPr>
+          </a:p>
+          <a:p>
+            <a:pPr marL="0" indent="0">
+              <a:buNone/>
+            </a:pPr>
+            <a:r>
+              <a:rPr lang="en-US" sz="1400" i="1" dirty="0" smtClean="0">
+                <a:latin typeface="Consolas" panose="020B0609020204030204" pitchFamily="49" charset="0"/>
+                <a:cs typeface="Consolas" panose="020B0609020204030204" pitchFamily="49" charset="0"/>
+              </a:rPr>
+              <a:t># what options do you think might be useful?</a:t>
+            </a:r>
+            <a:endParaRPr lang="en-US" sz="1400" i="1" dirty="0">
+              <a:latin typeface="Consolas" panose="020B0609020204030204" pitchFamily="49" charset="0"/>
+              <a:cs typeface="Consolas" panose="020B0609020204030204" pitchFamily="49" charset="0"/>
+            </a:endParaRPr>
+          </a:p>
+          <a:p>
+            <a:pPr marL="0" indent="0">
+              <a:buNone/>
+            </a:pPr>
+            <a:r>
+              <a:rPr lang="en-US" sz="1400" i="1" dirty="0">
+                <a:latin typeface="Consolas" panose="020B0609020204030204" pitchFamily="49" charset="0"/>
+                <a:cs typeface="Consolas" panose="020B0609020204030204" pitchFamily="49" charset="0"/>
+              </a:rPr>
+              <a:t># </a:t>
+            </a:r>
+            <a:r>
+              <a:rPr lang="en-US" sz="1400" i="1" dirty="0" smtClean="0">
+                <a:latin typeface="Consolas" panose="020B0609020204030204" pitchFamily="49" charset="0"/>
+                <a:cs typeface="Consolas" panose="020B0609020204030204" pitchFamily="49" charset="0"/>
+              </a:rPr>
+              <a:t>specifically, what does this option do?</a:t>
+            </a:r>
+          </a:p>
+          <a:p>
+            <a:pPr marL="0" indent="0">
+              <a:buNone/>
+            </a:pPr>
+            <a:r>
+              <a:rPr lang="en-US" sz="1400" i="1" dirty="0" smtClean="0">
+                <a:latin typeface="Consolas" panose="020B0609020204030204" pitchFamily="49" charset="0"/>
+                <a:cs typeface="Consolas" panose="020B0609020204030204" pitchFamily="49" charset="0"/>
+              </a:rPr>
+              <a:t># -p </a:t>
+            </a:r>
+            <a:r>
+              <a:rPr lang="en-US" sz="1400" i="1" dirty="0">
+                <a:latin typeface="Consolas" panose="020B0609020204030204" pitchFamily="49" charset="0"/>
+                <a:cs typeface="Consolas" panose="020B0609020204030204" pitchFamily="49" charset="0"/>
+              </a:rPr>
+              <a:t>: make parent </a:t>
+            </a:r>
+            <a:r>
+              <a:rPr lang="en-US" sz="1400" i="1" dirty="0" smtClean="0">
+                <a:latin typeface="Consolas" panose="020B0609020204030204" pitchFamily="49" charset="0"/>
+                <a:cs typeface="Consolas" panose="020B0609020204030204" pitchFamily="49" charset="0"/>
+              </a:rPr>
+              <a:t>directories</a:t>
+            </a:r>
+            <a:endParaRPr lang="en-US" sz="1400" i="1" dirty="0">
+              <a:latin typeface="Consolas" panose="020B0609020204030204" pitchFamily="49" charset="0"/>
+              <a:cs typeface="Consolas" panose="020B0609020204030204" pitchFamily="49" charset="0"/>
+            </a:endParaRPr>
+          </a:p>
+          <a:p>
+            <a:pPr marL="0" indent="0">
+              <a:buNone/>
+            </a:pPr>
+            <a:endParaRPr lang="en-US" sz="1400" i="1" dirty="0">
+              <a:latin typeface="Consolas" panose="020B0609020204030204" pitchFamily="49" charset="0"/>
+              <a:cs typeface="Consolas" panose="020B0609020204030204" pitchFamily="49" charset="0"/>
+            </a:endParaRPr>
           </a:p>
         </p:txBody>
       </p:sp>
     </p:spTree>
     <p:extLst>
       <p:ext uri="{BB962C8B-B14F-4D97-AF65-F5344CB8AC3E}">
-        <p14:creationId xmlns:p14="http://schemas.microsoft.com/office/powerpoint/2010/main" val="1799948955"/>
+        <p14:creationId xmlns:p14="http://schemas.microsoft.com/office/powerpoint/2010/main" val="2224364276"/>
       </p:ext>
     </p:extLst>
   </p:cSld>
@@ -15612,7 +20297,7 @@
           <a:p>
             <a:r>
               <a:rPr lang="en-US" dirty="0" smtClean="0"/>
-              <a:t>File manipulations (join and paste)</a:t>
+              <a:t>Archiving</a:t>
             </a:r>
             <a:endParaRPr lang="en-US" dirty="0"/>
           </a:p>
@@ -15628,19 +20313,547 @@
             <p:ph idx="1"/>
           </p:nvPr>
         </p:nvSpPr>
-        <p:spPr/>
+        <p:spPr>
+          <a:xfrm>
+            <a:off x="97654" y="1295399"/>
+            <a:ext cx="8939814" cy="5034379"/>
+          </a:xfrm>
+          <a:solidFill>
+            <a:schemeClr val="tx1"/>
+          </a:solidFill>
+        </p:spPr>
         <p:txBody>
           <a:bodyPr/>
           <a:lstStyle/>
           <a:p>
-            <a:endParaRPr lang="en-US" dirty="0"/>
+            <a:pPr marL="0" indent="0">
+              <a:buNone/>
+            </a:pPr>
+            <a:r>
+              <a:rPr lang="en-US" sz="1400" i="1" dirty="0" smtClean="0">
+                <a:latin typeface="Consolas" panose="020B0609020204030204" pitchFamily="49" charset="0"/>
+                <a:cs typeface="Consolas" panose="020B0609020204030204" pitchFamily="49" charset="0"/>
+              </a:rPr>
+              <a:t># Let’s rename the copied files to something else</a:t>
+            </a:r>
+          </a:p>
+          <a:p>
+            <a:pPr marL="0" indent="0">
+              <a:buNone/>
+            </a:pPr>
+            <a:r>
+              <a:rPr lang="en-US" sz="1400" dirty="0" smtClean="0">
+                <a:solidFill>
+                  <a:schemeClr val="accent6">
+                    <a:lumMod val="40000"/>
+                    <a:lumOff val="60000"/>
+                  </a:schemeClr>
+                </a:solidFill>
+                <a:latin typeface="Consolas" panose="020B0609020204030204" pitchFamily="49" charset="0"/>
+                <a:cs typeface="Consolas" panose="020B0609020204030204" pitchFamily="49" charset="0"/>
+              </a:rPr>
+              <a:t>~$</a:t>
+            </a:r>
+            <a:r>
+              <a:rPr lang="en-US" sz="1400" dirty="0" smtClean="0">
+                <a:latin typeface="Consolas" panose="020B0609020204030204" pitchFamily="49" charset="0"/>
+                <a:cs typeface="Consolas" panose="020B0609020204030204" pitchFamily="49" charset="0"/>
+              </a:rPr>
+              <a:t> </a:t>
+            </a:r>
+            <a:r>
+              <a:rPr lang="en-US" sz="1400" dirty="0" smtClean="0">
+                <a:solidFill>
+                  <a:srgbClr val="00B050"/>
+                </a:solidFill>
+                <a:latin typeface="Consolas" panose="020B0609020204030204" pitchFamily="49" charset="0"/>
+                <a:cs typeface="Consolas" panose="020B0609020204030204" pitchFamily="49" charset="0"/>
+              </a:rPr>
+              <a:t>cd ~ </a:t>
+            </a:r>
+          </a:p>
+          <a:p>
+            <a:pPr marL="0" indent="0">
+              <a:buNone/>
+            </a:pPr>
+            <a:r>
+              <a:rPr lang="en-US" sz="1400" i="1" dirty="0">
+                <a:latin typeface="Consolas" panose="020B0609020204030204" pitchFamily="49" charset="0"/>
+                <a:cs typeface="Consolas" panose="020B0609020204030204" pitchFamily="49" charset="0"/>
+              </a:rPr>
+              <a:t># </a:t>
+            </a:r>
+            <a:r>
+              <a:rPr lang="en-US" sz="1400" i="1" dirty="0" smtClean="0">
+                <a:latin typeface="Consolas" panose="020B0609020204030204" pitchFamily="49" charset="0"/>
+                <a:cs typeface="Consolas" panose="020B0609020204030204" pitchFamily="49" charset="0"/>
+              </a:rPr>
+              <a:t>change to home</a:t>
+            </a:r>
+          </a:p>
+          <a:p>
+            <a:pPr marL="0" indent="0">
+              <a:buNone/>
+            </a:pPr>
+            <a:r>
+              <a:rPr lang="en-US" sz="1400" dirty="0">
+                <a:solidFill>
+                  <a:schemeClr val="accent6">
+                    <a:lumMod val="40000"/>
+                    <a:lumOff val="60000"/>
+                  </a:schemeClr>
+                </a:solidFill>
+                <a:latin typeface="Consolas" panose="020B0609020204030204" pitchFamily="49" charset="0"/>
+                <a:cs typeface="Consolas" panose="020B0609020204030204" pitchFamily="49" charset="0"/>
+              </a:rPr>
+              <a:t>~$</a:t>
+            </a:r>
+            <a:r>
+              <a:rPr lang="en-US" sz="1400" dirty="0">
+                <a:latin typeface="Consolas" panose="020B0609020204030204" pitchFamily="49" charset="0"/>
+                <a:cs typeface="Consolas" panose="020B0609020204030204" pitchFamily="49" charset="0"/>
+              </a:rPr>
+              <a:t> </a:t>
+            </a:r>
+            <a:r>
+              <a:rPr lang="en-US" sz="1400" dirty="0" err="1" smtClean="0">
+                <a:solidFill>
+                  <a:srgbClr val="00B050"/>
+                </a:solidFill>
+                <a:latin typeface="Consolas" panose="020B0609020204030204" pitchFamily="49" charset="0"/>
+                <a:cs typeface="Consolas" panose="020B0609020204030204" pitchFamily="49" charset="0"/>
+              </a:rPr>
+              <a:t>pwd</a:t>
+            </a:r>
+            <a:r>
+              <a:rPr lang="en-US" sz="1400" dirty="0" smtClean="0">
+                <a:solidFill>
+                  <a:srgbClr val="00B050"/>
+                </a:solidFill>
+                <a:latin typeface="Consolas" panose="020B0609020204030204" pitchFamily="49" charset="0"/>
+                <a:cs typeface="Consolas" panose="020B0609020204030204" pitchFamily="49" charset="0"/>
+              </a:rPr>
+              <a:t> </a:t>
+            </a:r>
+            <a:endParaRPr lang="en-US" sz="1400" dirty="0">
+              <a:solidFill>
+                <a:srgbClr val="00B050"/>
+              </a:solidFill>
+              <a:latin typeface="Consolas" panose="020B0609020204030204" pitchFamily="49" charset="0"/>
+              <a:cs typeface="Consolas" panose="020B0609020204030204" pitchFamily="49" charset="0"/>
+            </a:endParaRPr>
+          </a:p>
+          <a:p>
+            <a:pPr marL="0" indent="0">
+              <a:buNone/>
+            </a:pPr>
+            <a:r>
+              <a:rPr lang="en-US" sz="1400" i="1" dirty="0" smtClean="0">
+                <a:latin typeface="Consolas" panose="020B0609020204030204" pitchFamily="49" charset="0"/>
+                <a:cs typeface="Consolas" panose="020B0609020204030204" pitchFamily="49" charset="0"/>
+              </a:rPr>
+              <a:t># check location</a:t>
+            </a:r>
+          </a:p>
+          <a:p>
+            <a:pPr marL="0" indent="0">
+              <a:buNone/>
+            </a:pPr>
+            <a:r>
+              <a:rPr lang="en-US" sz="1400" dirty="0">
+                <a:solidFill>
+                  <a:schemeClr val="accent6">
+                    <a:lumMod val="40000"/>
+                    <a:lumOff val="60000"/>
+                  </a:schemeClr>
+                </a:solidFill>
+                <a:latin typeface="Consolas" panose="020B0609020204030204" pitchFamily="49" charset="0"/>
+                <a:cs typeface="Consolas" panose="020B0609020204030204" pitchFamily="49" charset="0"/>
+              </a:rPr>
+              <a:t>~$</a:t>
+            </a:r>
+            <a:r>
+              <a:rPr lang="en-US" sz="1400" dirty="0">
+                <a:latin typeface="Consolas" panose="020B0609020204030204" pitchFamily="49" charset="0"/>
+                <a:cs typeface="Consolas" panose="020B0609020204030204" pitchFamily="49" charset="0"/>
+              </a:rPr>
+              <a:t> </a:t>
+            </a:r>
+            <a:r>
+              <a:rPr lang="en-US" sz="1400" dirty="0" smtClean="0">
+                <a:solidFill>
+                  <a:srgbClr val="00B050"/>
+                </a:solidFill>
+                <a:latin typeface="Consolas" panose="020B0609020204030204" pitchFamily="49" charset="0"/>
+                <a:cs typeface="Consolas" panose="020B0609020204030204" pitchFamily="49" charset="0"/>
+              </a:rPr>
+              <a:t>ls </a:t>
+            </a:r>
+            <a:endParaRPr lang="en-US" sz="1400" dirty="0">
+              <a:solidFill>
+                <a:srgbClr val="00B050"/>
+              </a:solidFill>
+              <a:latin typeface="Consolas" panose="020B0609020204030204" pitchFamily="49" charset="0"/>
+              <a:cs typeface="Consolas" panose="020B0609020204030204" pitchFamily="49" charset="0"/>
+            </a:endParaRPr>
+          </a:p>
+          <a:p>
+            <a:pPr marL="0" indent="0">
+              <a:buNone/>
+            </a:pPr>
+            <a:r>
+              <a:rPr lang="en-US" sz="1400" i="1" dirty="0">
+                <a:latin typeface="Consolas" panose="020B0609020204030204" pitchFamily="49" charset="0"/>
+                <a:cs typeface="Consolas" panose="020B0609020204030204" pitchFamily="49" charset="0"/>
+              </a:rPr>
+              <a:t># </a:t>
+            </a:r>
+            <a:r>
+              <a:rPr lang="en-US" sz="1400" i="1" dirty="0" smtClean="0">
+                <a:latin typeface="Consolas" panose="020B0609020204030204" pitchFamily="49" charset="0"/>
+                <a:cs typeface="Consolas" panose="020B0609020204030204" pitchFamily="49" charset="0"/>
+              </a:rPr>
+              <a:t>list files, do you see ‘WORKSHOP_FILES’ here?</a:t>
+            </a:r>
+          </a:p>
+          <a:p>
+            <a:pPr marL="0" indent="0">
+              <a:buNone/>
+            </a:pPr>
+            <a:r>
+              <a:rPr lang="en-US" sz="1400" dirty="0">
+                <a:solidFill>
+                  <a:schemeClr val="accent6">
+                    <a:lumMod val="40000"/>
+                    <a:lumOff val="60000"/>
+                  </a:schemeClr>
+                </a:solidFill>
+                <a:latin typeface="Consolas" panose="020B0609020204030204" pitchFamily="49" charset="0"/>
+                <a:cs typeface="Consolas" panose="020B0609020204030204" pitchFamily="49" charset="0"/>
+              </a:rPr>
+              <a:t>~$</a:t>
+            </a:r>
+            <a:r>
+              <a:rPr lang="en-US" sz="1400" dirty="0">
+                <a:latin typeface="Consolas" panose="020B0609020204030204" pitchFamily="49" charset="0"/>
+                <a:cs typeface="Consolas" panose="020B0609020204030204" pitchFamily="49" charset="0"/>
+              </a:rPr>
+              <a:t> </a:t>
+            </a:r>
+            <a:r>
+              <a:rPr lang="en-US" sz="1400" dirty="0" smtClean="0">
+                <a:solidFill>
+                  <a:srgbClr val="00B050"/>
+                </a:solidFill>
+                <a:latin typeface="Consolas" panose="020B0609020204030204" pitchFamily="49" charset="0"/>
+                <a:cs typeface="Consolas" panose="020B0609020204030204" pitchFamily="49" charset="0"/>
+              </a:rPr>
+              <a:t>cd WORKSHOP_FILES</a:t>
+            </a:r>
+          </a:p>
+          <a:p>
+            <a:pPr marL="0" indent="0">
+              <a:buNone/>
+            </a:pPr>
+            <a:r>
+              <a:rPr lang="en-US" sz="1400" dirty="0">
+                <a:solidFill>
+                  <a:schemeClr val="accent6">
+                    <a:lumMod val="40000"/>
+                    <a:lumOff val="60000"/>
+                  </a:schemeClr>
+                </a:solidFill>
+                <a:latin typeface="Consolas" panose="020B0609020204030204" pitchFamily="49" charset="0"/>
+                <a:cs typeface="Consolas" panose="020B0609020204030204" pitchFamily="49" charset="0"/>
+              </a:rPr>
+              <a:t>~$</a:t>
+            </a:r>
+            <a:r>
+              <a:rPr lang="en-US" sz="1400" dirty="0">
+                <a:latin typeface="Consolas" panose="020B0609020204030204" pitchFamily="49" charset="0"/>
+                <a:cs typeface="Consolas" panose="020B0609020204030204" pitchFamily="49" charset="0"/>
+              </a:rPr>
+              <a:t> </a:t>
+            </a:r>
+            <a:r>
+              <a:rPr lang="en-US" sz="1400" dirty="0">
+                <a:solidFill>
+                  <a:srgbClr val="00B050"/>
+                </a:solidFill>
+                <a:latin typeface="Consolas" panose="020B0609020204030204" pitchFamily="49" charset="0"/>
+                <a:cs typeface="Consolas" panose="020B0609020204030204" pitchFamily="49" charset="0"/>
+              </a:rPr>
+              <a:t>ls </a:t>
+            </a:r>
+          </a:p>
+          <a:p>
+            <a:pPr marL="0" indent="0">
+              <a:buNone/>
+            </a:pPr>
+            <a:r>
+              <a:rPr lang="en-US" sz="1400" i="1" dirty="0" smtClean="0">
+                <a:latin typeface="Consolas" panose="020B0609020204030204" pitchFamily="49" charset="0"/>
+                <a:cs typeface="Consolas" panose="020B0609020204030204" pitchFamily="49" charset="0"/>
+              </a:rPr>
+              <a:t># If you see familiar files here, let’s create a new directory</a:t>
+            </a:r>
+            <a:endParaRPr lang="en-US" sz="1400" i="1" dirty="0">
+              <a:latin typeface="Consolas" panose="020B0609020204030204" pitchFamily="49" charset="0"/>
+              <a:cs typeface="Consolas" panose="020B0609020204030204" pitchFamily="49" charset="0"/>
+            </a:endParaRPr>
+          </a:p>
+          <a:p>
+            <a:pPr marL="0" indent="0">
+              <a:buNone/>
+            </a:pPr>
+            <a:r>
+              <a:rPr lang="en-US" sz="1400" dirty="0" smtClean="0">
+                <a:solidFill>
+                  <a:schemeClr val="accent6">
+                    <a:lumMod val="40000"/>
+                    <a:lumOff val="60000"/>
+                  </a:schemeClr>
+                </a:solidFill>
+                <a:latin typeface="Consolas" panose="020B0609020204030204" pitchFamily="49" charset="0"/>
+                <a:cs typeface="Consolas" panose="020B0609020204030204" pitchFamily="49" charset="0"/>
+              </a:rPr>
+              <a:t>~$</a:t>
+            </a:r>
+            <a:r>
+              <a:rPr lang="en-US" sz="1400" dirty="0" smtClean="0">
+                <a:latin typeface="Consolas" panose="020B0609020204030204" pitchFamily="49" charset="0"/>
+                <a:cs typeface="Consolas" panose="020B0609020204030204" pitchFamily="49" charset="0"/>
+              </a:rPr>
+              <a:t> </a:t>
+            </a:r>
+            <a:r>
+              <a:rPr lang="en-US" sz="1400" dirty="0" err="1" smtClean="0">
+                <a:solidFill>
+                  <a:srgbClr val="00B050"/>
+                </a:solidFill>
+                <a:latin typeface="Consolas" panose="020B0609020204030204" pitchFamily="49" charset="0"/>
+                <a:cs typeface="Consolas" panose="020B0609020204030204" pitchFamily="49" charset="0"/>
+              </a:rPr>
+              <a:t>mkdir</a:t>
+            </a:r>
+            <a:r>
+              <a:rPr lang="en-US" sz="1400" dirty="0">
+                <a:solidFill>
+                  <a:srgbClr val="00B050"/>
+                </a:solidFill>
+                <a:latin typeface="Consolas" panose="020B0609020204030204" pitchFamily="49" charset="0"/>
+                <a:cs typeface="Consolas" panose="020B0609020204030204" pitchFamily="49" charset="0"/>
+              </a:rPr>
+              <a:t> </a:t>
+            </a:r>
+            <a:r>
+              <a:rPr lang="en-US" sz="1400" dirty="0" err="1" smtClean="0">
+                <a:solidFill>
+                  <a:srgbClr val="00B050"/>
+                </a:solidFill>
+                <a:latin typeface="Consolas" panose="020B0609020204030204" pitchFamily="49" charset="0"/>
+                <a:cs typeface="Consolas" panose="020B0609020204030204" pitchFamily="49" charset="0"/>
+              </a:rPr>
+              <a:t>FirstDirectory</a:t>
+            </a:r>
+            <a:endParaRPr lang="en-US" sz="1400" dirty="0" smtClean="0">
+              <a:solidFill>
+                <a:srgbClr val="00B050"/>
+              </a:solidFill>
+              <a:latin typeface="Consolas" panose="020B0609020204030204" pitchFamily="49" charset="0"/>
+              <a:cs typeface="Consolas" panose="020B0609020204030204" pitchFamily="49" charset="0"/>
+            </a:endParaRPr>
+          </a:p>
+          <a:p>
+            <a:pPr marL="0" indent="0">
+              <a:buNone/>
+            </a:pPr>
+            <a:r>
+              <a:rPr lang="en-US" sz="1400" dirty="0">
+                <a:solidFill>
+                  <a:schemeClr val="accent6">
+                    <a:lumMod val="40000"/>
+                    <a:lumOff val="60000"/>
+                  </a:schemeClr>
+                </a:solidFill>
+                <a:latin typeface="Consolas" panose="020B0609020204030204" pitchFamily="49" charset="0"/>
+                <a:cs typeface="Consolas" panose="020B0609020204030204" pitchFamily="49" charset="0"/>
+              </a:rPr>
+              <a:t>~$</a:t>
+            </a:r>
+            <a:r>
+              <a:rPr lang="en-US" sz="1400" dirty="0">
+                <a:latin typeface="Consolas" panose="020B0609020204030204" pitchFamily="49" charset="0"/>
+                <a:cs typeface="Consolas" panose="020B0609020204030204" pitchFamily="49" charset="0"/>
+              </a:rPr>
+              <a:t> </a:t>
+            </a:r>
+            <a:r>
+              <a:rPr lang="en-US" sz="1400" dirty="0">
+                <a:solidFill>
+                  <a:srgbClr val="00B050"/>
+                </a:solidFill>
+                <a:latin typeface="Consolas" panose="020B0609020204030204" pitchFamily="49" charset="0"/>
+                <a:cs typeface="Consolas" panose="020B0609020204030204" pitchFamily="49" charset="0"/>
+              </a:rPr>
+              <a:t>ls </a:t>
+            </a:r>
+          </a:p>
+          <a:p>
+            <a:pPr marL="0" indent="0">
+              <a:buNone/>
+            </a:pPr>
+            <a:r>
+              <a:rPr lang="en-US" sz="1400" i="1" dirty="0">
+                <a:latin typeface="Consolas" panose="020B0609020204030204" pitchFamily="49" charset="0"/>
+                <a:cs typeface="Consolas" panose="020B0609020204030204" pitchFamily="49" charset="0"/>
+              </a:rPr>
+              <a:t># </a:t>
+            </a:r>
+            <a:r>
+              <a:rPr lang="en-US" sz="1400" i="1" dirty="0" smtClean="0">
+                <a:latin typeface="Consolas" panose="020B0609020204030204" pitchFamily="49" charset="0"/>
+                <a:cs typeface="Consolas" panose="020B0609020204030204" pitchFamily="49" charset="0"/>
+              </a:rPr>
+              <a:t>do you see the new directory here?</a:t>
+            </a:r>
+            <a:endParaRPr lang="en-US" sz="1400" i="1" dirty="0">
+              <a:latin typeface="Consolas" panose="020B0609020204030204" pitchFamily="49" charset="0"/>
+              <a:cs typeface="Consolas" panose="020B0609020204030204" pitchFamily="49" charset="0"/>
+            </a:endParaRPr>
+          </a:p>
+          <a:p>
+            <a:pPr marL="0" indent="0">
+              <a:buNone/>
+            </a:pPr>
+            <a:r>
+              <a:rPr lang="en-US" sz="1400" dirty="0">
+                <a:solidFill>
+                  <a:schemeClr val="accent6">
+                    <a:lumMod val="40000"/>
+                    <a:lumOff val="60000"/>
+                  </a:schemeClr>
+                </a:solidFill>
+                <a:latin typeface="Consolas" panose="020B0609020204030204" pitchFamily="49" charset="0"/>
+                <a:cs typeface="Consolas" panose="020B0609020204030204" pitchFamily="49" charset="0"/>
+              </a:rPr>
+              <a:t>~$</a:t>
+            </a:r>
+            <a:r>
+              <a:rPr lang="en-US" sz="1400" dirty="0">
+                <a:latin typeface="Consolas" panose="020B0609020204030204" pitchFamily="49" charset="0"/>
+                <a:cs typeface="Consolas" panose="020B0609020204030204" pitchFamily="49" charset="0"/>
+              </a:rPr>
+              <a:t> </a:t>
+            </a:r>
+            <a:r>
+              <a:rPr lang="en-US" sz="1400" dirty="0" smtClean="0">
+                <a:solidFill>
+                  <a:srgbClr val="00B050"/>
+                </a:solidFill>
+                <a:latin typeface="Consolas" panose="020B0609020204030204" pitchFamily="49" charset="0"/>
+                <a:cs typeface="Consolas" panose="020B0609020204030204" pitchFamily="49" charset="0"/>
+              </a:rPr>
+              <a:t>man </a:t>
+            </a:r>
+            <a:r>
+              <a:rPr lang="en-US" sz="1400" dirty="0" err="1" smtClean="0">
+                <a:solidFill>
+                  <a:srgbClr val="00B050"/>
+                </a:solidFill>
+                <a:latin typeface="Consolas" panose="020B0609020204030204" pitchFamily="49" charset="0"/>
+                <a:cs typeface="Consolas" panose="020B0609020204030204" pitchFamily="49" charset="0"/>
+              </a:rPr>
+              <a:t>mkdir</a:t>
+            </a:r>
+            <a:endParaRPr lang="en-US" sz="1400" dirty="0">
+              <a:solidFill>
+                <a:srgbClr val="00B050"/>
+              </a:solidFill>
+              <a:latin typeface="Consolas" panose="020B0609020204030204" pitchFamily="49" charset="0"/>
+              <a:cs typeface="Consolas" panose="020B0609020204030204" pitchFamily="49" charset="0"/>
+            </a:endParaRPr>
+          </a:p>
+          <a:p>
+            <a:pPr marL="0" indent="0">
+              <a:buNone/>
+            </a:pPr>
+            <a:r>
+              <a:rPr lang="en-US" sz="1400" i="1" dirty="0" smtClean="0">
+                <a:latin typeface="Consolas" panose="020B0609020204030204" pitchFamily="49" charset="0"/>
+                <a:cs typeface="Consolas" panose="020B0609020204030204" pitchFamily="49" charset="0"/>
+              </a:rPr>
+              <a:t># what options do you think might be useful?</a:t>
+            </a:r>
+            <a:endParaRPr lang="en-US" sz="1400" i="1" dirty="0">
+              <a:latin typeface="Consolas" panose="020B0609020204030204" pitchFamily="49" charset="0"/>
+              <a:cs typeface="Consolas" panose="020B0609020204030204" pitchFamily="49" charset="0"/>
+            </a:endParaRPr>
+          </a:p>
+          <a:p>
+            <a:pPr marL="0" indent="0">
+              <a:buNone/>
+            </a:pPr>
+            <a:r>
+              <a:rPr lang="en-US" sz="1400" i="1" dirty="0">
+                <a:latin typeface="Consolas" panose="020B0609020204030204" pitchFamily="49" charset="0"/>
+                <a:cs typeface="Consolas" panose="020B0609020204030204" pitchFamily="49" charset="0"/>
+              </a:rPr>
+              <a:t># </a:t>
+            </a:r>
+            <a:r>
+              <a:rPr lang="en-US" sz="1400" i="1" dirty="0" smtClean="0">
+                <a:latin typeface="Consolas" panose="020B0609020204030204" pitchFamily="49" charset="0"/>
+                <a:cs typeface="Consolas" panose="020B0609020204030204" pitchFamily="49" charset="0"/>
+              </a:rPr>
+              <a:t>specifically, what does this option do?</a:t>
+            </a:r>
+          </a:p>
+          <a:p>
+            <a:pPr marL="0" indent="0">
+              <a:buNone/>
+            </a:pPr>
+            <a:r>
+              <a:rPr lang="en-US" sz="1400" i="1" dirty="0" smtClean="0">
+                <a:latin typeface="Consolas" panose="020B0609020204030204" pitchFamily="49" charset="0"/>
+                <a:cs typeface="Consolas" panose="020B0609020204030204" pitchFamily="49" charset="0"/>
+              </a:rPr>
+              <a:t># -p </a:t>
+            </a:r>
+            <a:r>
+              <a:rPr lang="en-US" sz="1400" i="1" dirty="0">
+                <a:latin typeface="Consolas" panose="020B0609020204030204" pitchFamily="49" charset="0"/>
+                <a:cs typeface="Consolas" panose="020B0609020204030204" pitchFamily="49" charset="0"/>
+              </a:rPr>
+              <a:t>: make parent </a:t>
+            </a:r>
+            <a:r>
+              <a:rPr lang="en-US" sz="1400" i="1" dirty="0" smtClean="0">
+                <a:latin typeface="Consolas" panose="020B0609020204030204" pitchFamily="49" charset="0"/>
+                <a:cs typeface="Consolas" panose="020B0609020204030204" pitchFamily="49" charset="0"/>
+              </a:rPr>
+              <a:t>directories</a:t>
+            </a:r>
+            <a:endParaRPr lang="en-US" sz="1400" i="1" dirty="0">
+              <a:latin typeface="Consolas" panose="020B0609020204030204" pitchFamily="49" charset="0"/>
+              <a:cs typeface="Consolas" panose="020B0609020204030204" pitchFamily="49" charset="0"/>
+            </a:endParaRPr>
+          </a:p>
+          <a:p>
+            <a:pPr marL="0" indent="0">
+              <a:buNone/>
+            </a:pPr>
+            <a:endParaRPr lang="en-US" sz="1400" i="1" dirty="0">
+              <a:latin typeface="Consolas" panose="020B0609020204030204" pitchFamily="49" charset="0"/>
+              <a:cs typeface="Consolas" panose="020B0609020204030204" pitchFamily="49" charset="0"/>
+            </a:endParaRPr>
           </a:p>
         </p:txBody>
       </p:sp>
     </p:spTree>
     <p:extLst>
       <p:ext uri="{BB962C8B-B14F-4D97-AF65-F5344CB8AC3E}">
-        <p14:creationId xmlns:p14="http://schemas.microsoft.com/office/powerpoint/2010/main" val="2918006035"/>
+        <p14:creationId xmlns:p14="http://schemas.microsoft.com/office/powerpoint/2010/main" val="1745037561"/>
       </p:ext>
     </p:extLst>
   </p:cSld>
@@ -15689,6 +20902,305 @@
           <a:bodyPr/>
           <a:lstStyle/>
           <a:p>
+            <a:r>
+              <a:rPr lang="en-US" dirty="0" smtClean="0"/>
+              <a:t>Pipes and Redirects</a:t>
+            </a:r>
+            <a:endParaRPr lang="en-US" dirty="0"/>
+          </a:p>
+        </p:txBody>
+      </p:sp>
+      <p:sp>
+        <p:nvSpPr>
+          <p:cNvPr id="3" name="Content Placeholder 2"/>
+          <p:cNvSpPr>
+            <a:spLocks noGrp="1"/>
+          </p:cNvSpPr>
+          <p:nvPr>
+            <p:ph idx="1"/>
+          </p:nvPr>
+        </p:nvSpPr>
+        <p:spPr/>
+        <p:txBody>
+          <a:bodyPr/>
+          <a:lstStyle/>
+          <a:p>
+            <a:endParaRPr lang="en-US" dirty="0"/>
+          </a:p>
+        </p:txBody>
+      </p:sp>
+    </p:spTree>
+    <p:extLst>
+      <p:ext uri="{BB962C8B-B14F-4D97-AF65-F5344CB8AC3E}">
+        <p14:creationId xmlns:p14="http://schemas.microsoft.com/office/powerpoint/2010/main" val="4234571050"/>
+      </p:ext>
+    </p:extLst>
+  </p:cSld>
+  <p:clrMapOvr>
+    <a:masterClrMapping/>
+  </p:clrMapOvr>
+  <p:timing>
+    <p:tnLst>
+      <p:par>
+        <p:cTn id="1" dur="indefinite" restart="never" nodeType="tmRoot"/>
+      </p:par>
+    </p:tnLst>
+  </p:timing>
+</p:sld>
+</file>
+
+<file path=ppt/slides/slide35.xml><?xml version="1.0" encoding="utf-8"?>
+<p:sld xmlns:a="http://schemas.openxmlformats.org/drawingml/2006/main" xmlns:r="http://schemas.openxmlformats.org/officeDocument/2006/relationships" xmlns:p="http://schemas.openxmlformats.org/presentationml/2006/main">
+  <p:cSld>
+    <p:spTree>
+      <p:nvGrpSpPr>
+        <p:cNvPr id="1" name=""/>
+        <p:cNvGrpSpPr/>
+        <p:nvPr/>
+      </p:nvGrpSpPr>
+      <p:grpSpPr>
+        <a:xfrm>
+          <a:off x="0" y="0"/>
+          <a:ext cx="0" cy="0"/>
+          <a:chOff x="0" y="0"/>
+          <a:chExt cx="0" cy="0"/>
+        </a:xfrm>
+      </p:grpSpPr>
+      <p:sp>
+        <p:nvSpPr>
+          <p:cNvPr id="2" name="Title 1"/>
+          <p:cNvSpPr>
+            <a:spLocks noGrp="1"/>
+          </p:cNvSpPr>
+          <p:nvPr>
+            <p:ph type="title"/>
+          </p:nvPr>
+        </p:nvSpPr>
+        <p:spPr/>
+        <p:txBody>
+          <a:bodyPr/>
+          <a:lstStyle/>
+          <a:p>
+            <a:r>
+              <a:rPr lang="en-US" dirty="0" smtClean="0"/>
+              <a:t>File permissions and properties</a:t>
+            </a:r>
+            <a:endParaRPr lang="en-US" dirty="0"/>
+          </a:p>
+        </p:txBody>
+      </p:sp>
+      <p:sp>
+        <p:nvSpPr>
+          <p:cNvPr id="3" name="Content Placeholder 2"/>
+          <p:cNvSpPr>
+            <a:spLocks noGrp="1"/>
+          </p:cNvSpPr>
+          <p:nvPr>
+            <p:ph idx="1"/>
+          </p:nvPr>
+        </p:nvSpPr>
+        <p:spPr/>
+        <p:txBody>
+          <a:bodyPr/>
+          <a:lstStyle/>
+          <a:p>
+            <a:endParaRPr lang="en-US"/>
+          </a:p>
+        </p:txBody>
+      </p:sp>
+    </p:spTree>
+    <p:extLst>
+      <p:ext uri="{BB962C8B-B14F-4D97-AF65-F5344CB8AC3E}">
+        <p14:creationId xmlns:p14="http://schemas.microsoft.com/office/powerpoint/2010/main" val="966129105"/>
+      </p:ext>
+    </p:extLst>
+  </p:cSld>
+  <p:clrMapOvr>
+    <a:masterClrMapping/>
+  </p:clrMapOvr>
+  <p:timing>
+    <p:tnLst>
+      <p:par>
+        <p:cTn id="1" dur="indefinite" restart="never" nodeType="tmRoot"/>
+      </p:par>
+    </p:tnLst>
+  </p:timing>
+</p:sld>
+</file>
+
+<file path=ppt/slides/slide36.xml><?xml version="1.0" encoding="utf-8"?>
+<p:sld xmlns:a="http://schemas.openxmlformats.org/drawingml/2006/main" xmlns:r="http://schemas.openxmlformats.org/officeDocument/2006/relationships" xmlns:p="http://schemas.openxmlformats.org/presentationml/2006/main">
+  <p:cSld>
+    <p:spTree>
+      <p:nvGrpSpPr>
+        <p:cNvPr id="1" name=""/>
+        <p:cNvGrpSpPr/>
+        <p:nvPr/>
+      </p:nvGrpSpPr>
+      <p:grpSpPr>
+        <a:xfrm>
+          <a:off x="0" y="0"/>
+          <a:ext cx="0" cy="0"/>
+          <a:chOff x="0" y="0"/>
+          <a:chExt cx="0" cy="0"/>
+        </a:xfrm>
+      </p:grpSpPr>
+      <p:sp>
+        <p:nvSpPr>
+          <p:cNvPr id="2" name="Title 1"/>
+          <p:cNvSpPr>
+            <a:spLocks noGrp="1"/>
+          </p:cNvSpPr>
+          <p:nvPr>
+            <p:ph type="title"/>
+          </p:nvPr>
+        </p:nvSpPr>
+        <p:spPr/>
+        <p:txBody>
+          <a:bodyPr/>
+          <a:lstStyle/>
+          <a:p>
+            <a:r>
+              <a:rPr lang="en-US" dirty="0" smtClean="0"/>
+              <a:t>Processing files</a:t>
+            </a:r>
+            <a:endParaRPr lang="en-US" dirty="0"/>
+          </a:p>
+        </p:txBody>
+      </p:sp>
+      <p:sp>
+        <p:nvSpPr>
+          <p:cNvPr id="3" name="Content Placeholder 2"/>
+          <p:cNvSpPr>
+            <a:spLocks noGrp="1"/>
+          </p:cNvSpPr>
+          <p:nvPr>
+            <p:ph idx="1"/>
+          </p:nvPr>
+        </p:nvSpPr>
+        <p:spPr/>
+        <p:txBody>
+          <a:bodyPr/>
+          <a:lstStyle/>
+          <a:p>
+            <a:r>
+              <a:rPr lang="en-US" dirty="0" smtClean="0"/>
+              <a:t>sort</a:t>
+            </a:r>
+          </a:p>
+          <a:p>
+            <a:r>
+              <a:rPr lang="en-US" dirty="0" err="1" smtClean="0"/>
+              <a:t>uniq</a:t>
+            </a:r>
+            <a:endParaRPr lang="en-US" dirty="0" smtClean="0"/>
+          </a:p>
+          <a:p>
+            <a:r>
+              <a:rPr lang="en-US" dirty="0" smtClean="0"/>
+              <a:t>cut</a:t>
+            </a:r>
+          </a:p>
+          <a:p>
+            <a:r>
+              <a:rPr lang="en-US" dirty="0" smtClean="0"/>
+              <a:t>split</a:t>
+            </a:r>
+          </a:p>
+          <a:p>
+            <a:r>
+              <a:rPr lang="en-US" dirty="0" smtClean="0"/>
+              <a:t>paste</a:t>
+            </a:r>
+          </a:p>
+          <a:p>
+            <a:r>
+              <a:rPr lang="en-US" dirty="0" smtClean="0"/>
+              <a:t>join</a:t>
+            </a:r>
+          </a:p>
+          <a:p>
+            <a:r>
+              <a:rPr lang="en-US" dirty="0" err="1" smtClean="0"/>
+              <a:t>tr</a:t>
+            </a:r>
+            <a:endParaRPr lang="en-US" dirty="0" smtClean="0"/>
+          </a:p>
+          <a:p>
+            <a:r>
+              <a:rPr lang="en-US" dirty="0" err="1" smtClean="0"/>
+              <a:t>wc</a:t>
+            </a:r>
+            <a:endParaRPr lang="en-US" dirty="0" smtClean="0"/>
+          </a:p>
+          <a:p>
+            <a:r>
+              <a:rPr lang="en-US" dirty="0" err="1" smtClean="0"/>
+              <a:t>comm</a:t>
+            </a:r>
+            <a:endParaRPr lang="en-US" dirty="0" smtClean="0"/>
+          </a:p>
+          <a:p>
+            <a:r>
+              <a:rPr lang="en-US" dirty="0" smtClean="0"/>
+              <a:t>diff</a:t>
+            </a:r>
+            <a:endParaRPr lang="en-US" dirty="0"/>
+          </a:p>
+        </p:txBody>
+      </p:sp>
+    </p:spTree>
+    <p:extLst>
+      <p:ext uri="{BB962C8B-B14F-4D97-AF65-F5344CB8AC3E}">
+        <p14:creationId xmlns:p14="http://schemas.microsoft.com/office/powerpoint/2010/main" val="2918006035"/>
+      </p:ext>
+    </p:extLst>
+  </p:cSld>
+  <p:clrMapOvr>
+    <a:masterClrMapping/>
+  </p:clrMapOvr>
+  <p:timing>
+    <p:tnLst>
+      <p:par>
+        <p:cTn id="1" dur="indefinite" restart="never" nodeType="tmRoot"/>
+      </p:par>
+    </p:tnLst>
+  </p:timing>
+</p:sld>
+</file>
+
+<file path=ppt/slides/slide37.xml><?xml version="1.0" encoding="utf-8"?>
+<p:sld xmlns:a="http://schemas.openxmlformats.org/drawingml/2006/main" xmlns:r="http://schemas.openxmlformats.org/officeDocument/2006/relationships" xmlns:p="http://schemas.openxmlformats.org/presentationml/2006/main">
+  <p:cSld>
+    <p:spTree>
+      <p:nvGrpSpPr>
+        <p:cNvPr id="1" name=""/>
+        <p:cNvGrpSpPr/>
+        <p:nvPr/>
+      </p:nvGrpSpPr>
+      <p:grpSpPr>
+        <a:xfrm>
+          <a:off x="0" y="0"/>
+          <a:ext cx="0" cy="0"/>
+          <a:chOff x="0" y="0"/>
+          <a:chExt cx="0" cy="0"/>
+        </a:xfrm>
+      </p:grpSpPr>
+      <p:sp>
+        <p:nvSpPr>
+          <p:cNvPr id="2" name="Title 1"/>
+          <p:cNvSpPr>
+            <a:spLocks noGrp="1"/>
+          </p:cNvSpPr>
+          <p:nvPr>
+            <p:ph type="title"/>
+          </p:nvPr>
+        </p:nvSpPr>
+        <p:spPr/>
+        <p:txBody>
+          <a:bodyPr/>
+          <a:lstStyle/>
+          <a:p>
             <a:endParaRPr lang="en-US"/>
           </a:p>
         </p:txBody>
@@ -15732,7 +21244,7 @@
 </p:sld>
 </file>
 
-<file path=ppt/slides/slide35.xml><?xml version="1.0" encoding="utf-8"?>
+<file path=ppt/slides/slide38.xml><?xml version="1.0" encoding="utf-8"?>
 <p:sld xmlns:a="http://schemas.openxmlformats.org/drawingml/2006/main" xmlns:r="http://schemas.openxmlformats.org/officeDocument/2006/relationships" xmlns:p="http://schemas.openxmlformats.org/presentationml/2006/main">
   <p:cSld>
     <p:spTree>

--- a/slides_workshop_as.pptx
+++ b/slides_workshop_as.pptx
@@ -5,7 +5,7 @@
     <p:sldMasterId id="2147483660" r:id="rId1"/>
   </p:sldMasterIdLst>
   <p:notesMasterIdLst>
-    <p:notesMasterId r:id="rId54"/>
+    <p:notesMasterId r:id="rId55"/>
   </p:notesMasterIdLst>
   <p:sldIdLst>
     <p:sldId id="256" r:id="rId2"/>
@@ -25,9 +25,9 @@
     <p:sldId id="281" r:id="rId16"/>
     <p:sldId id="278" r:id="rId17"/>
     <p:sldId id="279" r:id="rId18"/>
-    <p:sldId id="282" r:id="rId19"/>
-    <p:sldId id="283" r:id="rId20"/>
-    <p:sldId id="258" r:id="rId21"/>
+    <p:sldId id="258" r:id="rId19"/>
+    <p:sldId id="282" r:id="rId20"/>
+    <p:sldId id="283" r:id="rId21"/>
     <p:sldId id="285" r:id="rId22"/>
     <p:sldId id="286" r:id="rId23"/>
     <p:sldId id="288" r:id="rId24"/>
@@ -50,16 +50,17 @@
     <p:sldId id="305" r:id="rId41"/>
     <p:sldId id="264" r:id="rId42"/>
     <p:sldId id="319" r:id="rId43"/>
-    <p:sldId id="265" r:id="rId44"/>
-    <p:sldId id="315" r:id="rId45"/>
-    <p:sldId id="266" r:id="rId46"/>
-    <p:sldId id="309" r:id="rId47"/>
-    <p:sldId id="310" r:id="rId48"/>
-    <p:sldId id="311" r:id="rId49"/>
-    <p:sldId id="312" r:id="rId50"/>
-    <p:sldId id="302" r:id="rId51"/>
-    <p:sldId id="307" r:id="rId52"/>
-    <p:sldId id="308" r:id="rId53"/>
+    <p:sldId id="322" r:id="rId44"/>
+    <p:sldId id="323" r:id="rId45"/>
+    <p:sldId id="324" r:id="rId46"/>
+    <p:sldId id="325" r:id="rId47"/>
+    <p:sldId id="326" r:id="rId48"/>
+    <p:sldId id="266" r:id="rId49"/>
+    <p:sldId id="309" r:id="rId50"/>
+    <p:sldId id="310" r:id="rId51"/>
+    <p:sldId id="311" r:id="rId52"/>
+    <p:sldId id="312" r:id="rId53"/>
+    <p:sldId id="327" r:id="rId54"/>
   </p:sldIdLst>
   <p:sldSz cx="9144000" cy="6858000" type="screen4x3"/>
   <p:notesSz cx="6858000" cy="9144000"/>
@@ -248,7 +249,7 @@
           <a:p>
             <a:fld id="{1D964E40-80CC-4281-9174-1736E9885950}" type="datetimeFigureOut">
               <a:rPr lang="en-US" smtClean="0"/>
-              <a:t>7/4/2015</a:t>
+              <a:t>7/6/2015</a:t>
             </a:fld>
             <a:endParaRPr lang="en-US"/>
           </a:p>
@@ -2266,7 +2267,7 @@
     </p:spTree>
     <p:extLst>
       <p:ext uri="{BB962C8B-B14F-4D97-AF65-F5344CB8AC3E}">
-        <p14:creationId xmlns:p14="http://schemas.microsoft.com/office/powerpoint/2010/main" val="2917289044"/>
+        <p14:creationId xmlns:p14="http://schemas.microsoft.com/office/powerpoint/2010/main" val="4235435848"/>
       </p:ext>
     </p:extLst>
   </p:cSld>
@@ -2363,7 +2364,7 @@
           <a:p>
             <a:fld id="{6B909522-87ED-4F2A-BA5B-D52B564314C4}" type="slidenum">
               <a:rPr lang="en-US" smtClean="0"/>
-              <a:t>46</a:t>
+              <a:t>45</a:t>
             </a:fld>
             <a:endParaRPr lang="en-US"/>
           </a:p>
@@ -2372,7 +2373,7 @@
     </p:spTree>
     <p:extLst>
       <p:ext uri="{BB962C8B-B14F-4D97-AF65-F5344CB8AC3E}">
-        <p14:creationId xmlns:p14="http://schemas.microsoft.com/office/powerpoint/2010/main" val="3328744454"/>
+        <p14:creationId xmlns:p14="http://schemas.microsoft.com/office/powerpoint/2010/main" val="2847209861"/>
       </p:ext>
     </p:extLst>
   </p:cSld>
@@ -2478,7 +2479,7 @@
     </p:spTree>
     <p:extLst>
       <p:ext uri="{BB962C8B-B14F-4D97-AF65-F5344CB8AC3E}">
-        <p14:creationId xmlns:p14="http://schemas.microsoft.com/office/powerpoint/2010/main" val="4150658184"/>
+        <p14:creationId xmlns:p14="http://schemas.microsoft.com/office/powerpoint/2010/main" val="3726902562"/>
       </p:ext>
     </p:extLst>
   </p:cSld>
@@ -2584,7 +2585,7 @@
     </p:spTree>
     <p:extLst>
       <p:ext uri="{BB962C8B-B14F-4D97-AF65-F5344CB8AC3E}">
-        <p14:creationId xmlns:p14="http://schemas.microsoft.com/office/powerpoint/2010/main" val="252053556"/>
+        <p14:creationId xmlns:p14="http://schemas.microsoft.com/office/powerpoint/2010/main" val="3328744454"/>
       </p:ext>
     </p:extLst>
   </p:cSld>
@@ -2681,7 +2682,7 @@
           <a:p>
             <a:fld id="{6B909522-87ED-4F2A-BA5B-D52B564314C4}" type="slidenum">
               <a:rPr lang="en-US" smtClean="0"/>
-              <a:t>51</a:t>
+              <a:t>50</a:t>
             </a:fld>
             <a:endParaRPr lang="en-US"/>
           </a:p>
@@ -2690,7 +2691,7 @@
     </p:spTree>
     <p:extLst>
       <p:ext uri="{BB962C8B-B14F-4D97-AF65-F5344CB8AC3E}">
-        <p14:creationId xmlns:p14="http://schemas.microsoft.com/office/powerpoint/2010/main" val="2891613653"/>
+        <p14:creationId xmlns:p14="http://schemas.microsoft.com/office/powerpoint/2010/main" val="4150658184"/>
       </p:ext>
     </p:extLst>
   </p:cSld>
@@ -2796,7 +2797,7 @@
     </p:spTree>
     <p:extLst>
       <p:ext uri="{BB962C8B-B14F-4D97-AF65-F5344CB8AC3E}">
-        <p14:creationId xmlns:p14="http://schemas.microsoft.com/office/powerpoint/2010/main" val="2077745162"/>
+        <p14:creationId xmlns:p14="http://schemas.microsoft.com/office/powerpoint/2010/main" val="252053556"/>
       </p:ext>
     </p:extLst>
   </p:cSld>
@@ -3473,7 +3474,7 @@
           <a:p>
             <a:fld id="{6B909522-87ED-4F2A-BA5B-D52B564314C4}" type="slidenum">
               <a:rPr lang="en-US" smtClean="0"/>
-              <a:t>19</a:t>
+              <a:t>20</a:t>
             </a:fld>
             <a:endParaRPr lang="en-US"/>
           </a:p>
@@ -13395,7 +13396,7 @@
           <a:p>
             <a:r>
               <a:rPr lang="en-US" dirty="0" smtClean="0"/>
-              <a:t>Getting help</a:t>
+              <a:t>Copy and Move</a:t>
             </a:r>
             <a:endParaRPr lang="en-US" dirty="0"/>
           </a:p>
@@ -13416,47 +13417,159 @@
           <a:bodyPr/>
           <a:lstStyle/>
           <a:p>
-            <a:pPr marL="0" indent="0">
-              <a:buNone/>
-            </a:pPr>
+            <a:r>
+              <a:rPr lang="en-US" dirty="0" smtClean="0"/>
+              <a:t>Two commands, that have similar syntax, but slightly different options:</a:t>
+            </a:r>
+          </a:p>
+          <a:p>
+            <a:pPr lvl="1"/>
+            <a:r>
+              <a:rPr lang="en-US" dirty="0" err="1" smtClean="0">
+                <a:solidFill>
+                  <a:srgbClr val="C00000"/>
+                </a:solidFill>
+              </a:rPr>
+              <a:t>cp</a:t>
+            </a:r>
+            <a:r>
+              <a:rPr lang="en-US" dirty="0" smtClean="0">
+                <a:solidFill>
+                  <a:srgbClr val="C00000"/>
+                </a:solidFill>
+              </a:rPr>
+              <a:t> </a:t>
+            </a:r>
+            <a:r>
+              <a:rPr lang="en-US" dirty="0" smtClean="0"/>
+              <a:t>: </a:t>
+            </a:r>
+            <a:r>
+              <a:rPr lang="en-US" dirty="0" smtClean="0">
+                <a:solidFill>
+                  <a:srgbClr val="C00000"/>
+                </a:solidFill>
+              </a:rPr>
+              <a:t>c</a:t>
+            </a:r>
+            <a:r>
+              <a:rPr lang="en-US" dirty="0" smtClean="0"/>
+              <a:t>o</a:t>
+            </a:r>
+            <a:r>
+              <a:rPr lang="en-US" dirty="0" smtClean="0">
+                <a:solidFill>
+                  <a:srgbClr val="C00000"/>
+                </a:solidFill>
+              </a:rPr>
+              <a:t>p</a:t>
+            </a:r>
+            <a:r>
+              <a:rPr lang="en-US" dirty="0" smtClean="0"/>
+              <a:t>y files and directories</a:t>
+            </a:r>
+            <a:endParaRPr lang="en-US" dirty="0"/>
+          </a:p>
+          <a:p>
+            <a:pPr lvl="1"/>
+            <a:r>
+              <a:rPr lang="en-US" dirty="0" smtClean="0">
+                <a:solidFill>
+                  <a:srgbClr val="C00000"/>
+                </a:solidFill>
+              </a:rPr>
+              <a:t>mv</a:t>
+            </a:r>
+            <a:r>
+              <a:rPr lang="en-US" dirty="0" smtClean="0"/>
+              <a:t> : </a:t>
+            </a:r>
+            <a:r>
+              <a:rPr lang="en-US" dirty="0" smtClean="0">
+                <a:solidFill>
+                  <a:srgbClr val="C00000"/>
+                </a:solidFill>
+              </a:rPr>
+              <a:t>m</a:t>
+            </a:r>
+            <a:r>
+              <a:rPr lang="en-US" dirty="0" smtClean="0"/>
+              <a:t>o</a:t>
+            </a:r>
+            <a:r>
+              <a:rPr lang="en-US" dirty="0" smtClean="0">
+                <a:solidFill>
+                  <a:srgbClr val="C00000"/>
+                </a:solidFill>
+              </a:rPr>
+              <a:t>v</a:t>
+            </a:r>
+            <a:r>
+              <a:rPr lang="en-US" dirty="0" smtClean="0"/>
+              <a:t>e or rename files </a:t>
+            </a:r>
             <a:r>
               <a:rPr lang="en-US" dirty="0"/>
-              <a:t>How do you keep track of all the options for every single command? Luckily, there is manual page for each of </a:t>
+              <a:t>and </a:t>
             </a:r>
             <a:r>
               <a:rPr lang="en-US" dirty="0" smtClean="0"/>
-              <a:t>them!</a:t>
-            </a:r>
-          </a:p>
-          <a:p>
-            <a:pPr marL="257175" lvl="1" indent="0">
-              <a:buNone/>
-            </a:pPr>
+              <a:t>directories</a:t>
+            </a:r>
+          </a:p>
+          <a:p>
+            <a:r>
+              <a:rPr lang="en-US" dirty="0" smtClean="0"/>
+              <a:t>Syntax for both these commands are as follows:</a:t>
+            </a:r>
+          </a:p>
+          <a:p>
+            <a:pPr lvl="1"/>
+            <a:r>
+              <a:rPr lang="en-US" dirty="0" err="1" smtClean="0"/>
+              <a:t>cp</a:t>
+            </a:r>
+            <a:r>
+              <a:rPr lang="en-US" dirty="0" smtClean="0"/>
+              <a:t> </a:t>
+            </a:r>
             <a:r>
               <a:rPr lang="en-US" dirty="0" smtClean="0">
                 <a:solidFill>
                   <a:srgbClr val="C00000"/>
                 </a:solidFill>
-                <a:ea typeface="DejaVu Sans Mono" panose="020B0609030804020204" pitchFamily="49" charset="0"/>
-              </a:rPr>
-              <a:t>man </a:t>
-            </a:r>
-            <a:r>
-              <a:rPr lang="en-US" i="1" dirty="0">
+              </a:rPr>
+              <a:t>Source</a:t>
+            </a:r>
+            <a:r>
+              <a:rPr lang="en-US" dirty="0" smtClean="0"/>
+              <a:t> </a:t>
+            </a:r>
+            <a:r>
+              <a:rPr lang="en-US" dirty="0" smtClean="0">
                 <a:solidFill>
                   <a:srgbClr val="C00000"/>
                 </a:solidFill>
-                <a:ea typeface="DejaVu Sans Mono" panose="020B0609030804020204" pitchFamily="49" charset="0"/>
-              </a:rPr>
-              <a:t>command </a:t>
-            </a:r>
-            <a:r>
-              <a:rPr lang="en-US" i="1" dirty="0" smtClean="0">
+              </a:rPr>
+              <a:t>Destination</a:t>
+            </a:r>
+          </a:p>
+          <a:p>
+            <a:pPr lvl="1"/>
+            <a:r>
+              <a:rPr lang="en-US" dirty="0"/>
+              <a:t>mv </a:t>
+            </a:r>
+            <a:r>
+              <a:rPr lang="en-US" dirty="0" smtClean="0">
                 <a:solidFill>
                   <a:srgbClr val="C00000"/>
                 </a:solidFill>
-                <a:ea typeface="DejaVu Sans Mono" panose="020B0609030804020204" pitchFamily="49" charset="0"/>
-              </a:rPr>
+              </a:rPr>
+              <a:t>Source</a:t>
+            </a:r>
+            <a:r>
+              <a:rPr lang="en-US" dirty="0" smtClean="0"/>
               <a:t> </a:t>
             </a:r>
             <a:r>
@@ -13464,124 +13577,29 @@
                 <a:solidFill>
                   <a:srgbClr val="C00000"/>
                 </a:solidFill>
-                <a:ea typeface="DejaVu Sans Mono" panose="020B0609030804020204" pitchFamily="49" charset="0"/>
-              </a:rPr>
-              <a:t>:</a:t>
-            </a:r>
-            <a:r>
-              <a:rPr lang="en-US" dirty="0">
-                <a:solidFill>
-                  <a:srgbClr val="C00000"/>
-                </a:solidFill>
-                <a:ea typeface="DejaVu Sans Mono" panose="020B0609030804020204" pitchFamily="49" charset="0"/>
-              </a:rPr>
-              <a:t>	</a:t>
-            </a:r>
-            <a:r>
-              <a:rPr lang="en-US" dirty="0"/>
-              <a:t>show the man page of a </a:t>
-            </a:r>
+              </a:rPr>
+              <a:t>Destination</a:t>
+            </a:r>
+          </a:p>
+          <a:p>
             <a:r>
               <a:rPr lang="en-US" dirty="0" smtClean="0"/>
-              <a:t>command</a:t>
-            </a:r>
-          </a:p>
-          <a:p>
-            <a:pPr marL="257175" lvl="1" indent="0">
-              <a:buNone/>
-            </a:pPr>
-            <a:r>
-              <a:rPr lang="en-US" i="1" dirty="0">
-                <a:solidFill>
-                  <a:srgbClr val="C00000"/>
-                </a:solidFill>
-                <a:ea typeface="DejaVu Sans Mono" panose="020B0609030804020204" pitchFamily="49" charset="0"/>
-              </a:rPr>
-              <a:t>command</a:t>
-            </a:r>
-            <a:r>
-              <a:rPr lang="en-US" dirty="0">
-                <a:solidFill>
-                  <a:srgbClr val="C00000"/>
-                </a:solidFill>
-                <a:ea typeface="DejaVu Sans Mono" panose="020B0609030804020204" pitchFamily="49" charset="0"/>
-              </a:rPr>
-              <a:t>  </a:t>
-            </a:r>
-            <a:r>
-              <a:rPr lang="en-US" dirty="0" smtClean="0">
-                <a:solidFill>
-                  <a:srgbClr val="C00000"/>
-                </a:solidFill>
-                <a:ea typeface="DejaVu Sans Mono" panose="020B0609030804020204" pitchFamily="49" charset="0"/>
-              </a:rPr>
-              <a:t>--help </a:t>
-            </a:r>
-            <a:r>
-              <a:rPr lang="en-US" dirty="0">
-                <a:solidFill>
-                  <a:srgbClr val="C00000"/>
-                </a:solidFill>
-                <a:ea typeface="DejaVu Sans Mono" panose="020B0609030804020204" pitchFamily="49" charset="0"/>
-              </a:rPr>
-              <a:t>: </a:t>
-            </a:r>
+              <a:t>You can use, absolute path, relative path or no path at all for these commands.</a:t>
+            </a:r>
+          </a:p>
+          <a:p>
             <a:r>
               <a:rPr lang="en-US" dirty="0" smtClean="0"/>
-              <a:t>show </a:t>
-            </a:r>
-            <a:r>
-              <a:rPr lang="en-US" dirty="0"/>
-              <a:t>a brief help </a:t>
-            </a:r>
-            <a:r>
-              <a:rPr lang="en-US" dirty="0" smtClean="0"/>
-              <a:t>text (some commands)</a:t>
+              <a:t>Lets try out some examples:</a:t>
             </a:r>
             <a:endParaRPr lang="en-US" dirty="0"/>
-          </a:p>
-          <a:p>
-            <a:pPr marL="257175" lvl="1" indent="0">
-              <a:buNone/>
-            </a:pPr>
-            <a:endParaRPr lang="en-US" dirty="0"/>
-          </a:p>
-          <a:p>
-            <a:pPr marL="257175" lvl="1" indent="0">
-              <a:buNone/>
-            </a:pPr>
-            <a:r>
-              <a:rPr lang="en-US" dirty="0" smtClean="0"/>
-              <a:t>Try this for the commands you just learnt!</a:t>
-            </a:r>
-          </a:p>
-          <a:p>
-            <a:pPr marL="257175" lvl="1" indent="0">
-              <a:buNone/>
-            </a:pPr>
-            <a:endParaRPr lang="en-US" dirty="0"/>
-          </a:p>
-          <a:p>
-            <a:pPr marL="257175" lvl="1" indent="0">
-              <a:buNone/>
-            </a:pPr>
-            <a:r>
-              <a:rPr lang="en-US" dirty="0" smtClean="0"/>
-              <a:t>Yes, there is a man page for man command as well!</a:t>
-            </a:r>
-          </a:p>
-          <a:p>
-            <a:pPr marL="257175" lvl="1" indent="0">
-              <a:buNone/>
-            </a:pPr>
-            <a:endParaRPr lang="en-US" dirty="0" smtClean="0"/>
           </a:p>
         </p:txBody>
       </p:sp>
     </p:spTree>
     <p:extLst>
       <p:ext uri="{BB962C8B-B14F-4D97-AF65-F5344CB8AC3E}">
-        <p14:creationId xmlns:p14="http://schemas.microsoft.com/office/powerpoint/2010/main" val="2497496026"/>
+        <p14:creationId xmlns:p14="http://schemas.microsoft.com/office/powerpoint/2010/main" val="2998891967"/>
       </p:ext>
     </p:extLst>
   </p:cSld>
@@ -13631,9 +13649,10 @@
           <a:lstStyle/>
           <a:p>
             <a:r>
-              <a:rPr lang="en-US" dirty="0"/>
+              <a:rPr lang="en-US" dirty="0" smtClean="0"/>
               <a:t>Getting help</a:t>
             </a:r>
+            <a:endParaRPr lang="en-US" dirty="0"/>
           </a:p>
         </p:txBody>
       </p:sp>
@@ -13647,15 +13666,7 @@
             <p:ph idx="1"/>
           </p:nvPr>
         </p:nvSpPr>
-        <p:spPr>
-          <a:xfrm>
-            <a:off x="97654" y="1295399"/>
-            <a:ext cx="8939814" cy="5034379"/>
-          </a:xfrm>
-          <a:solidFill>
-            <a:schemeClr val="tx1"/>
-          </a:solidFill>
-        </p:spPr>
+        <p:spPr/>
         <p:txBody>
           <a:bodyPr/>
           <a:lstStyle/>
@@ -13664,348 +13675,168 @@
               <a:buNone/>
             </a:pPr>
             <a:r>
-              <a:rPr lang="en-US" sz="1400" i="1" dirty="0" smtClean="0">
-                <a:latin typeface="Consolas" panose="020B0609020204030204" pitchFamily="49" charset="0"/>
-                <a:cs typeface="Consolas" panose="020B0609020204030204" pitchFamily="49" charset="0"/>
-              </a:rPr>
-              <a:t># Let’s look at an example, open man page for the ls command</a:t>
-            </a:r>
-          </a:p>
-          <a:p>
-            <a:pPr marL="0" indent="0">
-              <a:buNone/>
-            </a:pPr>
-            <a:r>
-              <a:rPr lang="en-US" sz="1400" dirty="0" smtClean="0">
-                <a:solidFill>
-                  <a:schemeClr val="accent6">
-                    <a:lumMod val="40000"/>
-                    <a:lumOff val="60000"/>
-                  </a:schemeClr>
-                </a:solidFill>
-                <a:latin typeface="Consolas" panose="020B0609020204030204" pitchFamily="49" charset="0"/>
-                <a:cs typeface="Consolas" panose="020B0609020204030204" pitchFamily="49" charset="0"/>
-              </a:rPr>
-              <a:t>~$</a:t>
-            </a:r>
-            <a:r>
-              <a:rPr lang="en-US" sz="1400" dirty="0" smtClean="0">
-                <a:latin typeface="Consolas" panose="020B0609020204030204" pitchFamily="49" charset="0"/>
-                <a:cs typeface="Consolas" panose="020B0609020204030204" pitchFamily="49" charset="0"/>
+              <a:rPr lang="en-US" dirty="0"/>
+              <a:t>How do you keep track of all the options for every single command? Luckily, there is manual page for each of </a:t>
+            </a:r>
+            <a:r>
+              <a:rPr lang="en-US" dirty="0" smtClean="0"/>
+              <a:t>them!</a:t>
+            </a:r>
+          </a:p>
+          <a:p>
+            <a:pPr marL="257175" lvl="1" indent="0">
+              <a:buNone/>
+            </a:pPr>
+            <a:r>
+              <a:rPr lang="en-US" dirty="0" smtClean="0">
+                <a:solidFill>
+                  <a:srgbClr val="C00000"/>
+                </a:solidFill>
+                <a:ea typeface="DejaVu Sans Mono" panose="020B0609030804020204" pitchFamily="49" charset="0"/>
+              </a:rPr>
+              <a:t>man </a:t>
+            </a:r>
+            <a:r>
+              <a:rPr lang="en-US" i="1" dirty="0">
+                <a:solidFill>
+                  <a:srgbClr val="C00000"/>
+                </a:solidFill>
+                <a:ea typeface="DejaVu Sans Mono" panose="020B0609030804020204" pitchFamily="49" charset="0"/>
+              </a:rPr>
+              <a:t>command </a:t>
+            </a:r>
+            <a:r>
+              <a:rPr lang="en-US" i="1" dirty="0" smtClean="0">
+                <a:solidFill>
+                  <a:srgbClr val="C00000"/>
+                </a:solidFill>
+                <a:ea typeface="DejaVu Sans Mono" panose="020B0609030804020204" pitchFamily="49" charset="0"/>
               </a:rPr>
               <a:t> </a:t>
             </a:r>
             <a:r>
-              <a:rPr lang="en-US" sz="1400" dirty="0" smtClean="0">
-                <a:solidFill>
-                  <a:srgbClr val="00B050"/>
-                </a:solidFill>
-                <a:latin typeface="Consolas" panose="020B0609020204030204" pitchFamily="49" charset="0"/>
-                <a:cs typeface="Consolas" panose="020B0609020204030204" pitchFamily="49" charset="0"/>
-              </a:rPr>
-              <a:t>man ls</a:t>
-            </a:r>
-          </a:p>
-          <a:p>
-            <a:pPr marL="0" indent="0">
-              <a:buNone/>
-            </a:pPr>
-            <a:r>
-              <a:rPr lang="en-US" sz="1400" dirty="0">
-                <a:solidFill>
-                  <a:srgbClr val="00B050"/>
-                </a:solidFill>
-                <a:latin typeface="Consolas" panose="020B0609020204030204" pitchFamily="49" charset="0"/>
-                <a:cs typeface="Consolas" panose="020B0609020204030204" pitchFamily="49" charset="0"/>
-              </a:rPr>
-              <a:t>LS(1)                            User Commands                           LS(1)</a:t>
-            </a:r>
-          </a:p>
-          <a:p>
-            <a:pPr marL="0" indent="0">
-              <a:buNone/>
-            </a:pPr>
-            <a:endParaRPr lang="en-US" sz="1400" dirty="0">
-              <a:solidFill>
-                <a:srgbClr val="00B050"/>
-              </a:solidFill>
-              <a:latin typeface="Consolas" panose="020B0609020204030204" pitchFamily="49" charset="0"/>
-              <a:cs typeface="Consolas" panose="020B0609020204030204" pitchFamily="49" charset="0"/>
-            </a:endParaRPr>
-          </a:p>
-          <a:p>
-            <a:pPr marL="0" indent="0">
-              <a:buNone/>
-            </a:pPr>
-            <a:r>
-              <a:rPr lang="en-US" sz="1400" dirty="0">
-                <a:solidFill>
-                  <a:srgbClr val="00B050"/>
-                </a:solidFill>
-                <a:latin typeface="Consolas" panose="020B0609020204030204" pitchFamily="49" charset="0"/>
-                <a:cs typeface="Consolas" panose="020B0609020204030204" pitchFamily="49" charset="0"/>
-              </a:rPr>
-              <a:t>NAME</a:t>
-            </a:r>
-          </a:p>
-          <a:p>
-            <a:pPr marL="0" indent="0">
-              <a:buNone/>
-            </a:pPr>
-            <a:r>
-              <a:rPr lang="en-US" sz="1400" dirty="0">
-                <a:solidFill>
-                  <a:srgbClr val="00B050"/>
-                </a:solidFill>
-                <a:latin typeface="Consolas" panose="020B0609020204030204" pitchFamily="49" charset="0"/>
-                <a:cs typeface="Consolas" panose="020B0609020204030204" pitchFamily="49" charset="0"/>
-              </a:rPr>
-              <a:t>       ls - list directory contents</a:t>
-            </a:r>
-          </a:p>
-          <a:p>
-            <a:pPr marL="0" indent="0">
-              <a:buNone/>
-            </a:pPr>
-            <a:endParaRPr lang="en-US" sz="1400" dirty="0">
-              <a:solidFill>
-                <a:srgbClr val="00B050"/>
-              </a:solidFill>
-              <a:latin typeface="Consolas" panose="020B0609020204030204" pitchFamily="49" charset="0"/>
-              <a:cs typeface="Consolas" panose="020B0609020204030204" pitchFamily="49" charset="0"/>
-            </a:endParaRPr>
-          </a:p>
-          <a:p>
-            <a:pPr marL="0" indent="0">
-              <a:buNone/>
-            </a:pPr>
-            <a:r>
-              <a:rPr lang="en-US" sz="1400" dirty="0">
-                <a:solidFill>
-                  <a:srgbClr val="00B050"/>
-                </a:solidFill>
-                <a:latin typeface="Consolas" panose="020B0609020204030204" pitchFamily="49" charset="0"/>
-                <a:cs typeface="Consolas" panose="020B0609020204030204" pitchFamily="49" charset="0"/>
-              </a:rPr>
-              <a:t>SYNOPSIS</a:t>
-            </a:r>
-          </a:p>
-          <a:p>
-            <a:pPr marL="0" indent="0">
-              <a:buNone/>
-            </a:pPr>
-            <a:r>
-              <a:rPr lang="en-US" sz="1400" dirty="0">
-                <a:solidFill>
-                  <a:srgbClr val="00B050"/>
-                </a:solidFill>
-                <a:latin typeface="Consolas" panose="020B0609020204030204" pitchFamily="49" charset="0"/>
-                <a:cs typeface="Consolas" panose="020B0609020204030204" pitchFamily="49" charset="0"/>
-              </a:rPr>
-              <a:t>       ls [OPTION]... [FILE]...</a:t>
-            </a:r>
-          </a:p>
-          <a:p>
-            <a:pPr marL="0" indent="0">
-              <a:buNone/>
-            </a:pPr>
-            <a:endParaRPr lang="en-US" sz="1400" dirty="0">
-              <a:solidFill>
-                <a:srgbClr val="00B050"/>
-              </a:solidFill>
-              <a:latin typeface="Consolas" panose="020B0609020204030204" pitchFamily="49" charset="0"/>
-              <a:cs typeface="Consolas" panose="020B0609020204030204" pitchFamily="49" charset="0"/>
-            </a:endParaRPr>
-          </a:p>
-          <a:p>
-            <a:pPr marL="0" indent="0">
-              <a:buNone/>
-            </a:pPr>
-            <a:r>
-              <a:rPr lang="en-US" sz="1400" dirty="0">
-                <a:solidFill>
-                  <a:srgbClr val="00B050"/>
-                </a:solidFill>
-                <a:latin typeface="Consolas" panose="020B0609020204030204" pitchFamily="49" charset="0"/>
-                <a:cs typeface="Consolas" panose="020B0609020204030204" pitchFamily="49" charset="0"/>
-              </a:rPr>
-              <a:t>DESCRIPTION</a:t>
-            </a:r>
-          </a:p>
-          <a:p>
-            <a:pPr marL="0" indent="0">
-              <a:buNone/>
-            </a:pPr>
-            <a:r>
-              <a:rPr lang="en-US" sz="1400" dirty="0">
-                <a:solidFill>
-                  <a:srgbClr val="00B050"/>
-                </a:solidFill>
-                <a:latin typeface="Consolas" panose="020B0609020204030204" pitchFamily="49" charset="0"/>
-                <a:cs typeface="Consolas" panose="020B0609020204030204" pitchFamily="49" charset="0"/>
-              </a:rPr>
-              <a:t>       List information about the FILEs (the current directory by default).  Sort entries alphabetically if none of -</a:t>
-            </a:r>
-            <a:r>
-              <a:rPr lang="en-US" sz="1400" dirty="0" err="1">
-                <a:solidFill>
-                  <a:srgbClr val="00B050"/>
-                </a:solidFill>
-                <a:latin typeface="Consolas" panose="020B0609020204030204" pitchFamily="49" charset="0"/>
-                <a:cs typeface="Consolas" panose="020B0609020204030204" pitchFamily="49" charset="0"/>
-              </a:rPr>
-              <a:t>cftuvSUX</a:t>
-            </a:r>
-            <a:r>
-              <a:rPr lang="en-US" sz="1400" dirty="0">
-                <a:solidFill>
-                  <a:srgbClr val="00B050"/>
-                </a:solidFill>
-                <a:latin typeface="Consolas" panose="020B0609020204030204" pitchFamily="49" charset="0"/>
-                <a:cs typeface="Consolas" panose="020B0609020204030204" pitchFamily="49" charset="0"/>
-              </a:rPr>
-              <a:t> nor --sort.</a:t>
-            </a:r>
-          </a:p>
-          <a:p>
-            <a:pPr marL="0" indent="0">
-              <a:buNone/>
-            </a:pPr>
-            <a:endParaRPr lang="en-US" sz="1400" dirty="0">
-              <a:solidFill>
-                <a:srgbClr val="00B050"/>
-              </a:solidFill>
-              <a:latin typeface="Consolas" panose="020B0609020204030204" pitchFamily="49" charset="0"/>
-              <a:cs typeface="Consolas" panose="020B0609020204030204" pitchFamily="49" charset="0"/>
-            </a:endParaRPr>
-          </a:p>
-          <a:p>
-            <a:pPr marL="0" indent="0">
-              <a:buNone/>
-            </a:pPr>
-            <a:r>
-              <a:rPr lang="en-US" sz="1400" dirty="0">
-                <a:solidFill>
-                  <a:srgbClr val="00B050"/>
-                </a:solidFill>
-                <a:latin typeface="Consolas" panose="020B0609020204030204" pitchFamily="49" charset="0"/>
-                <a:cs typeface="Consolas" panose="020B0609020204030204" pitchFamily="49" charset="0"/>
-              </a:rPr>
-              <a:t>       Mandatory arguments to long options are mandatory for short options too.</a:t>
-            </a:r>
-          </a:p>
-          <a:p>
-            <a:pPr marL="0" indent="0">
-              <a:buNone/>
-            </a:pPr>
-            <a:endParaRPr lang="en-US" sz="1400" dirty="0">
-              <a:solidFill>
-                <a:srgbClr val="00B050"/>
-              </a:solidFill>
-              <a:latin typeface="Consolas" panose="020B0609020204030204" pitchFamily="49" charset="0"/>
-              <a:cs typeface="Consolas" panose="020B0609020204030204" pitchFamily="49" charset="0"/>
-            </a:endParaRPr>
-          </a:p>
-          <a:p>
-            <a:pPr marL="0" indent="0">
-              <a:buNone/>
-            </a:pPr>
-            <a:r>
-              <a:rPr lang="en-US" sz="1400" dirty="0">
-                <a:solidFill>
-                  <a:srgbClr val="00B050"/>
-                </a:solidFill>
-                <a:latin typeface="Consolas" panose="020B0609020204030204" pitchFamily="49" charset="0"/>
-                <a:cs typeface="Consolas" panose="020B0609020204030204" pitchFamily="49" charset="0"/>
-              </a:rPr>
-              <a:t>       -a, --all</a:t>
-            </a:r>
-          </a:p>
-          <a:p>
-            <a:pPr marL="0" indent="0">
-              <a:buNone/>
-            </a:pPr>
-            <a:r>
-              <a:rPr lang="en-US" sz="1400" dirty="0">
-                <a:solidFill>
-                  <a:srgbClr val="00B050"/>
-                </a:solidFill>
-                <a:latin typeface="Consolas" panose="020B0609020204030204" pitchFamily="49" charset="0"/>
-                <a:cs typeface="Consolas" panose="020B0609020204030204" pitchFamily="49" charset="0"/>
-              </a:rPr>
-              <a:t>              do not ignore entries starting with .</a:t>
-            </a:r>
-          </a:p>
-          <a:p>
-            <a:pPr marL="0" indent="0">
-              <a:buNone/>
-            </a:pPr>
-            <a:endParaRPr lang="en-US" sz="1400" dirty="0">
-              <a:solidFill>
-                <a:srgbClr val="00B050"/>
-              </a:solidFill>
-              <a:latin typeface="Consolas" panose="020B0609020204030204" pitchFamily="49" charset="0"/>
-              <a:cs typeface="Consolas" panose="020B0609020204030204" pitchFamily="49" charset="0"/>
-            </a:endParaRPr>
-          </a:p>
-        </p:txBody>
-      </p:sp>
-      <p:sp>
-        <p:nvSpPr>
-          <p:cNvPr id="4" name="TextBox 3"/>
-          <p:cNvSpPr txBox="1"/>
-          <p:nvPr/>
-        </p:nvSpPr>
-        <p:spPr>
-          <a:xfrm>
-            <a:off x="6736465" y="5787341"/>
-            <a:ext cx="1784737" cy="307777"/>
-          </a:xfrm>
-          <a:prstGeom prst="rect">
-            <a:avLst/>
-          </a:prstGeom>
-          <a:solidFill>
-            <a:srgbClr val="FFFFFF"/>
-          </a:solidFill>
-          <a:ln>
-            <a:solidFill>
-              <a:schemeClr val="tx1"/>
-            </a:solidFill>
-          </a:ln>
-          <a:effectLst>
-            <a:glow rad="101600">
-              <a:schemeClr val="accent4">
-                <a:satMod val="175000"/>
-                <a:alpha val="40000"/>
-              </a:schemeClr>
-            </a:glow>
-          </a:effectLst>
-        </p:spPr>
-        <p:txBody>
-          <a:bodyPr wrap="square" rtlCol="0">
-            <a:spAutoFit/>
-          </a:bodyPr>
-          <a:lstStyle/>
-          <a:p>
-            <a:pPr algn="ctr"/>
-            <a:r>
-              <a:rPr lang="en-US" sz="1400" dirty="0" smtClean="0">
-                <a:latin typeface="Segoe UI Semilight" panose="020B0402040204020203" pitchFamily="34" charset="0"/>
-                <a:cs typeface="Segoe UI Semilight" panose="020B0402040204020203" pitchFamily="34" charset="0"/>
-              </a:rPr>
-              <a:t>To EXIT, press ‘q’</a:t>
-            </a:r>
-            <a:endParaRPr lang="en-US" sz="1400" dirty="0">
-              <a:latin typeface="Segoe UI Semilight" panose="020B0402040204020203" pitchFamily="34" charset="0"/>
-              <a:cs typeface="Segoe UI Semilight" panose="020B0402040204020203" pitchFamily="34" charset="0"/>
-            </a:endParaRPr>
+              <a:rPr lang="en-US" dirty="0" smtClean="0">
+                <a:solidFill>
+                  <a:srgbClr val="C00000"/>
+                </a:solidFill>
+                <a:ea typeface="DejaVu Sans Mono" panose="020B0609030804020204" pitchFamily="49" charset="0"/>
+              </a:rPr>
+              <a:t>:</a:t>
+            </a:r>
+            <a:r>
+              <a:rPr lang="en-US" dirty="0">
+                <a:solidFill>
+                  <a:srgbClr val="C00000"/>
+                </a:solidFill>
+                <a:ea typeface="DejaVu Sans Mono" panose="020B0609030804020204" pitchFamily="49" charset="0"/>
+              </a:rPr>
+              <a:t>	</a:t>
+            </a:r>
+            <a:r>
+              <a:rPr lang="en-US" dirty="0"/>
+              <a:t>show the man page of a </a:t>
+            </a:r>
+            <a:r>
+              <a:rPr lang="en-US" dirty="0" smtClean="0"/>
+              <a:t>command</a:t>
+            </a:r>
+          </a:p>
+          <a:p>
+            <a:pPr marL="257175" lvl="1" indent="0">
+              <a:buNone/>
+            </a:pPr>
+            <a:r>
+              <a:rPr lang="en-US" i="1" dirty="0">
+                <a:solidFill>
+                  <a:srgbClr val="C00000"/>
+                </a:solidFill>
+                <a:ea typeface="DejaVu Sans Mono" panose="020B0609030804020204" pitchFamily="49" charset="0"/>
+              </a:rPr>
+              <a:t>command</a:t>
+            </a:r>
+            <a:r>
+              <a:rPr lang="en-US" dirty="0">
+                <a:solidFill>
+                  <a:srgbClr val="C00000"/>
+                </a:solidFill>
+                <a:ea typeface="DejaVu Sans Mono" panose="020B0609030804020204" pitchFamily="49" charset="0"/>
+              </a:rPr>
+              <a:t>  </a:t>
+            </a:r>
+            <a:r>
+              <a:rPr lang="en-US" dirty="0" smtClean="0">
+                <a:solidFill>
+                  <a:srgbClr val="C00000"/>
+                </a:solidFill>
+                <a:ea typeface="DejaVu Sans Mono" panose="020B0609030804020204" pitchFamily="49" charset="0"/>
+              </a:rPr>
+              <a:t>--help </a:t>
+            </a:r>
+            <a:r>
+              <a:rPr lang="en-US" dirty="0">
+                <a:solidFill>
+                  <a:srgbClr val="C00000"/>
+                </a:solidFill>
+                <a:ea typeface="DejaVu Sans Mono" panose="020B0609030804020204" pitchFamily="49" charset="0"/>
+              </a:rPr>
+              <a:t>: </a:t>
+            </a:r>
+            <a:r>
+              <a:rPr lang="en-US" dirty="0" smtClean="0"/>
+              <a:t>show </a:t>
+            </a:r>
+            <a:r>
+              <a:rPr lang="en-US" dirty="0"/>
+              <a:t>a brief help </a:t>
+            </a:r>
+            <a:r>
+              <a:rPr lang="en-US" dirty="0" smtClean="0"/>
+              <a:t>text (some commands)</a:t>
+            </a:r>
+            <a:endParaRPr lang="en-US" dirty="0"/>
+          </a:p>
+          <a:p>
+            <a:pPr marL="257175" lvl="1" indent="0">
+              <a:buNone/>
+            </a:pPr>
+            <a:endParaRPr lang="en-US" dirty="0"/>
+          </a:p>
+          <a:p>
+            <a:pPr marL="257175" lvl="1" indent="0">
+              <a:buNone/>
+            </a:pPr>
+            <a:r>
+              <a:rPr lang="en-US" dirty="0" smtClean="0"/>
+              <a:t>Try this for the commands you just learnt!</a:t>
+            </a:r>
+          </a:p>
+          <a:p>
+            <a:pPr marL="257175" lvl="1" indent="0">
+              <a:buNone/>
+            </a:pPr>
+            <a:endParaRPr lang="en-US" dirty="0"/>
+          </a:p>
+          <a:p>
+            <a:pPr marL="257175" lvl="1" indent="0">
+              <a:buNone/>
+            </a:pPr>
+            <a:r>
+              <a:rPr lang="en-US" dirty="0" smtClean="0"/>
+              <a:t>Yes, there is a man page for man command as well!</a:t>
+            </a:r>
+          </a:p>
+          <a:p>
+            <a:pPr marL="257175" lvl="1" indent="0">
+              <a:buNone/>
+            </a:pPr>
+            <a:endParaRPr lang="en-US" dirty="0" smtClean="0"/>
           </a:p>
         </p:txBody>
       </p:sp>
     </p:spTree>
     <p:extLst>
       <p:ext uri="{BB962C8B-B14F-4D97-AF65-F5344CB8AC3E}">
-        <p14:creationId xmlns:p14="http://schemas.microsoft.com/office/powerpoint/2010/main" val="1236401030"/>
+        <p14:creationId xmlns:p14="http://schemas.microsoft.com/office/powerpoint/2010/main" val="2497496026"/>
       </p:ext>
     </p:extLst>
   </p:cSld>
@@ -14134,10 +13965,9 @@
           <a:lstStyle/>
           <a:p>
             <a:r>
-              <a:rPr lang="en-US" dirty="0" smtClean="0"/>
-              <a:t>Copy and Move</a:t>
-            </a:r>
-            <a:endParaRPr lang="en-US" dirty="0"/>
+              <a:rPr lang="en-US" dirty="0"/>
+              <a:t>Getting help</a:t>
+            </a:r>
           </a:p>
         </p:txBody>
       </p:sp>
@@ -14151,194 +13981,365 @@
             <p:ph idx="1"/>
           </p:nvPr>
         </p:nvSpPr>
-        <p:spPr/>
+        <p:spPr>
+          <a:xfrm>
+            <a:off x="97654" y="1295399"/>
+            <a:ext cx="8939814" cy="5034379"/>
+          </a:xfrm>
+          <a:solidFill>
+            <a:schemeClr val="tx1"/>
+          </a:solidFill>
+        </p:spPr>
         <p:txBody>
           <a:bodyPr/>
           <a:lstStyle/>
           <a:p>
-            <a:r>
-              <a:rPr lang="en-US" dirty="0" smtClean="0"/>
-              <a:t>Two commands, that have similar syntax, but slightly different options:</a:t>
-            </a:r>
-          </a:p>
-          <a:p>
-            <a:pPr lvl="1"/>
-            <a:r>
-              <a:rPr lang="en-US" dirty="0" err="1" smtClean="0">
-                <a:solidFill>
-                  <a:srgbClr val="C00000"/>
-                </a:solidFill>
-              </a:rPr>
-              <a:t>cp</a:t>
-            </a:r>
-            <a:r>
-              <a:rPr lang="en-US" dirty="0" smtClean="0">
-                <a:solidFill>
-                  <a:srgbClr val="C00000"/>
-                </a:solidFill>
+            <a:pPr marL="0" indent="0">
+              <a:buNone/>
+            </a:pPr>
+            <a:r>
+              <a:rPr lang="en-US" sz="1400" i="1" dirty="0" smtClean="0">
+                <a:latin typeface="Consolas" panose="020B0609020204030204" pitchFamily="49" charset="0"/>
+                <a:cs typeface="Consolas" panose="020B0609020204030204" pitchFamily="49" charset="0"/>
+              </a:rPr>
+              <a:t># Let’s look at an example, open man page for the ls command</a:t>
+            </a:r>
+          </a:p>
+          <a:p>
+            <a:pPr marL="0" indent="0">
+              <a:buNone/>
+            </a:pPr>
+            <a:r>
+              <a:rPr lang="en-US" sz="1400" dirty="0" smtClean="0">
+                <a:solidFill>
+                  <a:schemeClr val="accent6">
+                    <a:lumMod val="40000"/>
+                    <a:lumOff val="60000"/>
+                  </a:schemeClr>
+                </a:solidFill>
+                <a:latin typeface="Consolas" panose="020B0609020204030204" pitchFamily="49" charset="0"/>
+                <a:cs typeface="Consolas" panose="020B0609020204030204" pitchFamily="49" charset="0"/>
+              </a:rPr>
+              <a:t>~$</a:t>
+            </a:r>
+            <a:r>
+              <a:rPr lang="en-US" sz="1400" dirty="0" smtClean="0">
+                <a:latin typeface="Consolas" panose="020B0609020204030204" pitchFamily="49" charset="0"/>
+                <a:cs typeface="Consolas" panose="020B0609020204030204" pitchFamily="49" charset="0"/>
               </a:rPr>
               <a:t> </a:t>
             </a:r>
             <a:r>
-              <a:rPr lang="en-US" dirty="0" smtClean="0"/>
-              <a:t>: </a:t>
-            </a:r>
-            <a:r>
-              <a:rPr lang="en-US" dirty="0" smtClean="0">
-                <a:solidFill>
-                  <a:srgbClr val="C00000"/>
-                </a:solidFill>
-              </a:rPr>
-              <a:t>c</a:t>
-            </a:r>
-            <a:r>
-              <a:rPr lang="en-US" dirty="0" smtClean="0"/>
-              <a:t>o</a:t>
-            </a:r>
-            <a:r>
-              <a:rPr lang="en-US" dirty="0" smtClean="0">
-                <a:solidFill>
-                  <a:srgbClr val="C00000"/>
-                </a:solidFill>
-              </a:rPr>
-              <a:t>p</a:t>
-            </a:r>
-            <a:r>
-              <a:rPr lang="en-US" dirty="0" smtClean="0"/>
-              <a:t>y files and directories</a:t>
-            </a:r>
-            <a:endParaRPr lang="en-US" dirty="0"/>
-          </a:p>
-          <a:p>
-            <a:pPr lvl="1"/>
-            <a:r>
-              <a:rPr lang="en-US" dirty="0" smtClean="0">
-                <a:solidFill>
-                  <a:srgbClr val="C00000"/>
-                </a:solidFill>
-              </a:rPr>
-              <a:t>mv</a:t>
-            </a:r>
-            <a:r>
-              <a:rPr lang="en-US" dirty="0" smtClean="0"/>
-              <a:t> : </a:t>
-            </a:r>
-            <a:r>
-              <a:rPr lang="en-US" dirty="0" smtClean="0">
-                <a:solidFill>
-                  <a:srgbClr val="C00000"/>
-                </a:solidFill>
-              </a:rPr>
-              <a:t>m</a:t>
-            </a:r>
-            <a:r>
-              <a:rPr lang="en-US" dirty="0" smtClean="0"/>
-              <a:t>o</a:t>
-            </a:r>
-            <a:r>
-              <a:rPr lang="en-US" dirty="0" smtClean="0">
-                <a:solidFill>
-                  <a:srgbClr val="C00000"/>
-                </a:solidFill>
-              </a:rPr>
-              <a:t>v</a:t>
-            </a:r>
-            <a:r>
-              <a:rPr lang="en-US" dirty="0" smtClean="0"/>
-              <a:t>e or rename files </a:t>
-            </a:r>
-            <a:r>
-              <a:rPr lang="en-US" dirty="0"/>
-              <a:t>and </a:t>
-            </a:r>
-            <a:r>
-              <a:rPr lang="en-US" dirty="0" smtClean="0"/>
-              <a:t>directories</a:t>
-            </a:r>
-          </a:p>
-          <a:p>
-            <a:r>
-              <a:rPr lang="en-US" dirty="0" smtClean="0"/>
-              <a:t>Syntax for both these commands are as follows:</a:t>
-            </a:r>
-          </a:p>
-          <a:p>
-            <a:pPr lvl="1"/>
-            <a:r>
-              <a:rPr lang="en-US" dirty="0" err="1" smtClean="0"/>
-              <a:t>cp</a:t>
-            </a:r>
-            <a:r>
-              <a:rPr lang="en-US" dirty="0" smtClean="0"/>
-              <a:t> </a:t>
-            </a:r>
-            <a:r>
-              <a:rPr lang="en-US" dirty="0" smtClean="0">
-                <a:solidFill>
-                  <a:srgbClr val="C00000"/>
-                </a:solidFill>
-              </a:rPr>
-              <a:t>Source</a:t>
-            </a:r>
-            <a:r>
-              <a:rPr lang="en-US" dirty="0" smtClean="0"/>
-              <a:t> </a:t>
-            </a:r>
-            <a:r>
-              <a:rPr lang="en-US" dirty="0" smtClean="0">
-                <a:solidFill>
-                  <a:srgbClr val="C00000"/>
-                </a:solidFill>
-              </a:rPr>
-              <a:t>Destination</a:t>
-            </a:r>
-          </a:p>
-          <a:p>
-            <a:pPr lvl="1"/>
-            <a:r>
-              <a:rPr lang="en-US" dirty="0"/>
-              <a:t>mv </a:t>
-            </a:r>
-            <a:r>
-              <a:rPr lang="en-US" dirty="0" smtClean="0">
-                <a:solidFill>
-                  <a:srgbClr val="C00000"/>
-                </a:solidFill>
-              </a:rPr>
-              <a:t>Source</a:t>
-            </a:r>
-            <a:r>
-              <a:rPr lang="en-US" dirty="0" smtClean="0"/>
-              <a:t> </a:t>
-            </a:r>
-            <a:r>
-              <a:rPr lang="en-US" dirty="0" smtClean="0">
-                <a:solidFill>
-                  <a:srgbClr val="C00000"/>
-                </a:solidFill>
-              </a:rPr>
-              <a:t>Destination</a:t>
-            </a:r>
-          </a:p>
-          <a:p>
-            <a:r>
-              <a:rPr lang="en-US" dirty="0" smtClean="0"/>
-              <a:t>You can use, absolute path, relative path or no path at all for these commands.</a:t>
-            </a:r>
-          </a:p>
-          <a:p>
-            <a:r>
-              <a:rPr lang="en-US" dirty="0" smtClean="0"/>
-              <a:t>Lets try out some examples:</a:t>
-            </a:r>
-            <a:endParaRPr lang="en-US" dirty="0"/>
+              <a:rPr lang="en-US" sz="1400" dirty="0" smtClean="0">
+                <a:solidFill>
+                  <a:srgbClr val="00B050"/>
+                </a:solidFill>
+                <a:latin typeface="Consolas" panose="020B0609020204030204" pitchFamily="49" charset="0"/>
+                <a:cs typeface="Consolas" panose="020B0609020204030204" pitchFamily="49" charset="0"/>
+              </a:rPr>
+              <a:t>man ls</a:t>
+            </a:r>
+          </a:p>
+          <a:p>
+            <a:pPr marL="0" indent="0">
+              <a:buNone/>
+            </a:pPr>
+            <a:r>
+              <a:rPr lang="en-US" sz="1400" dirty="0">
+                <a:solidFill>
+                  <a:srgbClr val="00B050"/>
+                </a:solidFill>
+                <a:latin typeface="Consolas" panose="020B0609020204030204" pitchFamily="49" charset="0"/>
+                <a:cs typeface="Consolas" panose="020B0609020204030204" pitchFamily="49" charset="0"/>
+              </a:rPr>
+              <a:t>LS(1)                            User Commands                           LS(1)</a:t>
+            </a:r>
+          </a:p>
+          <a:p>
+            <a:pPr marL="0" indent="0">
+              <a:buNone/>
+            </a:pPr>
+            <a:endParaRPr lang="en-US" sz="1400" dirty="0">
+              <a:solidFill>
+                <a:srgbClr val="00B050"/>
+              </a:solidFill>
+              <a:latin typeface="Consolas" panose="020B0609020204030204" pitchFamily="49" charset="0"/>
+              <a:cs typeface="Consolas" panose="020B0609020204030204" pitchFamily="49" charset="0"/>
+            </a:endParaRPr>
+          </a:p>
+          <a:p>
+            <a:pPr marL="0" indent="0">
+              <a:buNone/>
+            </a:pPr>
+            <a:r>
+              <a:rPr lang="en-US" sz="1400" dirty="0">
+                <a:solidFill>
+                  <a:srgbClr val="00B050"/>
+                </a:solidFill>
+                <a:latin typeface="Consolas" panose="020B0609020204030204" pitchFamily="49" charset="0"/>
+                <a:cs typeface="Consolas" panose="020B0609020204030204" pitchFamily="49" charset="0"/>
+              </a:rPr>
+              <a:t>NAME</a:t>
+            </a:r>
+          </a:p>
+          <a:p>
+            <a:pPr marL="0" indent="0">
+              <a:buNone/>
+            </a:pPr>
+            <a:r>
+              <a:rPr lang="en-US" sz="1400" dirty="0">
+                <a:solidFill>
+                  <a:srgbClr val="00B050"/>
+                </a:solidFill>
+                <a:latin typeface="Consolas" panose="020B0609020204030204" pitchFamily="49" charset="0"/>
+                <a:cs typeface="Consolas" panose="020B0609020204030204" pitchFamily="49" charset="0"/>
+              </a:rPr>
+              <a:t>       ls - list directory contents</a:t>
+            </a:r>
+          </a:p>
+          <a:p>
+            <a:pPr marL="0" indent="0">
+              <a:buNone/>
+            </a:pPr>
+            <a:endParaRPr lang="en-US" sz="1400" dirty="0">
+              <a:solidFill>
+                <a:srgbClr val="00B050"/>
+              </a:solidFill>
+              <a:latin typeface="Consolas" panose="020B0609020204030204" pitchFamily="49" charset="0"/>
+              <a:cs typeface="Consolas" panose="020B0609020204030204" pitchFamily="49" charset="0"/>
+            </a:endParaRPr>
+          </a:p>
+          <a:p>
+            <a:pPr marL="0" indent="0">
+              <a:buNone/>
+            </a:pPr>
+            <a:r>
+              <a:rPr lang="en-US" sz="1400" dirty="0">
+                <a:solidFill>
+                  <a:srgbClr val="00B050"/>
+                </a:solidFill>
+                <a:latin typeface="Consolas" panose="020B0609020204030204" pitchFamily="49" charset="0"/>
+                <a:cs typeface="Consolas" panose="020B0609020204030204" pitchFamily="49" charset="0"/>
+              </a:rPr>
+              <a:t>SYNOPSIS</a:t>
+            </a:r>
+          </a:p>
+          <a:p>
+            <a:pPr marL="0" indent="0">
+              <a:buNone/>
+            </a:pPr>
+            <a:r>
+              <a:rPr lang="en-US" sz="1400" dirty="0">
+                <a:solidFill>
+                  <a:srgbClr val="00B050"/>
+                </a:solidFill>
+                <a:latin typeface="Consolas" panose="020B0609020204030204" pitchFamily="49" charset="0"/>
+                <a:cs typeface="Consolas" panose="020B0609020204030204" pitchFamily="49" charset="0"/>
+              </a:rPr>
+              <a:t>       ls [OPTION]... [FILE]...</a:t>
+            </a:r>
+          </a:p>
+          <a:p>
+            <a:pPr marL="0" indent="0">
+              <a:buNone/>
+            </a:pPr>
+            <a:endParaRPr lang="en-US" sz="1400" dirty="0">
+              <a:solidFill>
+                <a:srgbClr val="00B050"/>
+              </a:solidFill>
+              <a:latin typeface="Consolas" panose="020B0609020204030204" pitchFamily="49" charset="0"/>
+              <a:cs typeface="Consolas" panose="020B0609020204030204" pitchFamily="49" charset="0"/>
+            </a:endParaRPr>
+          </a:p>
+          <a:p>
+            <a:pPr marL="0" indent="0">
+              <a:buNone/>
+            </a:pPr>
+            <a:r>
+              <a:rPr lang="en-US" sz="1400" dirty="0">
+                <a:solidFill>
+                  <a:srgbClr val="00B050"/>
+                </a:solidFill>
+                <a:latin typeface="Consolas" panose="020B0609020204030204" pitchFamily="49" charset="0"/>
+                <a:cs typeface="Consolas" panose="020B0609020204030204" pitchFamily="49" charset="0"/>
+              </a:rPr>
+              <a:t>DESCRIPTION</a:t>
+            </a:r>
+          </a:p>
+          <a:p>
+            <a:pPr marL="0" indent="0">
+              <a:buNone/>
+            </a:pPr>
+            <a:r>
+              <a:rPr lang="en-US" sz="1400" dirty="0">
+                <a:solidFill>
+                  <a:srgbClr val="00B050"/>
+                </a:solidFill>
+                <a:latin typeface="Consolas" panose="020B0609020204030204" pitchFamily="49" charset="0"/>
+                <a:cs typeface="Consolas" panose="020B0609020204030204" pitchFamily="49" charset="0"/>
+              </a:rPr>
+              <a:t>       List information about the FILEs (the current directory by default).  Sort entries alphabetically if none of -</a:t>
+            </a:r>
+            <a:r>
+              <a:rPr lang="en-US" sz="1400" dirty="0" err="1">
+                <a:solidFill>
+                  <a:srgbClr val="00B050"/>
+                </a:solidFill>
+                <a:latin typeface="Consolas" panose="020B0609020204030204" pitchFamily="49" charset="0"/>
+                <a:cs typeface="Consolas" panose="020B0609020204030204" pitchFamily="49" charset="0"/>
+              </a:rPr>
+              <a:t>cftuvSUX</a:t>
+            </a:r>
+            <a:r>
+              <a:rPr lang="en-US" sz="1400" dirty="0">
+                <a:solidFill>
+                  <a:srgbClr val="00B050"/>
+                </a:solidFill>
+                <a:latin typeface="Consolas" panose="020B0609020204030204" pitchFamily="49" charset="0"/>
+                <a:cs typeface="Consolas" panose="020B0609020204030204" pitchFamily="49" charset="0"/>
+              </a:rPr>
+              <a:t> nor --sort.</a:t>
+            </a:r>
+          </a:p>
+          <a:p>
+            <a:pPr marL="0" indent="0">
+              <a:buNone/>
+            </a:pPr>
+            <a:endParaRPr lang="en-US" sz="1400" dirty="0">
+              <a:solidFill>
+                <a:srgbClr val="00B050"/>
+              </a:solidFill>
+              <a:latin typeface="Consolas" panose="020B0609020204030204" pitchFamily="49" charset="0"/>
+              <a:cs typeface="Consolas" panose="020B0609020204030204" pitchFamily="49" charset="0"/>
+            </a:endParaRPr>
+          </a:p>
+          <a:p>
+            <a:pPr marL="0" indent="0">
+              <a:buNone/>
+            </a:pPr>
+            <a:r>
+              <a:rPr lang="en-US" sz="1400" dirty="0">
+                <a:solidFill>
+                  <a:srgbClr val="00B050"/>
+                </a:solidFill>
+                <a:latin typeface="Consolas" panose="020B0609020204030204" pitchFamily="49" charset="0"/>
+                <a:cs typeface="Consolas" panose="020B0609020204030204" pitchFamily="49" charset="0"/>
+              </a:rPr>
+              <a:t>       Mandatory arguments to long options are mandatory for short options too.</a:t>
+            </a:r>
+          </a:p>
+          <a:p>
+            <a:pPr marL="0" indent="0">
+              <a:buNone/>
+            </a:pPr>
+            <a:endParaRPr lang="en-US" sz="1400" dirty="0">
+              <a:solidFill>
+                <a:srgbClr val="00B050"/>
+              </a:solidFill>
+              <a:latin typeface="Consolas" panose="020B0609020204030204" pitchFamily="49" charset="0"/>
+              <a:cs typeface="Consolas" panose="020B0609020204030204" pitchFamily="49" charset="0"/>
+            </a:endParaRPr>
+          </a:p>
+          <a:p>
+            <a:pPr marL="0" indent="0">
+              <a:buNone/>
+            </a:pPr>
+            <a:r>
+              <a:rPr lang="en-US" sz="1400" dirty="0">
+                <a:solidFill>
+                  <a:srgbClr val="00B050"/>
+                </a:solidFill>
+                <a:latin typeface="Consolas" panose="020B0609020204030204" pitchFamily="49" charset="0"/>
+                <a:cs typeface="Consolas" panose="020B0609020204030204" pitchFamily="49" charset="0"/>
+              </a:rPr>
+              <a:t>       -a, --all</a:t>
+            </a:r>
+          </a:p>
+          <a:p>
+            <a:pPr marL="0" indent="0">
+              <a:buNone/>
+            </a:pPr>
+            <a:r>
+              <a:rPr lang="en-US" sz="1400" dirty="0">
+                <a:solidFill>
+                  <a:srgbClr val="00B050"/>
+                </a:solidFill>
+                <a:latin typeface="Consolas" panose="020B0609020204030204" pitchFamily="49" charset="0"/>
+                <a:cs typeface="Consolas" panose="020B0609020204030204" pitchFamily="49" charset="0"/>
+              </a:rPr>
+              <a:t>              do not ignore entries starting with .</a:t>
+            </a:r>
+          </a:p>
+          <a:p>
+            <a:pPr marL="0" indent="0">
+              <a:buNone/>
+            </a:pPr>
+            <a:endParaRPr lang="en-US" sz="1400" dirty="0">
+              <a:solidFill>
+                <a:srgbClr val="00B050"/>
+              </a:solidFill>
+              <a:latin typeface="Consolas" panose="020B0609020204030204" pitchFamily="49" charset="0"/>
+              <a:cs typeface="Consolas" panose="020B0609020204030204" pitchFamily="49" charset="0"/>
+            </a:endParaRPr>
+          </a:p>
+        </p:txBody>
+      </p:sp>
+      <p:sp>
+        <p:nvSpPr>
+          <p:cNvPr id="4" name="TextBox 3"/>
+          <p:cNvSpPr txBox="1"/>
+          <p:nvPr/>
+        </p:nvSpPr>
+        <p:spPr>
+          <a:xfrm>
+            <a:off x="6736465" y="5787341"/>
+            <a:ext cx="1784737" cy="307777"/>
+          </a:xfrm>
+          <a:prstGeom prst="rect">
+            <a:avLst/>
+          </a:prstGeom>
+          <a:solidFill>
+            <a:srgbClr val="FFFFFF"/>
+          </a:solidFill>
+          <a:ln>
+            <a:solidFill>
+              <a:schemeClr val="tx1"/>
+            </a:solidFill>
+          </a:ln>
+          <a:effectLst>
+            <a:glow rad="101600">
+              <a:schemeClr val="accent4">
+                <a:satMod val="175000"/>
+                <a:alpha val="40000"/>
+              </a:schemeClr>
+            </a:glow>
+          </a:effectLst>
+        </p:spPr>
+        <p:txBody>
+          <a:bodyPr wrap="square" rtlCol="0">
+            <a:spAutoFit/>
+          </a:bodyPr>
+          <a:lstStyle/>
+          <a:p>
+            <a:pPr algn="ctr"/>
+            <a:r>
+              <a:rPr lang="en-US" sz="1400" dirty="0" smtClean="0">
+                <a:latin typeface="Segoe UI Semilight" panose="020B0402040204020203" pitchFamily="34" charset="0"/>
+                <a:cs typeface="Segoe UI Semilight" panose="020B0402040204020203" pitchFamily="34" charset="0"/>
+              </a:rPr>
+              <a:t>To EXIT, press ‘q’</a:t>
+            </a:r>
+            <a:endParaRPr lang="en-US" sz="1400" dirty="0">
+              <a:latin typeface="Segoe UI Semilight" panose="020B0402040204020203" pitchFamily="34" charset="0"/>
+              <a:cs typeface="Segoe UI Semilight" panose="020B0402040204020203" pitchFamily="34" charset="0"/>
+            </a:endParaRPr>
           </a:p>
         </p:txBody>
       </p:sp>
     </p:spTree>
     <p:extLst>
       <p:ext uri="{BB962C8B-B14F-4D97-AF65-F5344CB8AC3E}">
-        <p14:creationId xmlns:p14="http://schemas.microsoft.com/office/powerpoint/2010/main" val="2998891967"/>
+        <p14:creationId xmlns:p14="http://schemas.microsoft.com/office/powerpoint/2010/main" val="1236401030"/>
       </p:ext>
     </p:extLst>
   </p:cSld>
@@ -22505,13 +22506,6 @@
               </a:rPr>
               <a:t> BACKUP_FILES.tar BACKUP_FILES</a:t>
             </a:r>
-            <a:endParaRPr lang="en-US" sz="1400" dirty="0" smtClean="0">
-              <a:solidFill>
-                <a:srgbClr val="00B050"/>
-              </a:solidFill>
-              <a:latin typeface="Consolas" panose="020B0609020204030204" pitchFamily="49" charset="0"/>
-              <a:cs typeface="Consolas" panose="020B0609020204030204" pitchFamily="49" charset="0"/>
-            </a:endParaRPr>
           </a:p>
           <a:p>
             <a:pPr marL="0" indent="0">
@@ -22583,10 +22577,6 @@
               </a:rPr>
               <a:t># but if you want to compress and archive</a:t>
             </a:r>
-            <a:endParaRPr lang="en-US" sz="1400" i="1" dirty="0" smtClean="0">
-              <a:latin typeface="Consolas" panose="020B0609020204030204" pitchFamily="49" charset="0"/>
-              <a:cs typeface="Consolas" panose="020B0609020204030204" pitchFamily="49" charset="0"/>
-            </a:endParaRPr>
           </a:p>
           <a:p>
             <a:pPr marL="0" indent="0">
@@ -23009,11 +22999,7 @@
           <a:p>
             <a:r>
               <a:rPr lang="en-US" dirty="0" smtClean="0"/>
-              <a:t>Dat</a:t>
-            </a:r>
-            <a:r>
-              <a:rPr lang="en-US" dirty="0" smtClean="0"/>
-              <a:t>a that is displayed on screen (</a:t>
+              <a:t>Data that is displayed on screen (</a:t>
             </a:r>
             <a:r>
               <a:rPr lang="en-US" dirty="0" err="1" smtClean="0"/>
@@ -23717,17 +23703,7 @@
                 <a:latin typeface="Consolas" panose="020B0609020204030204" pitchFamily="49" charset="0"/>
                 <a:cs typeface="Consolas" panose="020B0609020204030204" pitchFamily="49" charset="0"/>
               </a:rPr>
-              <a:t>ls  -</a:t>
-            </a:r>
-            <a:r>
-              <a:rPr lang="en-US" sz="1400" dirty="0" smtClean="0">
-                <a:solidFill>
-                  <a:srgbClr val="00B050"/>
-                </a:solidFill>
-                <a:latin typeface="Consolas" panose="020B0609020204030204" pitchFamily="49" charset="0"/>
-                <a:cs typeface="Consolas" panose="020B0609020204030204" pitchFamily="49" charset="0"/>
-              </a:rPr>
-              <a:t>l &gt; list.txt</a:t>
+              <a:t>ls  -l &gt; list.txt</a:t>
             </a:r>
           </a:p>
           <a:p>
@@ -26408,21 +26384,7 @@
                 <a:latin typeface="Segoe UI Semilight" panose="020B0402040204020203" pitchFamily="34" charset="0"/>
                 <a:cs typeface="Segoe UI Semilight" panose="020B0402040204020203" pitchFamily="34" charset="0"/>
               </a:rPr>
-              <a:t>Permission for user (you). r=read</a:t>
-            </a:r>
-            <a:r>
-              <a:rPr lang="en-US" sz="1600" dirty="0" smtClean="0">
-                <a:latin typeface="Segoe UI Semilight" panose="020B0402040204020203" pitchFamily="34" charset="0"/>
-                <a:cs typeface="Segoe UI Semilight" panose="020B0402040204020203" pitchFamily="34" charset="0"/>
-              </a:rPr>
-              <a:t>; w=write; x=execute</a:t>
-            </a:r>
-            <a:r>
-              <a:rPr lang="en-US" sz="1600" dirty="0" smtClean="0">
-                <a:latin typeface="Segoe UI Semilight" panose="020B0402040204020203" pitchFamily="34" charset="0"/>
-                <a:cs typeface="Segoe UI Semilight" panose="020B0402040204020203" pitchFamily="34" charset="0"/>
-              </a:rPr>
-              <a:t> </a:t>
+              <a:t>Permission for user (you). r=read; w=write; x=execute </a:t>
             </a:r>
             <a:endParaRPr lang="en-US" sz="1600" dirty="0">
               <a:latin typeface="Segoe UI Semilight" panose="020B0402040204020203" pitchFamily="34" charset="0"/>
@@ -26492,21 +26454,7 @@
                 <a:latin typeface="Segoe UI Semilight" panose="020B0402040204020203" pitchFamily="34" charset="0"/>
                 <a:cs typeface="Segoe UI Semilight" panose="020B0402040204020203" pitchFamily="34" charset="0"/>
               </a:rPr>
-              <a:t>Permission for the group you belong to. r=read</a:t>
-            </a:r>
-            <a:r>
-              <a:rPr lang="en-US" sz="1600" dirty="0" smtClean="0">
-                <a:latin typeface="Segoe UI Semilight" panose="020B0402040204020203" pitchFamily="34" charset="0"/>
-                <a:cs typeface="Segoe UI Semilight" panose="020B0402040204020203" pitchFamily="34" charset="0"/>
-              </a:rPr>
-              <a:t>; w=write; x=execute</a:t>
-            </a:r>
-            <a:r>
-              <a:rPr lang="en-US" sz="1600" dirty="0" smtClean="0">
-                <a:latin typeface="Segoe UI Semilight" panose="020B0402040204020203" pitchFamily="34" charset="0"/>
-                <a:cs typeface="Segoe UI Semilight" panose="020B0402040204020203" pitchFamily="34" charset="0"/>
-              </a:rPr>
-              <a:t> </a:t>
+              <a:t>Permission for the group you belong to. r=read; w=write; x=execute </a:t>
             </a:r>
             <a:endParaRPr lang="en-US" sz="1600" dirty="0">
               <a:latin typeface="Segoe UI Semilight" panose="020B0402040204020203" pitchFamily="34" charset="0"/>
@@ -26575,21 +26523,7 @@
                 <a:latin typeface="Segoe UI Semilight" panose="020B0402040204020203" pitchFamily="34" charset="0"/>
                 <a:cs typeface="Segoe UI Semilight" panose="020B0402040204020203" pitchFamily="34" charset="0"/>
               </a:rPr>
-              <a:t>Permission for others. r=read</a:t>
-            </a:r>
-            <a:r>
-              <a:rPr lang="en-US" sz="1600" dirty="0" smtClean="0">
-                <a:latin typeface="Segoe UI Semilight" panose="020B0402040204020203" pitchFamily="34" charset="0"/>
-                <a:cs typeface="Segoe UI Semilight" panose="020B0402040204020203" pitchFamily="34" charset="0"/>
-              </a:rPr>
-              <a:t>; w=write; x=execute</a:t>
-            </a:r>
-            <a:r>
-              <a:rPr lang="en-US" sz="1600" dirty="0" smtClean="0">
-                <a:latin typeface="Segoe UI Semilight" panose="020B0402040204020203" pitchFamily="34" charset="0"/>
-                <a:cs typeface="Segoe UI Semilight" panose="020B0402040204020203" pitchFamily="34" charset="0"/>
-              </a:rPr>
-              <a:t> </a:t>
+              <a:t>Permission for others. r=read; w=write; x=execute </a:t>
             </a:r>
             <a:endParaRPr lang="en-US" sz="1600" dirty="0">
               <a:latin typeface="Segoe UI Semilight" panose="020B0402040204020203" pitchFamily="34" charset="0"/>
@@ -29251,7 +29185,6 @@
               <a:rPr lang="en-US" dirty="0" smtClean="0"/>
               <a:t> : translate</a:t>
             </a:r>
-            <a:endParaRPr lang="en-US" dirty="0" smtClean="0"/>
           </a:p>
           <a:p>
             <a:r>
@@ -29262,7 +29195,6 @@
               <a:rPr lang="en-US" dirty="0" smtClean="0"/>
               <a:t> : word count</a:t>
             </a:r>
-            <a:endParaRPr lang="en-US" dirty="0" smtClean="0"/>
           </a:p>
         </p:txBody>
       </p:sp>
@@ -29322,7 +29254,6 @@
               <a:rPr lang="en-US" dirty="0"/>
               <a:t>Processing files</a:t>
             </a:r>
-            <a:endParaRPr lang="en-US" dirty="0"/>
           </a:p>
         </p:txBody>
       </p:sp>
@@ -29455,10 +29386,6 @@
               </a:rPr>
               <a:t>run these commands</a:t>
             </a:r>
-            <a:endParaRPr lang="en-US" sz="1400" i="1" dirty="0" smtClean="0">
-              <a:latin typeface="Consolas" panose="020B0609020204030204" pitchFamily="49" charset="0"/>
-              <a:cs typeface="Consolas" panose="020B0609020204030204" pitchFamily="49" charset="0"/>
-            </a:endParaRPr>
           </a:p>
           <a:p>
             <a:pPr marL="0" indent="0">
@@ -30120,7 +30047,7 @@
           <a:p>
             <a:r>
               <a:rPr lang="en-US" dirty="0" smtClean="0"/>
-              <a:t>Comparing files</a:t>
+              <a:t>Processing files</a:t>
             </a:r>
             <a:endParaRPr lang="en-US" dirty="0"/>
           </a:p>
@@ -30142,82 +30069,27 @@
           <a:lstStyle/>
           <a:p>
             <a:r>
-              <a:rPr lang="en-US" dirty="0">
-                <a:solidFill>
-                  <a:srgbClr val="C00000"/>
-                </a:solidFill>
-              </a:rPr>
-              <a:t>diff</a:t>
-            </a:r>
-            <a:r>
-              <a:rPr lang="en-US" dirty="0"/>
-              <a:t> (</a:t>
-            </a:r>
-            <a:r>
-              <a:rPr lang="en-US" i="1" dirty="0">
-                <a:solidFill>
-                  <a:srgbClr val="C00000"/>
-                </a:solidFill>
-              </a:rPr>
-              <a:t>diff</a:t>
-            </a:r>
-            <a:r>
-              <a:rPr lang="en-US" dirty="0"/>
-              <a:t>erence) reports differences between </a:t>
-            </a:r>
-            <a:r>
               <a:rPr lang="en-US" dirty="0" smtClean="0"/>
-              <a:t>files</a:t>
-            </a:r>
-          </a:p>
-          <a:p>
-            <a:r>
-              <a:rPr lang="en-US" dirty="0" err="1" smtClean="0">
-                <a:solidFill>
-                  <a:srgbClr val="C00000"/>
-                </a:solidFill>
-              </a:rPr>
-              <a:t>comm</a:t>
-            </a:r>
-            <a:r>
-              <a:rPr lang="en-US" dirty="0" smtClean="0">
-                <a:solidFill>
-                  <a:srgbClr val="C00000"/>
-                </a:solidFill>
-              </a:rPr>
-              <a:t> </a:t>
-            </a:r>
-            <a:r>
-              <a:rPr lang="en-US" dirty="0"/>
-              <a:t>(</a:t>
-            </a:r>
-            <a:r>
-              <a:rPr lang="en-US" i="1" dirty="0">
-                <a:solidFill>
-                  <a:srgbClr val="C00000"/>
-                </a:solidFill>
-              </a:rPr>
-              <a:t>comm</a:t>
-            </a:r>
-            <a:r>
-              <a:rPr lang="en-US" dirty="0"/>
-              <a:t>on) command compares two sorted files line by line</a:t>
-            </a:r>
-            <a:br>
-              <a:rPr lang="en-US" dirty="0"/>
-            </a:br>
-            <a:r>
-              <a:rPr lang="en-US" dirty="0"/>
-              <a:t/>
-            </a:r>
-            <a:br>
-              <a:rPr lang="en-US" dirty="0"/>
-            </a:br>
-            <a:endParaRPr lang="en-US" dirty="0" smtClean="0">
-              <a:solidFill>
-                <a:srgbClr val="C00000"/>
-              </a:solidFill>
-            </a:endParaRPr>
+              <a:t>Simple commands to modify output</a:t>
+            </a:r>
+          </a:p>
+          <a:p>
+            <a:pPr lvl="1"/>
+            <a:r>
+              <a:rPr lang="en-US" dirty="0" smtClean="0"/>
+              <a:t>sort : for sorting</a:t>
+            </a:r>
+          </a:p>
+          <a:p>
+            <a:pPr lvl="1"/>
+            <a:r>
+              <a:rPr lang="en-US" dirty="0" err="1" smtClean="0"/>
+              <a:t>uniq</a:t>
+            </a:r>
+            <a:r>
+              <a:rPr lang="en-US" dirty="0" smtClean="0"/>
+              <a:t> : removing duplicates/printing unique entries</a:t>
+            </a:r>
           </a:p>
           <a:p>
             <a:endParaRPr lang="en-US" dirty="0"/>
@@ -30227,7 +30099,7 @@
     </p:spTree>
     <p:extLst>
       <p:ext uri="{BB962C8B-B14F-4D97-AF65-F5344CB8AC3E}">
-        <p14:creationId xmlns:p14="http://schemas.microsoft.com/office/powerpoint/2010/main" val="756512980"/>
+        <p14:creationId xmlns:p14="http://schemas.microsoft.com/office/powerpoint/2010/main" val="3285770504"/>
       </p:ext>
     </p:extLst>
   </p:cSld>
@@ -30278,7 +30150,7 @@
           <a:p>
             <a:r>
               <a:rPr lang="en-US" dirty="0" smtClean="0"/>
-              <a:t>Comparing files</a:t>
+              <a:t>sort</a:t>
             </a:r>
             <a:endParaRPr lang="en-US" dirty="0"/>
           </a:p>
@@ -30404,6 +30276,77 @@
                 <a:latin typeface="Consolas" panose="020B0609020204030204" pitchFamily="49" charset="0"/>
                 <a:cs typeface="Consolas" panose="020B0609020204030204" pitchFamily="49" charset="0"/>
               </a:rPr>
+              <a:t># check files</a:t>
+            </a:r>
+            <a:r>
+              <a:rPr lang="en-US" sz="1400" i="1" dirty="0" smtClean="0">
+                <a:latin typeface="Consolas" panose="020B0609020204030204" pitchFamily="49" charset="0"/>
+                <a:cs typeface="Consolas" panose="020B0609020204030204" pitchFamily="49" charset="0"/>
+              </a:rPr>
+              <a:t>:</a:t>
+            </a:r>
+          </a:p>
+          <a:p>
+            <a:pPr marL="0" indent="0">
+              <a:buNone/>
+            </a:pPr>
+            <a:r>
+              <a:rPr lang="en-US" sz="1400" dirty="0" smtClean="0">
+                <a:solidFill>
+                  <a:schemeClr val="accent6">
+                    <a:lumMod val="40000"/>
+                    <a:lumOff val="60000"/>
+                  </a:schemeClr>
+                </a:solidFill>
+                <a:latin typeface="Consolas" panose="020B0609020204030204" pitchFamily="49" charset="0"/>
+                <a:cs typeface="Consolas" panose="020B0609020204030204" pitchFamily="49" charset="0"/>
+              </a:rPr>
+              <a:t>~$</a:t>
+            </a:r>
+            <a:r>
+              <a:rPr lang="en-US" sz="1400" dirty="0" smtClean="0">
+                <a:latin typeface="Consolas" panose="020B0609020204030204" pitchFamily="49" charset="0"/>
+                <a:cs typeface="Consolas" panose="020B0609020204030204" pitchFamily="49" charset="0"/>
+              </a:rPr>
+              <a:t> </a:t>
+            </a:r>
+            <a:r>
+              <a:rPr lang="en-US" sz="1400" dirty="0">
+                <a:solidFill>
+                  <a:srgbClr val="00B050"/>
+                </a:solidFill>
+                <a:latin typeface="Consolas" panose="020B0609020204030204" pitchFamily="49" charset="0"/>
+                <a:cs typeface="Consolas" panose="020B0609020204030204" pitchFamily="49" charset="0"/>
+              </a:rPr>
+              <a:t>cat </a:t>
+            </a:r>
+            <a:r>
+              <a:rPr lang="en-US" sz="1400" dirty="0" err="1">
+                <a:solidFill>
+                  <a:srgbClr val="00B050"/>
+                </a:solidFill>
+                <a:latin typeface="Consolas" panose="020B0609020204030204" pitchFamily="49" charset="0"/>
+                <a:cs typeface="Consolas" panose="020B0609020204030204" pitchFamily="49" charset="0"/>
+              </a:rPr>
+              <a:t>genes.gff</a:t>
+            </a:r>
+            <a:endParaRPr lang="en-US" sz="1400" dirty="0" smtClean="0">
+              <a:solidFill>
+                <a:srgbClr val="00B050"/>
+              </a:solidFill>
+              <a:latin typeface="Consolas" panose="020B0609020204030204" pitchFamily="49" charset="0"/>
+              <a:cs typeface="Consolas" panose="020B0609020204030204" pitchFamily="49" charset="0"/>
+            </a:endParaRPr>
+          </a:p>
+          <a:p>
+            <a:pPr marL="0" indent="0">
+              <a:buNone/>
+            </a:pPr>
+            <a:r>
+              <a:rPr lang="en-US" sz="1400" i="1" dirty="0">
+                <a:latin typeface="Consolas" panose="020B0609020204030204" pitchFamily="49" charset="0"/>
+                <a:cs typeface="Consolas" panose="020B0609020204030204" pitchFamily="49" charset="0"/>
+              </a:rPr>
               <a:t># </a:t>
             </a:r>
             <a:r>
@@ -30411,8 +30354,377 @@
                 <a:latin typeface="Consolas" panose="020B0609020204030204" pitchFamily="49" charset="0"/>
                 <a:cs typeface="Consolas" panose="020B0609020204030204" pitchFamily="49" charset="0"/>
               </a:rPr>
-              <a:t>run these commands</a:t>
-            </a:r>
+              <a:t>see the contents of the file, see how chromosomes are ordered. Try this:</a:t>
+            </a:r>
+            <a:endParaRPr lang="en-US" sz="1400" i="1" dirty="0">
+              <a:latin typeface="Consolas" panose="020B0609020204030204" pitchFamily="49" charset="0"/>
+              <a:cs typeface="Consolas" panose="020B0609020204030204" pitchFamily="49" charset="0"/>
+            </a:endParaRPr>
+          </a:p>
+          <a:p>
+            <a:pPr marL="0" indent="0">
+              <a:buNone/>
+            </a:pPr>
+            <a:r>
+              <a:rPr lang="en-US" sz="1400" dirty="0">
+                <a:solidFill>
+                  <a:schemeClr val="accent6">
+                    <a:lumMod val="40000"/>
+                    <a:lumOff val="60000"/>
+                  </a:schemeClr>
+                </a:solidFill>
+                <a:latin typeface="Consolas" panose="020B0609020204030204" pitchFamily="49" charset="0"/>
+                <a:cs typeface="Consolas" panose="020B0609020204030204" pitchFamily="49" charset="0"/>
+              </a:rPr>
+              <a:t>~$</a:t>
+            </a:r>
+            <a:r>
+              <a:rPr lang="en-US" sz="1400" dirty="0">
+                <a:latin typeface="Consolas" panose="020B0609020204030204" pitchFamily="49" charset="0"/>
+                <a:cs typeface="Consolas" panose="020B0609020204030204" pitchFamily="49" charset="0"/>
+              </a:rPr>
+              <a:t> </a:t>
+            </a:r>
+            <a:r>
+              <a:rPr lang="en-US" sz="1400" dirty="0" smtClean="0">
+                <a:solidFill>
+                  <a:srgbClr val="00B050"/>
+                </a:solidFill>
+                <a:latin typeface="Consolas" panose="020B0609020204030204" pitchFamily="49" charset="0"/>
+                <a:cs typeface="Consolas" panose="020B0609020204030204" pitchFamily="49" charset="0"/>
+              </a:rPr>
+              <a:t>sort </a:t>
+            </a:r>
+            <a:r>
+              <a:rPr lang="en-US" sz="1400" dirty="0" err="1">
+                <a:solidFill>
+                  <a:srgbClr val="00B050"/>
+                </a:solidFill>
+                <a:latin typeface="Consolas" panose="020B0609020204030204" pitchFamily="49" charset="0"/>
+                <a:cs typeface="Consolas" panose="020B0609020204030204" pitchFamily="49" charset="0"/>
+              </a:rPr>
+              <a:t>genes.gff</a:t>
+            </a:r>
+            <a:endParaRPr lang="en-US" sz="1400" dirty="0" smtClean="0">
+              <a:solidFill>
+                <a:srgbClr val="00B050"/>
+              </a:solidFill>
+              <a:latin typeface="Consolas" panose="020B0609020204030204" pitchFamily="49" charset="0"/>
+              <a:cs typeface="Consolas" panose="020B0609020204030204" pitchFamily="49" charset="0"/>
+            </a:endParaRPr>
+          </a:p>
+          <a:p>
+            <a:pPr marL="0" indent="0">
+              <a:buNone/>
+            </a:pPr>
+            <a:r>
+              <a:rPr lang="en-US" sz="1400" i="1" dirty="0">
+                <a:latin typeface="Consolas" panose="020B0609020204030204" pitchFamily="49" charset="0"/>
+                <a:cs typeface="Consolas" panose="020B0609020204030204" pitchFamily="49" charset="0"/>
+              </a:rPr>
+              <a:t># </a:t>
+            </a:r>
+            <a:r>
+              <a:rPr lang="en-US" sz="1400" i="1" dirty="0" smtClean="0">
+                <a:latin typeface="Consolas" panose="020B0609020204030204" pitchFamily="49" charset="0"/>
+                <a:cs typeface="Consolas" panose="020B0609020204030204" pitchFamily="49" charset="0"/>
+              </a:rPr>
+              <a:t>did the order change?</a:t>
+            </a:r>
+          </a:p>
+          <a:p>
+            <a:pPr marL="0" indent="0">
+              <a:buNone/>
+            </a:pPr>
+            <a:r>
+              <a:rPr lang="en-US" sz="1400" i="1" dirty="0" smtClean="0">
+                <a:latin typeface="Consolas" panose="020B0609020204030204" pitchFamily="49" charset="0"/>
+                <a:cs typeface="Consolas" panose="020B0609020204030204" pitchFamily="49" charset="0"/>
+              </a:rPr>
+              <a:t># check man page and run the following commands: </a:t>
+            </a:r>
+          </a:p>
+          <a:p>
+            <a:pPr marL="0" indent="0">
+              <a:buNone/>
+            </a:pPr>
+            <a:r>
+              <a:rPr lang="en-US" sz="1400" dirty="0">
+                <a:solidFill>
+                  <a:schemeClr val="accent6">
+                    <a:lumMod val="40000"/>
+                    <a:lumOff val="60000"/>
+                  </a:schemeClr>
+                </a:solidFill>
+                <a:latin typeface="Consolas" panose="020B0609020204030204" pitchFamily="49" charset="0"/>
+                <a:cs typeface="Consolas" panose="020B0609020204030204" pitchFamily="49" charset="0"/>
+              </a:rPr>
+              <a:t>~$</a:t>
+            </a:r>
+            <a:r>
+              <a:rPr lang="en-US" sz="1400" dirty="0">
+                <a:latin typeface="Consolas" panose="020B0609020204030204" pitchFamily="49" charset="0"/>
+                <a:cs typeface="Consolas" panose="020B0609020204030204" pitchFamily="49" charset="0"/>
+              </a:rPr>
+              <a:t> </a:t>
+            </a:r>
+            <a:r>
+              <a:rPr lang="en-US" sz="1400" dirty="0">
+                <a:solidFill>
+                  <a:srgbClr val="00B050"/>
+                </a:solidFill>
+                <a:latin typeface="Consolas" panose="020B0609020204030204" pitchFamily="49" charset="0"/>
+                <a:cs typeface="Consolas" panose="020B0609020204030204" pitchFamily="49" charset="0"/>
+              </a:rPr>
+              <a:t>sort </a:t>
+            </a:r>
+            <a:r>
+              <a:rPr lang="en-US" sz="1400" dirty="0" smtClean="0">
+                <a:solidFill>
+                  <a:srgbClr val="00B050"/>
+                </a:solidFill>
+                <a:latin typeface="Consolas" panose="020B0609020204030204" pitchFamily="49" charset="0"/>
+                <a:cs typeface="Consolas" panose="020B0609020204030204" pitchFamily="49" charset="0"/>
+              </a:rPr>
+              <a:t>–k 1,1 –n </a:t>
+            </a:r>
+            <a:r>
+              <a:rPr lang="en-US" sz="1400" dirty="0" err="1" smtClean="0">
+                <a:solidFill>
+                  <a:srgbClr val="00B050"/>
+                </a:solidFill>
+                <a:latin typeface="Consolas" panose="020B0609020204030204" pitchFamily="49" charset="0"/>
+                <a:cs typeface="Consolas" panose="020B0609020204030204" pitchFamily="49" charset="0"/>
+              </a:rPr>
+              <a:t>genes.gff</a:t>
+            </a:r>
+            <a:endParaRPr lang="en-US" sz="1400" dirty="0">
+              <a:solidFill>
+                <a:srgbClr val="00B050"/>
+              </a:solidFill>
+              <a:latin typeface="Consolas" panose="020B0609020204030204" pitchFamily="49" charset="0"/>
+              <a:cs typeface="Consolas" panose="020B0609020204030204" pitchFamily="49" charset="0"/>
+            </a:endParaRPr>
+          </a:p>
+          <a:p>
+            <a:pPr marL="0" indent="0">
+              <a:buNone/>
+            </a:pPr>
+            <a:r>
+              <a:rPr lang="en-US" sz="1400" dirty="0">
+                <a:solidFill>
+                  <a:schemeClr val="accent6">
+                    <a:lumMod val="40000"/>
+                    <a:lumOff val="60000"/>
+                  </a:schemeClr>
+                </a:solidFill>
+                <a:latin typeface="Consolas" panose="020B0609020204030204" pitchFamily="49" charset="0"/>
+                <a:cs typeface="Consolas" panose="020B0609020204030204" pitchFamily="49" charset="0"/>
+              </a:rPr>
+              <a:t>~$</a:t>
+            </a:r>
+            <a:r>
+              <a:rPr lang="en-US" sz="1400" dirty="0">
+                <a:latin typeface="Consolas" panose="020B0609020204030204" pitchFamily="49" charset="0"/>
+                <a:cs typeface="Consolas" panose="020B0609020204030204" pitchFamily="49" charset="0"/>
+              </a:rPr>
+              <a:t> </a:t>
+            </a:r>
+            <a:r>
+              <a:rPr lang="en-US" sz="1400" dirty="0">
+                <a:solidFill>
+                  <a:srgbClr val="00B050"/>
+                </a:solidFill>
+                <a:latin typeface="Consolas" panose="020B0609020204030204" pitchFamily="49" charset="0"/>
+                <a:cs typeface="Consolas" panose="020B0609020204030204" pitchFamily="49" charset="0"/>
+              </a:rPr>
+              <a:t>sort –k </a:t>
+            </a:r>
+            <a:r>
+              <a:rPr lang="en-US" sz="1400" dirty="0" smtClean="0">
+                <a:solidFill>
+                  <a:srgbClr val="00B050"/>
+                </a:solidFill>
+                <a:latin typeface="Consolas" panose="020B0609020204030204" pitchFamily="49" charset="0"/>
+                <a:cs typeface="Consolas" panose="020B0609020204030204" pitchFamily="49" charset="0"/>
+              </a:rPr>
+              <a:t>1.4,1.5 </a:t>
+            </a:r>
+            <a:r>
+              <a:rPr lang="en-US" sz="1400" dirty="0">
+                <a:solidFill>
+                  <a:srgbClr val="00B050"/>
+                </a:solidFill>
+                <a:latin typeface="Consolas" panose="020B0609020204030204" pitchFamily="49" charset="0"/>
+                <a:cs typeface="Consolas" panose="020B0609020204030204" pitchFamily="49" charset="0"/>
+              </a:rPr>
+              <a:t>–n </a:t>
+            </a:r>
+            <a:r>
+              <a:rPr lang="en-US" sz="1400" dirty="0" err="1">
+                <a:solidFill>
+                  <a:srgbClr val="00B050"/>
+                </a:solidFill>
+                <a:latin typeface="Consolas" panose="020B0609020204030204" pitchFamily="49" charset="0"/>
+                <a:cs typeface="Consolas" panose="020B0609020204030204" pitchFamily="49" charset="0"/>
+              </a:rPr>
+              <a:t>genes.gff</a:t>
+            </a:r>
+            <a:endParaRPr lang="en-US" sz="1400" dirty="0">
+              <a:solidFill>
+                <a:srgbClr val="00B050"/>
+              </a:solidFill>
+              <a:latin typeface="Consolas" panose="020B0609020204030204" pitchFamily="49" charset="0"/>
+              <a:cs typeface="Consolas" panose="020B0609020204030204" pitchFamily="49" charset="0"/>
+            </a:endParaRPr>
+          </a:p>
+          <a:p>
+            <a:pPr marL="0" indent="0">
+              <a:buNone/>
+            </a:pPr>
+            <a:r>
+              <a:rPr lang="en-US" sz="1400" dirty="0" smtClean="0">
+                <a:solidFill>
+                  <a:schemeClr val="accent6">
+                    <a:lumMod val="40000"/>
+                    <a:lumOff val="60000"/>
+                  </a:schemeClr>
+                </a:solidFill>
+                <a:latin typeface="Consolas" panose="020B0609020204030204" pitchFamily="49" charset="0"/>
+                <a:cs typeface="Consolas" panose="020B0609020204030204" pitchFamily="49" charset="0"/>
+              </a:rPr>
+              <a:t>~$</a:t>
+            </a:r>
+            <a:r>
+              <a:rPr lang="en-US" sz="1400" dirty="0" smtClean="0">
+                <a:latin typeface="Consolas" panose="020B0609020204030204" pitchFamily="49" charset="0"/>
+                <a:cs typeface="Consolas" panose="020B0609020204030204" pitchFamily="49" charset="0"/>
+              </a:rPr>
+              <a:t> </a:t>
+            </a:r>
+            <a:r>
+              <a:rPr lang="en-US" sz="1400" dirty="0">
+                <a:solidFill>
+                  <a:srgbClr val="00B050"/>
+                </a:solidFill>
+                <a:latin typeface="Consolas" panose="020B0609020204030204" pitchFamily="49" charset="0"/>
+                <a:cs typeface="Consolas" panose="020B0609020204030204" pitchFamily="49" charset="0"/>
+              </a:rPr>
+              <a:t>sort –k </a:t>
+            </a:r>
+            <a:r>
+              <a:rPr lang="en-US" sz="1400" dirty="0" smtClean="0">
+                <a:solidFill>
+                  <a:srgbClr val="00B050"/>
+                </a:solidFill>
+                <a:latin typeface="Consolas" panose="020B0609020204030204" pitchFamily="49" charset="0"/>
+                <a:cs typeface="Consolas" panose="020B0609020204030204" pitchFamily="49" charset="0"/>
+              </a:rPr>
+              <a:t>3 </a:t>
+            </a:r>
+            <a:r>
+              <a:rPr lang="en-US" sz="1400" dirty="0" err="1" smtClean="0">
+                <a:solidFill>
+                  <a:srgbClr val="00B050"/>
+                </a:solidFill>
+                <a:latin typeface="Consolas" panose="020B0609020204030204" pitchFamily="49" charset="0"/>
+                <a:cs typeface="Consolas" panose="020B0609020204030204" pitchFamily="49" charset="0"/>
+              </a:rPr>
+              <a:t>genes.gff</a:t>
+            </a:r>
+            <a:endParaRPr lang="en-US" sz="1400" dirty="0" smtClean="0">
+              <a:solidFill>
+                <a:srgbClr val="00B050"/>
+              </a:solidFill>
+              <a:latin typeface="Consolas" panose="020B0609020204030204" pitchFamily="49" charset="0"/>
+              <a:cs typeface="Consolas" panose="020B0609020204030204" pitchFamily="49" charset="0"/>
+            </a:endParaRPr>
+          </a:p>
+          <a:p>
+            <a:pPr marL="0" indent="0">
+              <a:buNone/>
+            </a:pPr>
+            <a:r>
+              <a:rPr lang="en-US" sz="1400" dirty="0">
+                <a:solidFill>
+                  <a:schemeClr val="accent6">
+                    <a:lumMod val="40000"/>
+                    <a:lumOff val="60000"/>
+                  </a:schemeClr>
+                </a:solidFill>
+                <a:latin typeface="Consolas" panose="020B0609020204030204" pitchFamily="49" charset="0"/>
+                <a:cs typeface="Consolas" panose="020B0609020204030204" pitchFamily="49" charset="0"/>
+              </a:rPr>
+              <a:t>~$</a:t>
+            </a:r>
+            <a:r>
+              <a:rPr lang="en-US" sz="1400" dirty="0">
+                <a:latin typeface="Consolas" panose="020B0609020204030204" pitchFamily="49" charset="0"/>
+                <a:cs typeface="Consolas" panose="020B0609020204030204" pitchFamily="49" charset="0"/>
+              </a:rPr>
+              <a:t> </a:t>
+            </a:r>
+            <a:r>
+              <a:rPr lang="en-US" sz="1400" dirty="0">
+                <a:solidFill>
+                  <a:srgbClr val="00B050"/>
+                </a:solidFill>
+                <a:latin typeface="Consolas" panose="020B0609020204030204" pitchFamily="49" charset="0"/>
+                <a:cs typeface="Consolas" panose="020B0609020204030204" pitchFamily="49" charset="0"/>
+              </a:rPr>
+              <a:t>sort –k 3 </a:t>
+            </a:r>
+            <a:r>
+              <a:rPr lang="en-US" sz="1400" dirty="0" smtClean="0">
+                <a:solidFill>
+                  <a:srgbClr val="00B050"/>
+                </a:solidFill>
+                <a:latin typeface="Consolas" panose="020B0609020204030204" pitchFamily="49" charset="0"/>
+                <a:cs typeface="Consolas" panose="020B0609020204030204" pitchFamily="49" charset="0"/>
+              </a:rPr>
+              <a:t>–r </a:t>
+            </a:r>
+            <a:r>
+              <a:rPr lang="en-US" sz="1400" dirty="0" err="1" smtClean="0">
+                <a:solidFill>
+                  <a:srgbClr val="00B050"/>
+                </a:solidFill>
+                <a:latin typeface="Consolas" panose="020B0609020204030204" pitchFamily="49" charset="0"/>
+                <a:cs typeface="Consolas" panose="020B0609020204030204" pitchFamily="49" charset="0"/>
+              </a:rPr>
+              <a:t>genes.gff</a:t>
+            </a:r>
+            <a:endParaRPr lang="en-US" sz="1400" dirty="0">
+              <a:solidFill>
+                <a:srgbClr val="00B050"/>
+              </a:solidFill>
+              <a:latin typeface="Consolas" panose="020B0609020204030204" pitchFamily="49" charset="0"/>
+              <a:cs typeface="Consolas" panose="020B0609020204030204" pitchFamily="49" charset="0"/>
+            </a:endParaRPr>
+          </a:p>
+          <a:p>
+            <a:pPr marL="0" indent="0">
+              <a:buNone/>
+            </a:pPr>
+            <a:r>
+              <a:rPr lang="en-US" sz="1400" i="1" dirty="0">
+                <a:latin typeface="Consolas" panose="020B0609020204030204" pitchFamily="49" charset="0"/>
+                <a:cs typeface="Consolas" panose="020B0609020204030204" pitchFamily="49" charset="0"/>
+              </a:rPr>
+              <a:t># </a:t>
+            </a:r>
+            <a:r>
+              <a:rPr lang="en-US" sz="1400" i="1" dirty="0" smtClean="0">
+                <a:latin typeface="Consolas" panose="020B0609020204030204" pitchFamily="49" charset="0"/>
+                <a:cs typeface="Consolas" panose="020B0609020204030204" pitchFamily="49" charset="0"/>
+              </a:rPr>
+              <a:t>by default, it assumes the fields (columns) are separated by tab, but you can change this using -t option.</a:t>
+            </a:r>
+          </a:p>
+          <a:p>
+            <a:pPr marL="0" indent="0">
+              <a:buNone/>
+            </a:pPr>
             <a:endParaRPr lang="en-US" sz="1400" i="1" dirty="0" smtClean="0">
               <a:latin typeface="Consolas" panose="020B0609020204030204" pitchFamily="49" charset="0"/>
               <a:cs typeface="Consolas" panose="020B0609020204030204" pitchFamily="49" charset="0"/>
@@ -30422,78 +30734,10 @@
             <a:pPr marL="0" indent="0">
               <a:buNone/>
             </a:pPr>
-            <a:r>
-              <a:rPr lang="en-US" sz="1400" dirty="0" smtClean="0">
-                <a:solidFill>
-                  <a:schemeClr val="accent6">
-                    <a:lumMod val="40000"/>
-                    <a:lumOff val="60000"/>
-                  </a:schemeClr>
-                </a:solidFill>
-                <a:latin typeface="Consolas" panose="020B0609020204030204" pitchFamily="49" charset="0"/>
-                <a:cs typeface="Consolas" panose="020B0609020204030204" pitchFamily="49" charset="0"/>
-              </a:rPr>
-              <a:t>~$</a:t>
-            </a:r>
-            <a:r>
-              <a:rPr lang="en-US" sz="1400" dirty="0" smtClean="0">
-                <a:latin typeface="Consolas" panose="020B0609020204030204" pitchFamily="49" charset="0"/>
-                <a:cs typeface="Consolas" panose="020B0609020204030204" pitchFamily="49" charset="0"/>
-              </a:rPr>
-              <a:t> </a:t>
-            </a:r>
-            <a:r>
-              <a:rPr lang="en-US" sz="1400" dirty="0">
-                <a:solidFill>
-                  <a:srgbClr val="00B050"/>
-                </a:solidFill>
-                <a:latin typeface="Consolas" panose="020B0609020204030204" pitchFamily="49" charset="0"/>
-                <a:cs typeface="Consolas" panose="020B0609020204030204" pitchFamily="49" charset="0"/>
-              </a:rPr>
-              <a:t>diff -y ids_a.txt </a:t>
-            </a:r>
-            <a:r>
-              <a:rPr lang="en-US" sz="1400" dirty="0" smtClean="0">
-                <a:solidFill>
-                  <a:srgbClr val="00B050"/>
-                </a:solidFill>
-                <a:latin typeface="Consolas" panose="020B0609020204030204" pitchFamily="49" charset="0"/>
-                <a:cs typeface="Consolas" panose="020B0609020204030204" pitchFamily="49" charset="0"/>
-              </a:rPr>
-              <a:t>ids_b.txt</a:t>
-            </a:r>
-          </a:p>
-          <a:p>
-            <a:pPr marL="0" indent="0">
-              <a:buNone/>
-            </a:pPr>
-            <a:r>
-              <a:rPr lang="en-US" sz="1400" i="1" dirty="0">
-                <a:latin typeface="Consolas" panose="020B0609020204030204" pitchFamily="49" charset="0"/>
-                <a:cs typeface="Consolas" panose="020B0609020204030204" pitchFamily="49" charset="0"/>
-              </a:rPr>
-              <a:t># </a:t>
-            </a:r>
-            <a:r>
-              <a:rPr lang="en-US" sz="1400" i="1" dirty="0" smtClean="0">
-                <a:latin typeface="Consolas" panose="020B0609020204030204" pitchFamily="49" charset="0"/>
-                <a:cs typeface="Consolas" panose="020B0609020204030204" pitchFamily="49" charset="0"/>
-              </a:rPr>
-              <a:t>are these files different?</a:t>
-            </a:r>
-          </a:p>
-          <a:p>
-            <a:pPr marL="0" indent="0">
-              <a:buNone/>
-            </a:pPr>
-            <a:r>
-              <a:rPr lang="en-US" sz="1400" i="1" dirty="0" smtClean="0">
-                <a:latin typeface="Consolas" panose="020B0609020204030204" pitchFamily="49" charset="0"/>
-                <a:cs typeface="Consolas" panose="020B0609020204030204" pitchFamily="49" charset="0"/>
-              </a:rPr>
-              <a:t># now try:</a:t>
-            </a:r>
-            <a:endParaRPr lang="en-US" sz="1400" i="1" dirty="0">
+            <a:endParaRPr lang="en-US" sz="1400" dirty="0">
+              <a:solidFill>
+                <a:srgbClr val="00B050"/>
+              </a:solidFill>
               <a:latin typeface="Consolas" panose="020B0609020204030204" pitchFamily="49" charset="0"/>
               <a:cs typeface="Consolas" panose="020B0609020204030204" pitchFamily="49" charset="0"/>
             </a:endParaRPr>
@@ -30502,277 +30746,20 @@
             <a:pPr marL="0" indent="0">
               <a:buNone/>
             </a:pPr>
-            <a:r>
-              <a:rPr lang="en-US" sz="1400" dirty="0" smtClean="0">
-                <a:solidFill>
-                  <a:schemeClr val="accent6">
-                    <a:lumMod val="40000"/>
-                    <a:lumOff val="60000"/>
-                  </a:schemeClr>
-                </a:solidFill>
-                <a:latin typeface="Consolas" panose="020B0609020204030204" pitchFamily="49" charset="0"/>
-                <a:cs typeface="Consolas" panose="020B0609020204030204" pitchFamily="49" charset="0"/>
-              </a:rPr>
-              <a:t>~$</a:t>
-            </a:r>
-            <a:r>
-              <a:rPr lang="en-US" sz="1400" dirty="0" smtClean="0">
-                <a:latin typeface="Consolas" panose="020B0609020204030204" pitchFamily="49" charset="0"/>
-                <a:cs typeface="Consolas" panose="020B0609020204030204" pitchFamily="49" charset="0"/>
-              </a:rPr>
-              <a:t> </a:t>
-            </a:r>
-            <a:r>
-              <a:rPr lang="en-US" sz="1400" dirty="0" err="1">
-                <a:solidFill>
-                  <a:srgbClr val="00B050"/>
-                </a:solidFill>
-                <a:latin typeface="Consolas" panose="020B0609020204030204" pitchFamily="49" charset="0"/>
-                <a:cs typeface="Consolas" panose="020B0609020204030204" pitchFamily="49" charset="0"/>
-              </a:rPr>
-              <a:t>comm</a:t>
-            </a:r>
-            <a:r>
-              <a:rPr lang="en-US" sz="1400" dirty="0">
-                <a:solidFill>
-                  <a:srgbClr val="00B050"/>
-                </a:solidFill>
-                <a:latin typeface="Consolas" panose="020B0609020204030204" pitchFamily="49" charset="0"/>
-                <a:cs typeface="Consolas" panose="020B0609020204030204" pitchFamily="49" charset="0"/>
-              </a:rPr>
-              <a:t> </a:t>
-            </a:r>
-            <a:r>
-              <a:rPr lang="en-US" sz="1400" dirty="0" smtClean="0">
-                <a:solidFill>
-                  <a:srgbClr val="00B050"/>
-                </a:solidFill>
-                <a:latin typeface="Consolas" panose="020B0609020204030204" pitchFamily="49" charset="0"/>
-                <a:cs typeface="Consolas" panose="020B0609020204030204" pitchFamily="49" charset="0"/>
-              </a:rPr>
-              <a:t>ids_a.txt ids_b.txt</a:t>
-            </a:r>
-          </a:p>
-          <a:p>
-            <a:pPr marL="0" indent="0">
-              <a:buNone/>
-            </a:pPr>
-            <a:r>
-              <a:rPr lang="en-US" sz="1400" dirty="0">
-                <a:solidFill>
-                  <a:schemeClr val="accent6">
-                    <a:lumMod val="40000"/>
-                    <a:lumOff val="60000"/>
-                  </a:schemeClr>
-                </a:solidFill>
-                <a:latin typeface="Consolas" panose="020B0609020204030204" pitchFamily="49" charset="0"/>
-                <a:cs typeface="Consolas" panose="020B0609020204030204" pitchFamily="49" charset="0"/>
-              </a:rPr>
-              <a:t>~$</a:t>
-            </a:r>
-            <a:r>
-              <a:rPr lang="en-US" sz="1400" dirty="0">
-                <a:latin typeface="Consolas" panose="020B0609020204030204" pitchFamily="49" charset="0"/>
-                <a:cs typeface="Consolas" panose="020B0609020204030204" pitchFamily="49" charset="0"/>
-              </a:rPr>
-              <a:t> </a:t>
-            </a:r>
-            <a:r>
-              <a:rPr lang="en-US" sz="1400" dirty="0" err="1">
-                <a:solidFill>
-                  <a:srgbClr val="00B050"/>
-                </a:solidFill>
-                <a:latin typeface="Consolas" panose="020B0609020204030204" pitchFamily="49" charset="0"/>
-                <a:cs typeface="Consolas" panose="020B0609020204030204" pitchFamily="49" charset="0"/>
-              </a:rPr>
-              <a:t>comm</a:t>
-            </a:r>
-            <a:r>
-              <a:rPr lang="en-US" sz="1400" dirty="0">
-                <a:solidFill>
-                  <a:srgbClr val="00B050"/>
-                </a:solidFill>
-                <a:latin typeface="Consolas" panose="020B0609020204030204" pitchFamily="49" charset="0"/>
-                <a:cs typeface="Consolas" panose="020B0609020204030204" pitchFamily="49" charset="0"/>
-              </a:rPr>
-              <a:t> </a:t>
-            </a:r>
-            <a:r>
-              <a:rPr lang="en-US" sz="1400" dirty="0" smtClean="0">
-                <a:solidFill>
-                  <a:srgbClr val="00B050"/>
-                </a:solidFill>
-                <a:latin typeface="Consolas" panose="020B0609020204030204" pitchFamily="49" charset="0"/>
-                <a:cs typeface="Consolas" panose="020B0609020204030204" pitchFamily="49" charset="0"/>
-              </a:rPr>
-              <a:t>-1 ids_a.txt </a:t>
-            </a:r>
-            <a:r>
-              <a:rPr lang="en-US" sz="1400" dirty="0">
-                <a:solidFill>
-                  <a:srgbClr val="00B050"/>
-                </a:solidFill>
-                <a:latin typeface="Consolas" panose="020B0609020204030204" pitchFamily="49" charset="0"/>
-                <a:cs typeface="Consolas" panose="020B0609020204030204" pitchFamily="49" charset="0"/>
-              </a:rPr>
-              <a:t>ids_b.txt</a:t>
-            </a:r>
-          </a:p>
-          <a:p>
-            <a:pPr marL="0" indent="0">
-              <a:buNone/>
-            </a:pPr>
-            <a:r>
-              <a:rPr lang="en-US" sz="1400" dirty="0">
-                <a:solidFill>
-                  <a:schemeClr val="accent6">
-                    <a:lumMod val="40000"/>
-                    <a:lumOff val="60000"/>
-                  </a:schemeClr>
-                </a:solidFill>
-                <a:latin typeface="Consolas" panose="020B0609020204030204" pitchFamily="49" charset="0"/>
-                <a:cs typeface="Consolas" panose="020B0609020204030204" pitchFamily="49" charset="0"/>
-              </a:rPr>
-              <a:t>~$</a:t>
-            </a:r>
-            <a:r>
-              <a:rPr lang="en-US" sz="1400" dirty="0">
-                <a:latin typeface="Consolas" panose="020B0609020204030204" pitchFamily="49" charset="0"/>
-                <a:cs typeface="Consolas" panose="020B0609020204030204" pitchFamily="49" charset="0"/>
-              </a:rPr>
-              <a:t> </a:t>
-            </a:r>
-            <a:r>
-              <a:rPr lang="en-US" sz="1400" dirty="0" err="1">
-                <a:solidFill>
-                  <a:srgbClr val="00B050"/>
-                </a:solidFill>
-                <a:latin typeface="Consolas" panose="020B0609020204030204" pitchFamily="49" charset="0"/>
-                <a:cs typeface="Consolas" panose="020B0609020204030204" pitchFamily="49" charset="0"/>
-              </a:rPr>
-              <a:t>comm</a:t>
-            </a:r>
-            <a:r>
-              <a:rPr lang="en-US" sz="1400" dirty="0">
-                <a:solidFill>
-                  <a:srgbClr val="00B050"/>
-                </a:solidFill>
-                <a:latin typeface="Consolas" panose="020B0609020204030204" pitchFamily="49" charset="0"/>
-                <a:cs typeface="Consolas" panose="020B0609020204030204" pitchFamily="49" charset="0"/>
-              </a:rPr>
-              <a:t> </a:t>
-            </a:r>
-            <a:r>
-              <a:rPr lang="en-US" sz="1400" dirty="0" smtClean="0">
-                <a:solidFill>
-                  <a:srgbClr val="00B050"/>
-                </a:solidFill>
-                <a:latin typeface="Consolas" panose="020B0609020204030204" pitchFamily="49" charset="0"/>
-                <a:cs typeface="Consolas" panose="020B0609020204030204" pitchFamily="49" charset="0"/>
-              </a:rPr>
-              <a:t>-2 ids_a.txt </a:t>
-            </a:r>
-            <a:r>
-              <a:rPr lang="en-US" sz="1400" dirty="0">
-                <a:solidFill>
-                  <a:srgbClr val="00B050"/>
-                </a:solidFill>
-                <a:latin typeface="Consolas" panose="020B0609020204030204" pitchFamily="49" charset="0"/>
-                <a:cs typeface="Consolas" panose="020B0609020204030204" pitchFamily="49" charset="0"/>
-              </a:rPr>
-              <a:t>ids_b.txt</a:t>
-            </a:r>
-          </a:p>
-          <a:p>
-            <a:pPr marL="0" indent="0">
-              <a:buNone/>
-            </a:pPr>
-            <a:r>
-              <a:rPr lang="en-US" sz="1400" dirty="0">
-                <a:solidFill>
-                  <a:schemeClr val="accent6">
-                    <a:lumMod val="40000"/>
-                    <a:lumOff val="60000"/>
-                  </a:schemeClr>
-                </a:solidFill>
-                <a:latin typeface="Consolas" panose="020B0609020204030204" pitchFamily="49" charset="0"/>
-                <a:cs typeface="Consolas" panose="020B0609020204030204" pitchFamily="49" charset="0"/>
-              </a:rPr>
-              <a:t>~$</a:t>
-            </a:r>
-            <a:r>
-              <a:rPr lang="en-US" sz="1400" dirty="0">
-                <a:latin typeface="Consolas" panose="020B0609020204030204" pitchFamily="49" charset="0"/>
-                <a:cs typeface="Consolas" panose="020B0609020204030204" pitchFamily="49" charset="0"/>
-              </a:rPr>
-              <a:t> </a:t>
-            </a:r>
-            <a:r>
-              <a:rPr lang="en-US" sz="1400" dirty="0" err="1">
-                <a:solidFill>
-                  <a:srgbClr val="00B050"/>
-                </a:solidFill>
-                <a:latin typeface="Consolas" panose="020B0609020204030204" pitchFamily="49" charset="0"/>
-                <a:cs typeface="Consolas" panose="020B0609020204030204" pitchFamily="49" charset="0"/>
-              </a:rPr>
-              <a:t>comm</a:t>
-            </a:r>
-            <a:r>
-              <a:rPr lang="en-US" sz="1400" dirty="0">
-                <a:solidFill>
-                  <a:srgbClr val="00B050"/>
-                </a:solidFill>
-                <a:latin typeface="Consolas" panose="020B0609020204030204" pitchFamily="49" charset="0"/>
-                <a:cs typeface="Consolas" panose="020B0609020204030204" pitchFamily="49" charset="0"/>
-              </a:rPr>
-              <a:t> </a:t>
-            </a:r>
-            <a:r>
-              <a:rPr lang="en-US" sz="1400" dirty="0" smtClean="0">
-                <a:solidFill>
-                  <a:srgbClr val="00B050"/>
-                </a:solidFill>
-                <a:latin typeface="Consolas" panose="020B0609020204030204" pitchFamily="49" charset="0"/>
-                <a:cs typeface="Consolas" panose="020B0609020204030204" pitchFamily="49" charset="0"/>
-              </a:rPr>
-              <a:t>-3 ids_a.txt </a:t>
-            </a:r>
-            <a:r>
-              <a:rPr lang="en-US" sz="1400" dirty="0">
-                <a:solidFill>
-                  <a:srgbClr val="00B050"/>
-                </a:solidFill>
-                <a:latin typeface="Consolas" panose="020B0609020204030204" pitchFamily="49" charset="0"/>
-                <a:cs typeface="Consolas" panose="020B0609020204030204" pitchFamily="49" charset="0"/>
-              </a:rPr>
-              <a:t>ids_b.txt</a:t>
-            </a:r>
-          </a:p>
-          <a:p>
-            <a:pPr marL="0" indent="0">
-              <a:buNone/>
-            </a:pPr>
-            <a:r>
-              <a:rPr lang="en-US" sz="1400" i="1" dirty="0">
-                <a:latin typeface="Consolas" panose="020B0609020204030204" pitchFamily="49" charset="0"/>
-                <a:cs typeface="Consolas" panose="020B0609020204030204" pitchFamily="49" charset="0"/>
-              </a:rPr>
-              <a:t># </a:t>
-            </a:r>
-            <a:r>
-              <a:rPr lang="en-US" sz="1400" i="1" dirty="0" smtClean="0">
-                <a:latin typeface="Consolas" panose="020B0609020204030204" pitchFamily="49" charset="0"/>
-                <a:cs typeface="Consolas" panose="020B0609020204030204" pitchFamily="49" charset="0"/>
-              </a:rPr>
-              <a:t>what’s the difference?</a:t>
-            </a:r>
+            <a:endParaRPr lang="en-US" sz="1400" dirty="0">
+              <a:solidFill>
+                <a:srgbClr val="00B050"/>
+              </a:solidFill>
+              <a:latin typeface="Consolas" panose="020B0609020204030204" pitchFamily="49" charset="0"/>
+              <a:cs typeface="Consolas" panose="020B0609020204030204" pitchFamily="49" charset="0"/>
+            </a:endParaRPr>
           </a:p>
         </p:txBody>
       </p:sp>
     </p:spTree>
     <p:extLst>
       <p:ext uri="{BB962C8B-B14F-4D97-AF65-F5344CB8AC3E}">
-        <p14:creationId xmlns:p14="http://schemas.microsoft.com/office/powerpoint/2010/main" val="4096372205"/>
+        <p14:creationId xmlns:p14="http://schemas.microsoft.com/office/powerpoint/2010/main" val="3079225992"/>
       </p:ext>
     </p:extLst>
   </p:cSld>
@@ -30790,6 +30777,1269 @@
 </file>
 
 <file path=ppt/slides/slide45.xml><?xml version="1.0" encoding="utf-8"?>
+<p:sld xmlns:a="http://schemas.openxmlformats.org/drawingml/2006/main" xmlns:r="http://schemas.openxmlformats.org/officeDocument/2006/relationships" xmlns:p="http://schemas.openxmlformats.org/presentationml/2006/main">
+  <p:cSld>
+    <p:spTree>
+      <p:nvGrpSpPr>
+        <p:cNvPr id="1" name=""/>
+        <p:cNvGrpSpPr/>
+        <p:nvPr/>
+      </p:nvGrpSpPr>
+      <p:grpSpPr>
+        <a:xfrm>
+          <a:off x="0" y="0"/>
+          <a:ext cx="0" cy="0"/>
+          <a:chOff x="0" y="0"/>
+          <a:chExt cx="0" cy="0"/>
+        </a:xfrm>
+      </p:grpSpPr>
+      <p:sp>
+        <p:nvSpPr>
+          <p:cNvPr id="2" name="Title 1"/>
+          <p:cNvSpPr>
+            <a:spLocks noGrp="1"/>
+          </p:cNvSpPr>
+          <p:nvPr>
+            <p:ph type="title"/>
+          </p:nvPr>
+        </p:nvSpPr>
+        <p:spPr/>
+        <p:txBody>
+          <a:bodyPr/>
+          <a:lstStyle/>
+          <a:p>
+            <a:r>
+              <a:rPr lang="en-US" dirty="0" err="1" smtClean="0"/>
+              <a:t>uniq</a:t>
+            </a:r>
+            <a:endParaRPr lang="en-US" dirty="0"/>
+          </a:p>
+        </p:txBody>
+      </p:sp>
+      <p:sp>
+        <p:nvSpPr>
+          <p:cNvPr id="3" name="Content Placeholder 2"/>
+          <p:cNvSpPr>
+            <a:spLocks noGrp="1"/>
+          </p:cNvSpPr>
+          <p:nvPr>
+            <p:ph idx="1"/>
+          </p:nvPr>
+        </p:nvSpPr>
+        <p:spPr>
+          <a:xfrm>
+            <a:off x="97654" y="1295399"/>
+            <a:ext cx="8939814" cy="5034379"/>
+          </a:xfrm>
+          <a:solidFill>
+            <a:schemeClr val="tx1"/>
+          </a:solidFill>
+        </p:spPr>
+        <p:txBody>
+          <a:bodyPr/>
+          <a:lstStyle/>
+          <a:p>
+            <a:pPr marL="0" indent="0">
+              <a:buNone/>
+            </a:pPr>
+            <a:r>
+              <a:rPr lang="en-US" sz="1400" i="1" dirty="0">
+                <a:latin typeface="Consolas" panose="020B0609020204030204" pitchFamily="49" charset="0"/>
+                <a:cs typeface="Consolas" panose="020B0609020204030204" pitchFamily="49" charset="0"/>
+              </a:rPr>
+              <a:t># Make sure you are in WORKSHOP_FILES directory</a:t>
+            </a:r>
+          </a:p>
+          <a:p>
+            <a:pPr marL="0" indent="0">
+              <a:buNone/>
+            </a:pPr>
+            <a:r>
+              <a:rPr lang="en-US" sz="1400" dirty="0">
+                <a:solidFill>
+                  <a:schemeClr val="accent6">
+                    <a:lumMod val="40000"/>
+                    <a:lumOff val="60000"/>
+                  </a:schemeClr>
+                </a:solidFill>
+                <a:latin typeface="Consolas" panose="020B0609020204030204" pitchFamily="49" charset="0"/>
+                <a:cs typeface="Consolas" panose="020B0609020204030204" pitchFamily="49" charset="0"/>
+              </a:rPr>
+              <a:t>~$</a:t>
+            </a:r>
+            <a:r>
+              <a:rPr lang="en-US" sz="1400" dirty="0">
+                <a:latin typeface="Consolas" panose="020B0609020204030204" pitchFamily="49" charset="0"/>
+                <a:cs typeface="Consolas" panose="020B0609020204030204" pitchFamily="49" charset="0"/>
+              </a:rPr>
+              <a:t> </a:t>
+            </a:r>
+            <a:r>
+              <a:rPr lang="en-US" sz="1400" dirty="0" err="1">
+                <a:solidFill>
+                  <a:srgbClr val="00B050"/>
+                </a:solidFill>
+                <a:latin typeface="Consolas" panose="020B0609020204030204" pitchFamily="49" charset="0"/>
+                <a:cs typeface="Consolas" panose="020B0609020204030204" pitchFamily="49" charset="0"/>
+              </a:rPr>
+              <a:t>pwd</a:t>
+            </a:r>
+            <a:endParaRPr lang="en-US" sz="1400" dirty="0">
+              <a:solidFill>
+                <a:srgbClr val="00B050"/>
+              </a:solidFill>
+              <a:latin typeface="Consolas" panose="020B0609020204030204" pitchFamily="49" charset="0"/>
+              <a:cs typeface="Consolas" panose="020B0609020204030204" pitchFamily="49" charset="0"/>
+            </a:endParaRPr>
+          </a:p>
+          <a:p>
+            <a:pPr marL="0" indent="0">
+              <a:buNone/>
+            </a:pPr>
+            <a:r>
+              <a:rPr lang="en-US" sz="1400" dirty="0">
+                <a:solidFill>
+                  <a:srgbClr val="00B050"/>
+                </a:solidFill>
+                <a:latin typeface="Consolas" panose="020B0609020204030204" pitchFamily="49" charset="0"/>
+                <a:cs typeface="Consolas" panose="020B0609020204030204" pitchFamily="49" charset="0"/>
+              </a:rPr>
+              <a:t>/home/</a:t>
+            </a:r>
+            <a:r>
+              <a:rPr lang="en-US" sz="1400" dirty="0" err="1">
+                <a:solidFill>
+                  <a:srgbClr val="00B050"/>
+                </a:solidFill>
+                <a:latin typeface="Consolas" panose="020B0609020204030204" pitchFamily="49" charset="0"/>
+                <a:cs typeface="Consolas" panose="020B0609020204030204" pitchFamily="49" charset="0"/>
+              </a:rPr>
+              <a:t>arnstrm</a:t>
+            </a:r>
+            <a:r>
+              <a:rPr lang="en-US" sz="1400" dirty="0">
+                <a:solidFill>
+                  <a:srgbClr val="00B050"/>
+                </a:solidFill>
+                <a:latin typeface="Consolas" panose="020B0609020204030204" pitchFamily="49" charset="0"/>
+                <a:cs typeface="Consolas" panose="020B0609020204030204" pitchFamily="49" charset="0"/>
+              </a:rPr>
+              <a:t>/WORKSHOP_FILES</a:t>
+            </a:r>
+          </a:p>
+          <a:p>
+            <a:pPr marL="0" indent="0">
+              <a:buNone/>
+            </a:pPr>
+            <a:r>
+              <a:rPr lang="en-US" sz="1400" i="1" dirty="0">
+                <a:latin typeface="Consolas" panose="020B0609020204030204" pitchFamily="49" charset="0"/>
+                <a:cs typeface="Consolas" panose="020B0609020204030204" pitchFamily="49" charset="0"/>
+              </a:rPr>
+              <a:t># check files</a:t>
+            </a:r>
+            <a:r>
+              <a:rPr lang="en-US" sz="1400" i="1" dirty="0" smtClean="0">
+                <a:latin typeface="Consolas" panose="020B0609020204030204" pitchFamily="49" charset="0"/>
+                <a:cs typeface="Consolas" panose="020B0609020204030204" pitchFamily="49" charset="0"/>
+              </a:rPr>
+              <a:t>:</a:t>
+            </a:r>
+          </a:p>
+          <a:p>
+            <a:pPr marL="0" indent="0">
+              <a:buNone/>
+            </a:pPr>
+            <a:r>
+              <a:rPr lang="en-US" sz="1400" dirty="0" smtClean="0">
+                <a:solidFill>
+                  <a:schemeClr val="accent6">
+                    <a:lumMod val="40000"/>
+                    <a:lumOff val="60000"/>
+                  </a:schemeClr>
+                </a:solidFill>
+                <a:latin typeface="Consolas" panose="020B0609020204030204" pitchFamily="49" charset="0"/>
+                <a:cs typeface="Consolas" panose="020B0609020204030204" pitchFamily="49" charset="0"/>
+              </a:rPr>
+              <a:t>~$</a:t>
+            </a:r>
+            <a:r>
+              <a:rPr lang="en-US" sz="1400" dirty="0" smtClean="0">
+                <a:latin typeface="Consolas" panose="020B0609020204030204" pitchFamily="49" charset="0"/>
+                <a:cs typeface="Consolas" panose="020B0609020204030204" pitchFamily="49" charset="0"/>
+              </a:rPr>
+              <a:t> </a:t>
+            </a:r>
+            <a:r>
+              <a:rPr lang="en-US" sz="1400" dirty="0">
+                <a:solidFill>
+                  <a:srgbClr val="00B050"/>
+                </a:solidFill>
+                <a:latin typeface="Consolas" panose="020B0609020204030204" pitchFamily="49" charset="0"/>
+                <a:cs typeface="Consolas" panose="020B0609020204030204" pitchFamily="49" charset="0"/>
+              </a:rPr>
+              <a:t>cat </a:t>
+            </a:r>
+            <a:r>
+              <a:rPr lang="en-US" sz="1400" dirty="0" smtClean="0">
+                <a:solidFill>
+                  <a:srgbClr val="00B050"/>
+                </a:solidFill>
+                <a:latin typeface="Consolas" panose="020B0609020204030204" pitchFamily="49" charset="0"/>
+                <a:cs typeface="Consolas" panose="020B0609020204030204" pitchFamily="49" charset="0"/>
+              </a:rPr>
+              <a:t>ids.txt</a:t>
+            </a:r>
+          </a:p>
+          <a:p>
+            <a:pPr marL="0" indent="0">
+              <a:buNone/>
+            </a:pPr>
+            <a:r>
+              <a:rPr lang="en-US" sz="1400" i="1" dirty="0">
+                <a:latin typeface="Consolas" panose="020B0609020204030204" pitchFamily="49" charset="0"/>
+                <a:cs typeface="Consolas" panose="020B0609020204030204" pitchFamily="49" charset="0"/>
+              </a:rPr>
+              <a:t># </a:t>
+            </a:r>
+            <a:r>
+              <a:rPr lang="en-US" sz="1400" i="1" dirty="0" smtClean="0">
+                <a:latin typeface="Consolas" panose="020B0609020204030204" pitchFamily="49" charset="0"/>
+                <a:cs typeface="Consolas" panose="020B0609020204030204" pitchFamily="49" charset="0"/>
+              </a:rPr>
+              <a:t>see the contents of the file, many duplicate accession numbers are present. Try this:</a:t>
+            </a:r>
+            <a:endParaRPr lang="en-US" sz="1400" i="1" dirty="0">
+              <a:latin typeface="Consolas" panose="020B0609020204030204" pitchFamily="49" charset="0"/>
+              <a:cs typeface="Consolas" panose="020B0609020204030204" pitchFamily="49" charset="0"/>
+            </a:endParaRPr>
+          </a:p>
+          <a:p>
+            <a:pPr marL="0" indent="0">
+              <a:buNone/>
+            </a:pPr>
+            <a:r>
+              <a:rPr lang="en-US" sz="1400" dirty="0">
+                <a:solidFill>
+                  <a:schemeClr val="accent6">
+                    <a:lumMod val="40000"/>
+                    <a:lumOff val="60000"/>
+                  </a:schemeClr>
+                </a:solidFill>
+                <a:latin typeface="Consolas" panose="020B0609020204030204" pitchFamily="49" charset="0"/>
+                <a:cs typeface="Consolas" panose="020B0609020204030204" pitchFamily="49" charset="0"/>
+              </a:rPr>
+              <a:t>~$</a:t>
+            </a:r>
+            <a:r>
+              <a:rPr lang="en-US" sz="1400" dirty="0">
+                <a:latin typeface="Consolas" panose="020B0609020204030204" pitchFamily="49" charset="0"/>
+                <a:cs typeface="Consolas" panose="020B0609020204030204" pitchFamily="49" charset="0"/>
+              </a:rPr>
+              <a:t> </a:t>
+            </a:r>
+            <a:r>
+              <a:rPr lang="en-US" sz="1400" dirty="0" err="1" smtClean="0">
+                <a:solidFill>
+                  <a:srgbClr val="00B050"/>
+                </a:solidFill>
+                <a:latin typeface="Consolas" panose="020B0609020204030204" pitchFamily="49" charset="0"/>
+                <a:cs typeface="Consolas" panose="020B0609020204030204" pitchFamily="49" charset="0"/>
+              </a:rPr>
+              <a:t>uniq</a:t>
+            </a:r>
+            <a:r>
+              <a:rPr lang="en-US" sz="1400" dirty="0" smtClean="0">
+                <a:solidFill>
+                  <a:srgbClr val="00B050"/>
+                </a:solidFill>
+                <a:latin typeface="Consolas" panose="020B0609020204030204" pitchFamily="49" charset="0"/>
+                <a:cs typeface="Consolas" panose="020B0609020204030204" pitchFamily="49" charset="0"/>
+              </a:rPr>
+              <a:t> –c ids.txt</a:t>
+            </a:r>
+          </a:p>
+          <a:p>
+            <a:pPr marL="0" indent="0">
+              <a:buNone/>
+            </a:pPr>
+            <a:r>
+              <a:rPr lang="en-US" sz="1400" i="1" dirty="0">
+                <a:latin typeface="Consolas" panose="020B0609020204030204" pitchFamily="49" charset="0"/>
+                <a:cs typeface="Consolas" panose="020B0609020204030204" pitchFamily="49" charset="0"/>
+              </a:rPr>
+              <a:t># </a:t>
+            </a:r>
+            <a:r>
+              <a:rPr lang="en-US" sz="1400" i="1" dirty="0" smtClean="0">
+                <a:latin typeface="Consolas" panose="020B0609020204030204" pitchFamily="49" charset="0"/>
+                <a:cs typeface="Consolas" panose="020B0609020204030204" pitchFamily="49" charset="0"/>
+              </a:rPr>
+              <a:t>what are those numbers?</a:t>
+            </a:r>
+          </a:p>
+          <a:p>
+            <a:pPr marL="0" indent="0">
+              <a:buNone/>
+            </a:pPr>
+            <a:r>
+              <a:rPr lang="en-US" sz="1400" dirty="0">
+                <a:solidFill>
+                  <a:schemeClr val="accent6">
+                    <a:lumMod val="40000"/>
+                    <a:lumOff val="60000"/>
+                  </a:schemeClr>
+                </a:solidFill>
+                <a:latin typeface="Consolas" panose="020B0609020204030204" pitchFamily="49" charset="0"/>
+                <a:cs typeface="Consolas" panose="020B0609020204030204" pitchFamily="49" charset="0"/>
+              </a:rPr>
+              <a:t>~$</a:t>
+            </a:r>
+            <a:r>
+              <a:rPr lang="en-US" sz="1400" dirty="0">
+                <a:latin typeface="Consolas" panose="020B0609020204030204" pitchFamily="49" charset="0"/>
+                <a:cs typeface="Consolas" panose="020B0609020204030204" pitchFamily="49" charset="0"/>
+              </a:rPr>
+              <a:t> </a:t>
+            </a:r>
+            <a:r>
+              <a:rPr lang="en-US" sz="1400" dirty="0" err="1">
+                <a:solidFill>
+                  <a:srgbClr val="00B050"/>
+                </a:solidFill>
+                <a:latin typeface="Consolas" panose="020B0609020204030204" pitchFamily="49" charset="0"/>
+                <a:cs typeface="Consolas" panose="020B0609020204030204" pitchFamily="49" charset="0"/>
+              </a:rPr>
+              <a:t>uniq</a:t>
+            </a:r>
+            <a:r>
+              <a:rPr lang="en-US" sz="1400" dirty="0">
+                <a:solidFill>
+                  <a:srgbClr val="00B050"/>
+                </a:solidFill>
+                <a:latin typeface="Consolas" panose="020B0609020204030204" pitchFamily="49" charset="0"/>
+                <a:cs typeface="Consolas" panose="020B0609020204030204" pitchFamily="49" charset="0"/>
+              </a:rPr>
+              <a:t> </a:t>
+            </a:r>
+            <a:r>
+              <a:rPr lang="en-US" sz="1400" dirty="0" smtClean="0">
+                <a:solidFill>
+                  <a:srgbClr val="00B050"/>
+                </a:solidFill>
+                <a:latin typeface="Consolas" panose="020B0609020204030204" pitchFamily="49" charset="0"/>
+                <a:cs typeface="Consolas" panose="020B0609020204030204" pitchFamily="49" charset="0"/>
+              </a:rPr>
+              <a:t>–d </a:t>
+            </a:r>
+            <a:r>
+              <a:rPr lang="en-US" sz="1400" dirty="0">
+                <a:solidFill>
+                  <a:srgbClr val="00B050"/>
+                </a:solidFill>
+                <a:latin typeface="Consolas" panose="020B0609020204030204" pitchFamily="49" charset="0"/>
+                <a:cs typeface="Consolas" panose="020B0609020204030204" pitchFamily="49" charset="0"/>
+              </a:rPr>
+              <a:t>ids.txt</a:t>
+            </a:r>
+          </a:p>
+          <a:p>
+            <a:pPr marL="0" indent="0">
+              <a:buNone/>
+            </a:pPr>
+            <a:r>
+              <a:rPr lang="en-US" sz="1400" i="1" dirty="0">
+                <a:latin typeface="Consolas" panose="020B0609020204030204" pitchFamily="49" charset="0"/>
+                <a:cs typeface="Consolas" panose="020B0609020204030204" pitchFamily="49" charset="0"/>
+              </a:rPr>
+              <a:t># </a:t>
+            </a:r>
+            <a:r>
+              <a:rPr lang="en-US" sz="1400" i="1" dirty="0" smtClean="0">
+                <a:latin typeface="Consolas" panose="020B0609020204030204" pitchFamily="49" charset="0"/>
+                <a:cs typeface="Consolas" panose="020B0609020204030204" pitchFamily="49" charset="0"/>
+              </a:rPr>
+              <a:t>what are these ids (check the previous results for hint)?</a:t>
+            </a:r>
+            <a:endParaRPr lang="en-US" sz="1400" i="1" dirty="0">
+              <a:latin typeface="Consolas" panose="020B0609020204030204" pitchFamily="49" charset="0"/>
+              <a:cs typeface="Consolas" panose="020B0609020204030204" pitchFamily="49" charset="0"/>
+            </a:endParaRPr>
+          </a:p>
+          <a:p>
+            <a:pPr marL="0" indent="0">
+              <a:buNone/>
+            </a:pPr>
+            <a:r>
+              <a:rPr lang="en-US" sz="1400" dirty="0">
+                <a:solidFill>
+                  <a:schemeClr val="accent6">
+                    <a:lumMod val="40000"/>
+                    <a:lumOff val="60000"/>
+                  </a:schemeClr>
+                </a:solidFill>
+                <a:latin typeface="Consolas" panose="020B0609020204030204" pitchFamily="49" charset="0"/>
+                <a:cs typeface="Consolas" panose="020B0609020204030204" pitchFamily="49" charset="0"/>
+              </a:rPr>
+              <a:t>~$</a:t>
+            </a:r>
+            <a:r>
+              <a:rPr lang="en-US" sz="1400" dirty="0">
+                <a:latin typeface="Consolas" panose="020B0609020204030204" pitchFamily="49" charset="0"/>
+                <a:cs typeface="Consolas" panose="020B0609020204030204" pitchFamily="49" charset="0"/>
+              </a:rPr>
+              <a:t> </a:t>
+            </a:r>
+            <a:r>
+              <a:rPr lang="en-US" sz="1400" dirty="0" err="1">
+                <a:solidFill>
+                  <a:srgbClr val="00B050"/>
+                </a:solidFill>
+                <a:latin typeface="Consolas" panose="020B0609020204030204" pitchFamily="49" charset="0"/>
+                <a:cs typeface="Consolas" panose="020B0609020204030204" pitchFamily="49" charset="0"/>
+              </a:rPr>
+              <a:t>uniq</a:t>
+            </a:r>
+            <a:r>
+              <a:rPr lang="en-US" sz="1400" dirty="0">
+                <a:solidFill>
+                  <a:srgbClr val="00B050"/>
+                </a:solidFill>
+                <a:latin typeface="Consolas" panose="020B0609020204030204" pitchFamily="49" charset="0"/>
+                <a:cs typeface="Consolas" panose="020B0609020204030204" pitchFamily="49" charset="0"/>
+              </a:rPr>
+              <a:t> </a:t>
+            </a:r>
+            <a:r>
+              <a:rPr lang="en-US" sz="1400" dirty="0" smtClean="0">
+                <a:solidFill>
+                  <a:srgbClr val="00B050"/>
+                </a:solidFill>
+                <a:latin typeface="Consolas" panose="020B0609020204030204" pitchFamily="49" charset="0"/>
+                <a:cs typeface="Consolas" panose="020B0609020204030204" pitchFamily="49" charset="0"/>
+              </a:rPr>
+              <a:t>–u </a:t>
+            </a:r>
+            <a:r>
+              <a:rPr lang="en-US" sz="1400" dirty="0">
+                <a:solidFill>
+                  <a:srgbClr val="00B050"/>
+                </a:solidFill>
+                <a:latin typeface="Consolas" panose="020B0609020204030204" pitchFamily="49" charset="0"/>
+                <a:cs typeface="Consolas" panose="020B0609020204030204" pitchFamily="49" charset="0"/>
+              </a:rPr>
+              <a:t>ids.txt</a:t>
+            </a:r>
+          </a:p>
+          <a:p>
+            <a:pPr marL="0" indent="0">
+              <a:buNone/>
+            </a:pPr>
+            <a:r>
+              <a:rPr lang="en-US" sz="1400" i="1" dirty="0">
+                <a:latin typeface="Consolas" panose="020B0609020204030204" pitchFamily="49" charset="0"/>
+                <a:cs typeface="Consolas" panose="020B0609020204030204" pitchFamily="49" charset="0"/>
+              </a:rPr>
+              <a:t># </a:t>
+            </a:r>
+            <a:r>
+              <a:rPr lang="en-US" sz="1400" i="1" dirty="0" smtClean="0">
+                <a:latin typeface="Consolas" panose="020B0609020204030204" pitchFamily="49" charset="0"/>
+                <a:cs typeface="Consolas" panose="020B0609020204030204" pitchFamily="49" charset="0"/>
+              </a:rPr>
+              <a:t>prints unique ids only</a:t>
+            </a:r>
+          </a:p>
+          <a:p>
+            <a:pPr marL="0" indent="0">
+              <a:buNone/>
+            </a:pPr>
+            <a:r>
+              <a:rPr lang="en-US" sz="1400" i="1" dirty="0" smtClean="0">
+                <a:latin typeface="Consolas" panose="020B0609020204030204" pitchFamily="49" charset="0"/>
+                <a:cs typeface="Consolas" panose="020B0609020204030204" pitchFamily="49" charset="0"/>
+              </a:rPr>
+              <a:t># remember, files should be sorted before you use the </a:t>
+            </a:r>
+            <a:r>
+              <a:rPr lang="en-US" sz="1400" i="1" dirty="0" err="1" smtClean="0">
+                <a:latin typeface="Consolas" panose="020B0609020204030204" pitchFamily="49" charset="0"/>
+                <a:cs typeface="Consolas" panose="020B0609020204030204" pitchFamily="49" charset="0"/>
+              </a:rPr>
+              <a:t>uniq</a:t>
+            </a:r>
+            <a:r>
+              <a:rPr lang="en-US" sz="1400" i="1" dirty="0" smtClean="0">
+                <a:latin typeface="Consolas" panose="020B0609020204030204" pitchFamily="49" charset="0"/>
+                <a:cs typeface="Consolas" panose="020B0609020204030204" pitchFamily="49" charset="0"/>
+              </a:rPr>
+              <a:t> command!</a:t>
+            </a:r>
+          </a:p>
+          <a:p>
+            <a:pPr marL="0" indent="0">
+              <a:buNone/>
+            </a:pPr>
+            <a:r>
+              <a:rPr lang="en-US" sz="1400" i="1" dirty="0" smtClean="0">
+                <a:latin typeface="Consolas" panose="020B0609020204030204" pitchFamily="49" charset="0"/>
+                <a:cs typeface="Consolas" panose="020B0609020204030204" pitchFamily="49" charset="0"/>
+              </a:rPr>
+              <a:t># can you come up with single command to sort and call </a:t>
+            </a:r>
+            <a:r>
+              <a:rPr lang="en-US" sz="1400" i="1" dirty="0" err="1" smtClean="0">
+                <a:latin typeface="Consolas" panose="020B0609020204030204" pitchFamily="49" charset="0"/>
+                <a:cs typeface="Consolas" panose="020B0609020204030204" pitchFamily="49" charset="0"/>
+              </a:rPr>
+              <a:t>uniq</a:t>
+            </a:r>
+            <a:r>
+              <a:rPr lang="en-US" sz="1400" i="1" dirty="0" smtClean="0">
+                <a:latin typeface="Consolas" panose="020B0609020204030204" pitchFamily="49" charset="0"/>
+                <a:cs typeface="Consolas" panose="020B0609020204030204" pitchFamily="49" charset="0"/>
+              </a:rPr>
+              <a:t> on a file?</a:t>
+            </a:r>
+          </a:p>
+          <a:p>
+            <a:pPr marL="0" indent="0">
+              <a:buNone/>
+            </a:pPr>
+            <a:r>
+              <a:rPr lang="en-US" sz="1400" i="1" dirty="0" smtClean="0">
+                <a:latin typeface="Consolas" panose="020B0609020204030204" pitchFamily="49" charset="0"/>
+                <a:cs typeface="Consolas" panose="020B0609020204030204" pitchFamily="49" charset="0"/>
+              </a:rPr>
+              <a:t># Hint: pipes</a:t>
+            </a:r>
+            <a:endParaRPr lang="en-US" sz="1400" i="1" dirty="0">
+              <a:latin typeface="Consolas" panose="020B0609020204030204" pitchFamily="49" charset="0"/>
+              <a:cs typeface="Consolas" panose="020B0609020204030204" pitchFamily="49" charset="0"/>
+            </a:endParaRPr>
+          </a:p>
+        </p:txBody>
+      </p:sp>
+    </p:spTree>
+    <p:extLst>
+      <p:ext uri="{BB962C8B-B14F-4D97-AF65-F5344CB8AC3E}">
+        <p14:creationId xmlns:p14="http://schemas.microsoft.com/office/powerpoint/2010/main" val="3200749478"/>
+      </p:ext>
+    </p:extLst>
+  </p:cSld>
+  <p:clrMapOvr>
+    <a:masterClrMapping/>
+  </p:clrMapOvr>
+  <p:timing>
+    <p:tnLst>
+      <p:par>
+        <p:cTn id="1" dur="indefinite" restart="never" nodeType="tmRoot"/>
+      </p:par>
+    </p:tnLst>
+  </p:timing>
+</p:sld>
+</file>
+
+<file path=ppt/slides/slide46.xml><?xml version="1.0" encoding="utf-8"?>
+<p:sld xmlns:a="http://schemas.openxmlformats.org/drawingml/2006/main" xmlns:r="http://schemas.openxmlformats.org/officeDocument/2006/relationships" xmlns:p="http://schemas.openxmlformats.org/presentationml/2006/main">
+  <p:cSld>
+    <p:spTree>
+      <p:nvGrpSpPr>
+        <p:cNvPr id="1" name=""/>
+        <p:cNvGrpSpPr/>
+        <p:nvPr/>
+      </p:nvGrpSpPr>
+      <p:grpSpPr>
+        <a:xfrm>
+          <a:off x="0" y="0"/>
+          <a:ext cx="0" cy="0"/>
+          <a:chOff x="0" y="0"/>
+          <a:chExt cx="0" cy="0"/>
+        </a:xfrm>
+      </p:grpSpPr>
+      <p:sp>
+        <p:nvSpPr>
+          <p:cNvPr id="2" name="Title 1"/>
+          <p:cNvSpPr>
+            <a:spLocks noGrp="1"/>
+          </p:cNvSpPr>
+          <p:nvPr>
+            <p:ph type="title"/>
+          </p:nvPr>
+        </p:nvSpPr>
+        <p:spPr/>
+        <p:txBody>
+          <a:bodyPr/>
+          <a:lstStyle/>
+          <a:p>
+            <a:r>
+              <a:rPr lang="en-US" dirty="0" smtClean="0"/>
+              <a:t>Comparing files</a:t>
+            </a:r>
+            <a:endParaRPr lang="en-US" dirty="0"/>
+          </a:p>
+        </p:txBody>
+      </p:sp>
+      <p:sp>
+        <p:nvSpPr>
+          <p:cNvPr id="3" name="Content Placeholder 2"/>
+          <p:cNvSpPr>
+            <a:spLocks noGrp="1"/>
+          </p:cNvSpPr>
+          <p:nvPr>
+            <p:ph idx="1"/>
+          </p:nvPr>
+        </p:nvSpPr>
+        <p:spPr/>
+        <p:txBody>
+          <a:bodyPr/>
+          <a:lstStyle/>
+          <a:p>
+            <a:r>
+              <a:rPr lang="en-US" dirty="0">
+                <a:solidFill>
+                  <a:srgbClr val="C00000"/>
+                </a:solidFill>
+              </a:rPr>
+              <a:t>diff</a:t>
+            </a:r>
+            <a:r>
+              <a:rPr lang="en-US" dirty="0"/>
+              <a:t> (</a:t>
+            </a:r>
+            <a:r>
+              <a:rPr lang="en-US" i="1" dirty="0">
+                <a:solidFill>
+                  <a:srgbClr val="C00000"/>
+                </a:solidFill>
+              </a:rPr>
+              <a:t>diff</a:t>
+            </a:r>
+            <a:r>
+              <a:rPr lang="en-US" dirty="0"/>
+              <a:t>erence) reports differences between </a:t>
+            </a:r>
+            <a:r>
+              <a:rPr lang="en-US" dirty="0" smtClean="0"/>
+              <a:t>files</a:t>
+            </a:r>
+          </a:p>
+          <a:p>
+            <a:r>
+              <a:rPr lang="en-US" dirty="0" err="1" smtClean="0">
+                <a:solidFill>
+                  <a:srgbClr val="C00000"/>
+                </a:solidFill>
+              </a:rPr>
+              <a:t>comm</a:t>
+            </a:r>
+            <a:r>
+              <a:rPr lang="en-US" dirty="0" smtClean="0">
+                <a:solidFill>
+                  <a:srgbClr val="C00000"/>
+                </a:solidFill>
+              </a:rPr>
+              <a:t> </a:t>
+            </a:r>
+            <a:r>
+              <a:rPr lang="en-US" dirty="0"/>
+              <a:t>(</a:t>
+            </a:r>
+            <a:r>
+              <a:rPr lang="en-US" i="1" dirty="0">
+                <a:solidFill>
+                  <a:srgbClr val="C00000"/>
+                </a:solidFill>
+              </a:rPr>
+              <a:t>comm</a:t>
+            </a:r>
+            <a:r>
+              <a:rPr lang="en-US" dirty="0"/>
+              <a:t>on) command compares two sorted files line by line</a:t>
+            </a:r>
+            <a:br>
+              <a:rPr lang="en-US" dirty="0"/>
+            </a:br>
+            <a:r>
+              <a:rPr lang="en-US" dirty="0"/>
+              <a:t/>
+            </a:r>
+            <a:br>
+              <a:rPr lang="en-US" dirty="0"/>
+            </a:br>
+            <a:endParaRPr lang="en-US" dirty="0" smtClean="0">
+              <a:solidFill>
+                <a:srgbClr val="C00000"/>
+              </a:solidFill>
+            </a:endParaRPr>
+          </a:p>
+          <a:p>
+            <a:endParaRPr lang="en-US" dirty="0"/>
+          </a:p>
+        </p:txBody>
+      </p:sp>
+    </p:spTree>
+    <p:extLst>
+      <p:ext uri="{BB962C8B-B14F-4D97-AF65-F5344CB8AC3E}">
+        <p14:creationId xmlns:p14="http://schemas.microsoft.com/office/powerpoint/2010/main" val="1392984976"/>
+      </p:ext>
+    </p:extLst>
+  </p:cSld>
+  <p:clrMapOvr>
+    <a:masterClrMapping/>
+  </p:clrMapOvr>
+  <p:timing>
+    <p:tnLst>
+      <p:par>
+        <p:cTn id="1" dur="indefinite" restart="never" nodeType="tmRoot"/>
+      </p:par>
+    </p:tnLst>
+  </p:timing>
+</p:sld>
+</file>
+
+<file path=ppt/slides/slide47.xml><?xml version="1.0" encoding="utf-8"?>
+<p:sld xmlns:a="http://schemas.openxmlformats.org/drawingml/2006/main" xmlns:r="http://schemas.openxmlformats.org/officeDocument/2006/relationships" xmlns:p="http://schemas.openxmlformats.org/presentationml/2006/main">
+  <p:cSld>
+    <p:spTree>
+      <p:nvGrpSpPr>
+        <p:cNvPr id="1" name=""/>
+        <p:cNvGrpSpPr/>
+        <p:nvPr/>
+      </p:nvGrpSpPr>
+      <p:grpSpPr>
+        <a:xfrm>
+          <a:off x="0" y="0"/>
+          <a:ext cx="0" cy="0"/>
+          <a:chOff x="0" y="0"/>
+          <a:chExt cx="0" cy="0"/>
+        </a:xfrm>
+      </p:grpSpPr>
+      <p:sp>
+        <p:nvSpPr>
+          <p:cNvPr id="2" name="Title 1"/>
+          <p:cNvSpPr>
+            <a:spLocks noGrp="1"/>
+          </p:cNvSpPr>
+          <p:nvPr>
+            <p:ph type="title"/>
+          </p:nvPr>
+        </p:nvSpPr>
+        <p:spPr/>
+        <p:txBody>
+          <a:bodyPr/>
+          <a:lstStyle/>
+          <a:p>
+            <a:r>
+              <a:rPr lang="en-US" dirty="0" smtClean="0"/>
+              <a:t>Comparing files</a:t>
+            </a:r>
+            <a:endParaRPr lang="en-US" dirty="0"/>
+          </a:p>
+        </p:txBody>
+      </p:sp>
+      <p:sp>
+        <p:nvSpPr>
+          <p:cNvPr id="3" name="Content Placeholder 2"/>
+          <p:cNvSpPr>
+            <a:spLocks noGrp="1"/>
+          </p:cNvSpPr>
+          <p:nvPr>
+            <p:ph idx="1"/>
+          </p:nvPr>
+        </p:nvSpPr>
+        <p:spPr>
+          <a:xfrm>
+            <a:off x="97654" y="1295399"/>
+            <a:ext cx="8939814" cy="5034379"/>
+          </a:xfrm>
+          <a:solidFill>
+            <a:schemeClr val="tx1"/>
+          </a:solidFill>
+        </p:spPr>
+        <p:txBody>
+          <a:bodyPr/>
+          <a:lstStyle/>
+          <a:p>
+            <a:pPr marL="0" indent="0">
+              <a:buNone/>
+            </a:pPr>
+            <a:r>
+              <a:rPr lang="en-US" sz="1400" i="1" dirty="0">
+                <a:latin typeface="Consolas" panose="020B0609020204030204" pitchFamily="49" charset="0"/>
+                <a:cs typeface="Consolas" panose="020B0609020204030204" pitchFamily="49" charset="0"/>
+              </a:rPr>
+              <a:t># Make sure you are in WORKSHOP_FILES directory</a:t>
+            </a:r>
+          </a:p>
+          <a:p>
+            <a:pPr marL="0" indent="0">
+              <a:buNone/>
+            </a:pPr>
+            <a:r>
+              <a:rPr lang="en-US" sz="1400" dirty="0">
+                <a:solidFill>
+                  <a:schemeClr val="accent6">
+                    <a:lumMod val="40000"/>
+                    <a:lumOff val="60000"/>
+                  </a:schemeClr>
+                </a:solidFill>
+                <a:latin typeface="Consolas" panose="020B0609020204030204" pitchFamily="49" charset="0"/>
+                <a:cs typeface="Consolas" panose="020B0609020204030204" pitchFamily="49" charset="0"/>
+              </a:rPr>
+              <a:t>~$</a:t>
+            </a:r>
+            <a:r>
+              <a:rPr lang="en-US" sz="1400" dirty="0">
+                <a:latin typeface="Consolas" panose="020B0609020204030204" pitchFamily="49" charset="0"/>
+                <a:cs typeface="Consolas" panose="020B0609020204030204" pitchFamily="49" charset="0"/>
+              </a:rPr>
+              <a:t> </a:t>
+            </a:r>
+            <a:r>
+              <a:rPr lang="en-US" sz="1400" dirty="0" err="1">
+                <a:solidFill>
+                  <a:srgbClr val="00B050"/>
+                </a:solidFill>
+                <a:latin typeface="Consolas" panose="020B0609020204030204" pitchFamily="49" charset="0"/>
+                <a:cs typeface="Consolas" panose="020B0609020204030204" pitchFamily="49" charset="0"/>
+              </a:rPr>
+              <a:t>pwd</a:t>
+            </a:r>
+            <a:endParaRPr lang="en-US" sz="1400" dirty="0">
+              <a:solidFill>
+                <a:srgbClr val="00B050"/>
+              </a:solidFill>
+              <a:latin typeface="Consolas" panose="020B0609020204030204" pitchFamily="49" charset="0"/>
+              <a:cs typeface="Consolas" panose="020B0609020204030204" pitchFamily="49" charset="0"/>
+            </a:endParaRPr>
+          </a:p>
+          <a:p>
+            <a:pPr marL="0" indent="0">
+              <a:buNone/>
+            </a:pPr>
+            <a:r>
+              <a:rPr lang="en-US" sz="1400" dirty="0">
+                <a:solidFill>
+                  <a:srgbClr val="00B050"/>
+                </a:solidFill>
+                <a:latin typeface="Consolas" panose="020B0609020204030204" pitchFamily="49" charset="0"/>
+                <a:cs typeface="Consolas" panose="020B0609020204030204" pitchFamily="49" charset="0"/>
+              </a:rPr>
+              <a:t>/home/</a:t>
+            </a:r>
+            <a:r>
+              <a:rPr lang="en-US" sz="1400" dirty="0" err="1">
+                <a:solidFill>
+                  <a:srgbClr val="00B050"/>
+                </a:solidFill>
+                <a:latin typeface="Consolas" panose="020B0609020204030204" pitchFamily="49" charset="0"/>
+                <a:cs typeface="Consolas" panose="020B0609020204030204" pitchFamily="49" charset="0"/>
+              </a:rPr>
+              <a:t>arnstrm</a:t>
+            </a:r>
+            <a:r>
+              <a:rPr lang="en-US" sz="1400" dirty="0">
+                <a:solidFill>
+                  <a:srgbClr val="00B050"/>
+                </a:solidFill>
+                <a:latin typeface="Consolas" panose="020B0609020204030204" pitchFamily="49" charset="0"/>
+                <a:cs typeface="Consolas" panose="020B0609020204030204" pitchFamily="49" charset="0"/>
+              </a:rPr>
+              <a:t>/WORKSHOP_FILES</a:t>
+            </a:r>
+          </a:p>
+          <a:p>
+            <a:pPr marL="0" indent="0">
+              <a:buNone/>
+            </a:pPr>
+            <a:r>
+              <a:rPr lang="en-US" sz="1400" i="1" dirty="0">
+                <a:latin typeface="Consolas" panose="020B0609020204030204" pitchFamily="49" charset="0"/>
+                <a:cs typeface="Consolas" panose="020B0609020204030204" pitchFamily="49" charset="0"/>
+              </a:rPr>
+              <a:t># </a:t>
+            </a:r>
+            <a:r>
+              <a:rPr lang="en-US" sz="1400" i="1" dirty="0" smtClean="0">
+                <a:latin typeface="Consolas" panose="020B0609020204030204" pitchFamily="49" charset="0"/>
+                <a:cs typeface="Consolas" panose="020B0609020204030204" pitchFamily="49" charset="0"/>
+              </a:rPr>
+              <a:t>run these commands</a:t>
+            </a:r>
+          </a:p>
+          <a:p>
+            <a:pPr marL="0" indent="0">
+              <a:buNone/>
+            </a:pPr>
+            <a:r>
+              <a:rPr lang="en-US" sz="1400" dirty="0" smtClean="0">
+                <a:solidFill>
+                  <a:schemeClr val="accent6">
+                    <a:lumMod val="40000"/>
+                    <a:lumOff val="60000"/>
+                  </a:schemeClr>
+                </a:solidFill>
+                <a:latin typeface="Consolas" panose="020B0609020204030204" pitchFamily="49" charset="0"/>
+                <a:cs typeface="Consolas" panose="020B0609020204030204" pitchFamily="49" charset="0"/>
+              </a:rPr>
+              <a:t>~$</a:t>
+            </a:r>
+            <a:r>
+              <a:rPr lang="en-US" sz="1400" dirty="0" smtClean="0">
+                <a:latin typeface="Consolas" panose="020B0609020204030204" pitchFamily="49" charset="0"/>
+                <a:cs typeface="Consolas" panose="020B0609020204030204" pitchFamily="49" charset="0"/>
+              </a:rPr>
+              <a:t> </a:t>
+            </a:r>
+            <a:r>
+              <a:rPr lang="en-US" sz="1400" dirty="0">
+                <a:solidFill>
+                  <a:srgbClr val="00B050"/>
+                </a:solidFill>
+                <a:latin typeface="Consolas" panose="020B0609020204030204" pitchFamily="49" charset="0"/>
+                <a:cs typeface="Consolas" panose="020B0609020204030204" pitchFamily="49" charset="0"/>
+              </a:rPr>
+              <a:t>diff -y ids_a.txt </a:t>
+            </a:r>
+            <a:r>
+              <a:rPr lang="en-US" sz="1400" dirty="0" smtClean="0">
+                <a:solidFill>
+                  <a:srgbClr val="00B050"/>
+                </a:solidFill>
+                <a:latin typeface="Consolas" panose="020B0609020204030204" pitchFamily="49" charset="0"/>
+                <a:cs typeface="Consolas" panose="020B0609020204030204" pitchFamily="49" charset="0"/>
+              </a:rPr>
+              <a:t>ids_b.txt</a:t>
+            </a:r>
+          </a:p>
+          <a:p>
+            <a:pPr marL="0" indent="0">
+              <a:buNone/>
+            </a:pPr>
+            <a:r>
+              <a:rPr lang="en-US" sz="1400" i="1" dirty="0">
+                <a:latin typeface="Consolas" panose="020B0609020204030204" pitchFamily="49" charset="0"/>
+                <a:cs typeface="Consolas" panose="020B0609020204030204" pitchFamily="49" charset="0"/>
+              </a:rPr>
+              <a:t># </a:t>
+            </a:r>
+            <a:r>
+              <a:rPr lang="en-US" sz="1400" i="1" dirty="0" smtClean="0">
+                <a:latin typeface="Consolas" panose="020B0609020204030204" pitchFamily="49" charset="0"/>
+                <a:cs typeface="Consolas" panose="020B0609020204030204" pitchFamily="49" charset="0"/>
+              </a:rPr>
+              <a:t>are these files different?</a:t>
+            </a:r>
+          </a:p>
+          <a:p>
+            <a:pPr marL="0" indent="0">
+              <a:buNone/>
+            </a:pPr>
+            <a:r>
+              <a:rPr lang="en-US" sz="1400" i="1" dirty="0" smtClean="0">
+                <a:latin typeface="Consolas" panose="020B0609020204030204" pitchFamily="49" charset="0"/>
+                <a:cs typeface="Consolas" panose="020B0609020204030204" pitchFamily="49" charset="0"/>
+              </a:rPr>
+              <a:t># now try:</a:t>
+            </a:r>
+            <a:endParaRPr lang="en-US" sz="1400" i="1" dirty="0">
+              <a:latin typeface="Consolas" panose="020B0609020204030204" pitchFamily="49" charset="0"/>
+              <a:cs typeface="Consolas" panose="020B0609020204030204" pitchFamily="49" charset="0"/>
+            </a:endParaRPr>
+          </a:p>
+          <a:p>
+            <a:pPr marL="0" indent="0">
+              <a:buNone/>
+            </a:pPr>
+            <a:r>
+              <a:rPr lang="en-US" sz="1400" dirty="0" smtClean="0">
+                <a:solidFill>
+                  <a:schemeClr val="accent6">
+                    <a:lumMod val="40000"/>
+                    <a:lumOff val="60000"/>
+                  </a:schemeClr>
+                </a:solidFill>
+                <a:latin typeface="Consolas" panose="020B0609020204030204" pitchFamily="49" charset="0"/>
+                <a:cs typeface="Consolas" panose="020B0609020204030204" pitchFamily="49" charset="0"/>
+              </a:rPr>
+              <a:t>~$</a:t>
+            </a:r>
+            <a:r>
+              <a:rPr lang="en-US" sz="1400" dirty="0" smtClean="0">
+                <a:latin typeface="Consolas" panose="020B0609020204030204" pitchFamily="49" charset="0"/>
+                <a:cs typeface="Consolas" panose="020B0609020204030204" pitchFamily="49" charset="0"/>
+              </a:rPr>
+              <a:t> </a:t>
+            </a:r>
+            <a:r>
+              <a:rPr lang="en-US" sz="1400" dirty="0" err="1">
+                <a:solidFill>
+                  <a:srgbClr val="00B050"/>
+                </a:solidFill>
+                <a:latin typeface="Consolas" panose="020B0609020204030204" pitchFamily="49" charset="0"/>
+                <a:cs typeface="Consolas" panose="020B0609020204030204" pitchFamily="49" charset="0"/>
+              </a:rPr>
+              <a:t>comm</a:t>
+            </a:r>
+            <a:r>
+              <a:rPr lang="en-US" sz="1400" dirty="0">
+                <a:solidFill>
+                  <a:srgbClr val="00B050"/>
+                </a:solidFill>
+                <a:latin typeface="Consolas" panose="020B0609020204030204" pitchFamily="49" charset="0"/>
+                <a:cs typeface="Consolas" panose="020B0609020204030204" pitchFamily="49" charset="0"/>
+              </a:rPr>
+              <a:t> </a:t>
+            </a:r>
+            <a:r>
+              <a:rPr lang="en-US" sz="1400" dirty="0" smtClean="0">
+                <a:solidFill>
+                  <a:srgbClr val="00B050"/>
+                </a:solidFill>
+                <a:latin typeface="Consolas" panose="020B0609020204030204" pitchFamily="49" charset="0"/>
+                <a:cs typeface="Consolas" panose="020B0609020204030204" pitchFamily="49" charset="0"/>
+              </a:rPr>
+              <a:t>ids_a.txt ids_b.txt</a:t>
+            </a:r>
+          </a:p>
+          <a:p>
+            <a:pPr marL="0" indent="0">
+              <a:buNone/>
+            </a:pPr>
+            <a:r>
+              <a:rPr lang="en-US" sz="1400" dirty="0">
+                <a:solidFill>
+                  <a:schemeClr val="accent6">
+                    <a:lumMod val="40000"/>
+                    <a:lumOff val="60000"/>
+                  </a:schemeClr>
+                </a:solidFill>
+                <a:latin typeface="Consolas" panose="020B0609020204030204" pitchFamily="49" charset="0"/>
+                <a:cs typeface="Consolas" panose="020B0609020204030204" pitchFamily="49" charset="0"/>
+              </a:rPr>
+              <a:t>~$</a:t>
+            </a:r>
+            <a:r>
+              <a:rPr lang="en-US" sz="1400" dirty="0">
+                <a:latin typeface="Consolas" panose="020B0609020204030204" pitchFamily="49" charset="0"/>
+                <a:cs typeface="Consolas" panose="020B0609020204030204" pitchFamily="49" charset="0"/>
+              </a:rPr>
+              <a:t> </a:t>
+            </a:r>
+            <a:r>
+              <a:rPr lang="en-US" sz="1400" dirty="0" err="1">
+                <a:solidFill>
+                  <a:srgbClr val="00B050"/>
+                </a:solidFill>
+                <a:latin typeface="Consolas" panose="020B0609020204030204" pitchFamily="49" charset="0"/>
+                <a:cs typeface="Consolas" panose="020B0609020204030204" pitchFamily="49" charset="0"/>
+              </a:rPr>
+              <a:t>comm</a:t>
+            </a:r>
+            <a:r>
+              <a:rPr lang="en-US" sz="1400" dirty="0">
+                <a:solidFill>
+                  <a:srgbClr val="00B050"/>
+                </a:solidFill>
+                <a:latin typeface="Consolas" panose="020B0609020204030204" pitchFamily="49" charset="0"/>
+                <a:cs typeface="Consolas" panose="020B0609020204030204" pitchFamily="49" charset="0"/>
+              </a:rPr>
+              <a:t> </a:t>
+            </a:r>
+            <a:r>
+              <a:rPr lang="en-US" sz="1400" dirty="0" smtClean="0">
+                <a:solidFill>
+                  <a:srgbClr val="00B050"/>
+                </a:solidFill>
+                <a:latin typeface="Consolas" panose="020B0609020204030204" pitchFamily="49" charset="0"/>
+                <a:cs typeface="Consolas" panose="020B0609020204030204" pitchFamily="49" charset="0"/>
+              </a:rPr>
+              <a:t>-1 ids_a.txt </a:t>
+            </a:r>
+            <a:r>
+              <a:rPr lang="en-US" sz="1400" dirty="0">
+                <a:solidFill>
+                  <a:srgbClr val="00B050"/>
+                </a:solidFill>
+                <a:latin typeface="Consolas" panose="020B0609020204030204" pitchFamily="49" charset="0"/>
+                <a:cs typeface="Consolas" panose="020B0609020204030204" pitchFamily="49" charset="0"/>
+              </a:rPr>
+              <a:t>ids_b.txt</a:t>
+            </a:r>
+          </a:p>
+          <a:p>
+            <a:pPr marL="0" indent="0">
+              <a:buNone/>
+            </a:pPr>
+            <a:r>
+              <a:rPr lang="en-US" sz="1400" dirty="0">
+                <a:solidFill>
+                  <a:schemeClr val="accent6">
+                    <a:lumMod val="40000"/>
+                    <a:lumOff val="60000"/>
+                  </a:schemeClr>
+                </a:solidFill>
+                <a:latin typeface="Consolas" panose="020B0609020204030204" pitchFamily="49" charset="0"/>
+                <a:cs typeface="Consolas" panose="020B0609020204030204" pitchFamily="49" charset="0"/>
+              </a:rPr>
+              <a:t>~$</a:t>
+            </a:r>
+            <a:r>
+              <a:rPr lang="en-US" sz="1400" dirty="0">
+                <a:latin typeface="Consolas" panose="020B0609020204030204" pitchFamily="49" charset="0"/>
+                <a:cs typeface="Consolas" panose="020B0609020204030204" pitchFamily="49" charset="0"/>
+              </a:rPr>
+              <a:t> </a:t>
+            </a:r>
+            <a:r>
+              <a:rPr lang="en-US" sz="1400" dirty="0" err="1">
+                <a:solidFill>
+                  <a:srgbClr val="00B050"/>
+                </a:solidFill>
+                <a:latin typeface="Consolas" panose="020B0609020204030204" pitchFamily="49" charset="0"/>
+                <a:cs typeface="Consolas" panose="020B0609020204030204" pitchFamily="49" charset="0"/>
+              </a:rPr>
+              <a:t>comm</a:t>
+            </a:r>
+            <a:r>
+              <a:rPr lang="en-US" sz="1400" dirty="0">
+                <a:solidFill>
+                  <a:srgbClr val="00B050"/>
+                </a:solidFill>
+                <a:latin typeface="Consolas" panose="020B0609020204030204" pitchFamily="49" charset="0"/>
+                <a:cs typeface="Consolas" panose="020B0609020204030204" pitchFamily="49" charset="0"/>
+              </a:rPr>
+              <a:t> </a:t>
+            </a:r>
+            <a:r>
+              <a:rPr lang="en-US" sz="1400" dirty="0" smtClean="0">
+                <a:solidFill>
+                  <a:srgbClr val="00B050"/>
+                </a:solidFill>
+                <a:latin typeface="Consolas" panose="020B0609020204030204" pitchFamily="49" charset="0"/>
+                <a:cs typeface="Consolas" panose="020B0609020204030204" pitchFamily="49" charset="0"/>
+              </a:rPr>
+              <a:t>-2 ids_a.txt </a:t>
+            </a:r>
+            <a:r>
+              <a:rPr lang="en-US" sz="1400" dirty="0">
+                <a:solidFill>
+                  <a:srgbClr val="00B050"/>
+                </a:solidFill>
+                <a:latin typeface="Consolas" panose="020B0609020204030204" pitchFamily="49" charset="0"/>
+                <a:cs typeface="Consolas" panose="020B0609020204030204" pitchFamily="49" charset="0"/>
+              </a:rPr>
+              <a:t>ids_b.txt</a:t>
+            </a:r>
+          </a:p>
+          <a:p>
+            <a:pPr marL="0" indent="0">
+              <a:buNone/>
+            </a:pPr>
+            <a:r>
+              <a:rPr lang="en-US" sz="1400" dirty="0">
+                <a:solidFill>
+                  <a:schemeClr val="accent6">
+                    <a:lumMod val="40000"/>
+                    <a:lumOff val="60000"/>
+                  </a:schemeClr>
+                </a:solidFill>
+                <a:latin typeface="Consolas" panose="020B0609020204030204" pitchFamily="49" charset="0"/>
+                <a:cs typeface="Consolas" panose="020B0609020204030204" pitchFamily="49" charset="0"/>
+              </a:rPr>
+              <a:t>~$</a:t>
+            </a:r>
+            <a:r>
+              <a:rPr lang="en-US" sz="1400" dirty="0">
+                <a:latin typeface="Consolas" panose="020B0609020204030204" pitchFamily="49" charset="0"/>
+                <a:cs typeface="Consolas" panose="020B0609020204030204" pitchFamily="49" charset="0"/>
+              </a:rPr>
+              <a:t> </a:t>
+            </a:r>
+            <a:r>
+              <a:rPr lang="en-US" sz="1400" dirty="0" err="1">
+                <a:solidFill>
+                  <a:srgbClr val="00B050"/>
+                </a:solidFill>
+                <a:latin typeface="Consolas" panose="020B0609020204030204" pitchFamily="49" charset="0"/>
+                <a:cs typeface="Consolas" panose="020B0609020204030204" pitchFamily="49" charset="0"/>
+              </a:rPr>
+              <a:t>comm</a:t>
+            </a:r>
+            <a:r>
+              <a:rPr lang="en-US" sz="1400" dirty="0">
+                <a:solidFill>
+                  <a:srgbClr val="00B050"/>
+                </a:solidFill>
+                <a:latin typeface="Consolas" panose="020B0609020204030204" pitchFamily="49" charset="0"/>
+                <a:cs typeface="Consolas" panose="020B0609020204030204" pitchFamily="49" charset="0"/>
+              </a:rPr>
+              <a:t> </a:t>
+            </a:r>
+            <a:r>
+              <a:rPr lang="en-US" sz="1400" dirty="0" smtClean="0">
+                <a:solidFill>
+                  <a:srgbClr val="00B050"/>
+                </a:solidFill>
+                <a:latin typeface="Consolas" panose="020B0609020204030204" pitchFamily="49" charset="0"/>
+                <a:cs typeface="Consolas" panose="020B0609020204030204" pitchFamily="49" charset="0"/>
+              </a:rPr>
+              <a:t>-3 ids_a.txt </a:t>
+            </a:r>
+            <a:r>
+              <a:rPr lang="en-US" sz="1400" dirty="0">
+                <a:solidFill>
+                  <a:srgbClr val="00B050"/>
+                </a:solidFill>
+                <a:latin typeface="Consolas" panose="020B0609020204030204" pitchFamily="49" charset="0"/>
+                <a:cs typeface="Consolas" panose="020B0609020204030204" pitchFamily="49" charset="0"/>
+              </a:rPr>
+              <a:t>ids_b.txt</a:t>
+            </a:r>
+          </a:p>
+          <a:p>
+            <a:pPr marL="0" indent="0">
+              <a:buNone/>
+            </a:pPr>
+            <a:r>
+              <a:rPr lang="en-US" sz="1400" i="1" dirty="0">
+                <a:latin typeface="Consolas" panose="020B0609020204030204" pitchFamily="49" charset="0"/>
+                <a:cs typeface="Consolas" panose="020B0609020204030204" pitchFamily="49" charset="0"/>
+              </a:rPr>
+              <a:t># </a:t>
+            </a:r>
+            <a:r>
+              <a:rPr lang="en-US" sz="1400" i="1" dirty="0" smtClean="0">
+                <a:latin typeface="Consolas" panose="020B0609020204030204" pitchFamily="49" charset="0"/>
+                <a:cs typeface="Consolas" panose="020B0609020204030204" pitchFamily="49" charset="0"/>
+              </a:rPr>
+              <a:t>what’s the difference?</a:t>
+            </a:r>
+          </a:p>
+        </p:txBody>
+      </p:sp>
+    </p:spTree>
+    <p:extLst>
+      <p:ext uri="{BB962C8B-B14F-4D97-AF65-F5344CB8AC3E}">
+        <p14:creationId xmlns:p14="http://schemas.microsoft.com/office/powerpoint/2010/main" val="4033010393"/>
+      </p:ext>
+    </p:extLst>
+  </p:cSld>
+  <p:clrMapOvr>
+    <a:masterClrMapping/>
+  </p:clrMapOvr>
+  <p:timing>
+    <p:tnLst>
+      <p:par>
+        <p:cTn id="1" dur="indefinite" restart="never" nodeType="tmRoot"/>
+      </p:par>
+    </p:tnLst>
+  </p:timing>
+</p:sld>
+</file>
+
+<file path=ppt/slides/slide48.xml><?xml version="1.0" encoding="utf-8"?>
 <p:sld xmlns:a="http://schemas.openxmlformats.org/drawingml/2006/main" xmlns:r="http://schemas.openxmlformats.org/officeDocument/2006/relationships" xmlns:p="http://schemas.openxmlformats.org/presentationml/2006/main">
   <p:cSld>
     <p:spTree>
@@ -32431,7 +33681,7 @@
 </p:sld>
 </file>
 
-<file path=ppt/slides/slide46.xml><?xml version="1.0" encoding="utf-8"?>
+<file path=ppt/slides/slide49.xml><?xml version="1.0" encoding="utf-8"?>
 <p:sld xmlns:a="http://schemas.openxmlformats.org/drawingml/2006/main" xmlns:r="http://schemas.openxmlformats.org/officeDocument/2006/relationships" xmlns:p="http://schemas.openxmlformats.org/presentationml/2006/main">
   <p:cSld>
     <p:spTree>
@@ -32600,10 +33850,6 @@
               </a:rPr>
               <a:t>run these commands</a:t>
             </a:r>
-            <a:endParaRPr lang="en-US" sz="1400" i="1" dirty="0" smtClean="0">
-              <a:latin typeface="Consolas" panose="020B0609020204030204" pitchFamily="49" charset="0"/>
-              <a:cs typeface="Consolas" panose="020B0609020204030204" pitchFamily="49" charset="0"/>
-            </a:endParaRPr>
           </a:p>
           <a:p>
             <a:pPr marL="0" indent="0">
@@ -32965,7 +34211,7 @@
 </p:sld>
 </file>
 
-<file path=ppt/slides/slide47.xml><?xml version="1.0" encoding="utf-8"?>
+<file path=ppt/slides/slide5.xml><?xml version="1.0" encoding="utf-8"?>
 <p:sld xmlns:a="http://schemas.openxmlformats.org/drawingml/2006/main" xmlns:r="http://schemas.openxmlformats.org/officeDocument/2006/relationships" xmlns:p="http://schemas.openxmlformats.org/presentationml/2006/main">
   <p:cSld>
     <p:spTree>
@@ -32999,6 +34245,136 @@
           <a:p>
             <a:r>
               <a:rPr lang="en-US" dirty="0" smtClean="0"/>
+              <a:t>Can I learn UNIX?</a:t>
+            </a:r>
+            <a:endParaRPr lang="en-US" dirty="0"/>
+          </a:p>
+        </p:txBody>
+      </p:sp>
+      <p:sp>
+        <p:nvSpPr>
+          <p:cNvPr id="3" name="Content Placeholder 2"/>
+          <p:cNvSpPr>
+            <a:spLocks noGrp="1"/>
+          </p:cNvSpPr>
+          <p:nvPr>
+            <p:ph idx="1"/>
+          </p:nvPr>
+        </p:nvSpPr>
+        <p:spPr>
+          <a:xfrm>
+            <a:off x="212725" y="1371600"/>
+            <a:ext cx="8778875" cy="4572000"/>
+          </a:xfrm>
+        </p:spPr>
+        <p:txBody>
+          <a:bodyPr/>
+          <a:lstStyle/>
+          <a:p>
+            <a:r>
+              <a:rPr lang="en-US" dirty="0" smtClean="0"/>
+              <a:t>Yes! Absolutely.  Anyone can if they want.</a:t>
+            </a:r>
+            <a:endParaRPr lang="en-US" dirty="0"/>
+          </a:p>
+          <a:p>
+            <a:r>
+              <a:rPr lang="en-US" dirty="0" smtClean="0"/>
+              <a:t>No more difficult than learning Word, Excel or </a:t>
+            </a:r>
+            <a:r>
+              <a:rPr lang="en-US" dirty="0" err="1" smtClean="0"/>
+              <a:t>Powerpoint</a:t>
+            </a:r>
+            <a:endParaRPr lang="en-US" dirty="0" smtClean="0"/>
+          </a:p>
+          <a:p>
+            <a:r>
+              <a:rPr lang="en-US" dirty="0" smtClean="0"/>
+              <a:t>Biggest difference </a:t>
+            </a:r>
+          </a:p>
+          <a:p>
+            <a:pPr lvl="1"/>
+            <a:r>
+              <a:rPr lang="en-US" dirty="0" smtClean="0"/>
+              <a:t>In Unix:  You type the command to execute</a:t>
+            </a:r>
+          </a:p>
+          <a:p>
+            <a:pPr lvl="1"/>
+            <a:r>
+              <a:rPr lang="en-US" dirty="0" smtClean="0"/>
+              <a:t>In Word: You use your mouse to execute a command</a:t>
+            </a:r>
+          </a:p>
+          <a:p>
+            <a:pPr lvl="1"/>
+            <a:r>
+              <a:rPr lang="en-US" dirty="0" smtClean="0"/>
+              <a:t>Remember. In the Terminal, “don’t touch the mouse”</a:t>
+            </a:r>
+            <a:endParaRPr lang="en-US" dirty="0"/>
+          </a:p>
+          <a:p>
+            <a:endParaRPr lang="en-US" dirty="0" smtClean="0"/>
+          </a:p>
+        </p:txBody>
+      </p:sp>
+    </p:spTree>
+    <p:extLst>
+      <p:ext uri="{BB962C8B-B14F-4D97-AF65-F5344CB8AC3E}">
+        <p14:creationId xmlns:p14="http://schemas.microsoft.com/office/powerpoint/2010/main" val="526474393"/>
+      </p:ext>
+    </p:extLst>
+  </p:cSld>
+  <p:clrMapOvr>
+    <a:masterClrMapping/>
+  </p:clrMapOvr>
+  <p:timing>
+    <p:tnLst>
+      <p:par>
+        <p:cTn id="1" dur="indefinite" restart="never" nodeType="tmRoot"/>
+      </p:par>
+    </p:tnLst>
+  </p:timing>
+</p:sld>
+</file>
+
+<file path=ppt/slides/slide50.xml><?xml version="1.0" encoding="utf-8"?>
+<p:sld xmlns:a="http://schemas.openxmlformats.org/drawingml/2006/main" xmlns:r="http://schemas.openxmlformats.org/officeDocument/2006/relationships" xmlns:p="http://schemas.openxmlformats.org/presentationml/2006/main">
+  <p:cSld>
+    <p:spTree>
+      <p:nvGrpSpPr>
+        <p:cNvPr id="1" name=""/>
+        <p:cNvGrpSpPr/>
+        <p:nvPr/>
+      </p:nvGrpSpPr>
+      <p:grpSpPr>
+        <a:xfrm>
+          <a:off x="0" y="0"/>
+          <a:ext cx="0" cy="0"/>
+          <a:chOff x="0" y="0"/>
+          <a:chExt cx="0" cy="0"/>
+        </a:xfrm>
+      </p:grpSpPr>
+      <p:sp>
+        <p:nvSpPr>
+          <p:cNvPr id="2" name="Title 1"/>
+          <p:cNvSpPr>
+            <a:spLocks noGrp="1"/>
+          </p:cNvSpPr>
+          <p:nvPr>
+            <p:ph type="title"/>
+          </p:nvPr>
+        </p:nvSpPr>
+        <p:spPr/>
+        <p:txBody>
+          <a:bodyPr/>
+          <a:lstStyle/>
+          <a:p>
+            <a:r>
+              <a:rPr lang="en-US" dirty="0" smtClean="0"/>
               <a:t>split</a:t>
             </a:r>
             <a:endParaRPr lang="en-US" dirty="0"/>
@@ -33134,10 +34510,6 @@
               </a:rPr>
               <a:t>to split files</a:t>
             </a:r>
-            <a:endParaRPr lang="en-US" sz="1400" i="1" dirty="0" smtClean="0">
-              <a:latin typeface="Consolas" panose="020B0609020204030204" pitchFamily="49" charset="0"/>
-              <a:cs typeface="Consolas" panose="020B0609020204030204" pitchFamily="49" charset="0"/>
-            </a:endParaRPr>
           </a:p>
           <a:p>
             <a:pPr marL="0" indent="0">
@@ -33468,7 +34840,7 @@
 </p:sld>
 </file>
 
-<file path=ppt/slides/slide48.xml><?xml version="1.0" encoding="utf-8"?>
+<file path=ppt/slides/slide51.xml><?xml version="1.0" encoding="utf-8"?>
 <p:sld xmlns:a="http://schemas.openxmlformats.org/drawingml/2006/main" xmlns:r="http://schemas.openxmlformats.org/officeDocument/2006/relationships" xmlns:p="http://schemas.openxmlformats.org/presentationml/2006/main">
   <p:cSld>
     <p:spTree>
@@ -35396,1520 +36768,6 @@
 </p:sld>
 </file>
 
-<file path=ppt/slides/slide49.xml><?xml version="1.0" encoding="utf-8"?>
-<p:sld xmlns:a="http://schemas.openxmlformats.org/drawingml/2006/main" xmlns:r="http://schemas.openxmlformats.org/officeDocument/2006/relationships" xmlns:p="http://schemas.openxmlformats.org/presentationml/2006/main">
-  <p:cSld>
-    <p:spTree>
-      <p:nvGrpSpPr>
-        <p:cNvPr id="1" name=""/>
-        <p:cNvGrpSpPr/>
-        <p:nvPr/>
-      </p:nvGrpSpPr>
-      <p:grpSpPr>
-        <a:xfrm>
-          <a:off x="0" y="0"/>
-          <a:ext cx="0" cy="0"/>
-          <a:chOff x="0" y="0"/>
-          <a:chExt cx="0" cy="0"/>
-        </a:xfrm>
-      </p:grpSpPr>
-      <p:sp>
-        <p:nvSpPr>
-          <p:cNvPr id="2" name="Title 1"/>
-          <p:cNvSpPr>
-            <a:spLocks noGrp="1"/>
-          </p:cNvSpPr>
-          <p:nvPr>
-            <p:ph type="title"/>
-          </p:nvPr>
-        </p:nvSpPr>
-        <p:spPr/>
-        <p:txBody>
-          <a:bodyPr/>
-          <a:lstStyle/>
-          <a:p>
-            <a:r>
-              <a:rPr lang="en-US" dirty="0"/>
-              <a:t>Merging files</a:t>
-            </a:r>
-            <a:endParaRPr lang="en-US" dirty="0"/>
-          </a:p>
-        </p:txBody>
-      </p:sp>
-      <p:sp>
-        <p:nvSpPr>
-          <p:cNvPr id="3" name="Content Placeholder 2"/>
-          <p:cNvSpPr>
-            <a:spLocks noGrp="1"/>
-          </p:cNvSpPr>
-          <p:nvPr>
-            <p:ph idx="1"/>
-          </p:nvPr>
-        </p:nvSpPr>
-        <p:spPr>
-          <a:xfrm>
-            <a:off x="97654" y="1295399"/>
-            <a:ext cx="8939814" cy="5034379"/>
-          </a:xfrm>
-          <a:solidFill>
-            <a:schemeClr val="tx1"/>
-          </a:solidFill>
-        </p:spPr>
-        <p:txBody>
-          <a:bodyPr/>
-          <a:lstStyle/>
-          <a:p>
-            <a:pPr marL="0" indent="0">
-              <a:buNone/>
-            </a:pPr>
-            <a:r>
-              <a:rPr lang="en-US" sz="1400" i="1" dirty="0">
-                <a:latin typeface="Consolas" panose="020B0609020204030204" pitchFamily="49" charset="0"/>
-                <a:cs typeface="Consolas" panose="020B0609020204030204" pitchFamily="49" charset="0"/>
-              </a:rPr>
-              <a:t># Make sure you are in WORKSHOP_FILES directory</a:t>
-            </a:r>
-          </a:p>
-          <a:p>
-            <a:pPr marL="0" indent="0">
-              <a:buNone/>
-            </a:pPr>
-            <a:r>
-              <a:rPr lang="en-US" sz="1400" dirty="0">
-                <a:solidFill>
-                  <a:schemeClr val="accent6">
-                    <a:lumMod val="40000"/>
-                    <a:lumOff val="60000"/>
-                  </a:schemeClr>
-                </a:solidFill>
-                <a:latin typeface="Consolas" panose="020B0609020204030204" pitchFamily="49" charset="0"/>
-                <a:cs typeface="Consolas" panose="020B0609020204030204" pitchFamily="49" charset="0"/>
-              </a:rPr>
-              <a:t>~$</a:t>
-            </a:r>
-            <a:r>
-              <a:rPr lang="en-US" sz="1400" dirty="0">
-                <a:latin typeface="Consolas" panose="020B0609020204030204" pitchFamily="49" charset="0"/>
-                <a:cs typeface="Consolas" panose="020B0609020204030204" pitchFamily="49" charset="0"/>
-              </a:rPr>
-              <a:t> </a:t>
-            </a:r>
-            <a:r>
-              <a:rPr lang="en-US" sz="1400" dirty="0" err="1">
-                <a:solidFill>
-                  <a:srgbClr val="00B050"/>
-                </a:solidFill>
-                <a:latin typeface="Consolas" panose="020B0609020204030204" pitchFamily="49" charset="0"/>
-                <a:cs typeface="Consolas" panose="020B0609020204030204" pitchFamily="49" charset="0"/>
-              </a:rPr>
-              <a:t>pwd</a:t>
-            </a:r>
-            <a:endParaRPr lang="en-US" sz="1400" dirty="0">
-              <a:solidFill>
-                <a:srgbClr val="00B050"/>
-              </a:solidFill>
-              <a:latin typeface="Consolas" panose="020B0609020204030204" pitchFamily="49" charset="0"/>
-              <a:cs typeface="Consolas" panose="020B0609020204030204" pitchFamily="49" charset="0"/>
-            </a:endParaRPr>
-          </a:p>
-          <a:p>
-            <a:pPr marL="0" indent="0">
-              <a:buNone/>
-            </a:pPr>
-            <a:r>
-              <a:rPr lang="en-US" sz="1400" dirty="0">
-                <a:solidFill>
-                  <a:srgbClr val="00B050"/>
-                </a:solidFill>
-                <a:latin typeface="Consolas" panose="020B0609020204030204" pitchFamily="49" charset="0"/>
-                <a:cs typeface="Consolas" panose="020B0609020204030204" pitchFamily="49" charset="0"/>
-              </a:rPr>
-              <a:t>/home/</a:t>
-            </a:r>
-            <a:r>
-              <a:rPr lang="en-US" sz="1400" dirty="0" err="1">
-                <a:solidFill>
-                  <a:srgbClr val="00B050"/>
-                </a:solidFill>
-                <a:latin typeface="Consolas" panose="020B0609020204030204" pitchFamily="49" charset="0"/>
-                <a:cs typeface="Consolas" panose="020B0609020204030204" pitchFamily="49" charset="0"/>
-              </a:rPr>
-              <a:t>arnstrm</a:t>
-            </a:r>
-            <a:r>
-              <a:rPr lang="en-US" sz="1400" dirty="0">
-                <a:solidFill>
-                  <a:srgbClr val="00B050"/>
-                </a:solidFill>
-                <a:latin typeface="Consolas" panose="020B0609020204030204" pitchFamily="49" charset="0"/>
-                <a:cs typeface="Consolas" panose="020B0609020204030204" pitchFamily="49" charset="0"/>
-              </a:rPr>
-              <a:t>/WORKSHOP_FILES</a:t>
-            </a:r>
-          </a:p>
-          <a:p>
-            <a:pPr marL="0" indent="0">
-              <a:buNone/>
-            </a:pPr>
-            <a:r>
-              <a:rPr lang="en-US" sz="1400" i="1" dirty="0">
-                <a:latin typeface="Consolas" panose="020B0609020204030204" pitchFamily="49" charset="0"/>
-                <a:cs typeface="Consolas" panose="020B0609020204030204" pitchFamily="49" charset="0"/>
-              </a:rPr>
-              <a:t># </a:t>
-            </a:r>
-            <a:r>
-              <a:rPr lang="en-US" sz="1400" i="1" dirty="0" smtClean="0">
-                <a:latin typeface="Consolas" panose="020B0609020204030204" pitchFamily="49" charset="0"/>
-                <a:cs typeface="Consolas" panose="020B0609020204030204" pitchFamily="49" charset="0"/>
-              </a:rPr>
-              <a:t>to merge files using cat</a:t>
-            </a:r>
-            <a:endParaRPr lang="en-US" sz="1400" i="1" dirty="0" smtClean="0">
-              <a:latin typeface="Consolas" panose="020B0609020204030204" pitchFamily="49" charset="0"/>
-              <a:cs typeface="Consolas" panose="020B0609020204030204" pitchFamily="49" charset="0"/>
-            </a:endParaRPr>
-          </a:p>
-          <a:p>
-            <a:pPr marL="0" indent="0">
-              <a:buNone/>
-            </a:pPr>
-            <a:r>
-              <a:rPr lang="en-US" sz="1400" dirty="0" smtClean="0">
-                <a:solidFill>
-                  <a:schemeClr val="accent6">
-                    <a:lumMod val="40000"/>
-                    <a:lumOff val="60000"/>
-                  </a:schemeClr>
-                </a:solidFill>
-                <a:latin typeface="Consolas" panose="020B0609020204030204" pitchFamily="49" charset="0"/>
-                <a:cs typeface="Consolas" panose="020B0609020204030204" pitchFamily="49" charset="0"/>
-              </a:rPr>
-              <a:t>~$</a:t>
-            </a:r>
-            <a:r>
-              <a:rPr lang="en-US" sz="1400" dirty="0" smtClean="0">
-                <a:latin typeface="Consolas" panose="020B0609020204030204" pitchFamily="49" charset="0"/>
-                <a:cs typeface="Consolas" panose="020B0609020204030204" pitchFamily="49" charset="0"/>
-              </a:rPr>
-              <a:t> </a:t>
-            </a:r>
-            <a:r>
-              <a:rPr lang="en-US" sz="1400" dirty="0" smtClean="0">
-                <a:solidFill>
-                  <a:srgbClr val="00B050"/>
-                </a:solidFill>
-                <a:latin typeface="Consolas" panose="020B0609020204030204" pitchFamily="49" charset="0"/>
-                <a:cs typeface="Consolas" panose="020B0609020204030204" pitchFamily="49" charset="0"/>
-              </a:rPr>
-              <a:t>cd sequences</a:t>
-            </a:r>
-            <a:endParaRPr lang="en-US" sz="1400" dirty="0" smtClean="0">
-              <a:solidFill>
-                <a:srgbClr val="00B050"/>
-              </a:solidFill>
-              <a:latin typeface="Consolas" panose="020B0609020204030204" pitchFamily="49" charset="0"/>
-              <a:cs typeface="Consolas" panose="020B0609020204030204" pitchFamily="49" charset="0"/>
-            </a:endParaRPr>
-          </a:p>
-          <a:p>
-            <a:pPr marL="0" indent="0">
-              <a:buNone/>
-            </a:pPr>
-            <a:r>
-              <a:rPr lang="en-US" sz="1400" dirty="0">
-                <a:solidFill>
-                  <a:schemeClr val="accent6">
-                    <a:lumMod val="40000"/>
-                    <a:lumOff val="60000"/>
-                  </a:schemeClr>
-                </a:solidFill>
-                <a:latin typeface="Consolas" panose="020B0609020204030204" pitchFamily="49" charset="0"/>
-                <a:cs typeface="Consolas" panose="020B0609020204030204" pitchFamily="49" charset="0"/>
-              </a:rPr>
-              <a:t>~$</a:t>
-            </a:r>
-            <a:r>
-              <a:rPr lang="en-US" sz="1400" dirty="0">
-                <a:latin typeface="Consolas" panose="020B0609020204030204" pitchFamily="49" charset="0"/>
-                <a:cs typeface="Consolas" panose="020B0609020204030204" pitchFamily="49" charset="0"/>
-              </a:rPr>
-              <a:t> </a:t>
-            </a:r>
-            <a:r>
-              <a:rPr lang="en-US" sz="1400" dirty="0" smtClean="0">
-                <a:solidFill>
-                  <a:srgbClr val="00B050"/>
-                </a:solidFill>
-                <a:latin typeface="Consolas" panose="020B0609020204030204" pitchFamily="49" charset="0"/>
-                <a:cs typeface="Consolas" panose="020B0609020204030204" pitchFamily="49" charset="0"/>
-              </a:rPr>
-              <a:t>ls -l</a:t>
-            </a:r>
-            <a:endParaRPr lang="en-US" sz="1400" dirty="0">
-              <a:solidFill>
-                <a:srgbClr val="00B050"/>
-              </a:solidFill>
-              <a:latin typeface="Consolas" panose="020B0609020204030204" pitchFamily="49" charset="0"/>
-              <a:cs typeface="Consolas" panose="020B0609020204030204" pitchFamily="49" charset="0"/>
-            </a:endParaRPr>
-          </a:p>
-          <a:p>
-            <a:pPr marL="0" indent="0">
-              <a:buNone/>
-            </a:pPr>
-            <a:r>
-              <a:rPr lang="en-US" sz="1400" i="1" dirty="0" smtClean="0">
-                <a:latin typeface="Consolas" panose="020B0609020204030204" pitchFamily="49" charset="0"/>
-                <a:cs typeface="Consolas" panose="020B0609020204030204" pitchFamily="49" charset="0"/>
-              </a:rPr>
-              <a:t># do you see many files, each file has a single sequence in it</a:t>
-            </a:r>
-          </a:p>
-          <a:p>
-            <a:pPr marL="0" indent="0">
-              <a:buNone/>
-            </a:pPr>
-            <a:r>
-              <a:rPr lang="en-US" sz="1400" i="1" dirty="0" smtClean="0">
-                <a:latin typeface="Consolas" panose="020B0609020204030204" pitchFamily="49" charset="0"/>
-                <a:cs typeface="Consolas" panose="020B0609020204030204" pitchFamily="49" charset="0"/>
-              </a:rPr>
-              <a:t># to merge them into a single file:</a:t>
-            </a:r>
-          </a:p>
-          <a:p>
-            <a:pPr marL="0" indent="0">
-              <a:buNone/>
-            </a:pPr>
-            <a:r>
-              <a:rPr lang="en-US" sz="1400" dirty="0" smtClean="0">
-                <a:solidFill>
-                  <a:schemeClr val="accent6">
-                    <a:lumMod val="40000"/>
-                    <a:lumOff val="60000"/>
-                  </a:schemeClr>
-                </a:solidFill>
-                <a:latin typeface="Consolas" panose="020B0609020204030204" pitchFamily="49" charset="0"/>
-                <a:cs typeface="Consolas" panose="020B0609020204030204" pitchFamily="49" charset="0"/>
-              </a:rPr>
-              <a:t>~$</a:t>
-            </a:r>
-            <a:r>
-              <a:rPr lang="en-US" sz="1400" dirty="0" smtClean="0">
-                <a:latin typeface="Consolas" panose="020B0609020204030204" pitchFamily="49" charset="0"/>
-                <a:cs typeface="Consolas" panose="020B0609020204030204" pitchFamily="49" charset="0"/>
-              </a:rPr>
-              <a:t> </a:t>
-            </a:r>
-            <a:r>
-              <a:rPr lang="en-US" sz="1400" dirty="0">
-                <a:solidFill>
-                  <a:srgbClr val="00B050"/>
-                </a:solidFill>
-                <a:latin typeface="Consolas" panose="020B0609020204030204" pitchFamily="49" charset="0"/>
-                <a:cs typeface="Consolas" panose="020B0609020204030204" pitchFamily="49" charset="0"/>
-              </a:rPr>
-              <a:t>cat *.fa &gt;&gt; </a:t>
-            </a:r>
-            <a:r>
-              <a:rPr lang="en-US" sz="1400" dirty="0" err="1" smtClean="0">
-                <a:solidFill>
-                  <a:srgbClr val="00B050"/>
-                </a:solidFill>
-                <a:latin typeface="Consolas" panose="020B0609020204030204" pitchFamily="49" charset="0"/>
-                <a:cs typeface="Consolas" panose="020B0609020204030204" pitchFamily="49" charset="0"/>
-              </a:rPr>
-              <a:t>sequences.fasta</a:t>
-            </a:r>
-            <a:endParaRPr lang="en-US" sz="1400" dirty="0" smtClean="0">
-              <a:solidFill>
-                <a:srgbClr val="00B050"/>
-              </a:solidFill>
-              <a:latin typeface="Consolas" panose="020B0609020204030204" pitchFamily="49" charset="0"/>
-              <a:cs typeface="Consolas" panose="020B0609020204030204" pitchFamily="49" charset="0"/>
-            </a:endParaRPr>
-          </a:p>
-          <a:p>
-            <a:pPr marL="0" indent="0">
-              <a:buNone/>
-            </a:pPr>
-            <a:r>
-              <a:rPr lang="en-US" sz="1400" dirty="0">
-                <a:solidFill>
-                  <a:schemeClr val="accent6">
-                    <a:lumMod val="40000"/>
-                    <a:lumOff val="60000"/>
-                  </a:schemeClr>
-                </a:solidFill>
-                <a:latin typeface="Consolas" panose="020B0609020204030204" pitchFamily="49" charset="0"/>
-                <a:cs typeface="Consolas" panose="020B0609020204030204" pitchFamily="49" charset="0"/>
-              </a:rPr>
-              <a:t>~$</a:t>
-            </a:r>
-            <a:r>
-              <a:rPr lang="en-US" sz="1400" dirty="0">
-                <a:latin typeface="Consolas" panose="020B0609020204030204" pitchFamily="49" charset="0"/>
-                <a:cs typeface="Consolas" panose="020B0609020204030204" pitchFamily="49" charset="0"/>
-              </a:rPr>
-              <a:t> </a:t>
-            </a:r>
-            <a:r>
-              <a:rPr lang="en-US" sz="1400" dirty="0">
-                <a:solidFill>
-                  <a:srgbClr val="00B050"/>
-                </a:solidFill>
-                <a:latin typeface="Consolas" panose="020B0609020204030204" pitchFamily="49" charset="0"/>
-                <a:cs typeface="Consolas" panose="020B0609020204030204" pitchFamily="49" charset="0"/>
-              </a:rPr>
-              <a:t>cd </a:t>
-            </a:r>
-            <a:r>
-              <a:rPr lang="en-US" sz="1400" dirty="0" smtClean="0">
-                <a:solidFill>
-                  <a:srgbClr val="00B050"/>
-                </a:solidFill>
-                <a:latin typeface="Consolas" panose="020B0609020204030204" pitchFamily="49" charset="0"/>
-                <a:cs typeface="Consolas" panose="020B0609020204030204" pitchFamily="49" charset="0"/>
-              </a:rPr>
-              <a:t>..</a:t>
-            </a:r>
-            <a:endParaRPr lang="en-US" sz="1400" dirty="0">
-              <a:solidFill>
-                <a:srgbClr val="00B050"/>
-              </a:solidFill>
-              <a:latin typeface="Consolas" panose="020B0609020204030204" pitchFamily="49" charset="0"/>
-              <a:cs typeface="Consolas" panose="020B0609020204030204" pitchFamily="49" charset="0"/>
-            </a:endParaRPr>
-          </a:p>
-          <a:p>
-            <a:pPr marL="0" indent="0">
-              <a:buNone/>
-            </a:pPr>
-            <a:r>
-              <a:rPr lang="en-US" sz="1400" i="1" dirty="0" smtClean="0">
-                <a:latin typeface="Consolas" panose="020B0609020204030204" pitchFamily="49" charset="0"/>
-                <a:cs typeface="Consolas" panose="020B0609020204030204" pitchFamily="49" charset="0"/>
-              </a:rPr>
-              <a:t># similarly, to use paste, just:</a:t>
-            </a:r>
-          </a:p>
-          <a:p>
-            <a:pPr marL="0" indent="0">
-              <a:buNone/>
-            </a:pPr>
-            <a:r>
-              <a:rPr lang="en-US" sz="1400" dirty="0">
-                <a:solidFill>
-                  <a:schemeClr val="accent6">
-                    <a:lumMod val="40000"/>
-                    <a:lumOff val="60000"/>
-                  </a:schemeClr>
-                </a:solidFill>
-                <a:latin typeface="Consolas" panose="020B0609020204030204" pitchFamily="49" charset="0"/>
-                <a:cs typeface="Consolas" panose="020B0609020204030204" pitchFamily="49" charset="0"/>
-              </a:rPr>
-              <a:t>~$</a:t>
-            </a:r>
-            <a:r>
-              <a:rPr lang="en-US" sz="1400" dirty="0">
-                <a:latin typeface="Consolas" panose="020B0609020204030204" pitchFamily="49" charset="0"/>
-                <a:cs typeface="Consolas" panose="020B0609020204030204" pitchFamily="49" charset="0"/>
-              </a:rPr>
-              <a:t> </a:t>
-            </a:r>
-            <a:r>
-              <a:rPr lang="en-US" sz="1400" dirty="0">
-                <a:solidFill>
-                  <a:srgbClr val="00B050"/>
-                </a:solidFill>
-                <a:latin typeface="Consolas" panose="020B0609020204030204" pitchFamily="49" charset="0"/>
-                <a:cs typeface="Consolas" panose="020B0609020204030204" pitchFamily="49" charset="0"/>
-              </a:rPr>
-              <a:t>paste ids_a.txt </a:t>
-            </a:r>
-            <a:r>
-              <a:rPr lang="en-US" sz="1400" dirty="0" smtClean="0">
-                <a:solidFill>
-                  <a:srgbClr val="00B050"/>
-                </a:solidFill>
-                <a:latin typeface="Consolas" panose="020B0609020204030204" pitchFamily="49" charset="0"/>
-                <a:cs typeface="Consolas" panose="020B0609020204030204" pitchFamily="49" charset="0"/>
-              </a:rPr>
-              <a:t>ids_b.txt &gt;&gt; combined_ids.txt</a:t>
-            </a:r>
-            <a:endParaRPr lang="en-US" sz="1400" dirty="0">
-              <a:solidFill>
-                <a:srgbClr val="00B050"/>
-              </a:solidFill>
-              <a:latin typeface="Consolas" panose="020B0609020204030204" pitchFamily="49" charset="0"/>
-              <a:cs typeface="Consolas" panose="020B0609020204030204" pitchFamily="49" charset="0"/>
-            </a:endParaRPr>
-          </a:p>
-          <a:p>
-            <a:pPr marL="0" indent="0">
-              <a:buNone/>
-            </a:pPr>
-            <a:r>
-              <a:rPr lang="en-US" sz="1400" i="1" dirty="0" smtClean="0">
-                <a:latin typeface="Consolas" panose="020B0609020204030204" pitchFamily="49" charset="0"/>
-                <a:cs typeface="Consolas" panose="020B0609020204030204" pitchFamily="49" charset="0"/>
-              </a:rPr>
-              <a:t># check files to see if the contents are same as what you were expecting</a:t>
-            </a:r>
-          </a:p>
-          <a:p>
-            <a:pPr marL="0" indent="0">
-              <a:buNone/>
-            </a:pPr>
-            <a:r>
-              <a:rPr lang="en-US" sz="1400" dirty="0">
-                <a:solidFill>
-                  <a:schemeClr val="accent6">
-                    <a:lumMod val="40000"/>
-                    <a:lumOff val="60000"/>
-                  </a:schemeClr>
-                </a:solidFill>
-                <a:latin typeface="Consolas" panose="020B0609020204030204" pitchFamily="49" charset="0"/>
-                <a:cs typeface="Consolas" panose="020B0609020204030204" pitchFamily="49" charset="0"/>
-              </a:rPr>
-              <a:t>~$</a:t>
-            </a:r>
-            <a:r>
-              <a:rPr lang="en-US" sz="1400" dirty="0">
-                <a:latin typeface="Consolas" panose="020B0609020204030204" pitchFamily="49" charset="0"/>
-                <a:cs typeface="Consolas" panose="020B0609020204030204" pitchFamily="49" charset="0"/>
-              </a:rPr>
-              <a:t> </a:t>
-            </a:r>
-            <a:r>
-              <a:rPr lang="de-DE" sz="1400" dirty="0">
-                <a:solidFill>
-                  <a:srgbClr val="00B050"/>
-                </a:solidFill>
-                <a:latin typeface="Consolas" panose="020B0609020204030204" pitchFamily="49" charset="0"/>
-                <a:cs typeface="Consolas" panose="020B0609020204030204" pitchFamily="49" charset="0"/>
-              </a:rPr>
-              <a:t>join -1 1 -2 3 genes_a.gff genes_b.gff</a:t>
-            </a:r>
-            <a:br>
-              <a:rPr lang="de-DE" sz="1400" dirty="0">
-                <a:solidFill>
-                  <a:srgbClr val="00B050"/>
-                </a:solidFill>
-                <a:latin typeface="Consolas" panose="020B0609020204030204" pitchFamily="49" charset="0"/>
-                <a:cs typeface="Consolas" panose="020B0609020204030204" pitchFamily="49" charset="0"/>
-              </a:rPr>
-            </a:br>
-            <a:r>
-              <a:rPr lang="en-US" sz="1400" i="1" dirty="0">
-                <a:latin typeface="Consolas" panose="020B0609020204030204" pitchFamily="49" charset="0"/>
-                <a:cs typeface="Consolas" panose="020B0609020204030204" pitchFamily="49" charset="0"/>
-              </a:rPr>
-              <a:t># </a:t>
-            </a:r>
-            <a:r>
-              <a:rPr lang="en-US" sz="1400" i="1" dirty="0" smtClean="0">
-                <a:latin typeface="Consolas" panose="020B0609020204030204" pitchFamily="49" charset="0"/>
-                <a:cs typeface="Consolas" panose="020B0609020204030204" pitchFamily="49" charset="0"/>
-              </a:rPr>
-              <a:t>1</a:t>
-            </a:r>
-            <a:r>
-              <a:rPr lang="en-US" sz="1400" i="1" baseline="30000" dirty="0" smtClean="0">
-                <a:latin typeface="Consolas" panose="020B0609020204030204" pitchFamily="49" charset="0"/>
-                <a:cs typeface="Consolas" panose="020B0609020204030204" pitchFamily="49" charset="0"/>
-              </a:rPr>
-              <a:t>st</a:t>
-            </a:r>
-            <a:r>
-              <a:rPr lang="en-US" sz="1400" i="1" dirty="0" smtClean="0">
-                <a:latin typeface="Consolas" panose="020B0609020204030204" pitchFamily="49" charset="0"/>
-                <a:cs typeface="Consolas" panose="020B0609020204030204" pitchFamily="49" charset="0"/>
-              </a:rPr>
-              <a:t> field from the 1</a:t>
-            </a:r>
-            <a:r>
-              <a:rPr lang="en-US" sz="1400" i="1" baseline="30000" dirty="0" smtClean="0">
-                <a:latin typeface="Consolas" panose="020B0609020204030204" pitchFamily="49" charset="0"/>
-                <a:cs typeface="Consolas" panose="020B0609020204030204" pitchFamily="49" charset="0"/>
-              </a:rPr>
-              <a:t>st</a:t>
-            </a:r>
-            <a:r>
-              <a:rPr lang="en-US" sz="1400" i="1" dirty="0" smtClean="0">
-                <a:latin typeface="Consolas" panose="020B0609020204030204" pitchFamily="49" charset="0"/>
-                <a:cs typeface="Consolas" panose="020B0609020204030204" pitchFamily="49" charset="0"/>
-              </a:rPr>
-              <a:t> file and 3</a:t>
-            </a:r>
-            <a:r>
-              <a:rPr lang="en-US" sz="1400" i="1" baseline="30000" dirty="0" smtClean="0">
-                <a:latin typeface="Consolas" panose="020B0609020204030204" pitchFamily="49" charset="0"/>
-                <a:cs typeface="Consolas" panose="020B0609020204030204" pitchFamily="49" charset="0"/>
-              </a:rPr>
-              <a:t>rd</a:t>
-            </a:r>
-            <a:r>
-              <a:rPr lang="en-US" sz="1400" i="1" dirty="0" smtClean="0">
-                <a:latin typeface="Consolas" panose="020B0609020204030204" pitchFamily="49" charset="0"/>
-                <a:cs typeface="Consolas" panose="020B0609020204030204" pitchFamily="49" charset="0"/>
-              </a:rPr>
-              <a:t> field from the 2</a:t>
-            </a:r>
-            <a:r>
-              <a:rPr lang="en-US" sz="1400" i="1" baseline="30000" dirty="0" smtClean="0">
-                <a:latin typeface="Consolas" panose="020B0609020204030204" pitchFamily="49" charset="0"/>
-                <a:cs typeface="Consolas" panose="020B0609020204030204" pitchFamily="49" charset="0"/>
-              </a:rPr>
-              <a:t>nd</a:t>
-            </a:r>
-            <a:r>
-              <a:rPr lang="en-US" sz="1400" i="1" dirty="0" smtClean="0">
-                <a:latin typeface="Consolas" panose="020B0609020204030204" pitchFamily="49" charset="0"/>
-                <a:cs typeface="Consolas" panose="020B0609020204030204" pitchFamily="49" charset="0"/>
-              </a:rPr>
-              <a:t> file is used to merge</a:t>
-            </a:r>
-            <a:endParaRPr lang="en-US" sz="1400" i="1" dirty="0">
-              <a:latin typeface="Consolas" panose="020B0609020204030204" pitchFamily="49" charset="0"/>
-              <a:cs typeface="Consolas" panose="020B0609020204030204" pitchFamily="49" charset="0"/>
-            </a:endParaRPr>
-          </a:p>
-          <a:p>
-            <a:pPr marL="0" indent="0">
-              <a:buNone/>
-            </a:pPr>
-            <a:r>
-              <a:rPr lang="de-DE" sz="1400" dirty="0" smtClean="0"/>
-              <a:t/>
-            </a:r>
-            <a:br>
-              <a:rPr lang="de-DE" sz="1400" dirty="0" smtClean="0"/>
-            </a:br>
-            <a:endParaRPr lang="en-US" sz="1400" dirty="0">
-              <a:solidFill>
-                <a:srgbClr val="00B050"/>
-              </a:solidFill>
-              <a:latin typeface="Consolas" panose="020B0609020204030204" pitchFamily="49" charset="0"/>
-              <a:cs typeface="Consolas" panose="020B0609020204030204" pitchFamily="49" charset="0"/>
-            </a:endParaRPr>
-          </a:p>
-        </p:txBody>
-      </p:sp>
-    </p:spTree>
-    <p:extLst>
-      <p:ext uri="{BB962C8B-B14F-4D97-AF65-F5344CB8AC3E}">
-        <p14:creationId xmlns:p14="http://schemas.microsoft.com/office/powerpoint/2010/main" val="2230537663"/>
-      </p:ext>
-    </p:extLst>
-  </p:cSld>
-  <p:clrMapOvr>
-    <a:masterClrMapping/>
-  </p:clrMapOvr>
-  <p:timing>
-    <p:tnLst>
-      <p:par>
-        <p:cTn id="1" dur="indefinite" restart="never" nodeType="tmRoot"/>
-      </p:par>
-    </p:tnLst>
-  </p:timing>
-</p:sld>
-</file>
-
-<file path=ppt/slides/slide5.xml><?xml version="1.0" encoding="utf-8"?>
-<p:sld xmlns:a="http://schemas.openxmlformats.org/drawingml/2006/main" xmlns:r="http://schemas.openxmlformats.org/officeDocument/2006/relationships" xmlns:p="http://schemas.openxmlformats.org/presentationml/2006/main">
-  <p:cSld>
-    <p:spTree>
-      <p:nvGrpSpPr>
-        <p:cNvPr id="1" name=""/>
-        <p:cNvGrpSpPr/>
-        <p:nvPr/>
-      </p:nvGrpSpPr>
-      <p:grpSpPr>
-        <a:xfrm>
-          <a:off x="0" y="0"/>
-          <a:ext cx="0" cy="0"/>
-          <a:chOff x="0" y="0"/>
-          <a:chExt cx="0" cy="0"/>
-        </a:xfrm>
-      </p:grpSpPr>
-      <p:sp>
-        <p:nvSpPr>
-          <p:cNvPr id="2" name="Title 1"/>
-          <p:cNvSpPr>
-            <a:spLocks noGrp="1"/>
-          </p:cNvSpPr>
-          <p:nvPr>
-            <p:ph type="title"/>
-          </p:nvPr>
-        </p:nvSpPr>
-        <p:spPr/>
-        <p:txBody>
-          <a:bodyPr/>
-          <a:lstStyle/>
-          <a:p>
-            <a:r>
-              <a:rPr lang="en-US" dirty="0" smtClean="0"/>
-              <a:t>Can I learn UNIX?</a:t>
-            </a:r>
-            <a:endParaRPr lang="en-US" dirty="0"/>
-          </a:p>
-        </p:txBody>
-      </p:sp>
-      <p:sp>
-        <p:nvSpPr>
-          <p:cNvPr id="3" name="Content Placeholder 2"/>
-          <p:cNvSpPr>
-            <a:spLocks noGrp="1"/>
-          </p:cNvSpPr>
-          <p:nvPr>
-            <p:ph idx="1"/>
-          </p:nvPr>
-        </p:nvSpPr>
-        <p:spPr>
-          <a:xfrm>
-            <a:off x="212725" y="1371600"/>
-            <a:ext cx="8778875" cy="4572000"/>
-          </a:xfrm>
-        </p:spPr>
-        <p:txBody>
-          <a:bodyPr/>
-          <a:lstStyle/>
-          <a:p>
-            <a:r>
-              <a:rPr lang="en-US" dirty="0" smtClean="0"/>
-              <a:t>Yes! Absolutely.  Anyone can if they want.</a:t>
-            </a:r>
-            <a:endParaRPr lang="en-US" dirty="0"/>
-          </a:p>
-          <a:p>
-            <a:r>
-              <a:rPr lang="en-US" dirty="0" smtClean="0"/>
-              <a:t>No more difficult than learning Word, Excel or </a:t>
-            </a:r>
-            <a:r>
-              <a:rPr lang="en-US" dirty="0" err="1" smtClean="0"/>
-              <a:t>Powerpoint</a:t>
-            </a:r>
-            <a:endParaRPr lang="en-US" dirty="0" smtClean="0"/>
-          </a:p>
-          <a:p>
-            <a:r>
-              <a:rPr lang="en-US" dirty="0" smtClean="0"/>
-              <a:t>Biggest difference </a:t>
-            </a:r>
-          </a:p>
-          <a:p>
-            <a:pPr lvl="1"/>
-            <a:r>
-              <a:rPr lang="en-US" dirty="0" smtClean="0"/>
-              <a:t>In Unix:  You type the command to execute</a:t>
-            </a:r>
-          </a:p>
-          <a:p>
-            <a:pPr lvl="1"/>
-            <a:r>
-              <a:rPr lang="en-US" dirty="0" smtClean="0"/>
-              <a:t>In Word: You use your mouse to execute a command</a:t>
-            </a:r>
-          </a:p>
-          <a:p>
-            <a:pPr lvl="1"/>
-            <a:r>
-              <a:rPr lang="en-US" dirty="0" smtClean="0"/>
-              <a:t>Remember. In the Terminal, “don’t touch the mouse”</a:t>
-            </a:r>
-            <a:endParaRPr lang="en-US" dirty="0"/>
-          </a:p>
-          <a:p>
-            <a:endParaRPr lang="en-US" dirty="0" smtClean="0"/>
-          </a:p>
-        </p:txBody>
-      </p:sp>
-    </p:spTree>
-    <p:extLst>
-      <p:ext uri="{BB962C8B-B14F-4D97-AF65-F5344CB8AC3E}">
-        <p14:creationId xmlns:p14="http://schemas.microsoft.com/office/powerpoint/2010/main" val="526474393"/>
-      </p:ext>
-    </p:extLst>
-  </p:cSld>
-  <p:clrMapOvr>
-    <a:masterClrMapping/>
-  </p:clrMapOvr>
-  <p:timing>
-    <p:tnLst>
-      <p:par>
-        <p:cTn id="1" dur="indefinite" restart="never" nodeType="tmRoot"/>
-      </p:par>
-    </p:tnLst>
-  </p:timing>
-</p:sld>
-</file>
-
-<file path=ppt/slides/slide50.xml><?xml version="1.0" encoding="utf-8"?>
-<p:sld xmlns:a="http://schemas.openxmlformats.org/drawingml/2006/main" xmlns:r="http://schemas.openxmlformats.org/officeDocument/2006/relationships" xmlns:p="http://schemas.openxmlformats.org/presentationml/2006/main">
-  <p:cSld>
-    <p:spTree>
-      <p:nvGrpSpPr>
-        <p:cNvPr id="1" name=""/>
-        <p:cNvGrpSpPr/>
-        <p:nvPr/>
-      </p:nvGrpSpPr>
-      <p:grpSpPr>
-        <a:xfrm>
-          <a:off x="0" y="0"/>
-          <a:ext cx="0" cy="0"/>
-          <a:chOff x="0" y="0"/>
-          <a:chExt cx="0" cy="0"/>
-        </a:xfrm>
-      </p:grpSpPr>
-      <p:sp>
-        <p:nvSpPr>
-          <p:cNvPr id="2" name="Title 1"/>
-          <p:cNvSpPr>
-            <a:spLocks noGrp="1"/>
-          </p:cNvSpPr>
-          <p:nvPr>
-            <p:ph type="title"/>
-          </p:nvPr>
-        </p:nvSpPr>
-        <p:spPr/>
-        <p:txBody>
-          <a:bodyPr/>
-          <a:lstStyle/>
-          <a:p>
-            <a:r>
-              <a:rPr lang="en-US" dirty="0" smtClean="0"/>
-              <a:t>Processing files</a:t>
-            </a:r>
-            <a:endParaRPr lang="en-US" dirty="0"/>
-          </a:p>
-        </p:txBody>
-      </p:sp>
-      <p:sp>
-        <p:nvSpPr>
-          <p:cNvPr id="3" name="Content Placeholder 2"/>
-          <p:cNvSpPr>
-            <a:spLocks noGrp="1"/>
-          </p:cNvSpPr>
-          <p:nvPr>
-            <p:ph idx="1"/>
-          </p:nvPr>
-        </p:nvSpPr>
-        <p:spPr/>
-        <p:txBody>
-          <a:bodyPr/>
-          <a:lstStyle/>
-          <a:p>
-            <a:r>
-              <a:rPr lang="en-US" dirty="0" smtClean="0"/>
-              <a:t>Simple commands to modify output</a:t>
-            </a:r>
-          </a:p>
-          <a:p>
-            <a:pPr lvl="1"/>
-            <a:r>
-              <a:rPr lang="en-US" dirty="0" smtClean="0"/>
-              <a:t>sort : for sorting</a:t>
-            </a:r>
-          </a:p>
-          <a:p>
-            <a:pPr lvl="1"/>
-            <a:r>
-              <a:rPr lang="en-US" dirty="0" err="1" smtClean="0"/>
-              <a:t>uniq</a:t>
-            </a:r>
-            <a:r>
-              <a:rPr lang="en-US" dirty="0" smtClean="0"/>
-              <a:t> : removing duplicates/printing unique entries</a:t>
-            </a:r>
-          </a:p>
-          <a:p>
-            <a:endParaRPr lang="en-US" dirty="0"/>
-          </a:p>
-        </p:txBody>
-      </p:sp>
-    </p:spTree>
-    <p:extLst>
-      <p:ext uri="{BB962C8B-B14F-4D97-AF65-F5344CB8AC3E}">
-        <p14:creationId xmlns:p14="http://schemas.microsoft.com/office/powerpoint/2010/main" val="2444979164"/>
-      </p:ext>
-    </p:extLst>
-  </p:cSld>
-  <p:clrMapOvr>
-    <a:masterClrMapping/>
-  </p:clrMapOvr>
-  <p:timing>
-    <p:tnLst>
-      <p:par>
-        <p:cTn id="1" dur="indefinite" restart="never" nodeType="tmRoot"/>
-      </p:par>
-    </p:tnLst>
-  </p:timing>
-</p:sld>
-</file>
-
-<file path=ppt/slides/slide51.xml><?xml version="1.0" encoding="utf-8"?>
-<p:sld xmlns:a="http://schemas.openxmlformats.org/drawingml/2006/main" xmlns:r="http://schemas.openxmlformats.org/officeDocument/2006/relationships" xmlns:p="http://schemas.openxmlformats.org/presentationml/2006/main">
-  <p:cSld>
-    <p:spTree>
-      <p:nvGrpSpPr>
-        <p:cNvPr id="1" name=""/>
-        <p:cNvGrpSpPr/>
-        <p:nvPr/>
-      </p:nvGrpSpPr>
-      <p:grpSpPr>
-        <a:xfrm>
-          <a:off x="0" y="0"/>
-          <a:ext cx="0" cy="0"/>
-          <a:chOff x="0" y="0"/>
-          <a:chExt cx="0" cy="0"/>
-        </a:xfrm>
-      </p:grpSpPr>
-      <p:sp>
-        <p:nvSpPr>
-          <p:cNvPr id="2" name="Title 1"/>
-          <p:cNvSpPr>
-            <a:spLocks noGrp="1"/>
-          </p:cNvSpPr>
-          <p:nvPr>
-            <p:ph type="title"/>
-          </p:nvPr>
-        </p:nvSpPr>
-        <p:spPr/>
-        <p:txBody>
-          <a:bodyPr/>
-          <a:lstStyle/>
-          <a:p>
-            <a:r>
-              <a:rPr lang="en-US" dirty="0" smtClean="0"/>
-              <a:t>sort</a:t>
-            </a:r>
-            <a:endParaRPr lang="en-US" dirty="0"/>
-          </a:p>
-        </p:txBody>
-      </p:sp>
-      <p:sp>
-        <p:nvSpPr>
-          <p:cNvPr id="3" name="Content Placeholder 2"/>
-          <p:cNvSpPr>
-            <a:spLocks noGrp="1"/>
-          </p:cNvSpPr>
-          <p:nvPr>
-            <p:ph idx="1"/>
-          </p:nvPr>
-        </p:nvSpPr>
-        <p:spPr>
-          <a:xfrm>
-            <a:off x="97654" y="1295399"/>
-            <a:ext cx="8939814" cy="5034379"/>
-          </a:xfrm>
-          <a:solidFill>
-            <a:schemeClr val="tx1"/>
-          </a:solidFill>
-        </p:spPr>
-        <p:txBody>
-          <a:bodyPr/>
-          <a:lstStyle/>
-          <a:p>
-            <a:pPr marL="0" indent="0">
-              <a:buNone/>
-            </a:pPr>
-            <a:r>
-              <a:rPr lang="en-US" sz="1400" i="1" dirty="0">
-                <a:latin typeface="Consolas" panose="020B0609020204030204" pitchFamily="49" charset="0"/>
-                <a:cs typeface="Consolas" panose="020B0609020204030204" pitchFamily="49" charset="0"/>
-              </a:rPr>
-              <a:t># Make sure you are in WORKSHOP_FILES directory</a:t>
-            </a:r>
-          </a:p>
-          <a:p>
-            <a:pPr marL="0" indent="0">
-              <a:buNone/>
-            </a:pPr>
-            <a:r>
-              <a:rPr lang="en-US" sz="1400" dirty="0">
-                <a:solidFill>
-                  <a:schemeClr val="accent6">
-                    <a:lumMod val="40000"/>
-                    <a:lumOff val="60000"/>
-                  </a:schemeClr>
-                </a:solidFill>
-                <a:latin typeface="Consolas" panose="020B0609020204030204" pitchFamily="49" charset="0"/>
-                <a:cs typeface="Consolas" panose="020B0609020204030204" pitchFamily="49" charset="0"/>
-              </a:rPr>
-              <a:t>~$</a:t>
-            </a:r>
-            <a:r>
-              <a:rPr lang="en-US" sz="1400" dirty="0">
-                <a:latin typeface="Consolas" panose="020B0609020204030204" pitchFamily="49" charset="0"/>
-                <a:cs typeface="Consolas" panose="020B0609020204030204" pitchFamily="49" charset="0"/>
-              </a:rPr>
-              <a:t> </a:t>
-            </a:r>
-            <a:r>
-              <a:rPr lang="en-US" sz="1400" dirty="0" err="1">
-                <a:solidFill>
-                  <a:srgbClr val="00B050"/>
-                </a:solidFill>
-                <a:latin typeface="Consolas" panose="020B0609020204030204" pitchFamily="49" charset="0"/>
-                <a:cs typeface="Consolas" panose="020B0609020204030204" pitchFamily="49" charset="0"/>
-              </a:rPr>
-              <a:t>pwd</a:t>
-            </a:r>
-            <a:endParaRPr lang="en-US" sz="1400" dirty="0">
-              <a:solidFill>
-                <a:srgbClr val="00B050"/>
-              </a:solidFill>
-              <a:latin typeface="Consolas" panose="020B0609020204030204" pitchFamily="49" charset="0"/>
-              <a:cs typeface="Consolas" panose="020B0609020204030204" pitchFamily="49" charset="0"/>
-            </a:endParaRPr>
-          </a:p>
-          <a:p>
-            <a:pPr marL="0" indent="0">
-              <a:buNone/>
-            </a:pPr>
-            <a:r>
-              <a:rPr lang="en-US" sz="1400" dirty="0">
-                <a:solidFill>
-                  <a:srgbClr val="00B050"/>
-                </a:solidFill>
-                <a:latin typeface="Consolas" panose="020B0609020204030204" pitchFamily="49" charset="0"/>
-                <a:cs typeface="Consolas" panose="020B0609020204030204" pitchFamily="49" charset="0"/>
-              </a:rPr>
-              <a:t>/home/</a:t>
-            </a:r>
-            <a:r>
-              <a:rPr lang="en-US" sz="1400" dirty="0" err="1">
-                <a:solidFill>
-                  <a:srgbClr val="00B050"/>
-                </a:solidFill>
-                <a:latin typeface="Consolas" panose="020B0609020204030204" pitchFamily="49" charset="0"/>
-                <a:cs typeface="Consolas" panose="020B0609020204030204" pitchFamily="49" charset="0"/>
-              </a:rPr>
-              <a:t>arnstrm</a:t>
-            </a:r>
-            <a:r>
-              <a:rPr lang="en-US" sz="1400" dirty="0">
-                <a:solidFill>
-                  <a:srgbClr val="00B050"/>
-                </a:solidFill>
-                <a:latin typeface="Consolas" panose="020B0609020204030204" pitchFamily="49" charset="0"/>
-                <a:cs typeface="Consolas" panose="020B0609020204030204" pitchFamily="49" charset="0"/>
-              </a:rPr>
-              <a:t>/WORKSHOP_FILES</a:t>
-            </a:r>
-          </a:p>
-          <a:p>
-            <a:pPr marL="0" indent="0">
-              <a:buNone/>
-            </a:pPr>
-            <a:r>
-              <a:rPr lang="en-US" sz="1400" i="1" dirty="0">
-                <a:latin typeface="Consolas" panose="020B0609020204030204" pitchFamily="49" charset="0"/>
-                <a:cs typeface="Consolas" panose="020B0609020204030204" pitchFamily="49" charset="0"/>
-              </a:rPr>
-              <a:t># check files</a:t>
-            </a:r>
-            <a:r>
-              <a:rPr lang="en-US" sz="1400" i="1" dirty="0" smtClean="0">
-                <a:latin typeface="Consolas" panose="020B0609020204030204" pitchFamily="49" charset="0"/>
-                <a:cs typeface="Consolas" panose="020B0609020204030204" pitchFamily="49" charset="0"/>
-              </a:rPr>
-              <a:t>:</a:t>
-            </a:r>
-          </a:p>
-          <a:p>
-            <a:pPr marL="0" indent="0">
-              <a:buNone/>
-            </a:pPr>
-            <a:r>
-              <a:rPr lang="en-US" sz="1400" dirty="0" smtClean="0">
-                <a:solidFill>
-                  <a:schemeClr val="accent6">
-                    <a:lumMod val="40000"/>
-                    <a:lumOff val="60000"/>
-                  </a:schemeClr>
-                </a:solidFill>
-                <a:latin typeface="Consolas" panose="020B0609020204030204" pitchFamily="49" charset="0"/>
-                <a:cs typeface="Consolas" panose="020B0609020204030204" pitchFamily="49" charset="0"/>
-              </a:rPr>
-              <a:t>~$</a:t>
-            </a:r>
-            <a:r>
-              <a:rPr lang="en-US" sz="1400" dirty="0" smtClean="0">
-                <a:latin typeface="Consolas" panose="020B0609020204030204" pitchFamily="49" charset="0"/>
-                <a:cs typeface="Consolas" panose="020B0609020204030204" pitchFamily="49" charset="0"/>
-              </a:rPr>
-              <a:t> </a:t>
-            </a:r>
-            <a:r>
-              <a:rPr lang="en-US" sz="1400" dirty="0">
-                <a:solidFill>
-                  <a:srgbClr val="00B050"/>
-                </a:solidFill>
-                <a:latin typeface="Consolas" panose="020B0609020204030204" pitchFamily="49" charset="0"/>
-                <a:cs typeface="Consolas" panose="020B0609020204030204" pitchFamily="49" charset="0"/>
-              </a:rPr>
-              <a:t>cat </a:t>
-            </a:r>
-            <a:r>
-              <a:rPr lang="en-US" sz="1400" dirty="0" err="1">
-                <a:solidFill>
-                  <a:srgbClr val="00B050"/>
-                </a:solidFill>
-                <a:latin typeface="Consolas" panose="020B0609020204030204" pitchFamily="49" charset="0"/>
-                <a:cs typeface="Consolas" panose="020B0609020204030204" pitchFamily="49" charset="0"/>
-              </a:rPr>
-              <a:t>genes.gff</a:t>
-            </a:r>
-            <a:endParaRPr lang="en-US" sz="1400" dirty="0" smtClean="0">
-              <a:solidFill>
-                <a:srgbClr val="00B050"/>
-              </a:solidFill>
-              <a:latin typeface="Consolas" panose="020B0609020204030204" pitchFamily="49" charset="0"/>
-              <a:cs typeface="Consolas" panose="020B0609020204030204" pitchFamily="49" charset="0"/>
-            </a:endParaRPr>
-          </a:p>
-          <a:p>
-            <a:pPr marL="0" indent="0">
-              <a:buNone/>
-            </a:pPr>
-            <a:r>
-              <a:rPr lang="en-US" sz="1400" i="1" dirty="0">
-                <a:latin typeface="Consolas" panose="020B0609020204030204" pitchFamily="49" charset="0"/>
-                <a:cs typeface="Consolas" panose="020B0609020204030204" pitchFamily="49" charset="0"/>
-              </a:rPr>
-              <a:t># </a:t>
-            </a:r>
-            <a:r>
-              <a:rPr lang="en-US" sz="1400" i="1" dirty="0" smtClean="0">
-                <a:latin typeface="Consolas" panose="020B0609020204030204" pitchFamily="49" charset="0"/>
-                <a:cs typeface="Consolas" panose="020B0609020204030204" pitchFamily="49" charset="0"/>
-              </a:rPr>
-              <a:t>see the contents of the file, see how chromosomes are ordered. Try this:</a:t>
-            </a:r>
-            <a:endParaRPr lang="en-US" sz="1400" i="1" dirty="0">
-              <a:latin typeface="Consolas" panose="020B0609020204030204" pitchFamily="49" charset="0"/>
-              <a:cs typeface="Consolas" panose="020B0609020204030204" pitchFamily="49" charset="0"/>
-            </a:endParaRPr>
-          </a:p>
-          <a:p>
-            <a:pPr marL="0" indent="0">
-              <a:buNone/>
-            </a:pPr>
-            <a:r>
-              <a:rPr lang="en-US" sz="1400" dirty="0">
-                <a:solidFill>
-                  <a:schemeClr val="accent6">
-                    <a:lumMod val="40000"/>
-                    <a:lumOff val="60000"/>
-                  </a:schemeClr>
-                </a:solidFill>
-                <a:latin typeface="Consolas" panose="020B0609020204030204" pitchFamily="49" charset="0"/>
-                <a:cs typeface="Consolas" panose="020B0609020204030204" pitchFamily="49" charset="0"/>
-              </a:rPr>
-              <a:t>~$</a:t>
-            </a:r>
-            <a:r>
-              <a:rPr lang="en-US" sz="1400" dirty="0">
-                <a:latin typeface="Consolas" panose="020B0609020204030204" pitchFamily="49" charset="0"/>
-                <a:cs typeface="Consolas" panose="020B0609020204030204" pitchFamily="49" charset="0"/>
-              </a:rPr>
-              <a:t> </a:t>
-            </a:r>
-            <a:r>
-              <a:rPr lang="en-US" sz="1400" dirty="0" smtClean="0">
-                <a:solidFill>
-                  <a:srgbClr val="00B050"/>
-                </a:solidFill>
-                <a:latin typeface="Consolas" panose="020B0609020204030204" pitchFamily="49" charset="0"/>
-                <a:cs typeface="Consolas" panose="020B0609020204030204" pitchFamily="49" charset="0"/>
-              </a:rPr>
-              <a:t>sort </a:t>
-            </a:r>
-            <a:r>
-              <a:rPr lang="en-US" sz="1400" dirty="0" err="1">
-                <a:solidFill>
-                  <a:srgbClr val="00B050"/>
-                </a:solidFill>
-                <a:latin typeface="Consolas" panose="020B0609020204030204" pitchFamily="49" charset="0"/>
-                <a:cs typeface="Consolas" panose="020B0609020204030204" pitchFamily="49" charset="0"/>
-              </a:rPr>
-              <a:t>genes.gff</a:t>
-            </a:r>
-            <a:endParaRPr lang="en-US" sz="1400" dirty="0" smtClean="0">
-              <a:solidFill>
-                <a:srgbClr val="00B050"/>
-              </a:solidFill>
-              <a:latin typeface="Consolas" panose="020B0609020204030204" pitchFamily="49" charset="0"/>
-              <a:cs typeface="Consolas" panose="020B0609020204030204" pitchFamily="49" charset="0"/>
-            </a:endParaRPr>
-          </a:p>
-          <a:p>
-            <a:pPr marL="0" indent="0">
-              <a:buNone/>
-            </a:pPr>
-            <a:r>
-              <a:rPr lang="en-US" sz="1400" i="1" dirty="0">
-                <a:latin typeface="Consolas" panose="020B0609020204030204" pitchFamily="49" charset="0"/>
-                <a:cs typeface="Consolas" panose="020B0609020204030204" pitchFamily="49" charset="0"/>
-              </a:rPr>
-              <a:t># </a:t>
-            </a:r>
-            <a:r>
-              <a:rPr lang="en-US" sz="1400" i="1" dirty="0" smtClean="0">
-                <a:latin typeface="Consolas" panose="020B0609020204030204" pitchFamily="49" charset="0"/>
-                <a:cs typeface="Consolas" panose="020B0609020204030204" pitchFamily="49" charset="0"/>
-              </a:rPr>
-              <a:t>did the order change?</a:t>
-            </a:r>
-          </a:p>
-          <a:p>
-            <a:pPr marL="0" indent="0">
-              <a:buNone/>
-            </a:pPr>
-            <a:r>
-              <a:rPr lang="en-US" sz="1400" i="1" dirty="0" smtClean="0">
-                <a:latin typeface="Consolas" panose="020B0609020204030204" pitchFamily="49" charset="0"/>
-                <a:cs typeface="Consolas" panose="020B0609020204030204" pitchFamily="49" charset="0"/>
-              </a:rPr>
-              <a:t># check man page and run the following commands: </a:t>
-            </a:r>
-          </a:p>
-          <a:p>
-            <a:pPr marL="0" indent="0">
-              <a:buNone/>
-            </a:pPr>
-            <a:r>
-              <a:rPr lang="en-US" sz="1400" dirty="0">
-                <a:solidFill>
-                  <a:schemeClr val="accent6">
-                    <a:lumMod val="40000"/>
-                    <a:lumOff val="60000"/>
-                  </a:schemeClr>
-                </a:solidFill>
-                <a:latin typeface="Consolas" panose="020B0609020204030204" pitchFamily="49" charset="0"/>
-                <a:cs typeface="Consolas" panose="020B0609020204030204" pitchFamily="49" charset="0"/>
-              </a:rPr>
-              <a:t>~$</a:t>
-            </a:r>
-            <a:r>
-              <a:rPr lang="en-US" sz="1400" dirty="0">
-                <a:latin typeface="Consolas" panose="020B0609020204030204" pitchFamily="49" charset="0"/>
-                <a:cs typeface="Consolas" panose="020B0609020204030204" pitchFamily="49" charset="0"/>
-              </a:rPr>
-              <a:t> </a:t>
-            </a:r>
-            <a:r>
-              <a:rPr lang="en-US" sz="1400" dirty="0">
-                <a:solidFill>
-                  <a:srgbClr val="00B050"/>
-                </a:solidFill>
-                <a:latin typeface="Consolas" panose="020B0609020204030204" pitchFamily="49" charset="0"/>
-                <a:cs typeface="Consolas" panose="020B0609020204030204" pitchFamily="49" charset="0"/>
-              </a:rPr>
-              <a:t>sort </a:t>
-            </a:r>
-            <a:r>
-              <a:rPr lang="en-US" sz="1400" dirty="0" smtClean="0">
-                <a:solidFill>
-                  <a:srgbClr val="00B050"/>
-                </a:solidFill>
-                <a:latin typeface="Consolas" panose="020B0609020204030204" pitchFamily="49" charset="0"/>
-                <a:cs typeface="Consolas" panose="020B0609020204030204" pitchFamily="49" charset="0"/>
-              </a:rPr>
-              <a:t>–k 1,1 –n </a:t>
-            </a:r>
-            <a:r>
-              <a:rPr lang="en-US" sz="1400" dirty="0" err="1" smtClean="0">
-                <a:solidFill>
-                  <a:srgbClr val="00B050"/>
-                </a:solidFill>
-                <a:latin typeface="Consolas" panose="020B0609020204030204" pitchFamily="49" charset="0"/>
-                <a:cs typeface="Consolas" panose="020B0609020204030204" pitchFamily="49" charset="0"/>
-              </a:rPr>
-              <a:t>genes.gff</a:t>
-            </a:r>
-            <a:endParaRPr lang="en-US" sz="1400" dirty="0">
-              <a:solidFill>
-                <a:srgbClr val="00B050"/>
-              </a:solidFill>
-              <a:latin typeface="Consolas" panose="020B0609020204030204" pitchFamily="49" charset="0"/>
-              <a:cs typeface="Consolas" panose="020B0609020204030204" pitchFamily="49" charset="0"/>
-            </a:endParaRPr>
-          </a:p>
-          <a:p>
-            <a:pPr marL="0" indent="0">
-              <a:buNone/>
-            </a:pPr>
-            <a:r>
-              <a:rPr lang="en-US" sz="1400" dirty="0">
-                <a:solidFill>
-                  <a:schemeClr val="accent6">
-                    <a:lumMod val="40000"/>
-                    <a:lumOff val="60000"/>
-                  </a:schemeClr>
-                </a:solidFill>
-                <a:latin typeface="Consolas" panose="020B0609020204030204" pitchFamily="49" charset="0"/>
-                <a:cs typeface="Consolas" panose="020B0609020204030204" pitchFamily="49" charset="0"/>
-              </a:rPr>
-              <a:t>~$</a:t>
-            </a:r>
-            <a:r>
-              <a:rPr lang="en-US" sz="1400" dirty="0">
-                <a:latin typeface="Consolas" panose="020B0609020204030204" pitchFamily="49" charset="0"/>
-                <a:cs typeface="Consolas" panose="020B0609020204030204" pitchFamily="49" charset="0"/>
-              </a:rPr>
-              <a:t> </a:t>
-            </a:r>
-            <a:r>
-              <a:rPr lang="en-US" sz="1400" dirty="0">
-                <a:solidFill>
-                  <a:srgbClr val="00B050"/>
-                </a:solidFill>
-                <a:latin typeface="Consolas" panose="020B0609020204030204" pitchFamily="49" charset="0"/>
-                <a:cs typeface="Consolas" panose="020B0609020204030204" pitchFamily="49" charset="0"/>
-              </a:rPr>
-              <a:t>sort –k </a:t>
-            </a:r>
-            <a:r>
-              <a:rPr lang="en-US" sz="1400" dirty="0" smtClean="0">
-                <a:solidFill>
-                  <a:srgbClr val="00B050"/>
-                </a:solidFill>
-                <a:latin typeface="Consolas" panose="020B0609020204030204" pitchFamily="49" charset="0"/>
-                <a:cs typeface="Consolas" panose="020B0609020204030204" pitchFamily="49" charset="0"/>
-              </a:rPr>
-              <a:t>1.4,1.5 </a:t>
-            </a:r>
-            <a:r>
-              <a:rPr lang="en-US" sz="1400" dirty="0">
-                <a:solidFill>
-                  <a:srgbClr val="00B050"/>
-                </a:solidFill>
-                <a:latin typeface="Consolas" panose="020B0609020204030204" pitchFamily="49" charset="0"/>
-                <a:cs typeface="Consolas" panose="020B0609020204030204" pitchFamily="49" charset="0"/>
-              </a:rPr>
-              <a:t>–n </a:t>
-            </a:r>
-            <a:r>
-              <a:rPr lang="en-US" sz="1400" dirty="0" err="1">
-                <a:solidFill>
-                  <a:srgbClr val="00B050"/>
-                </a:solidFill>
-                <a:latin typeface="Consolas" panose="020B0609020204030204" pitchFamily="49" charset="0"/>
-                <a:cs typeface="Consolas" panose="020B0609020204030204" pitchFamily="49" charset="0"/>
-              </a:rPr>
-              <a:t>genes.gff</a:t>
-            </a:r>
-            <a:endParaRPr lang="en-US" sz="1400" dirty="0">
-              <a:solidFill>
-                <a:srgbClr val="00B050"/>
-              </a:solidFill>
-              <a:latin typeface="Consolas" panose="020B0609020204030204" pitchFamily="49" charset="0"/>
-              <a:cs typeface="Consolas" panose="020B0609020204030204" pitchFamily="49" charset="0"/>
-            </a:endParaRPr>
-          </a:p>
-          <a:p>
-            <a:pPr marL="0" indent="0">
-              <a:buNone/>
-            </a:pPr>
-            <a:r>
-              <a:rPr lang="en-US" sz="1400" dirty="0" smtClean="0">
-                <a:solidFill>
-                  <a:schemeClr val="accent6">
-                    <a:lumMod val="40000"/>
-                    <a:lumOff val="60000"/>
-                  </a:schemeClr>
-                </a:solidFill>
-                <a:latin typeface="Consolas" panose="020B0609020204030204" pitchFamily="49" charset="0"/>
-                <a:cs typeface="Consolas" panose="020B0609020204030204" pitchFamily="49" charset="0"/>
-              </a:rPr>
-              <a:t>~$</a:t>
-            </a:r>
-            <a:r>
-              <a:rPr lang="en-US" sz="1400" dirty="0" smtClean="0">
-                <a:latin typeface="Consolas" panose="020B0609020204030204" pitchFamily="49" charset="0"/>
-                <a:cs typeface="Consolas" panose="020B0609020204030204" pitchFamily="49" charset="0"/>
-              </a:rPr>
-              <a:t> </a:t>
-            </a:r>
-            <a:r>
-              <a:rPr lang="en-US" sz="1400" dirty="0">
-                <a:solidFill>
-                  <a:srgbClr val="00B050"/>
-                </a:solidFill>
-                <a:latin typeface="Consolas" panose="020B0609020204030204" pitchFamily="49" charset="0"/>
-                <a:cs typeface="Consolas" panose="020B0609020204030204" pitchFamily="49" charset="0"/>
-              </a:rPr>
-              <a:t>sort –k </a:t>
-            </a:r>
-            <a:r>
-              <a:rPr lang="en-US" sz="1400" dirty="0" smtClean="0">
-                <a:solidFill>
-                  <a:srgbClr val="00B050"/>
-                </a:solidFill>
-                <a:latin typeface="Consolas" panose="020B0609020204030204" pitchFamily="49" charset="0"/>
-                <a:cs typeface="Consolas" panose="020B0609020204030204" pitchFamily="49" charset="0"/>
-              </a:rPr>
-              <a:t>3 </a:t>
-            </a:r>
-            <a:r>
-              <a:rPr lang="en-US" sz="1400" dirty="0" err="1" smtClean="0">
-                <a:solidFill>
-                  <a:srgbClr val="00B050"/>
-                </a:solidFill>
-                <a:latin typeface="Consolas" panose="020B0609020204030204" pitchFamily="49" charset="0"/>
-                <a:cs typeface="Consolas" panose="020B0609020204030204" pitchFamily="49" charset="0"/>
-              </a:rPr>
-              <a:t>genes.gff</a:t>
-            </a:r>
-            <a:endParaRPr lang="en-US" sz="1400" dirty="0" smtClean="0">
-              <a:solidFill>
-                <a:srgbClr val="00B050"/>
-              </a:solidFill>
-              <a:latin typeface="Consolas" panose="020B0609020204030204" pitchFamily="49" charset="0"/>
-              <a:cs typeface="Consolas" panose="020B0609020204030204" pitchFamily="49" charset="0"/>
-            </a:endParaRPr>
-          </a:p>
-          <a:p>
-            <a:pPr marL="0" indent="0">
-              <a:buNone/>
-            </a:pPr>
-            <a:r>
-              <a:rPr lang="en-US" sz="1400" dirty="0">
-                <a:solidFill>
-                  <a:schemeClr val="accent6">
-                    <a:lumMod val="40000"/>
-                    <a:lumOff val="60000"/>
-                  </a:schemeClr>
-                </a:solidFill>
-                <a:latin typeface="Consolas" panose="020B0609020204030204" pitchFamily="49" charset="0"/>
-                <a:cs typeface="Consolas" panose="020B0609020204030204" pitchFamily="49" charset="0"/>
-              </a:rPr>
-              <a:t>~$</a:t>
-            </a:r>
-            <a:r>
-              <a:rPr lang="en-US" sz="1400" dirty="0">
-                <a:latin typeface="Consolas" panose="020B0609020204030204" pitchFamily="49" charset="0"/>
-                <a:cs typeface="Consolas" panose="020B0609020204030204" pitchFamily="49" charset="0"/>
-              </a:rPr>
-              <a:t> </a:t>
-            </a:r>
-            <a:r>
-              <a:rPr lang="en-US" sz="1400" dirty="0">
-                <a:solidFill>
-                  <a:srgbClr val="00B050"/>
-                </a:solidFill>
-                <a:latin typeface="Consolas" panose="020B0609020204030204" pitchFamily="49" charset="0"/>
-                <a:cs typeface="Consolas" panose="020B0609020204030204" pitchFamily="49" charset="0"/>
-              </a:rPr>
-              <a:t>sort –k 3 </a:t>
-            </a:r>
-            <a:r>
-              <a:rPr lang="en-US" sz="1400" dirty="0" smtClean="0">
-                <a:solidFill>
-                  <a:srgbClr val="00B050"/>
-                </a:solidFill>
-                <a:latin typeface="Consolas" panose="020B0609020204030204" pitchFamily="49" charset="0"/>
-                <a:cs typeface="Consolas" panose="020B0609020204030204" pitchFamily="49" charset="0"/>
-              </a:rPr>
-              <a:t>–r </a:t>
-            </a:r>
-            <a:r>
-              <a:rPr lang="en-US" sz="1400" dirty="0" err="1" smtClean="0">
-                <a:solidFill>
-                  <a:srgbClr val="00B050"/>
-                </a:solidFill>
-                <a:latin typeface="Consolas" panose="020B0609020204030204" pitchFamily="49" charset="0"/>
-                <a:cs typeface="Consolas" panose="020B0609020204030204" pitchFamily="49" charset="0"/>
-              </a:rPr>
-              <a:t>genes.gff</a:t>
-            </a:r>
-            <a:endParaRPr lang="en-US" sz="1400" dirty="0">
-              <a:solidFill>
-                <a:srgbClr val="00B050"/>
-              </a:solidFill>
-              <a:latin typeface="Consolas" panose="020B0609020204030204" pitchFamily="49" charset="0"/>
-              <a:cs typeface="Consolas" panose="020B0609020204030204" pitchFamily="49" charset="0"/>
-            </a:endParaRPr>
-          </a:p>
-          <a:p>
-            <a:pPr marL="0" indent="0">
-              <a:buNone/>
-            </a:pPr>
-            <a:r>
-              <a:rPr lang="en-US" sz="1400" i="1" dirty="0">
-                <a:latin typeface="Consolas" panose="020B0609020204030204" pitchFamily="49" charset="0"/>
-                <a:cs typeface="Consolas" panose="020B0609020204030204" pitchFamily="49" charset="0"/>
-              </a:rPr>
-              <a:t># </a:t>
-            </a:r>
-            <a:r>
-              <a:rPr lang="en-US" sz="1400" i="1" dirty="0" smtClean="0">
-                <a:latin typeface="Consolas" panose="020B0609020204030204" pitchFamily="49" charset="0"/>
-                <a:cs typeface="Consolas" panose="020B0609020204030204" pitchFamily="49" charset="0"/>
-              </a:rPr>
-              <a:t>by default, it assumes the fields (columns) are separated by tab, but you can change this using -t option.</a:t>
-            </a:r>
-          </a:p>
-          <a:p>
-            <a:pPr marL="0" indent="0">
-              <a:buNone/>
-            </a:pPr>
-            <a:endParaRPr lang="en-US" sz="1400" i="1" dirty="0" smtClean="0">
-              <a:latin typeface="Consolas" panose="020B0609020204030204" pitchFamily="49" charset="0"/>
-              <a:cs typeface="Consolas" panose="020B0609020204030204" pitchFamily="49" charset="0"/>
-            </a:endParaRPr>
-          </a:p>
-          <a:p>
-            <a:pPr marL="0" indent="0">
-              <a:buNone/>
-            </a:pPr>
-            <a:endParaRPr lang="en-US" sz="1400" dirty="0">
-              <a:solidFill>
-                <a:srgbClr val="00B050"/>
-              </a:solidFill>
-              <a:latin typeface="Consolas" panose="020B0609020204030204" pitchFamily="49" charset="0"/>
-              <a:cs typeface="Consolas" panose="020B0609020204030204" pitchFamily="49" charset="0"/>
-            </a:endParaRPr>
-          </a:p>
-          <a:p>
-            <a:pPr marL="0" indent="0">
-              <a:buNone/>
-            </a:pPr>
-            <a:endParaRPr lang="en-US" sz="1400" dirty="0">
-              <a:solidFill>
-                <a:srgbClr val="00B050"/>
-              </a:solidFill>
-              <a:latin typeface="Consolas" panose="020B0609020204030204" pitchFamily="49" charset="0"/>
-              <a:cs typeface="Consolas" panose="020B0609020204030204" pitchFamily="49" charset="0"/>
-            </a:endParaRPr>
-          </a:p>
-        </p:txBody>
-      </p:sp>
-    </p:spTree>
-    <p:extLst>
-      <p:ext uri="{BB962C8B-B14F-4D97-AF65-F5344CB8AC3E}">
-        <p14:creationId xmlns:p14="http://schemas.microsoft.com/office/powerpoint/2010/main" val="172474419"/>
-      </p:ext>
-    </p:extLst>
-  </p:cSld>
-  <p:clrMapOvr>
-    <a:masterClrMapping/>
-  </p:clrMapOvr>
-  <p:timing>
-    <p:tnLst>
-      <p:par>
-        <p:cTn id="1" dur="indefinite" restart="never" nodeType="tmRoot"/>
-      </p:par>
-    </p:tnLst>
-  </p:timing>
-</p:sld>
-</file>
-
 <file path=ppt/slides/slide52.xml><?xml version="1.0" encoding="utf-8"?>
 <p:sld xmlns:a="http://schemas.openxmlformats.org/drawingml/2006/main" xmlns:r="http://schemas.openxmlformats.org/officeDocument/2006/relationships" xmlns:p="http://schemas.openxmlformats.org/presentationml/2006/main">
   <p:cSld>
@@ -36943,10 +36801,9 @@
           <a:lstStyle/>
           <a:p>
             <a:r>
-              <a:rPr lang="en-US" dirty="0" err="1" smtClean="0"/>
-              <a:t>uniq</a:t>
-            </a:r>
-            <a:endParaRPr lang="en-US" dirty="0"/>
+              <a:rPr lang="en-US" dirty="0"/>
+              <a:t>Merging files</a:t>
+            </a:r>
           </a:p>
         </p:txBody>
       </p:sp>
@@ -37070,14 +36927,14 @@
                 <a:latin typeface="Consolas" panose="020B0609020204030204" pitchFamily="49" charset="0"/>
                 <a:cs typeface="Consolas" panose="020B0609020204030204" pitchFamily="49" charset="0"/>
               </a:rPr>
-              <a:t># check files</a:t>
+              <a:t># </a:t>
             </a:r>
             <a:r>
               <a:rPr lang="en-US" sz="1400" i="1" dirty="0" smtClean="0">
                 <a:latin typeface="Consolas" panose="020B0609020204030204" pitchFamily="49" charset="0"/>
                 <a:cs typeface="Consolas" panose="020B0609020204030204" pitchFamily="49" charset="0"/>
               </a:rPr>
-              <a:t>:</a:t>
+              <a:t>to merge files using cat</a:t>
             </a:r>
           </a:p>
           <a:p>
@@ -37105,16 +36962,6 @@
               <a:t> </a:t>
             </a:r>
             <a:r>
-              <a:rPr lang="en-US" sz="1400" dirty="0">
-                <a:solidFill>
-                  <a:srgbClr val="00B050"/>
-                </a:solidFill>
-                <a:latin typeface="Consolas" panose="020B0609020204030204" pitchFamily="49" charset="0"/>
-                <a:cs typeface="Consolas" panose="020B0609020204030204" pitchFamily="49" charset="0"/>
-              </a:rPr>
-              <a:t>cat </a:t>
-            </a:r>
-            <a:r>
               <a:rPr lang="en-US" sz="1400" dirty="0" smtClean="0">
                 <a:solidFill>
                   <a:srgbClr val="00B050"/>
@@ -37122,7 +36969,7 @@
                 <a:latin typeface="Consolas" panose="020B0609020204030204" pitchFamily="49" charset="0"/>
                 <a:cs typeface="Consolas" panose="020B0609020204030204" pitchFamily="49" charset="0"/>
               </a:rPr>
-              <a:t>ids.txt</a:t>
+              <a:t>cd sequences</a:t>
             </a:r>
           </a:p>
           <a:p>
@@ -37130,6 +36977,291 @@
               <a:buNone/>
             </a:pPr>
             <a:r>
+              <a:rPr lang="en-US" sz="1400" dirty="0">
+                <a:solidFill>
+                  <a:schemeClr val="accent6">
+                    <a:lumMod val="40000"/>
+                    <a:lumOff val="60000"/>
+                  </a:schemeClr>
+                </a:solidFill>
+                <a:latin typeface="Consolas" panose="020B0609020204030204" pitchFamily="49" charset="0"/>
+                <a:cs typeface="Consolas" panose="020B0609020204030204" pitchFamily="49" charset="0"/>
+              </a:rPr>
+              <a:t>~$</a:t>
+            </a:r>
+            <a:r>
+              <a:rPr lang="en-US" sz="1400" dirty="0">
+                <a:latin typeface="Consolas" panose="020B0609020204030204" pitchFamily="49" charset="0"/>
+                <a:cs typeface="Consolas" panose="020B0609020204030204" pitchFamily="49" charset="0"/>
+              </a:rPr>
+              <a:t> </a:t>
+            </a:r>
+            <a:r>
+              <a:rPr lang="en-US" sz="1400" dirty="0" smtClean="0">
+                <a:solidFill>
+                  <a:srgbClr val="00B050"/>
+                </a:solidFill>
+                <a:latin typeface="Consolas" panose="020B0609020204030204" pitchFamily="49" charset="0"/>
+                <a:cs typeface="Consolas" panose="020B0609020204030204" pitchFamily="49" charset="0"/>
+              </a:rPr>
+              <a:t>ls -l</a:t>
+            </a:r>
+            <a:endParaRPr lang="en-US" sz="1400" dirty="0">
+              <a:solidFill>
+                <a:srgbClr val="00B050"/>
+              </a:solidFill>
+              <a:latin typeface="Consolas" panose="020B0609020204030204" pitchFamily="49" charset="0"/>
+              <a:cs typeface="Consolas" panose="020B0609020204030204" pitchFamily="49" charset="0"/>
+            </a:endParaRPr>
+          </a:p>
+          <a:p>
+            <a:pPr marL="0" indent="0">
+              <a:buNone/>
+            </a:pPr>
+            <a:r>
+              <a:rPr lang="en-US" sz="1400" i="1" dirty="0" smtClean="0">
+                <a:latin typeface="Consolas" panose="020B0609020204030204" pitchFamily="49" charset="0"/>
+                <a:cs typeface="Consolas" panose="020B0609020204030204" pitchFamily="49" charset="0"/>
+              </a:rPr>
+              <a:t># do you see many files, each file has a single sequence in it</a:t>
+            </a:r>
+          </a:p>
+          <a:p>
+            <a:pPr marL="0" indent="0">
+              <a:buNone/>
+            </a:pPr>
+            <a:r>
+              <a:rPr lang="en-US" sz="1400" i="1" dirty="0" smtClean="0">
+                <a:latin typeface="Consolas" panose="020B0609020204030204" pitchFamily="49" charset="0"/>
+                <a:cs typeface="Consolas" panose="020B0609020204030204" pitchFamily="49" charset="0"/>
+              </a:rPr>
+              <a:t># to merge them into a single file:</a:t>
+            </a:r>
+          </a:p>
+          <a:p>
+            <a:pPr marL="0" indent="0">
+              <a:buNone/>
+            </a:pPr>
+            <a:r>
+              <a:rPr lang="en-US" sz="1400" dirty="0" smtClean="0">
+                <a:solidFill>
+                  <a:schemeClr val="accent6">
+                    <a:lumMod val="40000"/>
+                    <a:lumOff val="60000"/>
+                  </a:schemeClr>
+                </a:solidFill>
+                <a:latin typeface="Consolas" panose="020B0609020204030204" pitchFamily="49" charset="0"/>
+                <a:cs typeface="Consolas" panose="020B0609020204030204" pitchFamily="49" charset="0"/>
+              </a:rPr>
+              <a:t>~$</a:t>
+            </a:r>
+            <a:r>
+              <a:rPr lang="en-US" sz="1400" dirty="0" smtClean="0">
+                <a:latin typeface="Consolas" panose="020B0609020204030204" pitchFamily="49" charset="0"/>
+                <a:cs typeface="Consolas" panose="020B0609020204030204" pitchFamily="49" charset="0"/>
+              </a:rPr>
+              <a:t> </a:t>
+            </a:r>
+            <a:r>
+              <a:rPr lang="en-US" sz="1400" dirty="0">
+                <a:solidFill>
+                  <a:srgbClr val="00B050"/>
+                </a:solidFill>
+                <a:latin typeface="Consolas" panose="020B0609020204030204" pitchFamily="49" charset="0"/>
+                <a:cs typeface="Consolas" panose="020B0609020204030204" pitchFamily="49" charset="0"/>
+              </a:rPr>
+              <a:t>cat *.fa &gt;&gt; </a:t>
+            </a:r>
+            <a:r>
+              <a:rPr lang="en-US" sz="1400" dirty="0" err="1" smtClean="0">
+                <a:solidFill>
+                  <a:srgbClr val="00B050"/>
+                </a:solidFill>
+                <a:latin typeface="Consolas" panose="020B0609020204030204" pitchFamily="49" charset="0"/>
+                <a:cs typeface="Consolas" panose="020B0609020204030204" pitchFamily="49" charset="0"/>
+              </a:rPr>
+              <a:t>sequences.fasta</a:t>
+            </a:r>
+            <a:endParaRPr lang="en-US" sz="1400" dirty="0" smtClean="0">
+              <a:solidFill>
+                <a:srgbClr val="00B050"/>
+              </a:solidFill>
+              <a:latin typeface="Consolas" panose="020B0609020204030204" pitchFamily="49" charset="0"/>
+              <a:cs typeface="Consolas" panose="020B0609020204030204" pitchFamily="49" charset="0"/>
+            </a:endParaRPr>
+          </a:p>
+          <a:p>
+            <a:pPr marL="0" indent="0">
+              <a:buNone/>
+            </a:pPr>
+            <a:r>
+              <a:rPr lang="en-US" sz="1400" dirty="0">
+                <a:solidFill>
+                  <a:schemeClr val="accent6">
+                    <a:lumMod val="40000"/>
+                    <a:lumOff val="60000"/>
+                  </a:schemeClr>
+                </a:solidFill>
+                <a:latin typeface="Consolas" panose="020B0609020204030204" pitchFamily="49" charset="0"/>
+                <a:cs typeface="Consolas" panose="020B0609020204030204" pitchFamily="49" charset="0"/>
+              </a:rPr>
+              <a:t>~$</a:t>
+            </a:r>
+            <a:r>
+              <a:rPr lang="en-US" sz="1400" dirty="0">
+                <a:latin typeface="Consolas" panose="020B0609020204030204" pitchFamily="49" charset="0"/>
+                <a:cs typeface="Consolas" panose="020B0609020204030204" pitchFamily="49" charset="0"/>
+              </a:rPr>
+              <a:t> </a:t>
+            </a:r>
+            <a:r>
+              <a:rPr lang="en-US" sz="1400" dirty="0">
+                <a:solidFill>
+                  <a:srgbClr val="00B050"/>
+                </a:solidFill>
+                <a:latin typeface="Consolas" panose="020B0609020204030204" pitchFamily="49" charset="0"/>
+                <a:cs typeface="Consolas" panose="020B0609020204030204" pitchFamily="49" charset="0"/>
+              </a:rPr>
+              <a:t>cd </a:t>
+            </a:r>
+            <a:r>
+              <a:rPr lang="en-US" sz="1400" dirty="0" smtClean="0">
+                <a:solidFill>
+                  <a:srgbClr val="00B050"/>
+                </a:solidFill>
+                <a:latin typeface="Consolas" panose="020B0609020204030204" pitchFamily="49" charset="0"/>
+                <a:cs typeface="Consolas" panose="020B0609020204030204" pitchFamily="49" charset="0"/>
+              </a:rPr>
+              <a:t>..</a:t>
+            </a:r>
+            <a:endParaRPr lang="en-US" sz="1400" dirty="0">
+              <a:solidFill>
+                <a:srgbClr val="00B050"/>
+              </a:solidFill>
+              <a:latin typeface="Consolas" panose="020B0609020204030204" pitchFamily="49" charset="0"/>
+              <a:cs typeface="Consolas" panose="020B0609020204030204" pitchFamily="49" charset="0"/>
+            </a:endParaRPr>
+          </a:p>
+          <a:p>
+            <a:pPr marL="0" indent="0">
+              <a:buNone/>
+            </a:pPr>
+            <a:r>
+              <a:rPr lang="en-US" sz="1400" i="1" dirty="0" smtClean="0">
+                <a:latin typeface="Consolas" panose="020B0609020204030204" pitchFamily="49" charset="0"/>
+                <a:cs typeface="Consolas" panose="020B0609020204030204" pitchFamily="49" charset="0"/>
+              </a:rPr>
+              <a:t># similarly, to use paste, just:</a:t>
+            </a:r>
+          </a:p>
+          <a:p>
+            <a:pPr marL="0" indent="0">
+              <a:buNone/>
+            </a:pPr>
+            <a:r>
+              <a:rPr lang="en-US" sz="1400" dirty="0">
+                <a:solidFill>
+                  <a:schemeClr val="accent6">
+                    <a:lumMod val="40000"/>
+                    <a:lumOff val="60000"/>
+                  </a:schemeClr>
+                </a:solidFill>
+                <a:latin typeface="Consolas" panose="020B0609020204030204" pitchFamily="49" charset="0"/>
+                <a:cs typeface="Consolas" panose="020B0609020204030204" pitchFamily="49" charset="0"/>
+              </a:rPr>
+              <a:t>~$</a:t>
+            </a:r>
+            <a:r>
+              <a:rPr lang="en-US" sz="1400" dirty="0">
+                <a:latin typeface="Consolas" panose="020B0609020204030204" pitchFamily="49" charset="0"/>
+                <a:cs typeface="Consolas" panose="020B0609020204030204" pitchFamily="49" charset="0"/>
+              </a:rPr>
+              <a:t> </a:t>
+            </a:r>
+            <a:r>
+              <a:rPr lang="en-US" sz="1400" dirty="0">
+                <a:solidFill>
+                  <a:srgbClr val="00B050"/>
+                </a:solidFill>
+                <a:latin typeface="Consolas" panose="020B0609020204030204" pitchFamily="49" charset="0"/>
+                <a:cs typeface="Consolas" panose="020B0609020204030204" pitchFamily="49" charset="0"/>
+              </a:rPr>
+              <a:t>paste ids_a.txt </a:t>
+            </a:r>
+            <a:r>
+              <a:rPr lang="en-US" sz="1400" dirty="0" smtClean="0">
+                <a:solidFill>
+                  <a:srgbClr val="00B050"/>
+                </a:solidFill>
+                <a:latin typeface="Consolas" panose="020B0609020204030204" pitchFamily="49" charset="0"/>
+                <a:cs typeface="Consolas" panose="020B0609020204030204" pitchFamily="49" charset="0"/>
+              </a:rPr>
+              <a:t>ids_b.txt &gt;&gt; combined_ids.txt</a:t>
+            </a:r>
+            <a:endParaRPr lang="en-US" sz="1400" dirty="0">
+              <a:solidFill>
+                <a:srgbClr val="00B050"/>
+              </a:solidFill>
+              <a:latin typeface="Consolas" panose="020B0609020204030204" pitchFamily="49" charset="0"/>
+              <a:cs typeface="Consolas" panose="020B0609020204030204" pitchFamily="49" charset="0"/>
+            </a:endParaRPr>
+          </a:p>
+          <a:p>
+            <a:pPr marL="0" indent="0">
+              <a:buNone/>
+            </a:pPr>
+            <a:r>
+              <a:rPr lang="en-US" sz="1400" i="1" dirty="0" smtClean="0">
+                <a:latin typeface="Consolas" panose="020B0609020204030204" pitchFamily="49" charset="0"/>
+                <a:cs typeface="Consolas" panose="020B0609020204030204" pitchFamily="49" charset="0"/>
+              </a:rPr>
+              <a:t># check files to see if the contents are same as what you were expecting</a:t>
+            </a:r>
+          </a:p>
+          <a:p>
+            <a:pPr marL="0" indent="0">
+              <a:buNone/>
+            </a:pPr>
+            <a:r>
+              <a:rPr lang="en-US" sz="1400" dirty="0">
+                <a:solidFill>
+                  <a:schemeClr val="accent6">
+                    <a:lumMod val="40000"/>
+                    <a:lumOff val="60000"/>
+                  </a:schemeClr>
+                </a:solidFill>
+                <a:latin typeface="Consolas" panose="020B0609020204030204" pitchFamily="49" charset="0"/>
+                <a:cs typeface="Consolas" panose="020B0609020204030204" pitchFamily="49" charset="0"/>
+              </a:rPr>
+              <a:t>~$</a:t>
+            </a:r>
+            <a:r>
+              <a:rPr lang="en-US" sz="1400" dirty="0">
+                <a:latin typeface="Consolas" panose="020B0609020204030204" pitchFamily="49" charset="0"/>
+                <a:cs typeface="Consolas" panose="020B0609020204030204" pitchFamily="49" charset="0"/>
+              </a:rPr>
+              <a:t> </a:t>
+            </a:r>
+            <a:r>
+              <a:rPr lang="de-DE" sz="1400" dirty="0">
+                <a:solidFill>
+                  <a:srgbClr val="00B050"/>
+                </a:solidFill>
+                <a:latin typeface="Consolas" panose="020B0609020204030204" pitchFamily="49" charset="0"/>
+                <a:cs typeface="Consolas" panose="020B0609020204030204" pitchFamily="49" charset="0"/>
+              </a:rPr>
+              <a:t>join -1 1 -2 3 genes_a.gff genes_b.gff</a:t>
+            </a:r>
+            <a:br>
+              <a:rPr lang="de-DE" sz="1400" dirty="0">
+                <a:solidFill>
+                  <a:srgbClr val="00B050"/>
+                </a:solidFill>
+                <a:latin typeface="Consolas" panose="020B0609020204030204" pitchFamily="49" charset="0"/>
+                <a:cs typeface="Consolas" panose="020B0609020204030204" pitchFamily="49" charset="0"/>
+              </a:rPr>
+            </a:br>
+            <a:r>
               <a:rPr lang="en-US" sz="1400" i="1" dirty="0">
                 <a:latin typeface="Consolas" panose="020B0609020204030204" pitchFamily="49" charset="0"/>
                 <a:cs typeface="Consolas" panose="020B0609020204030204" pitchFamily="49" charset="0"/>
@@ -37141,7 +37273,63 @@
                 <a:latin typeface="Consolas" panose="020B0609020204030204" pitchFamily="49" charset="0"/>
                 <a:cs typeface="Consolas" panose="020B0609020204030204" pitchFamily="49" charset="0"/>
               </a:rPr>
-              <a:t>see the contents of the file, many duplicate accession numbers are present. Try this:</a:t>
+              <a:t>1</a:t>
+            </a:r>
+            <a:r>
+              <a:rPr lang="en-US" sz="1400" i="1" baseline="30000" dirty="0" smtClean="0">
+                <a:latin typeface="Consolas" panose="020B0609020204030204" pitchFamily="49" charset="0"/>
+                <a:cs typeface="Consolas" panose="020B0609020204030204" pitchFamily="49" charset="0"/>
+              </a:rPr>
+              <a:t>st</a:t>
+            </a:r>
+            <a:r>
+              <a:rPr lang="en-US" sz="1400" i="1" dirty="0" smtClean="0">
+                <a:latin typeface="Consolas" panose="020B0609020204030204" pitchFamily="49" charset="0"/>
+                <a:cs typeface="Consolas" panose="020B0609020204030204" pitchFamily="49" charset="0"/>
+              </a:rPr>
+              <a:t> field from the 1</a:t>
+            </a:r>
+            <a:r>
+              <a:rPr lang="en-US" sz="1400" i="1" baseline="30000" dirty="0" smtClean="0">
+                <a:latin typeface="Consolas" panose="020B0609020204030204" pitchFamily="49" charset="0"/>
+                <a:cs typeface="Consolas" panose="020B0609020204030204" pitchFamily="49" charset="0"/>
+              </a:rPr>
+              <a:t>st</a:t>
+            </a:r>
+            <a:r>
+              <a:rPr lang="en-US" sz="1400" i="1" dirty="0" smtClean="0">
+                <a:latin typeface="Consolas" panose="020B0609020204030204" pitchFamily="49" charset="0"/>
+                <a:cs typeface="Consolas" panose="020B0609020204030204" pitchFamily="49" charset="0"/>
+              </a:rPr>
+              <a:t> file and 3</a:t>
+            </a:r>
+            <a:r>
+              <a:rPr lang="en-US" sz="1400" i="1" baseline="30000" dirty="0" smtClean="0">
+                <a:latin typeface="Consolas" panose="020B0609020204030204" pitchFamily="49" charset="0"/>
+                <a:cs typeface="Consolas" panose="020B0609020204030204" pitchFamily="49" charset="0"/>
+              </a:rPr>
+              <a:t>rd</a:t>
+            </a:r>
+            <a:r>
+              <a:rPr lang="en-US" sz="1400" i="1" dirty="0" smtClean="0">
+                <a:latin typeface="Consolas" panose="020B0609020204030204" pitchFamily="49" charset="0"/>
+                <a:cs typeface="Consolas" panose="020B0609020204030204" pitchFamily="49" charset="0"/>
+              </a:rPr>
+              <a:t> field from the 2</a:t>
+            </a:r>
+            <a:r>
+              <a:rPr lang="en-US" sz="1400" i="1" baseline="30000" dirty="0" smtClean="0">
+                <a:latin typeface="Consolas" panose="020B0609020204030204" pitchFamily="49" charset="0"/>
+                <a:cs typeface="Consolas" panose="020B0609020204030204" pitchFamily="49" charset="0"/>
+              </a:rPr>
+              <a:t>nd</a:t>
+            </a:r>
+            <a:r>
+              <a:rPr lang="en-US" sz="1400" i="1" dirty="0" smtClean="0">
+                <a:latin typeface="Consolas" panose="020B0609020204030204" pitchFamily="49" charset="0"/>
+                <a:cs typeface="Consolas" panose="020B0609020204030204" pitchFamily="49" charset="0"/>
+              </a:rPr>
+              <a:t> file is used to merge</a:t>
             </a:r>
             <a:endParaRPr lang="en-US" sz="1400" i="1" dirty="0">
               <a:latin typeface="Consolas" panose="020B0609020204030204" pitchFamily="49" charset="0"/>
@@ -37153,301 +37341,16 @@
               <a:buNone/>
             </a:pPr>
             <a:r>
-              <a:rPr lang="en-US" sz="1400" dirty="0">
-                <a:solidFill>
-                  <a:schemeClr val="accent6">
-                    <a:lumMod val="40000"/>
-                    <a:lumOff val="60000"/>
-                  </a:schemeClr>
-                </a:solidFill>
-                <a:latin typeface="Consolas" panose="020B0609020204030204" pitchFamily="49" charset="0"/>
-                <a:cs typeface="Consolas" panose="020B0609020204030204" pitchFamily="49" charset="0"/>
-              </a:rPr>
-              <a:t>~$</a:t>
-            </a:r>
-            <a:r>
-              <a:rPr lang="en-US" sz="1400" dirty="0">
-                <a:latin typeface="Consolas" panose="020B0609020204030204" pitchFamily="49" charset="0"/>
-                <a:cs typeface="Consolas" panose="020B0609020204030204" pitchFamily="49" charset="0"/>
-              </a:rPr>
-              <a:t> </a:t>
-            </a:r>
-            <a:r>
-              <a:rPr lang="en-US" sz="1400" dirty="0" err="1" smtClean="0">
-                <a:solidFill>
-                  <a:srgbClr val="00B050"/>
-                </a:solidFill>
-                <a:latin typeface="Consolas" panose="020B0609020204030204" pitchFamily="49" charset="0"/>
-                <a:cs typeface="Consolas" panose="020B0609020204030204" pitchFamily="49" charset="0"/>
-              </a:rPr>
-              <a:t>uniq</a:t>
-            </a:r>
-            <a:r>
-              <a:rPr lang="en-US" sz="1400" dirty="0" smtClean="0">
-                <a:solidFill>
-                  <a:srgbClr val="00B050"/>
-                </a:solidFill>
-                <a:latin typeface="Consolas" panose="020B0609020204030204" pitchFamily="49" charset="0"/>
-                <a:cs typeface="Consolas" panose="020B0609020204030204" pitchFamily="49" charset="0"/>
-              </a:rPr>
-              <a:t> –c ids.txt</a:t>
-            </a:r>
-          </a:p>
-          <a:p>
-            <a:pPr marL="0" indent="0">
-              <a:buNone/>
-            </a:pPr>
-            <a:r>
-              <a:rPr lang="en-US" sz="1400" i="1" dirty="0">
-                <a:latin typeface="Consolas" panose="020B0609020204030204" pitchFamily="49" charset="0"/>
-                <a:cs typeface="Consolas" panose="020B0609020204030204" pitchFamily="49" charset="0"/>
-              </a:rPr>
-              <a:t># </a:t>
-            </a:r>
-            <a:r>
-              <a:rPr lang="en-US" sz="1400" i="1" dirty="0" smtClean="0">
-                <a:latin typeface="Consolas" panose="020B0609020204030204" pitchFamily="49" charset="0"/>
-                <a:cs typeface="Consolas" panose="020B0609020204030204" pitchFamily="49" charset="0"/>
-              </a:rPr>
-              <a:t>what are those numbers?</a:t>
-            </a:r>
-          </a:p>
-          <a:p>
-            <a:pPr marL="0" indent="0">
-              <a:buNone/>
-            </a:pPr>
-            <a:r>
-              <a:rPr lang="en-US" sz="1400" dirty="0">
-                <a:solidFill>
-                  <a:schemeClr val="accent6">
-                    <a:lumMod val="40000"/>
-                    <a:lumOff val="60000"/>
-                  </a:schemeClr>
-                </a:solidFill>
-                <a:latin typeface="Consolas" panose="020B0609020204030204" pitchFamily="49" charset="0"/>
-                <a:cs typeface="Consolas" panose="020B0609020204030204" pitchFamily="49" charset="0"/>
-              </a:rPr>
-              <a:t>~$</a:t>
-            </a:r>
-            <a:r>
-              <a:rPr lang="en-US" sz="1400" dirty="0">
-                <a:latin typeface="Consolas" panose="020B0609020204030204" pitchFamily="49" charset="0"/>
-                <a:cs typeface="Consolas" panose="020B0609020204030204" pitchFamily="49" charset="0"/>
-              </a:rPr>
-              <a:t> </a:t>
-            </a:r>
-            <a:r>
-              <a:rPr lang="en-US" sz="1400" dirty="0" err="1">
-                <a:solidFill>
-                  <a:srgbClr val="00B050"/>
-                </a:solidFill>
-                <a:latin typeface="Consolas" panose="020B0609020204030204" pitchFamily="49" charset="0"/>
-                <a:cs typeface="Consolas" panose="020B0609020204030204" pitchFamily="49" charset="0"/>
-              </a:rPr>
-              <a:t>uniq</a:t>
-            </a:r>
-            <a:r>
-              <a:rPr lang="en-US" sz="1400" dirty="0">
-                <a:solidFill>
-                  <a:srgbClr val="00B050"/>
-                </a:solidFill>
-                <a:latin typeface="Consolas" panose="020B0609020204030204" pitchFamily="49" charset="0"/>
-                <a:cs typeface="Consolas" panose="020B0609020204030204" pitchFamily="49" charset="0"/>
-              </a:rPr>
-              <a:t> </a:t>
-            </a:r>
-            <a:r>
-              <a:rPr lang="en-US" sz="1400" dirty="0" smtClean="0">
-                <a:solidFill>
-                  <a:srgbClr val="00B050"/>
-                </a:solidFill>
-                <a:latin typeface="Consolas" panose="020B0609020204030204" pitchFamily="49" charset="0"/>
-                <a:cs typeface="Consolas" panose="020B0609020204030204" pitchFamily="49" charset="0"/>
-              </a:rPr>
-              <a:t>–d </a:t>
-            </a:r>
-            <a:r>
-              <a:rPr lang="en-US" sz="1400" dirty="0">
-                <a:solidFill>
-                  <a:srgbClr val="00B050"/>
-                </a:solidFill>
-                <a:latin typeface="Consolas" panose="020B0609020204030204" pitchFamily="49" charset="0"/>
-                <a:cs typeface="Consolas" panose="020B0609020204030204" pitchFamily="49" charset="0"/>
-              </a:rPr>
-              <a:t>ids.txt</a:t>
-            </a:r>
-          </a:p>
-          <a:p>
-            <a:pPr marL="0" indent="0">
-              <a:buNone/>
-            </a:pPr>
-            <a:r>
-              <a:rPr lang="en-US" sz="1400" i="1" dirty="0">
-                <a:latin typeface="Consolas" panose="020B0609020204030204" pitchFamily="49" charset="0"/>
-                <a:cs typeface="Consolas" panose="020B0609020204030204" pitchFamily="49" charset="0"/>
-              </a:rPr>
-              <a:t># </a:t>
-            </a:r>
-            <a:r>
-              <a:rPr lang="en-US" sz="1400" i="1" dirty="0" smtClean="0">
-                <a:latin typeface="Consolas" panose="020B0609020204030204" pitchFamily="49" charset="0"/>
-                <a:cs typeface="Consolas" panose="020B0609020204030204" pitchFamily="49" charset="0"/>
-              </a:rPr>
-              <a:t>what are these ids (check the previous results for hint)?</a:t>
-            </a:r>
-            <a:endParaRPr lang="en-US" sz="1400" i="1" dirty="0">
-              <a:latin typeface="Consolas" panose="020B0609020204030204" pitchFamily="49" charset="0"/>
-              <a:cs typeface="Consolas" panose="020B0609020204030204" pitchFamily="49" charset="0"/>
-            </a:endParaRPr>
-          </a:p>
-          <a:p>
-            <a:pPr marL="0" indent="0">
-              <a:buNone/>
-            </a:pPr>
-            <a:r>
-              <a:rPr lang="en-US" sz="1400" dirty="0">
-                <a:solidFill>
-                  <a:schemeClr val="accent6">
-                    <a:lumMod val="40000"/>
-                    <a:lumOff val="60000"/>
-                  </a:schemeClr>
-                </a:solidFill>
-                <a:latin typeface="Consolas" panose="020B0609020204030204" pitchFamily="49" charset="0"/>
-                <a:cs typeface="Consolas" panose="020B0609020204030204" pitchFamily="49" charset="0"/>
-              </a:rPr>
-              <a:t>~$</a:t>
-            </a:r>
-            <a:r>
-              <a:rPr lang="en-US" sz="1400" dirty="0">
-                <a:latin typeface="Consolas" panose="020B0609020204030204" pitchFamily="49" charset="0"/>
-                <a:cs typeface="Consolas" panose="020B0609020204030204" pitchFamily="49" charset="0"/>
-              </a:rPr>
-              <a:t> </a:t>
-            </a:r>
-            <a:r>
-              <a:rPr lang="en-US" sz="1400" dirty="0" err="1">
-                <a:solidFill>
-                  <a:srgbClr val="00B050"/>
-                </a:solidFill>
-                <a:latin typeface="Consolas" panose="020B0609020204030204" pitchFamily="49" charset="0"/>
-                <a:cs typeface="Consolas" panose="020B0609020204030204" pitchFamily="49" charset="0"/>
-              </a:rPr>
-              <a:t>uniq</a:t>
-            </a:r>
-            <a:r>
-              <a:rPr lang="en-US" sz="1400" dirty="0">
-                <a:solidFill>
-                  <a:srgbClr val="00B050"/>
-                </a:solidFill>
-                <a:latin typeface="Consolas" panose="020B0609020204030204" pitchFamily="49" charset="0"/>
-                <a:cs typeface="Consolas" panose="020B0609020204030204" pitchFamily="49" charset="0"/>
-              </a:rPr>
-              <a:t> </a:t>
-            </a:r>
-            <a:r>
-              <a:rPr lang="en-US" sz="1400" dirty="0" smtClean="0">
-                <a:solidFill>
-                  <a:srgbClr val="00B050"/>
-                </a:solidFill>
-                <a:latin typeface="Consolas" panose="020B0609020204030204" pitchFamily="49" charset="0"/>
-                <a:cs typeface="Consolas" panose="020B0609020204030204" pitchFamily="49" charset="0"/>
-              </a:rPr>
-              <a:t>–u </a:t>
-            </a:r>
-            <a:r>
-              <a:rPr lang="en-US" sz="1400" dirty="0">
-                <a:solidFill>
-                  <a:srgbClr val="00B050"/>
-                </a:solidFill>
-                <a:latin typeface="Consolas" panose="020B0609020204030204" pitchFamily="49" charset="0"/>
-                <a:cs typeface="Consolas" panose="020B0609020204030204" pitchFamily="49" charset="0"/>
-              </a:rPr>
-              <a:t>ids.txt</a:t>
-            </a:r>
-          </a:p>
-          <a:p>
-            <a:pPr marL="0" indent="0">
-              <a:buNone/>
-            </a:pPr>
-            <a:r>
-              <a:rPr lang="en-US" sz="1400" i="1" dirty="0">
-                <a:latin typeface="Consolas" panose="020B0609020204030204" pitchFamily="49" charset="0"/>
-                <a:cs typeface="Consolas" panose="020B0609020204030204" pitchFamily="49" charset="0"/>
-              </a:rPr>
-              <a:t># </a:t>
-            </a:r>
-            <a:r>
-              <a:rPr lang="en-US" sz="1400" i="1" dirty="0" smtClean="0">
-                <a:latin typeface="Consolas" panose="020B0609020204030204" pitchFamily="49" charset="0"/>
-                <a:cs typeface="Consolas" panose="020B0609020204030204" pitchFamily="49" charset="0"/>
-              </a:rPr>
-              <a:t>prints unique ids only</a:t>
-            </a:r>
-          </a:p>
-          <a:p>
-            <a:pPr marL="0" indent="0">
-              <a:buNone/>
-            </a:pPr>
-            <a:r>
-              <a:rPr lang="en-US" sz="1400" i="1" dirty="0" smtClean="0">
-                <a:latin typeface="Consolas" panose="020B0609020204030204" pitchFamily="49" charset="0"/>
-                <a:cs typeface="Consolas" panose="020B0609020204030204" pitchFamily="49" charset="0"/>
-              </a:rPr>
-              <a:t># remember, files should be sorted before you use the </a:t>
-            </a:r>
-            <a:r>
-              <a:rPr lang="en-US" sz="1400" i="1" dirty="0" err="1" smtClean="0">
-                <a:latin typeface="Consolas" panose="020B0609020204030204" pitchFamily="49" charset="0"/>
-                <a:cs typeface="Consolas" panose="020B0609020204030204" pitchFamily="49" charset="0"/>
-              </a:rPr>
-              <a:t>uniq</a:t>
-            </a:r>
-            <a:r>
-              <a:rPr lang="en-US" sz="1400" i="1" dirty="0" smtClean="0">
-                <a:latin typeface="Consolas" panose="020B0609020204030204" pitchFamily="49" charset="0"/>
-                <a:cs typeface="Consolas" panose="020B0609020204030204" pitchFamily="49" charset="0"/>
-              </a:rPr>
-              <a:t> command!</a:t>
-            </a:r>
-          </a:p>
-          <a:p>
-            <a:pPr marL="0" indent="0">
-              <a:buNone/>
-            </a:pPr>
-            <a:r>
-              <a:rPr lang="en-US" sz="1400" i="1" dirty="0" smtClean="0">
-                <a:latin typeface="Consolas" panose="020B0609020204030204" pitchFamily="49" charset="0"/>
-                <a:cs typeface="Consolas" panose="020B0609020204030204" pitchFamily="49" charset="0"/>
-              </a:rPr>
-              <a:t># can you come up with single command to sort and call </a:t>
-            </a:r>
-            <a:r>
-              <a:rPr lang="en-US" sz="1400" i="1" dirty="0" err="1" smtClean="0">
-                <a:latin typeface="Consolas" panose="020B0609020204030204" pitchFamily="49" charset="0"/>
-                <a:cs typeface="Consolas" panose="020B0609020204030204" pitchFamily="49" charset="0"/>
-              </a:rPr>
-              <a:t>uniq</a:t>
-            </a:r>
-            <a:r>
-              <a:rPr lang="en-US" sz="1400" i="1" dirty="0" smtClean="0">
-                <a:latin typeface="Consolas" panose="020B0609020204030204" pitchFamily="49" charset="0"/>
-                <a:cs typeface="Consolas" panose="020B0609020204030204" pitchFamily="49" charset="0"/>
-              </a:rPr>
-              <a:t> on a file?</a:t>
-            </a:r>
-          </a:p>
-          <a:p>
-            <a:pPr marL="0" indent="0">
-              <a:buNone/>
-            </a:pPr>
-            <a:r>
-              <a:rPr lang="en-US" sz="1400" i="1" dirty="0" smtClean="0">
-                <a:latin typeface="Consolas" panose="020B0609020204030204" pitchFamily="49" charset="0"/>
-                <a:cs typeface="Consolas" panose="020B0609020204030204" pitchFamily="49" charset="0"/>
-              </a:rPr>
-              <a:t># Hint: pipes</a:t>
-            </a:r>
-            <a:endParaRPr lang="en-US" sz="1400" i="1" dirty="0">
+              <a:rPr lang="de-DE" sz="1400" dirty="0" smtClean="0"/>
+              <a:t/>
+            </a:r>
+            <a:br>
+              <a:rPr lang="de-DE" sz="1400" dirty="0" smtClean="0"/>
+            </a:br>
+            <a:endParaRPr lang="en-US" sz="1400" dirty="0">
+              <a:solidFill>
+                <a:srgbClr val="00B050"/>
+              </a:solidFill>
               <a:latin typeface="Consolas" panose="020B0609020204030204" pitchFamily="49" charset="0"/>
               <a:cs typeface="Consolas" panose="020B0609020204030204" pitchFamily="49" charset="0"/>
             </a:endParaRPr>
@@ -37457,7 +37360,157 @@
     </p:spTree>
     <p:extLst>
       <p:ext uri="{BB962C8B-B14F-4D97-AF65-F5344CB8AC3E}">
-        <p14:creationId xmlns:p14="http://schemas.microsoft.com/office/powerpoint/2010/main" val="1354738217"/>
+        <p14:creationId xmlns:p14="http://schemas.microsoft.com/office/powerpoint/2010/main" val="2230537663"/>
+      </p:ext>
+    </p:extLst>
+  </p:cSld>
+  <p:clrMapOvr>
+    <a:masterClrMapping/>
+  </p:clrMapOvr>
+  <p:timing>
+    <p:tnLst>
+      <p:par>
+        <p:cTn id="1" dur="indefinite" restart="never" nodeType="tmRoot"/>
+      </p:par>
+    </p:tnLst>
+  </p:timing>
+</p:sld>
+</file>
+
+<file path=ppt/slides/slide53.xml><?xml version="1.0" encoding="utf-8"?>
+<p:sld xmlns:a="http://schemas.openxmlformats.org/drawingml/2006/main" xmlns:r="http://schemas.openxmlformats.org/officeDocument/2006/relationships" xmlns:p="http://schemas.openxmlformats.org/presentationml/2006/main">
+  <p:cSld>
+    <p:spTree>
+      <p:nvGrpSpPr>
+        <p:cNvPr id="1" name=""/>
+        <p:cNvGrpSpPr/>
+        <p:nvPr/>
+      </p:nvGrpSpPr>
+      <p:grpSpPr>
+        <a:xfrm>
+          <a:off x="0" y="0"/>
+          <a:ext cx="0" cy="0"/>
+          <a:chOff x="0" y="0"/>
+          <a:chExt cx="0" cy="0"/>
+        </a:xfrm>
+      </p:grpSpPr>
+      <p:sp>
+        <p:nvSpPr>
+          <p:cNvPr id="2" name="Title 1"/>
+          <p:cNvSpPr>
+            <a:spLocks noGrp="1"/>
+          </p:cNvSpPr>
+          <p:nvPr>
+            <p:ph type="title"/>
+          </p:nvPr>
+        </p:nvSpPr>
+        <p:spPr/>
+        <p:txBody>
+          <a:bodyPr/>
+          <a:lstStyle/>
+          <a:p>
+            <a:r>
+              <a:rPr lang="en-US" dirty="0" smtClean="0"/>
+              <a:t>Downloading commands</a:t>
+            </a:r>
+            <a:endParaRPr lang="en-US" dirty="0"/>
+          </a:p>
+        </p:txBody>
+      </p:sp>
+      <p:sp>
+        <p:nvSpPr>
+          <p:cNvPr id="3" name="Content Placeholder 2"/>
+          <p:cNvSpPr>
+            <a:spLocks noGrp="1"/>
+          </p:cNvSpPr>
+          <p:nvPr>
+            <p:ph idx="1"/>
+          </p:nvPr>
+        </p:nvSpPr>
+        <p:spPr/>
+        <p:txBody>
+          <a:bodyPr/>
+          <a:lstStyle/>
+          <a:p>
+            <a:r>
+              <a:rPr lang="en-US" dirty="0" err="1" smtClean="0">
+                <a:solidFill>
+                  <a:srgbClr val="C00000"/>
+                </a:solidFill>
+              </a:rPr>
+              <a:t>wget</a:t>
+            </a:r>
+            <a:r>
+              <a:rPr lang="en-US" dirty="0" smtClean="0">
+                <a:solidFill>
+                  <a:srgbClr val="C00000"/>
+                </a:solidFill>
+              </a:rPr>
+              <a:t> : get</a:t>
+            </a:r>
+            <a:r>
+              <a:rPr lang="en-US" dirty="0" smtClean="0"/>
+              <a:t> the </a:t>
+            </a:r>
+            <a:r>
+              <a:rPr lang="en-US" dirty="0" smtClean="0">
+                <a:solidFill>
+                  <a:srgbClr val="C00000"/>
+                </a:solidFill>
+              </a:rPr>
+              <a:t>w</a:t>
+            </a:r>
+            <a:r>
+              <a:rPr lang="en-US" dirty="0" smtClean="0"/>
+              <a:t>ww link</a:t>
+            </a:r>
+            <a:endParaRPr lang="en-US" dirty="0" smtClean="0"/>
+          </a:p>
+          <a:p>
+            <a:r>
+              <a:rPr lang="en-US" dirty="0" smtClean="0">
+                <a:solidFill>
+                  <a:srgbClr val="C00000"/>
+                </a:solidFill>
+              </a:rPr>
+              <a:t>curl </a:t>
+            </a:r>
+            <a:r>
+              <a:rPr lang="en-US" dirty="0" smtClean="0"/>
+              <a:t>: </a:t>
+            </a:r>
+            <a:r>
+              <a:rPr lang="en-US" dirty="0" smtClean="0">
+                <a:solidFill>
+                  <a:srgbClr val="C00000"/>
+                </a:solidFill>
+              </a:rPr>
+              <a:t>c</a:t>
+            </a:r>
+            <a:r>
+              <a:rPr lang="en-US" dirty="0" smtClean="0"/>
+              <a:t>opy </a:t>
+            </a:r>
+            <a:r>
+              <a:rPr lang="en-US" dirty="0" smtClean="0">
+                <a:solidFill>
+                  <a:srgbClr val="C00000"/>
+                </a:solidFill>
+              </a:rPr>
+              <a:t>URL</a:t>
+            </a:r>
+            <a:endParaRPr lang="en-US" dirty="0" smtClean="0">
+              <a:solidFill>
+                <a:srgbClr val="C00000"/>
+              </a:solidFill>
+            </a:endParaRPr>
+          </a:p>
+        </p:txBody>
+      </p:sp>
+    </p:spTree>
+    <p:extLst>
+      <p:ext uri="{BB962C8B-B14F-4D97-AF65-F5344CB8AC3E}">
+        <p14:creationId xmlns:p14="http://schemas.microsoft.com/office/powerpoint/2010/main" val="3197080020"/>
       </p:ext>
     </p:extLst>
   </p:cSld>

--- a/slides_workshop_as.pptx
+++ b/slides_workshop_as.pptx
@@ -7400,6 +7400,16 @@
           <a:bodyPr/>
           <a:lstStyle/>
           <a:p>
+            <a:r>
+              <a:rPr lang="en-US" dirty="0" smtClean="0"/>
+              <a:t>Arun Seetharam</a:t>
+            </a:r>
+          </a:p>
+          <a:p>
+            <a:r>
+              <a:rPr lang="en-US" dirty="0" smtClean="0"/>
+              <a:t>Genome Informatics Facility</a:t>
+            </a:r>
             <a:endParaRPr lang="en-US" dirty="0"/>
           </a:p>
         </p:txBody>
@@ -13908,7 +13918,35 @@
           <a:bodyPr/>
           <a:lstStyle/>
           <a:p>
-            <a:endParaRPr lang="en-US" dirty="0" smtClean="0"/>
+            <a:r>
+              <a:rPr lang="en-US" dirty="0" smtClean="0"/>
+              <a:t>Masters in Plant Biotechnology, Univ. of Agricultural Sciences, Dharwad.</a:t>
+            </a:r>
+          </a:p>
+          <a:p>
+            <a:r>
+              <a:rPr lang="en-US" dirty="0"/>
+              <a:t>PhD in Evolutionary Biology, Indiana State University (2012)</a:t>
+            </a:r>
+          </a:p>
+          <a:p>
+            <a:r>
+              <a:rPr lang="en-US" dirty="0" smtClean="0"/>
+              <a:t>Post-doc experience @ Bioinformatics core, Purdue University (2012-2013)</a:t>
+            </a:r>
+            <a:endParaRPr lang="en-US" dirty="0"/>
+          </a:p>
+          <a:p>
+            <a:r>
+              <a:rPr lang="en-US" dirty="0" smtClean="0"/>
+              <a:t>Post-doc @ Genome Informatics Facility, Iowa State University (2014-)</a:t>
+            </a:r>
+          </a:p>
+          <a:p>
+            <a:r>
+              <a:rPr lang="en-US" dirty="0" smtClean="0"/>
+              <a:t>Currently working on Genome Assembly and annotation of various plants and animals, and also other bioinformatics projects at GIF.</a:t>
+            </a:r>
           </a:p>
         </p:txBody>
       </p:sp>
@@ -37503,6 +37541,533 @@
               <a:solidFill>
                 <a:srgbClr val="C00000"/>
               </a:solidFill>
+            </a:endParaRPr>
+          </a:p>
+        </p:txBody>
+      </p:sp>
+      <p:sp>
+        <p:nvSpPr>
+          <p:cNvPr id="17" name="Content Placeholder 2"/>
+          <p:cNvSpPr txBox="1">
+            <a:spLocks/>
+          </p:cNvSpPr>
+          <p:nvPr/>
+        </p:nvSpPr>
+        <p:spPr bwMode="auto">
+          <a:xfrm>
+            <a:off x="97654" y="2325757"/>
+            <a:ext cx="8939814" cy="2335695"/>
+          </a:xfrm>
+          <a:prstGeom prst="rect">
+            <a:avLst/>
+          </a:prstGeom>
+          <a:solidFill>
+            <a:schemeClr val="tx1"/>
+          </a:solidFill>
+          <a:ln w="9525">
+            <a:noFill/>
+            <a:miter lim="800000"/>
+            <a:headEnd/>
+            <a:tailEnd/>
+          </a:ln>
+          <a:effectLst/>
+        </p:spPr>
+        <p:txBody>
+          <a:bodyPr vert="horz" wrap="square" lIns="91440" tIns="45720" rIns="91440" bIns="45720" numCol="1" anchor="t" anchorCtr="0" compatLnSpc="1">
+            <a:prstTxWarp prst="textNoShape">
+              <a:avLst/>
+            </a:prstTxWarp>
+          </a:bodyPr>
+          <a:lstStyle>
+            <a:lvl1pPr marL="192881" indent="-192881" algn="l" rtl="0" eaLnBrk="1" fontAlgn="base" hangingPunct="1">
+              <a:spcBef>
+                <a:spcPct val="20000"/>
+              </a:spcBef>
+              <a:spcAft>
+                <a:spcPct val="0"/>
+              </a:spcAft>
+              <a:buClr>
+                <a:srgbClr val="CE1126"/>
+              </a:buClr>
+              <a:buSzPct val="80000"/>
+              <a:buFont typeface="Times" charset="0"/>
+              <a:buChar char="•"/>
+              <a:defRPr sz="2400">
+                <a:solidFill>
+                  <a:srgbClr val="7A6E67"/>
+                </a:solidFill>
+                <a:latin typeface="Segoe UI Semilight" panose="020B0402040204020203" pitchFamily="34" charset="0"/>
+                <a:ea typeface="Segoe UI" panose="020B0502040204020203" pitchFamily="34" charset="0"/>
+                <a:cs typeface="Segoe UI Semilight" panose="020B0402040204020203" pitchFamily="34" charset="0"/>
+              </a:defRPr>
+            </a:lvl1pPr>
+            <a:lvl2pPr marL="417910" indent="-160735" algn="l" rtl="0" eaLnBrk="1" fontAlgn="base" hangingPunct="1">
+              <a:spcBef>
+                <a:spcPct val="20000"/>
+              </a:spcBef>
+              <a:spcAft>
+                <a:spcPct val="0"/>
+              </a:spcAft>
+              <a:buClr>
+                <a:srgbClr val="CE1126"/>
+              </a:buClr>
+              <a:buSzPct val="80000"/>
+              <a:buFont typeface="Times" charset="0"/>
+              <a:buChar char="•"/>
+              <a:defRPr sz="2400">
+                <a:solidFill>
+                  <a:srgbClr val="7A6E67"/>
+                </a:solidFill>
+                <a:latin typeface="Segoe UI Semilight" panose="020B0402040204020203" pitchFamily="34" charset="0"/>
+                <a:ea typeface="Segoe UI" panose="020B0502040204020203" pitchFamily="34" charset="0"/>
+                <a:cs typeface="Segoe UI Semilight" panose="020B0402040204020203" pitchFamily="34" charset="0"/>
+              </a:defRPr>
+            </a:lvl2pPr>
+            <a:lvl3pPr marL="642938" indent="-128588" algn="l" rtl="0" eaLnBrk="1" fontAlgn="base" hangingPunct="1">
+              <a:spcBef>
+                <a:spcPct val="20000"/>
+              </a:spcBef>
+              <a:spcAft>
+                <a:spcPct val="0"/>
+              </a:spcAft>
+              <a:buClr>
+                <a:srgbClr val="CE1126"/>
+              </a:buClr>
+              <a:buSzPct val="80000"/>
+              <a:buFont typeface="Times" charset="0"/>
+              <a:buChar char="•"/>
+              <a:defRPr sz="2400">
+                <a:solidFill>
+                  <a:srgbClr val="7A6E67"/>
+                </a:solidFill>
+                <a:latin typeface="Segoe UI Semilight" panose="020B0402040204020203" pitchFamily="34" charset="0"/>
+                <a:ea typeface="Segoe UI" panose="020B0502040204020203" pitchFamily="34" charset="0"/>
+                <a:cs typeface="Segoe UI Semilight" panose="020B0402040204020203" pitchFamily="34" charset="0"/>
+              </a:defRPr>
+            </a:lvl3pPr>
+            <a:lvl4pPr marL="900113" indent="-128588" algn="l" rtl="0" eaLnBrk="1" fontAlgn="base" hangingPunct="1">
+              <a:spcBef>
+                <a:spcPct val="20000"/>
+              </a:spcBef>
+              <a:spcAft>
+                <a:spcPct val="0"/>
+              </a:spcAft>
+              <a:buClr>
+                <a:srgbClr val="CE1126"/>
+              </a:buClr>
+              <a:buSzPct val="80000"/>
+              <a:buFont typeface="Times" charset="0"/>
+              <a:buChar char="•"/>
+              <a:defRPr sz="2400">
+                <a:solidFill>
+                  <a:srgbClr val="7A6E67"/>
+                </a:solidFill>
+                <a:latin typeface="Segoe UI Semilight" panose="020B0402040204020203" pitchFamily="34" charset="0"/>
+                <a:ea typeface="Segoe UI" panose="020B0502040204020203" pitchFamily="34" charset="0"/>
+                <a:cs typeface="Segoe UI Semilight" panose="020B0402040204020203" pitchFamily="34" charset="0"/>
+              </a:defRPr>
+            </a:lvl4pPr>
+            <a:lvl5pPr marL="1157288" indent="-128588" algn="l" rtl="0" eaLnBrk="1" fontAlgn="base" hangingPunct="1">
+              <a:spcBef>
+                <a:spcPct val="20000"/>
+              </a:spcBef>
+              <a:spcAft>
+                <a:spcPct val="0"/>
+              </a:spcAft>
+              <a:buClr>
+                <a:srgbClr val="CE1126"/>
+              </a:buClr>
+              <a:buSzPct val="80000"/>
+              <a:buFont typeface="Times" charset="0"/>
+              <a:buChar char="•"/>
+              <a:defRPr sz="2400">
+                <a:solidFill>
+                  <a:srgbClr val="7A6E67"/>
+                </a:solidFill>
+                <a:latin typeface="Segoe UI Semilight" panose="020B0402040204020203" pitchFamily="34" charset="0"/>
+                <a:ea typeface="Segoe UI" panose="020B0502040204020203" pitchFamily="34" charset="0"/>
+                <a:cs typeface="Segoe UI Semilight" panose="020B0402040204020203" pitchFamily="34" charset="0"/>
+              </a:defRPr>
+            </a:lvl5pPr>
+            <a:lvl6pPr marL="1414463" indent="-128588" algn="l" rtl="0" eaLnBrk="1" fontAlgn="base" hangingPunct="1">
+              <a:spcBef>
+                <a:spcPct val="20000"/>
+              </a:spcBef>
+              <a:spcAft>
+                <a:spcPct val="0"/>
+              </a:spcAft>
+              <a:buClr>
+                <a:srgbClr val="CE1126"/>
+              </a:buClr>
+              <a:buSzPct val="80000"/>
+              <a:buFont typeface="Times" charset="0"/>
+              <a:buChar char="•"/>
+              <a:defRPr sz="1463">
+                <a:solidFill>
+                  <a:srgbClr val="7A6E67"/>
+                </a:solidFill>
+                <a:latin typeface="+mn-lt"/>
+                <a:ea typeface="Geneva" charset="-128"/>
+              </a:defRPr>
+            </a:lvl6pPr>
+            <a:lvl7pPr marL="1671638" indent="-128588" algn="l" rtl="0" eaLnBrk="1" fontAlgn="base" hangingPunct="1">
+              <a:spcBef>
+                <a:spcPct val="20000"/>
+              </a:spcBef>
+              <a:spcAft>
+                <a:spcPct val="0"/>
+              </a:spcAft>
+              <a:buClr>
+                <a:srgbClr val="CE1126"/>
+              </a:buClr>
+              <a:buSzPct val="80000"/>
+              <a:buFont typeface="Times" charset="0"/>
+              <a:buChar char="•"/>
+              <a:defRPr sz="1463">
+                <a:solidFill>
+                  <a:srgbClr val="7A6E67"/>
+                </a:solidFill>
+                <a:latin typeface="+mn-lt"/>
+                <a:ea typeface="Geneva" charset="-128"/>
+              </a:defRPr>
+            </a:lvl7pPr>
+            <a:lvl8pPr marL="1928813" indent="-128588" algn="l" rtl="0" eaLnBrk="1" fontAlgn="base" hangingPunct="1">
+              <a:spcBef>
+                <a:spcPct val="20000"/>
+              </a:spcBef>
+              <a:spcAft>
+                <a:spcPct val="0"/>
+              </a:spcAft>
+              <a:buClr>
+                <a:srgbClr val="CE1126"/>
+              </a:buClr>
+              <a:buSzPct val="80000"/>
+              <a:buFont typeface="Times" charset="0"/>
+              <a:buChar char="•"/>
+              <a:defRPr sz="1463">
+                <a:solidFill>
+                  <a:srgbClr val="7A6E67"/>
+                </a:solidFill>
+                <a:latin typeface="+mn-lt"/>
+                <a:ea typeface="Geneva" charset="-128"/>
+              </a:defRPr>
+            </a:lvl8pPr>
+            <a:lvl9pPr marL="2185988" indent="-128588" algn="l" rtl="0" eaLnBrk="1" fontAlgn="base" hangingPunct="1">
+              <a:spcBef>
+                <a:spcPct val="20000"/>
+              </a:spcBef>
+              <a:spcAft>
+                <a:spcPct val="0"/>
+              </a:spcAft>
+              <a:buClr>
+                <a:srgbClr val="CE1126"/>
+              </a:buClr>
+              <a:buSzPct val="80000"/>
+              <a:buFont typeface="Times" charset="0"/>
+              <a:buChar char="•"/>
+              <a:defRPr sz="1463">
+                <a:solidFill>
+                  <a:srgbClr val="7A6E67"/>
+                </a:solidFill>
+                <a:latin typeface="+mn-lt"/>
+                <a:ea typeface="Geneva" charset="-128"/>
+              </a:defRPr>
+            </a:lvl9pPr>
+          </a:lstStyle>
+          <a:p>
+            <a:pPr marL="0" indent="0">
+              <a:buFont typeface="Times" charset="0"/>
+              <a:buNone/>
+            </a:pPr>
+            <a:r>
+              <a:rPr lang="en-US" sz="1400" i="1" kern="0" dirty="0" smtClean="0">
+                <a:latin typeface="Consolas" panose="020B0609020204030204" pitchFamily="49" charset="0"/>
+                <a:cs typeface="Consolas" panose="020B0609020204030204" pitchFamily="49" charset="0"/>
+              </a:rPr>
+              <a:t># Make sure you are in WORKSHOP_FILES directory</a:t>
+            </a:r>
+          </a:p>
+          <a:p>
+            <a:pPr marL="0" indent="0">
+              <a:buFont typeface="Times" charset="0"/>
+              <a:buNone/>
+            </a:pPr>
+            <a:r>
+              <a:rPr lang="en-US" sz="1400" kern="0" dirty="0" smtClean="0">
+                <a:solidFill>
+                  <a:schemeClr val="accent6">
+                    <a:lumMod val="40000"/>
+                    <a:lumOff val="60000"/>
+                  </a:schemeClr>
+                </a:solidFill>
+                <a:latin typeface="Consolas" panose="020B0609020204030204" pitchFamily="49" charset="0"/>
+                <a:cs typeface="Consolas" panose="020B0609020204030204" pitchFamily="49" charset="0"/>
+              </a:rPr>
+              <a:t>~$</a:t>
+            </a:r>
+            <a:r>
+              <a:rPr lang="en-US" sz="1400" kern="0" dirty="0" smtClean="0">
+                <a:latin typeface="Consolas" panose="020B0609020204030204" pitchFamily="49" charset="0"/>
+                <a:cs typeface="Consolas" panose="020B0609020204030204" pitchFamily="49" charset="0"/>
+              </a:rPr>
+              <a:t> </a:t>
+            </a:r>
+            <a:r>
+              <a:rPr lang="en-US" sz="1400" kern="0" dirty="0" err="1" smtClean="0">
+                <a:solidFill>
+                  <a:srgbClr val="00B050"/>
+                </a:solidFill>
+                <a:latin typeface="Consolas" panose="020B0609020204030204" pitchFamily="49" charset="0"/>
+                <a:cs typeface="Consolas" panose="020B0609020204030204" pitchFamily="49" charset="0"/>
+              </a:rPr>
+              <a:t>pwd</a:t>
+            </a:r>
+            <a:endParaRPr lang="en-US" sz="1400" kern="0" dirty="0" smtClean="0">
+              <a:solidFill>
+                <a:srgbClr val="00B050"/>
+              </a:solidFill>
+              <a:latin typeface="Consolas" panose="020B0609020204030204" pitchFamily="49" charset="0"/>
+              <a:cs typeface="Consolas" panose="020B0609020204030204" pitchFamily="49" charset="0"/>
+            </a:endParaRPr>
+          </a:p>
+          <a:p>
+            <a:pPr marL="0" indent="0">
+              <a:buFont typeface="Times" charset="0"/>
+              <a:buNone/>
+            </a:pPr>
+            <a:r>
+              <a:rPr lang="en-US" sz="1400" kern="0" dirty="0" smtClean="0">
+                <a:solidFill>
+                  <a:srgbClr val="00B050"/>
+                </a:solidFill>
+                <a:latin typeface="Consolas" panose="020B0609020204030204" pitchFamily="49" charset="0"/>
+                <a:cs typeface="Consolas" panose="020B0609020204030204" pitchFamily="49" charset="0"/>
+              </a:rPr>
+              <a:t>/home/</a:t>
+            </a:r>
+            <a:r>
+              <a:rPr lang="en-US" sz="1400" kern="0" dirty="0" err="1" smtClean="0">
+                <a:solidFill>
+                  <a:srgbClr val="00B050"/>
+                </a:solidFill>
+                <a:latin typeface="Consolas" panose="020B0609020204030204" pitchFamily="49" charset="0"/>
+                <a:cs typeface="Consolas" panose="020B0609020204030204" pitchFamily="49" charset="0"/>
+              </a:rPr>
+              <a:t>arnstrm</a:t>
+            </a:r>
+            <a:r>
+              <a:rPr lang="en-US" sz="1400" kern="0" dirty="0" smtClean="0">
+                <a:solidFill>
+                  <a:srgbClr val="00B050"/>
+                </a:solidFill>
+                <a:latin typeface="Consolas" panose="020B0609020204030204" pitchFamily="49" charset="0"/>
+                <a:cs typeface="Consolas" panose="020B0609020204030204" pitchFamily="49" charset="0"/>
+              </a:rPr>
+              <a:t>/WORKSHOP_FILES</a:t>
+            </a:r>
+          </a:p>
+          <a:p>
+            <a:pPr marL="0" indent="0">
+              <a:buFont typeface="Times" charset="0"/>
+              <a:buNone/>
+            </a:pPr>
+            <a:r>
+              <a:rPr lang="en-US" sz="1400" i="1" kern="0" dirty="0" smtClean="0">
+                <a:latin typeface="Consolas" panose="020B0609020204030204" pitchFamily="49" charset="0"/>
+                <a:cs typeface="Consolas" panose="020B0609020204030204" pitchFamily="49" charset="0"/>
+              </a:rPr>
+              <a:t># download file</a:t>
+            </a:r>
+          </a:p>
+          <a:p>
+            <a:pPr marL="0" indent="0">
+              <a:buNone/>
+            </a:pPr>
+            <a:r>
+              <a:rPr lang="en-US" sz="1400" kern="0" dirty="0" smtClean="0">
+                <a:solidFill>
+                  <a:schemeClr val="accent6">
+                    <a:lumMod val="40000"/>
+                    <a:lumOff val="60000"/>
+                  </a:schemeClr>
+                </a:solidFill>
+                <a:latin typeface="Consolas" panose="020B0609020204030204" pitchFamily="49" charset="0"/>
+                <a:cs typeface="Consolas" panose="020B0609020204030204" pitchFamily="49" charset="0"/>
+              </a:rPr>
+              <a:t>~$</a:t>
+            </a:r>
+            <a:r>
+              <a:rPr lang="en-US" sz="1400" kern="0" dirty="0" smtClean="0">
+                <a:latin typeface="Consolas" panose="020B0609020204030204" pitchFamily="49" charset="0"/>
+                <a:cs typeface="Consolas" panose="020B0609020204030204" pitchFamily="49" charset="0"/>
+              </a:rPr>
+              <a:t> </a:t>
+            </a:r>
+            <a:r>
+              <a:rPr lang="en-US" sz="1400" kern="0" dirty="0" err="1" smtClean="0">
+                <a:solidFill>
+                  <a:srgbClr val="00B050"/>
+                </a:solidFill>
+                <a:latin typeface="Consolas" panose="020B0609020204030204" pitchFamily="49" charset="0"/>
+                <a:cs typeface="Consolas" panose="020B0609020204030204" pitchFamily="49" charset="0"/>
+              </a:rPr>
+              <a:t>wget</a:t>
+            </a:r>
+            <a:r>
+              <a:rPr lang="en-US" sz="1400" kern="0" dirty="0">
+                <a:solidFill>
+                  <a:srgbClr val="00B050"/>
+                </a:solidFill>
+                <a:latin typeface="Consolas" panose="020B0609020204030204" pitchFamily="49" charset="0"/>
+                <a:cs typeface="Consolas" panose="020B0609020204030204" pitchFamily="49" charset="0"/>
+              </a:rPr>
+              <a:t> http://</a:t>
+            </a:r>
+            <a:r>
+              <a:rPr lang="en-US" sz="1400" kern="0" dirty="0" smtClean="0">
+                <a:solidFill>
+                  <a:srgbClr val="00B050"/>
+                </a:solidFill>
+                <a:latin typeface="Consolas" panose="020B0609020204030204" pitchFamily="49" charset="0"/>
+                <a:cs typeface="Consolas" panose="020B0609020204030204" pitchFamily="49" charset="0"/>
+              </a:rPr>
+              <a:t>goo.gl/CDXx15</a:t>
+            </a:r>
+          </a:p>
+          <a:p>
+            <a:pPr marL="0" indent="0">
+              <a:buNone/>
+            </a:pPr>
+            <a:r>
+              <a:rPr lang="en-US" sz="1400" i="1" kern="0" dirty="0">
+                <a:latin typeface="Consolas" panose="020B0609020204030204" pitchFamily="49" charset="0"/>
+                <a:cs typeface="Consolas" panose="020B0609020204030204" pitchFamily="49" charset="0"/>
+              </a:rPr>
+              <a:t># </a:t>
+            </a:r>
+            <a:r>
+              <a:rPr lang="en-US" sz="1400" i="1" kern="0" dirty="0" smtClean="0">
+                <a:latin typeface="Consolas" panose="020B0609020204030204" pitchFamily="49" charset="0"/>
+                <a:cs typeface="Consolas" panose="020B0609020204030204" pitchFamily="49" charset="0"/>
+              </a:rPr>
+              <a:t>if you don’t have </a:t>
+            </a:r>
+            <a:r>
+              <a:rPr lang="en-US" sz="1400" i="1" kern="0" dirty="0" err="1" smtClean="0">
+                <a:latin typeface="Consolas" panose="020B0609020204030204" pitchFamily="49" charset="0"/>
+                <a:cs typeface="Consolas" panose="020B0609020204030204" pitchFamily="49" charset="0"/>
+              </a:rPr>
+              <a:t>wget</a:t>
+            </a:r>
+            <a:r>
+              <a:rPr lang="en-US" sz="1400" i="1" kern="0" dirty="0" smtClean="0">
+                <a:latin typeface="Consolas" panose="020B0609020204030204" pitchFamily="49" charset="0"/>
+                <a:cs typeface="Consolas" panose="020B0609020204030204" pitchFamily="49" charset="0"/>
+              </a:rPr>
+              <a:t>, try curl</a:t>
+            </a:r>
+            <a:endParaRPr lang="en-US" sz="1400" i="1" kern="0" dirty="0">
+              <a:latin typeface="Consolas" panose="020B0609020204030204" pitchFamily="49" charset="0"/>
+              <a:cs typeface="Consolas" panose="020B0609020204030204" pitchFamily="49" charset="0"/>
+            </a:endParaRPr>
+          </a:p>
+          <a:p>
+            <a:pPr marL="0" indent="0">
+              <a:buNone/>
+            </a:pPr>
+            <a:r>
+              <a:rPr lang="en-US" sz="1400" kern="0" dirty="0" smtClean="0">
+                <a:solidFill>
+                  <a:schemeClr val="accent6">
+                    <a:lumMod val="40000"/>
+                    <a:lumOff val="60000"/>
+                  </a:schemeClr>
+                </a:solidFill>
+                <a:latin typeface="Consolas" panose="020B0609020204030204" pitchFamily="49" charset="0"/>
+                <a:cs typeface="Consolas" panose="020B0609020204030204" pitchFamily="49" charset="0"/>
+              </a:rPr>
+              <a:t>~$</a:t>
+            </a:r>
+            <a:r>
+              <a:rPr lang="en-US" sz="1400" kern="0" dirty="0" smtClean="0">
+                <a:latin typeface="Consolas" panose="020B0609020204030204" pitchFamily="49" charset="0"/>
+                <a:cs typeface="Consolas" panose="020B0609020204030204" pitchFamily="49" charset="0"/>
+              </a:rPr>
+              <a:t> </a:t>
+            </a:r>
+            <a:r>
+              <a:rPr lang="en-US" sz="1400" kern="0" dirty="0" smtClean="0">
+                <a:solidFill>
+                  <a:srgbClr val="00B050"/>
+                </a:solidFill>
+                <a:latin typeface="Consolas" panose="020B0609020204030204" pitchFamily="49" charset="0"/>
+                <a:cs typeface="Consolas" panose="020B0609020204030204" pitchFamily="49" charset="0"/>
+              </a:rPr>
+              <a:t>curl –O http</a:t>
+            </a:r>
+            <a:r>
+              <a:rPr lang="en-US" sz="1400" kern="0" dirty="0">
+                <a:solidFill>
+                  <a:srgbClr val="00B050"/>
+                </a:solidFill>
+                <a:latin typeface="Consolas" panose="020B0609020204030204" pitchFamily="49" charset="0"/>
+                <a:cs typeface="Consolas" panose="020B0609020204030204" pitchFamily="49" charset="0"/>
+              </a:rPr>
+              <a:t>://</a:t>
+            </a:r>
+            <a:r>
+              <a:rPr lang="en-US" sz="1400" kern="0" dirty="0" smtClean="0">
+                <a:solidFill>
+                  <a:srgbClr val="00B050"/>
+                </a:solidFill>
+                <a:latin typeface="Consolas" panose="020B0609020204030204" pitchFamily="49" charset="0"/>
+                <a:cs typeface="Consolas" panose="020B0609020204030204" pitchFamily="49" charset="0"/>
+              </a:rPr>
+              <a:t>goo.gl/CDXx1</a:t>
+            </a:r>
+          </a:p>
+          <a:p>
+            <a:pPr marL="0" indent="0">
+              <a:buNone/>
+            </a:pPr>
+            <a:r>
+              <a:rPr lang="en-US" sz="1400" i="1" kern="0" dirty="0" smtClean="0">
+                <a:latin typeface="Consolas" panose="020B0609020204030204" pitchFamily="49" charset="0"/>
+                <a:cs typeface="Consolas" panose="020B0609020204030204" pitchFamily="49" charset="0"/>
+              </a:rPr>
+              <a:t># when you do ls, you should see a </a:t>
+            </a:r>
+            <a:r>
+              <a:rPr lang="en-US" sz="1400" i="1" kern="0" dirty="0" err="1" smtClean="0">
+                <a:latin typeface="Consolas" panose="020B0609020204030204" pitchFamily="49" charset="0"/>
+                <a:cs typeface="Consolas" panose="020B0609020204030204" pitchFamily="49" charset="0"/>
+              </a:rPr>
+              <a:t>gzipped</a:t>
+            </a:r>
+            <a:r>
+              <a:rPr lang="en-US" sz="1400" i="1" kern="0" dirty="0" smtClean="0">
+                <a:latin typeface="Consolas" panose="020B0609020204030204" pitchFamily="49" charset="0"/>
+                <a:cs typeface="Consolas" panose="020B0609020204030204" pitchFamily="49" charset="0"/>
+              </a:rPr>
+              <a:t> </a:t>
+            </a:r>
+            <a:r>
+              <a:rPr lang="en-US" sz="1400" i="1" kern="0" dirty="0">
+                <a:latin typeface="Consolas" panose="020B0609020204030204" pitchFamily="49" charset="0"/>
+                <a:cs typeface="Consolas" panose="020B0609020204030204" pitchFamily="49" charset="0"/>
+              </a:rPr>
+              <a:t>file “</a:t>
+            </a:r>
+            <a:r>
+              <a:rPr lang="en-US" sz="1400" i="1" kern="0" dirty="0" smtClean="0">
+                <a:latin typeface="Consolas" panose="020B0609020204030204" pitchFamily="49" charset="0"/>
+                <a:cs typeface="Consolas" panose="020B0609020204030204" pitchFamily="49" charset="0"/>
+              </a:rPr>
+              <a:t>Gmax_189_annotation_info.txt.gz”</a:t>
+            </a:r>
+            <a:endParaRPr lang="en-US" sz="1400" i="1" kern="0" dirty="0">
+              <a:latin typeface="Consolas" panose="020B0609020204030204" pitchFamily="49" charset="0"/>
+              <a:cs typeface="Consolas" panose="020B0609020204030204" pitchFamily="49" charset="0"/>
             </a:endParaRPr>
           </a:p>
         </p:txBody>

--- a/slides_workshop_as.pptx
+++ b/slides_workshop_as.pptx
@@ -13945,7 +13945,7 @@
           <a:p>
             <a:r>
               <a:rPr lang="en-US" dirty="0" smtClean="0"/>
-              <a:t>Currently working on Genome Assembly and annotation of various plants and animals, and also other bioinformatics projects at GIF.</a:t>
+              <a:t>Currently working on Genome Assembly and annotation of various plants and animals, and also on other bioinformatics projects at GIF.</a:t>
             </a:r>
           </a:p>
         </p:txBody>
@@ -19576,44 +19576,9 @@
             </a:r>
             <a:r>
               <a:rPr lang="en-US" dirty="0" smtClean="0"/>
-              <a:t>: </a:t>
-            </a:r>
-            <a:r>
-              <a:rPr lang="en-US" dirty="0" smtClean="0">
-                <a:solidFill>
-                  <a:srgbClr val="C00000"/>
-                </a:solidFill>
-              </a:rPr>
-              <a:t>m</a:t>
-            </a:r>
-            <a:r>
-              <a:rPr lang="en-US" dirty="0" smtClean="0"/>
-              <a:t>a</a:t>
-            </a:r>
-            <a:r>
-              <a:rPr lang="en-US" dirty="0" smtClean="0">
-                <a:solidFill>
-                  <a:srgbClr val="C00000"/>
-                </a:solidFill>
-              </a:rPr>
-              <a:t>k</a:t>
-            </a:r>
-            <a:r>
-              <a:rPr lang="en-US" dirty="0" smtClean="0"/>
-              <a:t>e </a:t>
-            </a:r>
-            <a:r>
-              <a:rPr lang="en-US" dirty="0" smtClean="0">
-                <a:solidFill>
-                  <a:srgbClr val="C00000"/>
-                </a:solidFill>
-              </a:rPr>
-              <a:t>dir</a:t>
-            </a:r>
-            <a:r>
-              <a:rPr lang="en-US" dirty="0" smtClean="0"/>
-              <a:t>ectory</a:t>
-            </a:r>
+              <a:t>: view file with more options</a:t>
+            </a:r>
+            <a:endParaRPr lang="en-US" dirty="0" smtClean="0"/>
           </a:p>
           <a:p>
             <a:pPr lvl="1"/>
@@ -19630,16 +19595,28 @@
               <a:t>: </a:t>
             </a:r>
             <a:r>
+              <a:rPr lang="en-US" dirty="0"/>
+              <a:t>view file with </a:t>
+            </a:r>
+            <a:r>
+              <a:rPr lang="en-US" dirty="0" smtClean="0"/>
+              <a:t>less options</a:t>
+            </a:r>
+            <a:endParaRPr lang="en-US" dirty="0"/>
+          </a:p>
+          <a:p>
+            <a:pPr lvl="1"/>
+            <a:r>
               <a:rPr lang="en-US" dirty="0" smtClean="0">
                 <a:solidFill>
                   <a:srgbClr val="C00000"/>
                 </a:solidFill>
               </a:rPr>
-              <a:t>r</a:t>
+              <a:t>cat</a:t>
             </a:r>
             <a:r>
               <a:rPr lang="en-US" dirty="0" smtClean="0"/>
-              <a:t>e</a:t>
+              <a:t> : </a:t>
             </a:r>
             <a:r>
               <a:rPr lang="en-US" dirty="0" smtClean="0">
@@ -19647,38 +19624,11 @@
                   <a:srgbClr val="C00000"/>
                 </a:solidFill>
               </a:rPr>
-              <a:t>m</a:t>
+              <a:t>cat</a:t>
             </a:r>
             <a:r>
               <a:rPr lang="en-US" dirty="0" smtClean="0"/>
-              <a:t>ove </a:t>
-            </a:r>
-            <a:r>
-              <a:rPr lang="en-US" dirty="0">
-                <a:solidFill>
-                  <a:srgbClr val="C00000"/>
-                </a:solidFill>
-              </a:rPr>
-              <a:t>dir</a:t>
-            </a:r>
-            <a:r>
-              <a:rPr lang="en-US" dirty="0"/>
-              <a:t>ectory</a:t>
-            </a:r>
-          </a:p>
-          <a:p>
-            <a:pPr lvl="1"/>
-            <a:r>
-              <a:rPr lang="en-US" dirty="0" smtClean="0">
-                <a:solidFill>
-                  <a:srgbClr val="C00000"/>
-                </a:solidFill>
-              </a:rPr>
-              <a:t>cat</a:t>
-            </a:r>
-            <a:r>
-              <a:rPr lang="en-US" dirty="0" smtClean="0"/>
-              <a:t> : creates an empty file</a:t>
+              <a:t>alog a file</a:t>
             </a:r>
             <a:endParaRPr lang="en-US" dirty="0" smtClean="0">
               <a:solidFill>
@@ -19703,30 +19653,18 @@
             <a:r>
               <a:rPr lang="en-US" dirty="0" smtClean="0">
                 <a:solidFill>
-                  <a:srgbClr val="C00000"/>
-                </a:solidFill>
-              </a:rPr>
-              <a:t>r</a:t>
-            </a:r>
-            <a:r>
-              <a:rPr lang="en-US" dirty="0" smtClean="0"/>
-              <a:t>e</a:t>
-            </a:r>
-            <a:r>
-              <a:rPr lang="en-US" dirty="0" smtClean="0">
-                <a:solidFill>
-                  <a:srgbClr val="C00000"/>
-                </a:solidFill>
-              </a:rPr>
-              <a:t>m</a:t>
-            </a:r>
-            <a:r>
-              <a:rPr lang="en-US" dirty="0" smtClean="0"/>
-              <a:t>oves file</a:t>
+                  <a:schemeClr val="bg1">
+                    <a:lumMod val="50000"/>
+                  </a:schemeClr>
+                </a:solidFill>
+              </a:rPr>
+              <a:t>show the head portion of the files</a:t>
             </a:r>
             <a:endParaRPr lang="en-US" dirty="0" smtClean="0">
               <a:solidFill>
-                <a:srgbClr val="C00000"/>
+                <a:schemeClr val="bg1">
+                  <a:lumMod val="50000"/>
+                </a:schemeClr>
               </a:solidFill>
             </a:endParaRPr>
           </a:p>
@@ -19742,7 +19680,11 @@
             </a:r>
             <a:r>
               <a:rPr lang="en-US" dirty="0" smtClean="0"/>
-              <a:t>: default command line file editor</a:t>
+              <a:t>: </a:t>
+            </a:r>
+            <a:r>
+              <a:rPr lang="en-US" dirty="0" smtClean="0"/>
+              <a:t>show the tail end of the file</a:t>
             </a:r>
             <a:endParaRPr lang="en-US" dirty="0"/>
           </a:p>

--- a/slides_workshop_as.pptx
+++ b/slides_workshop_as.pptx
@@ -10965,7 +10965,21 @@
                 <a:latin typeface="Consolas" panose="020B0609020204030204" pitchFamily="49" charset="0"/>
                 <a:cs typeface="Consolas" panose="020B0609020204030204" pitchFamily="49" charset="0"/>
               </a:rPr>
-              <a:t># go to the ‘BASIC’ folder in ‘WORKSHOP_FILES’</a:t>
+              <a:t># go to the </a:t>
+            </a:r>
+            <a:r>
+              <a:rPr lang="en-US" sz="1400" i="1" dirty="0" smtClean="0">
+                <a:latin typeface="Consolas" panose="020B0609020204030204" pitchFamily="49" charset="0"/>
+                <a:cs typeface="Consolas" panose="020B0609020204030204" pitchFamily="49" charset="0"/>
+              </a:rPr>
+              <a:t>‘basic’ </a:t>
+            </a:r>
+            <a:r>
+              <a:rPr lang="en-US" sz="1400" i="1" dirty="0" smtClean="0">
+                <a:latin typeface="Consolas" panose="020B0609020204030204" pitchFamily="49" charset="0"/>
+                <a:cs typeface="Consolas" panose="020B0609020204030204" pitchFamily="49" charset="0"/>
+              </a:rPr>
+              <a:t>folder in ‘WORKSHOP_FILES’</a:t>
             </a:r>
           </a:p>
           <a:p>
